--- a/README.pptx
+++ b/README.pptx
@@ -5,16 +5,17 @@
     <p:sldMasterId id="2147483648" r:id="rId1"/>
   </p:sldMasterIdLst>
   <p:sldIdLst>
-    <p:sldId id="256" r:id="rId2"/>
-    <p:sldId id="257" r:id="rId3"/>
-    <p:sldId id="258" r:id="rId4"/>
-    <p:sldId id="259" r:id="rId5"/>
-    <p:sldId id="260" r:id="rId6"/>
-    <p:sldId id="262" r:id="rId7"/>
-    <p:sldId id="264" r:id="rId8"/>
-    <p:sldId id="263" r:id="rId9"/>
-    <p:sldId id="261" r:id="rId10"/>
-    <p:sldId id="265" r:id="rId11"/>
+    <p:sldId id="266" r:id="rId2"/>
+    <p:sldId id="256" r:id="rId3"/>
+    <p:sldId id="257" r:id="rId4"/>
+    <p:sldId id="258" r:id="rId5"/>
+    <p:sldId id="259" r:id="rId6"/>
+    <p:sldId id="260" r:id="rId7"/>
+    <p:sldId id="262" r:id="rId8"/>
+    <p:sldId id="264" r:id="rId9"/>
+    <p:sldId id="263" r:id="rId10"/>
+    <p:sldId id="261" r:id="rId11"/>
+    <p:sldId id="265" r:id="rId12"/>
   </p:sldIdLst>
   <p:sldSz cx="12192000" cy="6858000"/>
   <p:notesSz cx="6858000" cy="9144000"/>
@@ -270,7 +271,7 @@
           <a:p>
             <a:fld id="{38343933-294A-4F21-A3F5-6650284E422B}" type="datetimeFigureOut">
               <a:rPr lang="en-GB" smtClean="0"/>
-              <a:t>05/02/2022</a:t>
+              <a:t>06/02/2022</a:t>
             </a:fld>
             <a:endParaRPr lang="en-GB"/>
           </a:p>
@@ -470,7 +471,7 @@
           <a:p>
             <a:fld id="{38343933-294A-4F21-A3F5-6650284E422B}" type="datetimeFigureOut">
               <a:rPr lang="en-GB" smtClean="0"/>
-              <a:t>05/02/2022</a:t>
+              <a:t>06/02/2022</a:t>
             </a:fld>
             <a:endParaRPr lang="en-GB"/>
           </a:p>
@@ -680,7 +681,7 @@
           <a:p>
             <a:fld id="{38343933-294A-4F21-A3F5-6650284E422B}" type="datetimeFigureOut">
               <a:rPr lang="en-GB" smtClean="0"/>
-              <a:t>05/02/2022</a:t>
+              <a:t>06/02/2022</a:t>
             </a:fld>
             <a:endParaRPr lang="en-GB"/>
           </a:p>
@@ -880,7 +881,7 @@
           <a:p>
             <a:fld id="{38343933-294A-4F21-A3F5-6650284E422B}" type="datetimeFigureOut">
               <a:rPr lang="en-GB" smtClean="0"/>
-              <a:t>05/02/2022</a:t>
+              <a:t>06/02/2022</a:t>
             </a:fld>
             <a:endParaRPr lang="en-GB"/>
           </a:p>
@@ -1156,7 +1157,7 @@
           <a:p>
             <a:fld id="{38343933-294A-4F21-A3F5-6650284E422B}" type="datetimeFigureOut">
               <a:rPr lang="en-GB" smtClean="0"/>
-              <a:t>05/02/2022</a:t>
+              <a:t>06/02/2022</a:t>
             </a:fld>
             <a:endParaRPr lang="en-GB"/>
           </a:p>
@@ -1424,7 +1425,7 @@
           <a:p>
             <a:fld id="{38343933-294A-4F21-A3F5-6650284E422B}" type="datetimeFigureOut">
               <a:rPr lang="en-GB" smtClean="0"/>
-              <a:t>05/02/2022</a:t>
+              <a:t>06/02/2022</a:t>
             </a:fld>
             <a:endParaRPr lang="en-GB"/>
           </a:p>
@@ -1839,7 +1840,7 @@
           <a:p>
             <a:fld id="{38343933-294A-4F21-A3F5-6650284E422B}" type="datetimeFigureOut">
               <a:rPr lang="en-GB" smtClean="0"/>
-              <a:t>05/02/2022</a:t>
+              <a:t>06/02/2022</a:t>
             </a:fld>
             <a:endParaRPr lang="en-GB"/>
           </a:p>
@@ -1981,7 +1982,7 @@
           <a:p>
             <a:fld id="{38343933-294A-4F21-A3F5-6650284E422B}" type="datetimeFigureOut">
               <a:rPr lang="en-GB" smtClean="0"/>
-              <a:t>05/02/2022</a:t>
+              <a:t>06/02/2022</a:t>
             </a:fld>
             <a:endParaRPr lang="en-GB"/>
           </a:p>
@@ -2094,7 +2095,7 @@
           <a:p>
             <a:fld id="{38343933-294A-4F21-A3F5-6650284E422B}" type="datetimeFigureOut">
               <a:rPr lang="en-GB" smtClean="0"/>
-              <a:t>05/02/2022</a:t>
+              <a:t>06/02/2022</a:t>
             </a:fld>
             <a:endParaRPr lang="en-GB"/>
           </a:p>
@@ -2407,7 +2408,7 @@
           <a:p>
             <a:fld id="{38343933-294A-4F21-A3F5-6650284E422B}" type="datetimeFigureOut">
               <a:rPr lang="en-GB" smtClean="0"/>
-              <a:t>05/02/2022</a:t>
+              <a:t>06/02/2022</a:t>
             </a:fld>
             <a:endParaRPr lang="en-GB"/>
           </a:p>
@@ -2696,7 +2697,7 @@
           <a:p>
             <a:fld id="{38343933-294A-4F21-A3F5-6650284E422B}" type="datetimeFigureOut">
               <a:rPr lang="en-GB" smtClean="0"/>
-              <a:t>05/02/2022</a:t>
+              <a:t>06/02/2022</a:t>
             </a:fld>
             <a:endParaRPr lang="en-GB"/>
           </a:p>
@@ -2939,7 +2940,7 @@
           <a:p>
             <a:fld id="{38343933-294A-4F21-A3F5-6650284E422B}" type="datetimeFigureOut">
               <a:rPr lang="en-GB" smtClean="0"/>
-              <a:t>05/02/2022</a:t>
+              <a:t>06/02/2022</a:t>
             </a:fld>
             <a:endParaRPr lang="en-GB"/>
           </a:p>
@@ -3358,10 +3359,10 @@
       </p:grpSpPr>
       <p:pic>
         <p:nvPicPr>
-          <p:cNvPr id="5" name="그림 4">
-            <a:extLst>
-              <a:ext uri="{FF2B5EF4-FFF2-40B4-BE49-F238E27FC236}">
-                <a16:creationId xmlns:a16="http://schemas.microsoft.com/office/drawing/2014/main" id="{BC29C954-AECD-4709-BD41-8EA6ACFA2EEE}"/>
+          <p:cNvPr id="7" name="그림 6">
+            <a:extLst>
+              <a:ext uri="{FF2B5EF4-FFF2-40B4-BE49-F238E27FC236}">
+                <a16:creationId xmlns:a16="http://schemas.microsoft.com/office/drawing/2014/main" id="{021042F5-6B9B-4275-BCD4-DB3827857E62}"/>
               </a:ext>
             </a:extLst>
           </p:cNvPr>
@@ -3378,8 +3379,8 @@
         </p:blipFill>
         <p:spPr>
           <a:xfrm>
-            <a:off x="894178" y="269696"/>
-            <a:ext cx="5865211" cy="6318607"/>
+            <a:off x="832206" y="503621"/>
+            <a:ext cx="10263185" cy="5547857"/>
           </a:xfrm>
           <a:prstGeom prst="rect">
             <a:avLst/>
@@ -3388,10 +3389,10 @@
       </p:pic>
       <p:sp>
         <p:nvSpPr>
-          <p:cNvPr id="6" name="타원 5">
-            <a:extLst>
-              <a:ext uri="{FF2B5EF4-FFF2-40B4-BE49-F238E27FC236}">
-                <a16:creationId xmlns:a16="http://schemas.microsoft.com/office/drawing/2014/main" id="{036F808E-5871-4346-B4B6-6FA5943AAD62}"/>
+          <p:cNvPr id="9" name="오른쪽 중괄호 8">
+            <a:extLst>
+              <a:ext uri="{FF2B5EF4-FFF2-40B4-BE49-F238E27FC236}">
+                <a16:creationId xmlns:a16="http://schemas.microsoft.com/office/drawing/2014/main" id="{331F9615-70B9-4295-AB95-6313B87216BC}"/>
               </a:ext>
             </a:extLst>
           </p:cNvPr>
@@ -3400,73 +3401,19 @@
         </p:nvSpPr>
         <p:spPr>
           <a:xfrm>
-            <a:off x="2008598" y="940085"/>
-            <a:ext cx="837344" cy="775699"/>
-          </a:xfrm>
-          <a:prstGeom prst="ellipse">
-            <a:avLst/>
-          </a:prstGeom>
-          <a:noFill/>
-          <a:ln w="76200">
-            <a:solidFill>
-              <a:srgbClr val="C00000"/>
-            </a:solidFill>
-          </a:ln>
-        </p:spPr>
-        <p:style>
-          <a:lnRef idx="2">
-            <a:schemeClr val="accent1">
-              <a:shade val="50000"/>
-            </a:schemeClr>
-          </a:lnRef>
-          <a:fillRef idx="1">
-            <a:schemeClr val="accent1"/>
-          </a:fillRef>
-          <a:effectRef idx="0">
-            <a:schemeClr val="accent1"/>
-          </a:effectRef>
-          <a:fontRef idx="minor">
-            <a:schemeClr val="lt1"/>
-          </a:fontRef>
-        </p:style>
-        <p:txBody>
-          <a:bodyPr rtlCol="0" anchor="ctr"/>
-          <a:lstStyle/>
-          <a:p>
-            <a:pPr algn="ctr"/>
-            <a:endParaRPr lang="en-GB"/>
-          </a:p>
-        </p:txBody>
-      </p:sp>
-      <p:cxnSp>
-        <p:nvCxnSpPr>
-          <p:cNvPr id="8" name="직선 화살표 연결선 7">
-            <a:extLst>
-              <a:ext uri="{FF2B5EF4-FFF2-40B4-BE49-F238E27FC236}">
-                <a16:creationId xmlns:a16="http://schemas.microsoft.com/office/drawing/2014/main" id="{7E5D3940-B5BC-4747-85CE-51628616B0D7}"/>
-              </a:ext>
-            </a:extLst>
-          </p:cNvPr>
-          <p:cNvCxnSpPr>
-            <a:cxnSpLocks/>
-            <a:stCxn id="9" idx="1"/>
-            <a:endCxn id="6" idx="6"/>
-          </p:cNvCxnSpPr>
-          <p:nvPr/>
-        </p:nvCxnSpPr>
-        <p:spPr>
-          <a:xfrm flipH="1">
-            <a:off x="2845942" y="940085"/>
-            <a:ext cx="1243173" cy="387850"/>
-          </a:xfrm>
-          <a:prstGeom prst="straightConnector1">
-            <a:avLst/>
+            <a:off x="2332233" y="3429000"/>
+            <a:ext cx="128428" cy="457200"/>
+          </a:xfrm>
+          <a:prstGeom prst="rightBrace">
+            <a:avLst>
+              <a:gd name="adj1" fmla="val 40333"/>
+              <a:gd name="adj2" fmla="val 50000"/>
+            </a:avLst>
           </a:prstGeom>
           <a:ln w="28575">
             <a:solidFill>
               <a:srgbClr val="C00000"/>
             </a:solidFill>
-            <a:tailEnd type="triangle"/>
           </a:ln>
         </p:spPr>
         <p:style>
@@ -3483,13 +3430,21 @@
             <a:schemeClr val="tx1"/>
           </a:fontRef>
         </p:style>
-      </p:cxnSp>
-      <p:sp>
-        <p:nvSpPr>
-          <p:cNvPr id="9" name="TextBox 8">
-            <a:extLst>
-              <a:ext uri="{FF2B5EF4-FFF2-40B4-BE49-F238E27FC236}">
-                <a16:creationId xmlns:a16="http://schemas.microsoft.com/office/drawing/2014/main" id="{67C857B3-2827-46BA-B52D-5B90A1210778}"/>
+        <p:txBody>
+          <a:bodyPr rtlCol="0" anchor="ctr"/>
+          <a:lstStyle/>
+          <a:p>
+            <a:pPr algn="ctr"/>
+            <a:endParaRPr lang="en-GB"/>
+          </a:p>
+        </p:txBody>
+      </p:sp>
+      <p:sp>
+        <p:nvSpPr>
+          <p:cNvPr id="10" name="TextBox 9">
+            <a:extLst>
+              <a:ext uri="{FF2B5EF4-FFF2-40B4-BE49-F238E27FC236}">
+                <a16:creationId xmlns:a16="http://schemas.microsoft.com/office/drawing/2014/main" id="{FB013543-3775-489A-A836-733A017EB710}"/>
               </a:ext>
             </a:extLst>
           </p:cNvPr>
@@ -3498,8 +3453,8 @@
         </p:nvSpPr>
         <p:spPr>
           <a:xfrm>
-            <a:off x="4089115" y="770808"/>
-            <a:ext cx="2170787" cy="338554"/>
+            <a:off x="2460661" y="3488323"/>
+            <a:ext cx="4384534" cy="338554"/>
           </a:xfrm>
           <a:prstGeom prst="rect">
             <a:avLst/>
@@ -3513,27 +3468,48 @@
           <a:lstStyle/>
           <a:p>
             <a:r>
-              <a:rPr lang="ko-KR" altLang="en-US" sz="1600" b="1" dirty="0">
+              <a:rPr lang="en-GB" altLang="ko-KR" sz="1600" dirty="0">
                 <a:solidFill>
                   <a:srgbClr val="C00000"/>
                 </a:solidFill>
+                <a:latin typeface="Consolas" panose="020B0609020204030204" pitchFamily="49" charset="0"/>
               </a:rPr>
-              <a:t>모든 단위 테스트 실행</a:t>
-            </a:r>
-            <a:endParaRPr lang="en-GB" sz="1600" b="1" dirty="0">
+              <a:t>Test2 </a:t>
+            </a:r>
+            <a:r>
+              <a:rPr lang="ko-KR" altLang="en-US" sz="1600" dirty="0">
+                <a:solidFill>
+                  <a:srgbClr val="C00000"/>
+                </a:solidFill>
+                <a:latin typeface="Consolas" panose="020B0609020204030204" pitchFamily="49" charset="0"/>
+              </a:rPr>
+              <a:t>메서드 호출전에 생성자가 호출된다</a:t>
+            </a:r>
+            <a:r>
+              <a:rPr lang="en-GB" altLang="ko-KR" sz="1600" dirty="0">
+                <a:solidFill>
+                  <a:srgbClr val="C00000"/>
+                </a:solidFill>
+                <a:latin typeface="Consolas" panose="020B0609020204030204" pitchFamily="49" charset="0"/>
+              </a:rPr>
+              <a:t>.</a:t>
+            </a:r>
+            <a:endParaRPr lang="en-GB" sz="1600" b="0" dirty="0">
               <a:solidFill>
                 <a:srgbClr val="C00000"/>
               </a:solidFill>
+              <a:effectLst/>
+              <a:latin typeface="Consolas" panose="020B0609020204030204" pitchFamily="49" charset="0"/>
             </a:endParaRPr>
           </a:p>
         </p:txBody>
       </p:sp>
       <p:sp>
         <p:nvSpPr>
-          <p:cNvPr id="11" name="타원 10">
-            <a:extLst>
-              <a:ext uri="{FF2B5EF4-FFF2-40B4-BE49-F238E27FC236}">
-                <a16:creationId xmlns:a16="http://schemas.microsoft.com/office/drawing/2014/main" id="{EA32D198-36CB-4393-A2FB-86A48D5286CF}"/>
+          <p:cNvPr id="11" name="오른쪽 중괄호 10">
+            <a:extLst>
+              <a:ext uri="{FF2B5EF4-FFF2-40B4-BE49-F238E27FC236}">
+                <a16:creationId xmlns:a16="http://schemas.microsoft.com/office/drawing/2014/main" id="{3D81F11F-81DA-421A-B466-90CFD3EF9434}"/>
               </a:ext>
             </a:extLst>
           </p:cNvPr>
@@ -3542,117 +3518,19 @@
         </p:nvSpPr>
         <p:spPr>
           <a:xfrm>
-            <a:off x="2303125" y="3926439"/>
-            <a:ext cx="645558" cy="635288"/>
-          </a:xfrm>
-          <a:prstGeom prst="ellipse">
-            <a:avLst/>
-          </a:prstGeom>
-          <a:noFill/>
-          <a:ln w="76200">
-            <a:solidFill>
-              <a:srgbClr val="C00000"/>
-            </a:solidFill>
-          </a:ln>
-        </p:spPr>
-        <p:style>
-          <a:lnRef idx="2">
-            <a:schemeClr val="accent1">
-              <a:shade val="50000"/>
-            </a:schemeClr>
-          </a:lnRef>
-          <a:fillRef idx="1">
-            <a:schemeClr val="accent1"/>
-          </a:fillRef>
-          <a:effectRef idx="0">
-            <a:schemeClr val="accent1"/>
-          </a:effectRef>
-          <a:fontRef idx="minor">
-            <a:schemeClr val="lt1"/>
-          </a:fontRef>
-        </p:style>
-        <p:txBody>
-          <a:bodyPr rtlCol="0" anchor="ctr"/>
-          <a:lstStyle/>
-          <a:p>
-            <a:pPr algn="ctr"/>
-            <a:endParaRPr lang="en-GB"/>
-          </a:p>
-        </p:txBody>
-      </p:sp>
-      <p:sp>
-        <p:nvSpPr>
-          <p:cNvPr id="12" name="TextBox 11">
-            <a:extLst>
-              <a:ext uri="{FF2B5EF4-FFF2-40B4-BE49-F238E27FC236}">
-                <a16:creationId xmlns:a16="http://schemas.microsoft.com/office/drawing/2014/main" id="{DA200767-A389-4D7E-BA46-EEEDE63F0117}"/>
-              </a:ext>
-            </a:extLst>
-          </p:cNvPr>
-          <p:cNvSpPr txBox="1"/>
-          <p:nvPr/>
-        </p:nvSpPr>
-        <p:spPr>
-          <a:xfrm>
-            <a:off x="4089114" y="3679555"/>
-            <a:ext cx="2170787" cy="338554"/>
-          </a:xfrm>
-          <a:prstGeom prst="rect">
-            <a:avLst/>
-          </a:prstGeom>
-          <a:noFill/>
-        </p:spPr>
-        <p:txBody>
-          <a:bodyPr wrap="none" rtlCol="0">
-            <a:spAutoFit/>
-          </a:bodyPr>
-          <a:lstStyle/>
-          <a:p>
-            <a:r>
-              <a:rPr lang="ko-KR" altLang="en-US" sz="1600" b="1" dirty="0">
-                <a:solidFill>
-                  <a:srgbClr val="C00000"/>
-                </a:solidFill>
-              </a:rPr>
-              <a:t>개별 단위 테스트 실행</a:t>
-            </a:r>
-            <a:endParaRPr lang="en-GB" sz="1600" b="1" dirty="0">
-              <a:solidFill>
-                <a:srgbClr val="C00000"/>
-              </a:solidFill>
-            </a:endParaRPr>
-          </a:p>
-        </p:txBody>
-      </p:sp>
-      <p:cxnSp>
-        <p:nvCxnSpPr>
-          <p:cNvPr id="13" name="직선 화살표 연결선 12">
-            <a:extLst>
-              <a:ext uri="{FF2B5EF4-FFF2-40B4-BE49-F238E27FC236}">
-                <a16:creationId xmlns:a16="http://schemas.microsoft.com/office/drawing/2014/main" id="{E1C9C24B-7693-43F8-A44E-E69B708BE224}"/>
-              </a:ext>
-            </a:extLst>
-          </p:cNvPr>
-          <p:cNvCxnSpPr>
-            <a:cxnSpLocks/>
-            <a:stCxn id="12" idx="1"/>
-            <a:endCxn id="11" idx="6"/>
-          </p:cNvCxnSpPr>
-          <p:nvPr/>
-        </p:nvCxnSpPr>
-        <p:spPr>
-          <a:xfrm flipH="1">
-            <a:off x="2948683" y="3848832"/>
-            <a:ext cx="1140431" cy="395251"/>
-          </a:xfrm>
-          <a:prstGeom prst="straightConnector1">
-            <a:avLst/>
+            <a:off x="2332233" y="4253377"/>
+            <a:ext cx="128428" cy="457200"/>
+          </a:xfrm>
+          <a:prstGeom prst="rightBrace">
+            <a:avLst>
+              <a:gd name="adj1" fmla="val 40333"/>
+              <a:gd name="adj2" fmla="val 50000"/>
+            </a:avLst>
           </a:prstGeom>
           <a:ln w="28575">
             <a:solidFill>
               <a:srgbClr val="C00000"/>
             </a:solidFill>
-            <a:tailEnd type="triangle"/>
           </a:ln>
         </p:spPr>
         <p:style>
@@ -3669,11 +3547,87 @@
             <a:schemeClr val="tx1"/>
           </a:fontRef>
         </p:style>
-      </p:cxnSp>
+        <p:txBody>
+          <a:bodyPr rtlCol="0" anchor="ctr"/>
+          <a:lstStyle/>
+          <a:p>
+            <a:pPr algn="ctr"/>
+            <a:endParaRPr lang="en-GB"/>
+          </a:p>
+        </p:txBody>
+      </p:sp>
+      <p:sp>
+        <p:nvSpPr>
+          <p:cNvPr id="12" name="TextBox 11">
+            <a:extLst>
+              <a:ext uri="{FF2B5EF4-FFF2-40B4-BE49-F238E27FC236}">
+                <a16:creationId xmlns:a16="http://schemas.microsoft.com/office/drawing/2014/main" id="{94CE64CE-7807-4BF8-B85B-19E9935040E8}"/>
+              </a:ext>
+            </a:extLst>
+          </p:cNvPr>
+          <p:cNvSpPr txBox="1"/>
+          <p:nvPr/>
+        </p:nvSpPr>
+        <p:spPr>
+          <a:xfrm>
+            <a:off x="2460661" y="4312700"/>
+            <a:ext cx="4384534" cy="338554"/>
+          </a:xfrm>
+          <a:prstGeom prst="rect">
+            <a:avLst/>
+          </a:prstGeom>
+          <a:noFill/>
+        </p:spPr>
+        <p:txBody>
+          <a:bodyPr wrap="none" rtlCol="0">
+            <a:spAutoFit/>
+          </a:bodyPr>
+          <a:lstStyle/>
+          <a:p>
+            <a:r>
+              <a:rPr lang="en-GB" sz="1600" b="0" dirty="0">
+                <a:solidFill>
+                  <a:srgbClr val="C00000"/>
+                </a:solidFill>
+                <a:effectLst/>
+                <a:latin typeface="Consolas" panose="020B0609020204030204" pitchFamily="49" charset="0"/>
+              </a:rPr>
+              <a:t>Test1 </a:t>
+            </a:r>
+            <a:r>
+              <a:rPr lang="ko-KR" altLang="en-US" sz="1600" b="0" dirty="0">
+                <a:solidFill>
+                  <a:srgbClr val="C00000"/>
+                </a:solidFill>
+                <a:effectLst/>
+                <a:latin typeface="Consolas" panose="020B0609020204030204" pitchFamily="49" charset="0"/>
+              </a:rPr>
+              <a:t>메서드 호출전에 생성자가 호출된다</a:t>
+            </a:r>
+            <a:r>
+              <a:rPr lang="en-GB" altLang="ko-KR" sz="1600" b="0" dirty="0">
+                <a:solidFill>
+                  <a:srgbClr val="C00000"/>
+                </a:solidFill>
+                <a:effectLst/>
+                <a:latin typeface="Consolas" panose="020B0609020204030204" pitchFamily="49" charset="0"/>
+              </a:rPr>
+              <a:t>.</a:t>
+            </a:r>
+            <a:endParaRPr lang="en-GB" sz="1600" b="0" dirty="0">
+              <a:solidFill>
+                <a:srgbClr val="C00000"/>
+              </a:solidFill>
+              <a:effectLst/>
+              <a:latin typeface="Consolas" panose="020B0609020204030204" pitchFamily="49" charset="0"/>
+            </a:endParaRPr>
+          </a:p>
+        </p:txBody>
+      </p:sp>
     </p:spTree>
     <p:extLst>
       <p:ext uri="{BB962C8B-B14F-4D97-AF65-F5344CB8AC3E}">
-        <p14:creationId xmlns:p14="http://schemas.microsoft.com/office/powerpoint/2010/main" val="3839796132"/>
+        <p14:creationId xmlns:p14="http://schemas.microsoft.com/office/powerpoint/2010/main" val="964139818"/>
       </p:ext>
     </p:extLst>
   </p:cSld>
@@ -3684,6 +3638,313 @@
 </file>
 
 <file path=ppt/slides/slide10.xml><?xml version="1.0" encoding="utf-8"?>
+<p:sld xmlns:a="http://schemas.openxmlformats.org/drawingml/2006/main" xmlns:r="http://schemas.openxmlformats.org/officeDocument/2006/relationships" xmlns:p="http://schemas.openxmlformats.org/presentationml/2006/main">
+  <p:cSld>
+    <p:spTree>
+      <p:nvGrpSpPr>
+        <p:cNvPr id="1" name=""/>
+        <p:cNvGrpSpPr/>
+        <p:nvPr/>
+      </p:nvGrpSpPr>
+      <p:grpSpPr>
+        <a:xfrm>
+          <a:off x="0" y="0"/>
+          <a:ext cx="0" cy="0"/>
+          <a:chOff x="0" y="0"/>
+          <a:chExt cx="0" cy="0"/>
+        </a:xfrm>
+      </p:grpSpPr>
+      <p:pic>
+        <p:nvPicPr>
+          <p:cNvPr id="3" name="그림 2">
+            <a:extLst>
+              <a:ext uri="{FF2B5EF4-FFF2-40B4-BE49-F238E27FC236}">
+                <a16:creationId xmlns:a16="http://schemas.microsoft.com/office/drawing/2014/main" id="{F1FF7D69-A9ED-4238-AAC6-5908A1997FAF}"/>
+              </a:ext>
+            </a:extLst>
+          </p:cNvPr>
+          <p:cNvPicPr>
+            <a:picLocks noChangeAspect="1"/>
+          </p:cNvPicPr>
+          <p:nvPr/>
+        </p:nvPicPr>
+        <p:blipFill>
+          <a:blip r:embed="rId2"/>
+          <a:stretch>
+            <a:fillRect/>
+          </a:stretch>
+        </p:blipFill>
+        <p:spPr>
+          <a:xfrm>
+            <a:off x="539393" y="1335742"/>
+            <a:ext cx="9796409" cy="3596862"/>
+          </a:xfrm>
+          <a:prstGeom prst="rect">
+            <a:avLst/>
+          </a:prstGeom>
+        </p:spPr>
+      </p:pic>
+      <p:sp>
+        <p:nvSpPr>
+          <p:cNvPr id="6" name="타원 5">
+            <a:extLst>
+              <a:ext uri="{FF2B5EF4-FFF2-40B4-BE49-F238E27FC236}">
+                <a16:creationId xmlns:a16="http://schemas.microsoft.com/office/drawing/2014/main" id="{69B90D87-FF83-422A-ACE0-DF68DB39F407}"/>
+              </a:ext>
+            </a:extLst>
+          </p:cNvPr>
+          <p:cNvSpPr/>
+          <p:nvPr/>
+        </p:nvSpPr>
+        <p:spPr>
+          <a:xfrm>
+            <a:off x="431511" y="3765480"/>
+            <a:ext cx="657548" cy="643148"/>
+          </a:xfrm>
+          <a:prstGeom prst="ellipse">
+            <a:avLst/>
+          </a:prstGeom>
+          <a:noFill/>
+          <a:ln w="76200">
+            <a:solidFill>
+              <a:srgbClr val="C00000"/>
+            </a:solidFill>
+          </a:ln>
+        </p:spPr>
+        <p:style>
+          <a:lnRef idx="2">
+            <a:schemeClr val="accent1">
+              <a:shade val="50000"/>
+            </a:schemeClr>
+          </a:lnRef>
+          <a:fillRef idx="1">
+            <a:schemeClr val="accent1"/>
+          </a:fillRef>
+          <a:effectRef idx="0">
+            <a:schemeClr val="accent1"/>
+          </a:effectRef>
+          <a:fontRef idx="minor">
+            <a:schemeClr val="lt1"/>
+          </a:fontRef>
+        </p:style>
+        <p:txBody>
+          <a:bodyPr rtlCol="0" anchor="ctr"/>
+          <a:lstStyle/>
+          <a:p>
+            <a:pPr algn="ctr"/>
+            <a:endParaRPr lang="en-GB"/>
+          </a:p>
+        </p:txBody>
+      </p:sp>
+      <p:sp>
+        <p:nvSpPr>
+          <p:cNvPr id="7" name="타원 6">
+            <a:extLst>
+              <a:ext uri="{FF2B5EF4-FFF2-40B4-BE49-F238E27FC236}">
+                <a16:creationId xmlns:a16="http://schemas.microsoft.com/office/drawing/2014/main" id="{63860677-1D2A-44AF-908A-2AA61540FE58}"/>
+              </a:ext>
+            </a:extLst>
+          </p:cNvPr>
+          <p:cNvSpPr/>
+          <p:nvPr/>
+        </p:nvSpPr>
+        <p:spPr>
+          <a:xfrm>
+            <a:off x="1078785" y="1750033"/>
+            <a:ext cx="1489754" cy="720902"/>
+          </a:xfrm>
+          <a:prstGeom prst="ellipse">
+            <a:avLst/>
+          </a:prstGeom>
+          <a:noFill/>
+          <a:ln w="76200">
+            <a:solidFill>
+              <a:srgbClr val="C00000"/>
+            </a:solidFill>
+          </a:ln>
+        </p:spPr>
+        <p:style>
+          <a:lnRef idx="2">
+            <a:schemeClr val="accent1">
+              <a:shade val="50000"/>
+            </a:schemeClr>
+          </a:lnRef>
+          <a:fillRef idx="1">
+            <a:schemeClr val="accent1"/>
+          </a:fillRef>
+          <a:effectRef idx="0">
+            <a:schemeClr val="accent1"/>
+          </a:effectRef>
+          <a:fontRef idx="minor">
+            <a:schemeClr val="lt1"/>
+          </a:fontRef>
+        </p:style>
+        <p:txBody>
+          <a:bodyPr rtlCol="0" anchor="ctr"/>
+          <a:lstStyle/>
+          <a:p>
+            <a:pPr algn="ctr"/>
+            <a:endParaRPr lang="en-GB"/>
+          </a:p>
+        </p:txBody>
+      </p:sp>
+      <p:sp>
+        <p:nvSpPr>
+          <p:cNvPr id="8" name="타원 7">
+            <a:extLst>
+              <a:ext uri="{FF2B5EF4-FFF2-40B4-BE49-F238E27FC236}">
+                <a16:creationId xmlns:a16="http://schemas.microsoft.com/office/drawing/2014/main" id="{3A5ABE2B-B2B7-410C-A2FC-19FCAB0ABB0F}"/>
+              </a:ext>
+            </a:extLst>
+          </p:cNvPr>
+          <p:cNvSpPr/>
+          <p:nvPr/>
+        </p:nvSpPr>
+        <p:spPr>
+          <a:xfrm>
+            <a:off x="6827180" y="2792230"/>
+            <a:ext cx="662681" cy="636770"/>
+          </a:xfrm>
+          <a:prstGeom prst="ellipse">
+            <a:avLst/>
+          </a:prstGeom>
+          <a:noFill/>
+          <a:ln w="76200">
+            <a:solidFill>
+              <a:srgbClr val="C00000"/>
+            </a:solidFill>
+          </a:ln>
+        </p:spPr>
+        <p:style>
+          <a:lnRef idx="2">
+            <a:schemeClr val="accent1">
+              <a:shade val="50000"/>
+            </a:schemeClr>
+          </a:lnRef>
+          <a:fillRef idx="1">
+            <a:schemeClr val="accent1"/>
+          </a:fillRef>
+          <a:effectRef idx="0">
+            <a:schemeClr val="accent1"/>
+          </a:effectRef>
+          <a:fontRef idx="minor">
+            <a:schemeClr val="lt1"/>
+          </a:fontRef>
+        </p:style>
+        <p:txBody>
+          <a:bodyPr rtlCol="0" anchor="ctr"/>
+          <a:lstStyle/>
+          <a:p>
+            <a:pPr algn="ctr"/>
+            <a:endParaRPr lang="en-GB"/>
+          </a:p>
+        </p:txBody>
+      </p:sp>
+      <p:cxnSp>
+        <p:nvCxnSpPr>
+          <p:cNvPr id="12" name="직선 화살표 연결선 11">
+            <a:extLst>
+              <a:ext uri="{FF2B5EF4-FFF2-40B4-BE49-F238E27FC236}">
+                <a16:creationId xmlns:a16="http://schemas.microsoft.com/office/drawing/2014/main" id="{C4276209-4026-4ECD-9CFF-9CB386819C38}"/>
+              </a:ext>
+            </a:extLst>
+          </p:cNvPr>
+          <p:cNvCxnSpPr>
+            <a:cxnSpLocks/>
+            <a:stCxn id="7" idx="6"/>
+            <a:endCxn id="8" idx="2"/>
+          </p:cNvCxnSpPr>
+          <p:nvPr/>
+        </p:nvCxnSpPr>
+        <p:spPr>
+          <a:xfrm>
+            <a:off x="2568539" y="2110484"/>
+            <a:ext cx="4258641" cy="1000131"/>
+          </a:xfrm>
+          <a:prstGeom prst="straightConnector1">
+            <a:avLst/>
+          </a:prstGeom>
+          <a:ln w="76200">
+            <a:solidFill>
+              <a:srgbClr val="C00000"/>
+            </a:solidFill>
+            <a:tailEnd type="triangle"/>
+          </a:ln>
+        </p:spPr>
+        <p:style>
+          <a:lnRef idx="1">
+            <a:schemeClr val="accent1"/>
+          </a:lnRef>
+          <a:fillRef idx="0">
+            <a:schemeClr val="accent1"/>
+          </a:fillRef>
+          <a:effectRef idx="0">
+            <a:schemeClr val="accent1"/>
+          </a:effectRef>
+          <a:fontRef idx="minor">
+            <a:schemeClr val="tx1"/>
+          </a:fontRef>
+        </p:style>
+      </p:cxnSp>
+      <p:cxnSp>
+        <p:nvCxnSpPr>
+          <p:cNvPr id="16" name="연결선: 구부러짐 15">
+            <a:extLst>
+              <a:ext uri="{FF2B5EF4-FFF2-40B4-BE49-F238E27FC236}">
+                <a16:creationId xmlns:a16="http://schemas.microsoft.com/office/drawing/2014/main" id="{DFC8194C-74BF-4EF9-B2C2-DF2CAC107E07}"/>
+              </a:ext>
+            </a:extLst>
+          </p:cNvPr>
+          <p:cNvCxnSpPr>
+            <a:stCxn id="6" idx="0"/>
+            <a:endCxn id="7" idx="4"/>
+          </p:cNvCxnSpPr>
+          <p:nvPr/>
+        </p:nvCxnSpPr>
+        <p:spPr>
+          <a:xfrm rot="5400000" flipH="1" flipV="1">
+            <a:off x="644701" y="2586520"/>
+            <a:ext cx="1294545" cy="1063377"/>
+          </a:xfrm>
+          <a:prstGeom prst="curvedConnector3">
+            <a:avLst/>
+          </a:prstGeom>
+          <a:ln w="76200">
+            <a:solidFill>
+              <a:srgbClr val="C00000"/>
+            </a:solidFill>
+            <a:tailEnd type="triangle"/>
+          </a:ln>
+        </p:spPr>
+        <p:style>
+          <a:lnRef idx="1">
+            <a:schemeClr val="accent1"/>
+          </a:lnRef>
+          <a:fillRef idx="0">
+            <a:schemeClr val="accent1"/>
+          </a:fillRef>
+          <a:effectRef idx="0">
+            <a:schemeClr val="accent1"/>
+          </a:effectRef>
+          <a:fontRef idx="minor">
+            <a:schemeClr val="tx1"/>
+          </a:fontRef>
+        </p:style>
+      </p:cxnSp>
+    </p:spTree>
+    <p:extLst>
+      <p:ext uri="{BB962C8B-B14F-4D97-AF65-F5344CB8AC3E}">
+        <p14:creationId xmlns:p14="http://schemas.microsoft.com/office/powerpoint/2010/main" val="3499666889"/>
+      </p:ext>
+    </p:extLst>
+  </p:cSld>
+  <p:clrMapOvr>
+    <a:masterClrMapping/>
+  </p:clrMapOvr>
+</p:sld>
+</file>
+
+<file path=ppt/slides/slide11.xml><?xml version="1.0" encoding="utf-8"?>
 <p:sld xmlns:a="http://schemas.openxmlformats.org/drawingml/2006/main" xmlns:r="http://schemas.openxmlformats.org/officeDocument/2006/relationships" xmlns:p="http://schemas.openxmlformats.org/presentationml/2006/main">
   <p:cSld>
     <p:spTree>
@@ -4100,7 +4361,7 @@
           <p:cNvPr id="5" name="그림 4">
             <a:extLst>
               <a:ext uri="{FF2B5EF4-FFF2-40B4-BE49-F238E27FC236}">
-                <a16:creationId xmlns:a16="http://schemas.microsoft.com/office/drawing/2014/main" id="{A8CB34DB-4F75-4C5E-BE50-CB1F73F628FC}"/>
+                <a16:creationId xmlns:a16="http://schemas.microsoft.com/office/drawing/2014/main" id="{BC29C954-AECD-4709-BD41-8EA6ACFA2EEE}"/>
               </a:ext>
             </a:extLst>
           </p:cNvPr>
@@ -4117,8 +4378,8 @@
         </p:blipFill>
         <p:spPr>
           <a:xfrm>
-            <a:off x="604462" y="544920"/>
-            <a:ext cx="10983075" cy="5989443"/>
+            <a:off x="894178" y="269696"/>
+            <a:ext cx="5865211" cy="6318607"/>
           </a:xfrm>
           <a:prstGeom prst="rect">
             <a:avLst/>
@@ -4130,7 +4391,7 @@
           <p:cNvPr id="6" name="타원 5">
             <a:extLst>
               <a:ext uri="{FF2B5EF4-FFF2-40B4-BE49-F238E27FC236}">
-                <a16:creationId xmlns:a16="http://schemas.microsoft.com/office/drawing/2014/main" id="{E164E06F-39A0-49FF-A0DA-1B644461DDDB}"/>
+                <a16:creationId xmlns:a16="http://schemas.microsoft.com/office/drawing/2014/main" id="{036F808E-5871-4346-B4B6-6FA5943AAD62}"/>
               </a:ext>
             </a:extLst>
           </p:cNvPr>
@@ -4139,8 +4400,8 @@
         </p:nvSpPr>
         <p:spPr>
           <a:xfrm>
-            <a:off x="1402423" y="359596"/>
-            <a:ext cx="724327" cy="734601"/>
+            <a:off x="2008598" y="940085"/>
+            <a:ext cx="837344" cy="775699"/>
           </a:xfrm>
           <a:prstGeom prst="ellipse">
             <a:avLst/>
@@ -4177,12 +4438,102 @@
           </a:p>
         </p:txBody>
       </p:sp>
-      <p:sp>
-        <p:nvSpPr>
-          <p:cNvPr id="7" name="타원 6">
-            <a:extLst>
-              <a:ext uri="{FF2B5EF4-FFF2-40B4-BE49-F238E27FC236}">
-                <a16:creationId xmlns:a16="http://schemas.microsoft.com/office/drawing/2014/main" id="{79DCCF15-746F-4BE3-B29E-0582FD381CB2}"/>
+      <p:cxnSp>
+        <p:nvCxnSpPr>
+          <p:cNvPr id="8" name="직선 화살표 연결선 7">
+            <a:extLst>
+              <a:ext uri="{FF2B5EF4-FFF2-40B4-BE49-F238E27FC236}">
+                <a16:creationId xmlns:a16="http://schemas.microsoft.com/office/drawing/2014/main" id="{7E5D3940-B5BC-4747-85CE-51628616B0D7}"/>
+              </a:ext>
+            </a:extLst>
+          </p:cNvPr>
+          <p:cNvCxnSpPr>
+            <a:cxnSpLocks/>
+            <a:stCxn id="9" idx="1"/>
+            <a:endCxn id="6" idx="6"/>
+          </p:cNvCxnSpPr>
+          <p:nvPr/>
+        </p:nvCxnSpPr>
+        <p:spPr>
+          <a:xfrm flipH="1">
+            <a:off x="2845942" y="940085"/>
+            <a:ext cx="1243173" cy="387850"/>
+          </a:xfrm>
+          <a:prstGeom prst="straightConnector1">
+            <a:avLst/>
+          </a:prstGeom>
+          <a:ln w="28575">
+            <a:solidFill>
+              <a:srgbClr val="C00000"/>
+            </a:solidFill>
+            <a:tailEnd type="triangle"/>
+          </a:ln>
+        </p:spPr>
+        <p:style>
+          <a:lnRef idx="1">
+            <a:schemeClr val="accent1"/>
+          </a:lnRef>
+          <a:fillRef idx="0">
+            <a:schemeClr val="accent1"/>
+          </a:fillRef>
+          <a:effectRef idx="0">
+            <a:schemeClr val="accent1"/>
+          </a:effectRef>
+          <a:fontRef idx="minor">
+            <a:schemeClr val="tx1"/>
+          </a:fontRef>
+        </p:style>
+      </p:cxnSp>
+      <p:sp>
+        <p:nvSpPr>
+          <p:cNvPr id="9" name="TextBox 8">
+            <a:extLst>
+              <a:ext uri="{FF2B5EF4-FFF2-40B4-BE49-F238E27FC236}">
+                <a16:creationId xmlns:a16="http://schemas.microsoft.com/office/drawing/2014/main" id="{67C857B3-2827-46BA-B52D-5B90A1210778}"/>
+              </a:ext>
+            </a:extLst>
+          </p:cNvPr>
+          <p:cNvSpPr txBox="1"/>
+          <p:nvPr/>
+        </p:nvSpPr>
+        <p:spPr>
+          <a:xfrm>
+            <a:off x="4089115" y="770808"/>
+            <a:ext cx="2170787" cy="338554"/>
+          </a:xfrm>
+          <a:prstGeom prst="rect">
+            <a:avLst/>
+          </a:prstGeom>
+          <a:noFill/>
+        </p:spPr>
+        <p:txBody>
+          <a:bodyPr wrap="none" rtlCol="0">
+            <a:spAutoFit/>
+          </a:bodyPr>
+          <a:lstStyle/>
+          <a:p>
+            <a:r>
+              <a:rPr lang="ko-KR" altLang="en-US" sz="1600" b="1" dirty="0">
+                <a:solidFill>
+                  <a:srgbClr val="C00000"/>
+                </a:solidFill>
+              </a:rPr>
+              <a:t>모든 단위 테스트 실행</a:t>
+            </a:r>
+            <a:endParaRPr lang="en-GB" sz="1600" b="1" dirty="0">
+              <a:solidFill>
+                <a:srgbClr val="C00000"/>
+              </a:solidFill>
+            </a:endParaRPr>
+          </a:p>
+        </p:txBody>
+      </p:sp>
+      <p:sp>
+        <p:nvSpPr>
+          <p:cNvPr id="11" name="타원 10">
+            <a:extLst>
+              <a:ext uri="{FF2B5EF4-FFF2-40B4-BE49-F238E27FC236}">
+                <a16:creationId xmlns:a16="http://schemas.microsoft.com/office/drawing/2014/main" id="{EA32D198-36CB-4393-A2FB-86A48D5286CF}"/>
               </a:ext>
             </a:extLst>
           </p:cNvPr>
@@ -4191,8 +4542,8 @@
         </p:nvSpPr>
         <p:spPr>
           <a:xfrm>
-            <a:off x="8515564" y="306512"/>
-            <a:ext cx="1106184" cy="833919"/>
+            <a:off x="2303125" y="3926439"/>
+            <a:ext cx="645558" cy="635288"/>
           </a:xfrm>
           <a:prstGeom prst="ellipse">
             <a:avLst/>
@@ -4231,31 +4582,77 @@
       </p:sp>
       <p:sp>
         <p:nvSpPr>
-          <p:cNvPr id="9" name="오른쪽 중괄호 8">
-            <a:extLst>
-              <a:ext uri="{FF2B5EF4-FFF2-40B4-BE49-F238E27FC236}">
-                <a16:creationId xmlns:a16="http://schemas.microsoft.com/office/drawing/2014/main" id="{FE2FAA43-4671-41A9-9E2C-18364E74094B}"/>
-              </a:ext>
-            </a:extLst>
-          </p:cNvPr>
-          <p:cNvSpPr/>
+          <p:cNvPr id="12" name="TextBox 11">
+            <a:extLst>
+              <a:ext uri="{FF2B5EF4-FFF2-40B4-BE49-F238E27FC236}">
+                <a16:creationId xmlns:a16="http://schemas.microsoft.com/office/drawing/2014/main" id="{DA200767-A389-4D7E-BA46-EEEDE63F0117}"/>
+              </a:ext>
+            </a:extLst>
+          </p:cNvPr>
+          <p:cNvSpPr txBox="1"/>
           <p:nvPr/>
         </p:nvSpPr>
         <p:spPr>
           <a:xfrm>
-            <a:off x="2126750" y="5512085"/>
-            <a:ext cx="128428" cy="457200"/>
-          </a:xfrm>
-          <a:prstGeom prst="rightBrace">
-            <a:avLst>
-              <a:gd name="adj1" fmla="val 40333"/>
-              <a:gd name="adj2" fmla="val 50000"/>
-            </a:avLst>
+            <a:off x="4089114" y="3679555"/>
+            <a:ext cx="2170787" cy="338554"/>
+          </a:xfrm>
+          <a:prstGeom prst="rect">
+            <a:avLst/>
+          </a:prstGeom>
+          <a:noFill/>
+        </p:spPr>
+        <p:txBody>
+          <a:bodyPr wrap="none" rtlCol="0">
+            <a:spAutoFit/>
+          </a:bodyPr>
+          <a:lstStyle/>
+          <a:p>
+            <a:r>
+              <a:rPr lang="ko-KR" altLang="en-US" sz="1600" b="1" dirty="0">
+                <a:solidFill>
+                  <a:srgbClr val="C00000"/>
+                </a:solidFill>
+              </a:rPr>
+              <a:t>개별 단위 테스트 실행</a:t>
+            </a:r>
+            <a:endParaRPr lang="en-GB" sz="1600" b="1" dirty="0">
+              <a:solidFill>
+                <a:srgbClr val="C00000"/>
+              </a:solidFill>
+            </a:endParaRPr>
+          </a:p>
+        </p:txBody>
+      </p:sp>
+      <p:cxnSp>
+        <p:nvCxnSpPr>
+          <p:cNvPr id="13" name="직선 화살표 연결선 12">
+            <a:extLst>
+              <a:ext uri="{FF2B5EF4-FFF2-40B4-BE49-F238E27FC236}">
+                <a16:creationId xmlns:a16="http://schemas.microsoft.com/office/drawing/2014/main" id="{E1C9C24B-7693-43F8-A44E-E69B708BE224}"/>
+              </a:ext>
+            </a:extLst>
+          </p:cNvPr>
+          <p:cNvCxnSpPr>
+            <a:cxnSpLocks/>
+            <a:stCxn id="12" idx="1"/>
+            <a:endCxn id="11" idx="6"/>
+          </p:cNvCxnSpPr>
+          <p:nvPr/>
+        </p:nvCxnSpPr>
+        <p:spPr>
+          <a:xfrm flipH="1">
+            <a:off x="2948683" y="3848832"/>
+            <a:ext cx="1140431" cy="395251"/>
+          </a:xfrm>
+          <a:prstGeom prst="straightConnector1">
+            <a:avLst/>
           </a:prstGeom>
           <a:ln w="28575">
             <a:solidFill>
               <a:srgbClr val="C00000"/>
             </a:solidFill>
+            <a:tailEnd type="triangle"/>
           </a:ln>
         </p:spPr>
         <p:style>
@@ -4272,141 +4669,11 @@
             <a:schemeClr val="tx1"/>
           </a:fontRef>
         </p:style>
-        <p:txBody>
-          <a:bodyPr rtlCol="0" anchor="ctr"/>
-          <a:lstStyle/>
-          <a:p>
-            <a:pPr algn="ctr"/>
-            <a:endParaRPr lang="en-GB"/>
-          </a:p>
-        </p:txBody>
-      </p:sp>
-      <p:sp>
-        <p:nvSpPr>
-          <p:cNvPr id="10" name="TextBox 9">
-            <a:extLst>
-              <a:ext uri="{FF2B5EF4-FFF2-40B4-BE49-F238E27FC236}">
-                <a16:creationId xmlns:a16="http://schemas.microsoft.com/office/drawing/2014/main" id="{DE743827-9FA4-4871-B0D9-3CC671B66344}"/>
-              </a:ext>
-            </a:extLst>
-          </p:cNvPr>
-          <p:cNvSpPr txBox="1"/>
-          <p:nvPr/>
-        </p:nvSpPr>
-        <p:spPr>
-          <a:xfrm>
-            <a:off x="2255178" y="5571408"/>
-            <a:ext cx="2614818" cy="338554"/>
-          </a:xfrm>
-          <a:prstGeom prst="rect">
-            <a:avLst/>
-          </a:prstGeom>
-          <a:noFill/>
-        </p:spPr>
-        <p:txBody>
-          <a:bodyPr wrap="none" rtlCol="0">
-            <a:spAutoFit/>
-          </a:bodyPr>
-          <a:lstStyle/>
-          <a:p>
-            <a:r>
-              <a:rPr lang="en-GB" sz="1600" b="0" dirty="0" err="1">
-                <a:solidFill>
-                  <a:srgbClr val="C00000"/>
-                </a:solidFill>
-                <a:effectLst/>
-                <a:latin typeface="Consolas" panose="020B0609020204030204" pitchFamily="49" charset="0"/>
-              </a:rPr>
-              <a:t>ITestOutputHelper</a:t>
-            </a:r>
-            <a:r>
-              <a:rPr lang="en-GB" sz="1600" b="0" dirty="0">
-                <a:solidFill>
-                  <a:srgbClr val="C00000"/>
-                </a:solidFill>
-                <a:effectLst/>
-                <a:latin typeface="Consolas" panose="020B0609020204030204" pitchFamily="49" charset="0"/>
-              </a:rPr>
-              <a:t> </a:t>
-            </a:r>
-            <a:r>
-              <a:rPr lang="ko-KR" altLang="en-US" sz="1600" b="0" dirty="0">
-                <a:solidFill>
-                  <a:srgbClr val="C00000"/>
-                </a:solidFill>
-                <a:effectLst/>
-                <a:latin typeface="Consolas" panose="020B0609020204030204" pitchFamily="49" charset="0"/>
-              </a:rPr>
-              <a:t>출력</a:t>
-            </a:r>
-            <a:endParaRPr lang="en-GB" sz="1600" b="0" dirty="0">
-              <a:solidFill>
-                <a:srgbClr val="C00000"/>
-              </a:solidFill>
-              <a:effectLst/>
-              <a:latin typeface="Consolas" panose="020B0609020204030204" pitchFamily="49" charset="0"/>
-            </a:endParaRPr>
-          </a:p>
-        </p:txBody>
-      </p:sp>
-      <p:sp>
-        <p:nvSpPr>
-          <p:cNvPr id="11" name="직사각형 10">
-            <a:extLst>
-              <a:ext uri="{FF2B5EF4-FFF2-40B4-BE49-F238E27FC236}">
-                <a16:creationId xmlns:a16="http://schemas.microsoft.com/office/drawing/2014/main" id="{1E986DDE-2E40-4D11-A9FF-828D5B602CB7}"/>
-              </a:ext>
-            </a:extLst>
-          </p:cNvPr>
-          <p:cNvSpPr/>
-          <p:nvPr/>
-        </p:nvSpPr>
-        <p:spPr>
-          <a:xfrm>
-            <a:off x="11306710" y="857892"/>
-            <a:ext cx="409255" cy="5794625"/>
-          </a:xfrm>
-          <a:prstGeom prst="rect">
-            <a:avLst/>
-          </a:prstGeom>
-          <a:solidFill>
-            <a:schemeClr val="bg1"/>
-          </a:solidFill>
-          <a:ln>
-            <a:solidFill>
-              <a:schemeClr val="bg1"/>
-            </a:solidFill>
-          </a:ln>
-        </p:spPr>
-        <p:style>
-          <a:lnRef idx="2">
-            <a:schemeClr val="accent1">
-              <a:shade val="50000"/>
-            </a:schemeClr>
-          </a:lnRef>
-          <a:fillRef idx="1">
-            <a:schemeClr val="accent1"/>
-          </a:fillRef>
-          <a:effectRef idx="0">
-            <a:schemeClr val="accent1"/>
-          </a:effectRef>
-          <a:fontRef idx="minor">
-            <a:schemeClr val="lt1"/>
-          </a:fontRef>
-        </p:style>
-        <p:txBody>
-          <a:bodyPr rtlCol="0" anchor="ctr"/>
-          <a:lstStyle/>
-          <a:p>
-            <a:pPr algn="ctr"/>
-            <a:endParaRPr lang="en-GB"/>
-          </a:p>
-        </p:txBody>
-      </p:sp>
+      </p:cxnSp>
     </p:spTree>
     <p:extLst>
       <p:ext uri="{BB962C8B-B14F-4D97-AF65-F5344CB8AC3E}">
-        <p14:creationId xmlns:p14="http://schemas.microsoft.com/office/powerpoint/2010/main" val="1676227135"/>
+        <p14:creationId xmlns:p14="http://schemas.microsoft.com/office/powerpoint/2010/main" val="3839796132"/>
       </p:ext>
     </p:extLst>
   </p:cSld>
@@ -4435,10 +4702,10 @@
       </p:grpSpPr>
       <p:pic>
         <p:nvPicPr>
-          <p:cNvPr id="14" name="그림 13">
-            <a:extLst>
-              <a:ext uri="{FF2B5EF4-FFF2-40B4-BE49-F238E27FC236}">
-                <a16:creationId xmlns:a16="http://schemas.microsoft.com/office/drawing/2014/main" id="{6D3D264B-D41A-4B11-A48A-5839A718318E}"/>
+          <p:cNvPr id="5" name="그림 4">
+            <a:extLst>
+              <a:ext uri="{FF2B5EF4-FFF2-40B4-BE49-F238E27FC236}">
+                <a16:creationId xmlns:a16="http://schemas.microsoft.com/office/drawing/2014/main" id="{A8CB34DB-4F75-4C5E-BE50-CB1F73F628FC}"/>
               </a:ext>
             </a:extLst>
           </p:cNvPr>
@@ -4455,36 +4722,35 @@
         </p:blipFill>
         <p:spPr>
           <a:xfrm>
-            <a:off x="178364" y="815544"/>
-            <a:ext cx="11835272" cy="5073977"/>
+            <a:off x="604462" y="544920"/>
+            <a:ext cx="10983075" cy="5989443"/>
           </a:xfrm>
           <a:prstGeom prst="rect">
             <a:avLst/>
           </a:prstGeom>
         </p:spPr>
       </p:pic>
-      <p:cxnSp>
-        <p:nvCxnSpPr>
-          <p:cNvPr id="7" name="직선 연결선 6">
-            <a:extLst>
-              <a:ext uri="{FF2B5EF4-FFF2-40B4-BE49-F238E27FC236}">
-                <a16:creationId xmlns:a16="http://schemas.microsoft.com/office/drawing/2014/main" id="{EF13B932-92D2-4961-8F50-07B4B95A743F}"/>
-              </a:ext>
-            </a:extLst>
-          </p:cNvPr>
-          <p:cNvCxnSpPr>
-            <a:cxnSpLocks/>
-          </p:cNvCxnSpPr>
+      <p:sp>
+        <p:nvSpPr>
+          <p:cNvPr id="6" name="타원 5">
+            <a:extLst>
+              <a:ext uri="{FF2B5EF4-FFF2-40B4-BE49-F238E27FC236}">
+                <a16:creationId xmlns:a16="http://schemas.microsoft.com/office/drawing/2014/main" id="{E164E06F-39A0-49FF-A0DA-1B644461DDDB}"/>
+              </a:ext>
+            </a:extLst>
+          </p:cNvPr>
+          <p:cNvSpPr/>
           <p:nvPr/>
-        </p:nvCxnSpPr>
-        <p:spPr>
-          <a:xfrm>
-            <a:off x="3446981" y="1448656"/>
-            <a:ext cx="3945276" cy="0"/>
-          </a:xfrm>
-          <a:prstGeom prst="line">
+        </p:nvSpPr>
+        <p:spPr>
+          <a:xfrm>
+            <a:off x="1402423" y="359596"/>
+            <a:ext cx="724327" cy="734601"/>
+          </a:xfrm>
+          <a:prstGeom prst="ellipse">
             <a:avLst/>
           </a:prstGeom>
+          <a:noFill/>
           <a:ln w="76200">
             <a:solidFill>
               <a:srgbClr val="C00000"/>
@@ -4492,26 +4758,36 @@
           </a:ln>
         </p:spPr>
         <p:style>
-          <a:lnRef idx="1">
-            <a:schemeClr val="accent1"/>
+          <a:lnRef idx="2">
+            <a:schemeClr val="accent1">
+              <a:shade val="50000"/>
+            </a:schemeClr>
           </a:lnRef>
-          <a:fillRef idx="0">
+          <a:fillRef idx="1">
             <a:schemeClr val="accent1"/>
           </a:fillRef>
           <a:effectRef idx="0">
             <a:schemeClr val="accent1"/>
           </a:effectRef>
           <a:fontRef idx="minor">
-            <a:schemeClr val="tx1"/>
+            <a:schemeClr val="lt1"/>
           </a:fontRef>
         </p:style>
-      </p:cxnSp>
-      <p:sp>
-        <p:nvSpPr>
-          <p:cNvPr id="8" name="오른쪽 중괄호 7">
-            <a:extLst>
-              <a:ext uri="{FF2B5EF4-FFF2-40B4-BE49-F238E27FC236}">
-                <a16:creationId xmlns:a16="http://schemas.microsoft.com/office/drawing/2014/main" id="{C59A89E9-B971-4810-A37E-3AFD435E5FB1}"/>
+        <p:txBody>
+          <a:bodyPr rtlCol="0" anchor="ctr"/>
+          <a:lstStyle/>
+          <a:p>
+            <a:pPr algn="ctr"/>
+            <a:endParaRPr lang="en-GB"/>
+          </a:p>
+        </p:txBody>
+      </p:sp>
+      <p:sp>
+        <p:nvSpPr>
+          <p:cNvPr id="7" name="타원 6">
+            <a:extLst>
+              <a:ext uri="{FF2B5EF4-FFF2-40B4-BE49-F238E27FC236}">
+                <a16:creationId xmlns:a16="http://schemas.microsoft.com/office/drawing/2014/main" id="{79DCCF15-746F-4BE3-B29E-0582FD381CB2}"/>
               </a:ext>
             </a:extLst>
           </p:cNvPr>
@@ -4520,7 +4796,59 @@
         </p:nvSpPr>
         <p:spPr>
           <a:xfrm>
-            <a:off x="1833936" y="3945275"/>
+            <a:off x="8515564" y="306512"/>
+            <a:ext cx="1106184" cy="833919"/>
+          </a:xfrm>
+          <a:prstGeom prst="ellipse">
+            <a:avLst/>
+          </a:prstGeom>
+          <a:noFill/>
+          <a:ln w="76200">
+            <a:solidFill>
+              <a:srgbClr val="C00000"/>
+            </a:solidFill>
+          </a:ln>
+        </p:spPr>
+        <p:style>
+          <a:lnRef idx="2">
+            <a:schemeClr val="accent1">
+              <a:shade val="50000"/>
+            </a:schemeClr>
+          </a:lnRef>
+          <a:fillRef idx="1">
+            <a:schemeClr val="accent1"/>
+          </a:fillRef>
+          <a:effectRef idx="0">
+            <a:schemeClr val="accent1"/>
+          </a:effectRef>
+          <a:fontRef idx="minor">
+            <a:schemeClr val="lt1"/>
+          </a:fontRef>
+        </p:style>
+        <p:txBody>
+          <a:bodyPr rtlCol="0" anchor="ctr"/>
+          <a:lstStyle/>
+          <a:p>
+            <a:pPr algn="ctr"/>
+            <a:endParaRPr lang="en-GB"/>
+          </a:p>
+        </p:txBody>
+      </p:sp>
+      <p:sp>
+        <p:nvSpPr>
+          <p:cNvPr id="9" name="오른쪽 중괄호 8">
+            <a:extLst>
+              <a:ext uri="{FF2B5EF4-FFF2-40B4-BE49-F238E27FC236}">
+                <a16:creationId xmlns:a16="http://schemas.microsoft.com/office/drawing/2014/main" id="{FE2FAA43-4671-41A9-9E2C-18364E74094B}"/>
+              </a:ext>
+            </a:extLst>
+          </p:cNvPr>
+          <p:cNvSpPr/>
+          <p:nvPr/>
+        </p:nvSpPr>
+        <p:spPr>
+          <a:xfrm>
+            <a:off x="2126750" y="5512085"/>
             <a:ext cx="128428" cy="457200"/>
           </a:xfrm>
           <a:prstGeom prst="rightBrace">
@@ -4560,10 +4888,10 @@
       </p:sp>
       <p:sp>
         <p:nvSpPr>
-          <p:cNvPr id="9" name="TextBox 8">
-            <a:extLst>
-              <a:ext uri="{FF2B5EF4-FFF2-40B4-BE49-F238E27FC236}">
-                <a16:creationId xmlns:a16="http://schemas.microsoft.com/office/drawing/2014/main" id="{3CB5FCB1-2840-4AFC-9CC6-E1475FD04392}"/>
+          <p:cNvPr id="10" name="TextBox 9">
+            <a:extLst>
+              <a:ext uri="{FF2B5EF4-FFF2-40B4-BE49-F238E27FC236}">
+                <a16:creationId xmlns:a16="http://schemas.microsoft.com/office/drawing/2014/main" id="{DE743827-9FA4-4871-B0D9-3CC671B66344}"/>
               </a:ext>
             </a:extLst>
           </p:cNvPr>
@@ -4572,7 +4900,7 @@
         </p:nvSpPr>
         <p:spPr>
           <a:xfrm>
-            <a:off x="1962364" y="4004598"/>
+            <a:off x="2255178" y="5571408"/>
             <a:ext cx="2614818" cy="338554"/>
           </a:xfrm>
           <a:prstGeom prst="rect">
@@ -4626,10 +4954,64 @@
           </a:p>
         </p:txBody>
       </p:sp>
+      <p:sp>
+        <p:nvSpPr>
+          <p:cNvPr id="11" name="직사각형 10">
+            <a:extLst>
+              <a:ext uri="{FF2B5EF4-FFF2-40B4-BE49-F238E27FC236}">
+                <a16:creationId xmlns:a16="http://schemas.microsoft.com/office/drawing/2014/main" id="{1E986DDE-2E40-4D11-A9FF-828D5B602CB7}"/>
+              </a:ext>
+            </a:extLst>
+          </p:cNvPr>
+          <p:cNvSpPr/>
+          <p:nvPr/>
+        </p:nvSpPr>
+        <p:spPr>
+          <a:xfrm>
+            <a:off x="11306710" y="857892"/>
+            <a:ext cx="409255" cy="5794625"/>
+          </a:xfrm>
+          <a:prstGeom prst="rect">
+            <a:avLst/>
+          </a:prstGeom>
+          <a:solidFill>
+            <a:schemeClr val="bg1"/>
+          </a:solidFill>
+          <a:ln>
+            <a:solidFill>
+              <a:schemeClr val="bg1"/>
+            </a:solidFill>
+          </a:ln>
+        </p:spPr>
+        <p:style>
+          <a:lnRef idx="2">
+            <a:schemeClr val="accent1">
+              <a:shade val="50000"/>
+            </a:schemeClr>
+          </a:lnRef>
+          <a:fillRef idx="1">
+            <a:schemeClr val="accent1"/>
+          </a:fillRef>
+          <a:effectRef idx="0">
+            <a:schemeClr val="accent1"/>
+          </a:effectRef>
+          <a:fontRef idx="minor">
+            <a:schemeClr val="lt1"/>
+          </a:fontRef>
+        </p:style>
+        <p:txBody>
+          <a:bodyPr rtlCol="0" anchor="ctr"/>
+          <a:lstStyle/>
+          <a:p>
+            <a:pPr algn="ctr"/>
+            <a:endParaRPr lang="en-GB"/>
+          </a:p>
+        </p:txBody>
+      </p:sp>
     </p:spTree>
     <p:extLst>
       <p:ext uri="{BB962C8B-B14F-4D97-AF65-F5344CB8AC3E}">
-        <p14:creationId xmlns:p14="http://schemas.microsoft.com/office/powerpoint/2010/main" val="799137808"/>
+        <p14:creationId xmlns:p14="http://schemas.microsoft.com/office/powerpoint/2010/main" val="1676227135"/>
       </p:ext>
     </p:extLst>
   </p:cSld>
@@ -4658,10 +5040,10 @@
       </p:grpSpPr>
       <p:pic>
         <p:nvPicPr>
-          <p:cNvPr id="5" name="그림 4">
-            <a:extLst>
-              <a:ext uri="{FF2B5EF4-FFF2-40B4-BE49-F238E27FC236}">
-                <a16:creationId xmlns:a16="http://schemas.microsoft.com/office/drawing/2014/main" id="{33C68DB6-0D05-48EF-B981-D8BD3923B40D}"/>
+          <p:cNvPr id="14" name="그림 13">
+            <a:extLst>
+              <a:ext uri="{FF2B5EF4-FFF2-40B4-BE49-F238E27FC236}">
+                <a16:creationId xmlns:a16="http://schemas.microsoft.com/office/drawing/2014/main" id="{6D3D264B-D41A-4B11-A48A-5839A718318E}"/>
               </a:ext>
             </a:extLst>
           </p:cNvPr>
@@ -4678,8 +5060,8 @@
         </p:blipFill>
         <p:spPr>
           <a:xfrm>
-            <a:off x="345040" y="1063265"/>
-            <a:ext cx="11501919" cy="4463663"/>
+            <a:off x="178364" y="815544"/>
+            <a:ext cx="11835272" cy="5073977"/>
           </a:xfrm>
           <a:prstGeom prst="rect">
             <a:avLst/>
@@ -4688,10 +5070,10 @@
       </p:pic>
       <p:cxnSp>
         <p:nvCxnSpPr>
-          <p:cNvPr id="8" name="직선 연결선 7">
-            <a:extLst>
-              <a:ext uri="{FF2B5EF4-FFF2-40B4-BE49-F238E27FC236}">
-                <a16:creationId xmlns:a16="http://schemas.microsoft.com/office/drawing/2014/main" id="{EEF98F7F-EBB1-4FD2-8811-CF32CCD552F3}"/>
+          <p:cNvPr id="7" name="직선 연결선 6">
+            <a:extLst>
+              <a:ext uri="{FF2B5EF4-FFF2-40B4-BE49-F238E27FC236}">
+                <a16:creationId xmlns:a16="http://schemas.microsoft.com/office/drawing/2014/main" id="{EF13B932-92D2-4961-8F50-07B4B95A743F}"/>
               </a:ext>
             </a:extLst>
           </p:cNvPr>
@@ -4702,7 +5084,7 @@
         </p:nvCxnSpPr>
         <p:spPr>
           <a:xfrm>
-            <a:off x="3395611" y="1669547"/>
+            <a:off x="3446981" y="1448656"/>
             <a:ext cx="3945276" cy="0"/>
           </a:xfrm>
           <a:prstGeom prst="line">
@@ -4731,10 +5113,10 @@
       </p:cxnSp>
       <p:sp>
         <p:nvSpPr>
-          <p:cNvPr id="9" name="타원 8">
-            <a:extLst>
-              <a:ext uri="{FF2B5EF4-FFF2-40B4-BE49-F238E27FC236}">
-                <a16:creationId xmlns:a16="http://schemas.microsoft.com/office/drawing/2014/main" id="{2989E54D-35F9-40BA-BEAA-385D43A79CBA}"/>
+          <p:cNvPr id="8" name="오른쪽 중괄호 7">
+            <a:extLst>
+              <a:ext uri="{FF2B5EF4-FFF2-40B4-BE49-F238E27FC236}">
+                <a16:creationId xmlns:a16="http://schemas.microsoft.com/office/drawing/2014/main" id="{C59A89E9-B971-4810-A37E-3AFD435E5FB1}"/>
               </a:ext>
             </a:extLst>
           </p:cNvPr>
@@ -4743,124 +5125,19 @@
         </p:nvSpPr>
         <p:spPr>
           <a:xfrm>
-            <a:off x="1037689" y="4392204"/>
-            <a:ext cx="900000" cy="900000"/>
-          </a:xfrm>
-          <a:prstGeom prst="ellipse">
-            <a:avLst/>
-          </a:prstGeom>
-          <a:noFill/>
-          <a:ln w="76200">
-            <a:solidFill>
-              <a:srgbClr val="C00000"/>
-            </a:solidFill>
-          </a:ln>
-        </p:spPr>
-        <p:style>
-          <a:lnRef idx="2">
-            <a:schemeClr val="accent1">
-              <a:shade val="50000"/>
-            </a:schemeClr>
-          </a:lnRef>
-          <a:fillRef idx="1">
-            <a:schemeClr val="accent1"/>
-          </a:fillRef>
-          <a:effectRef idx="0">
-            <a:schemeClr val="accent1"/>
-          </a:effectRef>
-          <a:fontRef idx="minor">
-            <a:schemeClr val="lt1"/>
-          </a:fontRef>
-        </p:style>
-        <p:txBody>
-          <a:bodyPr rtlCol="0" anchor="ctr"/>
-          <a:lstStyle/>
-          <a:p>
-            <a:pPr algn="ctr"/>
-            <a:endParaRPr lang="en-GB"/>
-          </a:p>
-        </p:txBody>
-      </p:sp>
-      <p:sp>
-        <p:nvSpPr>
-          <p:cNvPr id="11" name="타원 10">
-            <a:extLst>
-              <a:ext uri="{FF2B5EF4-FFF2-40B4-BE49-F238E27FC236}">
-                <a16:creationId xmlns:a16="http://schemas.microsoft.com/office/drawing/2014/main" id="{F8BF0F07-6443-49D2-A218-F1C437755AF9}"/>
-              </a:ext>
-            </a:extLst>
-          </p:cNvPr>
-          <p:cNvSpPr/>
-          <p:nvPr/>
-        </p:nvSpPr>
-        <p:spPr>
-          <a:xfrm>
-            <a:off x="3881918" y="3573695"/>
-            <a:ext cx="900000" cy="900000"/>
-          </a:xfrm>
-          <a:prstGeom prst="ellipse">
-            <a:avLst/>
-          </a:prstGeom>
-          <a:noFill/>
-          <a:ln w="76200">
-            <a:solidFill>
-              <a:srgbClr val="C00000"/>
-            </a:solidFill>
-          </a:ln>
-        </p:spPr>
-        <p:style>
-          <a:lnRef idx="2">
-            <a:schemeClr val="accent1">
-              <a:shade val="50000"/>
-            </a:schemeClr>
-          </a:lnRef>
-          <a:fillRef idx="1">
-            <a:schemeClr val="accent1"/>
-          </a:fillRef>
-          <a:effectRef idx="0">
-            <a:schemeClr val="accent1"/>
-          </a:effectRef>
-          <a:fontRef idx="minor">
-            <a:schemeClr val="lt1"/>
-          </a:fontRef>
-        </p:style>
-        <p:txBody>
-          <a:bodyPr rtlCol="0" anchor="ctr"/>
-          <a:lstStyle/>
-          <a:p>
-            <a:pPr algn="ctr"/>
-            <a:endParaRPr lang="en-GB"/>
-          </a:p>
-        </p:txBody>
-      </p:sp>
-      <p:cxnSp>
-        <p:nvCxnSpPr>
-          <p:cNvPr id="12" name="직선 화살표 연결선 11">
-            <a:extLst>
-              <a:ext uri="{FF2B5EF4-FFF2-40B4-BE49-F238E27FC236}">
-                <a16:creationId xmlns:a16="http://schemas.microsoft.com/office/drawing/2014/main" id="{E09B49E4-999B-4F61-9270-A846B557F386}"/>
-              </a:ext>
-            </a:extLst>
-          </p:cNvPr>
-          <p:cNvCxnSpPr>
-            <a:cxnSpLocks/>
-            <a:endCxn id="9" idx="6"/>
-          </p:cNvCxnSpPr>
-          <p:nvPr/>
-        </p:nvCxnSpPr>
-        <p:spPr>
-          <a:xfrm flipH="1">
-            <a:off x="1937689" y="4145623"/>
-            <a:ext cx="1987039" cy="696581"/>
-          </a:xfrm>
-          <a:prstGeom prst="straightConnector1">
-            <a:avLst/>
+            <a:off x="1833936" y="3945275"/>
+            <a:ext cx="128428" cy="457200"/>
+          </a:xfrm>
+          <a:prstGeom prst="rightBrace">
+            <a:avLst>
+              <a:gd name="adj1" fmla="val 40333"/>
+              <a:gd name="adj2" fmla="val 50000"/>
+            </a:avLst>
           </a:prstGeom>
           <a:ln w="28575">
             <a:solidFill>
               <a:srgbClr val="C00000"/>
             </a:solidFill>
-            <a:tailEnd type="triangle"/>
           </a:ln>
         </p:spPr>
         <p:style>
@@ -4877,13 +5154,21 @@
             <a:schemeClr val="tx1"/>
           </a:fontRef>
         </p:style>
-      </p:cxnSp>
-      <p:sp>
-        <p:nvSpPr>
-          <p:cNvPr id="15" name="TextBox 14">
-            <a:extLst>
-              <a:ext uri="{FF2B5EF4-FFF2-40B4-BE49-F238E27FC236}">
-                <a16:creationId xmlns:a16="http://schemas.microsoft.com/office/drawing/2014/main" id="{C542CC94-F533-4459-94EB-421E15A350A7}"/>
+        <p:txBody>
+          <a:bodyPr rtlCol="0" anchor="ctr"/>
+          <a:lstStyle/>
+          <a:p>
+            <a:pPr algn="ctr"/>
+            <a:endParaRPr lang="en-GB"/>
+          </a:p>
+        </p:txBody>
+      </p:sp>
+      <p:sp>
+        <p:nvSpPr>
+          <p:cNvPr id="9" name="TextBox 8">
+            <a:extLst>
+              <a:ext uri="{FF2B5EF4-FFF2-40B4-BE49-F238E27FC236}">
+                <a16:creationId xmlns:a16="http://schemas.microsoft.com/office/drawing/2014/main" id="{3CB5FCB1-2840-4AFC-9CC6-E1475FD04392}"/>
               </a:ext>
             </a:extLst>
           </p:cNvPr>
@@ -4892,8 +5177,8 @@
         </p:nvSpPr>
         <p:spPr>
           <a:xfrm>
-            <a:off x="2784298" y="4565249"/>
-            <a:ext cx="1503938" cy="338554"/>
+            <a:off x="1962364" y="4004598"/>
+            <a:ext cx="2614818" cy="338554"/>
           </a:xfrm>
           <a:prstGeom prst="rect">
             <a:avLst/>
@@ -4907,73 +5192,41 @@
           <a:lstStyle/>
           <a:p>
             <a:r>
-              <a:rPr lang="en-GB" altLang="ko-KR" sz="1600" dirty="0">
+              <a:rPr lang="en-GB" sz="1600" b="0" dirty="0" err="1">
                 <a:solidFill>
                   <a:srgbClr val="C00000"/>
                 </a:solidFill>
+                <a:effectLst/>
+                <a:latin typeface="Consolas" panose="020B0609020204030204" pitchFamily="49" charset="0"/>
               </a:rPr>
-              <a:t>6</a:t>
-            </a:r>
-            <a:r>
-              <a:rPr lang="ko-KR" altLang="en-US" sz="1600" dirty="0">
+              <a:t>ITestOutputHelper</a:t>
+            </a:r>
+            <a:r>
+              <a:rPr lang="en-GB" sz="1600" b="0" dirty="0">
                 <a:solidFill>
                   <a:srgbClr val="C00000"/>
                 </a:solidFill>
+                <a:effectLst/>
+                <a:latin typeface="Consolas" panose="020B0609020204030204" pitchFamily="49" charset="0"/>
               </a:rPr>
-              <a:t>초 </a:t>
-            </a:r>
-            <a:r>
-              <a:rPr lang="ko-KR" altLang="en-US" sz="1600" b="1" dirty="0">
+              <a:t> </a:t>
+            </a:r>
+            <a:r>
+              <a:rPr lang="ko-KR" altLang="en-US" sz="1600" b="0" dirty="0">
                 <a:solidFill>
                   <a:srgbClr val="C00000"/>
                 </a:solidFill>
+                <a:effectLst/>
+                <a:latin typeface="Consolas" panose="020B0609020204030204" pitchFamily="49" charset="0"/>
               </a:rPr>
-              <a:t>≠</a:t>
-            </a:r>
-            <a:r>
-              <a:rPr lang="ko-KR" altLang="en-US" sz="1600" dirty="0">
-                <a:solidFill>
-                  <a:srgbClr val="C00000"/>
-                </a:solidFill>
-              </a:rPr>
-              <a:t> </a:t>
-            </a:r>
-            <a:r>
-              <a:rPr lang="en-GB" sz="1600" dirty="0">
-                <a:solidFill>
-                  <a:srgbClr val="C00000"/>
-                </a:solidFill>
-              </a:rPr>
-              <a:t>3</a:t>
-            </a:r>
-            <a:r>
-              <a:rPr lang="ko-KR" altLang="en-US" sz="1600" dirty="0">
-                <a:solidFill>
-                  <a:srgbClr val="C00000"/>
-                </a:solidFill>
-              </a:rPr>
-              <a:t>초 </a:t>
-            </a:r>
-            <a:r>
-              <a:rPr lang="en-GB" altLang="ko-KR" sz="1600" dirty="0">
-                <a:solidFill>
-                  <a:srgbClr val="C00000"/>
-                </a:solidFill>
-              </a:rPr>
-              <a:t>+ 5</a:t>
-            </a:r>
-            <a:r>
-              <a:rPr lang="ko-KR" altLang="en-US" sz="1600" dirty="0">
-                <a:solidFill>
-                  <a:srgbClr val="C00000"/>
-                </a:solidFill>
-              </a:rPr>
-              <a:t>초</a:t>
-            </a:r>
-            <a:endParaRPr lang="en-GB" sz="1600" dirty="0">
+              <a:t>출력</a:t>
+            </a:r>
+            <a:endParaRPr lang="en-GB" sz="1600" b="0" dirty="0">
               <a:solidFill>
                 <a:srgbClr val="C00000"/>
               </a:solidFill>
+              <a:effectLst/>
+              <a:latin typeface="Consolas" panose="020B0609020204030204" pitchFamily="49" charset="0"/>
             </a:endParaRPr>
           </a:p>
         </p:txBody>
@@ -4981,7 +5234,7 @@
     </p:spTree>
     <p:extLst>
       <p:ext uri="{BB962C8B-B14F-4D97-AF65-F5344CB8AC3E}">
-        <p14:creationId xmlns:p14="http://schemas.microsoft.com/office/powerpoint/2010/main" val="2773668614"/>
+        <p14:creationId xmlns:p14="http://schemas.microsoft.com/office/powerpoint/2010/main" val="799137808"/>
       </p:ext>
     </p:extLst>
   </p:cSld>
@@ -5010,10 +5263,10 @@
       </p:grpSpPr>
       <p:pic>
         <p:nvPicPr>
-          <p:cNvPr id="16" name="그림 15">
-            <a:extLst>
-              <a:ext uri="{FF2B5EF4-FFF2-40B4-BE49-F238E27FC236}">
-                <a16:creationId xmlns:a16="http://schemas.microsoft.com/office/drawing/2014/main" id="{545B8753-CEFB-4A56-AB66-EC43498D6586}"/>
+          <p:cNvPr id="3" name="그림 2">
+            <a:extLst>
+              <a:ext uri="{FF2B5EF4-FFF2-40B4-BE49-F238E27FC236}">
+                <a16:creationId xmlns:a16="http://schemas.microsoft.com/office/drawing/2014/main" id="{727FF462-7FD7-45BC-8348-BFC0605B9CE7}"/>
               </a:ext>
             </a:extLst>
           </p:cNvPr>
@@ -5030,20 +5283,396 @@
         </p:blipFill>
         <p:spPr>
           <a:xfrm>
-            <a:off x="608106" y="710495"/>
-            <a:ext cx="10570177" cy="4339645"/>
+            <a:off x="318494" y="1067577"/>
+            <a:ext cx="11300099" cy="4567797"/>
           </a:xfrm>
           <a:prstGeom prst="rect">
             <a:avLst/>
           </a:prstGeom>
         </p:spPr>
       </p:pic>
+      <p:cxnSp>
+        <p:nvCxnSpPr>
+          <p:cNvPr id="8" name="직선 연결선 7">
+            <a:extLst>
+              <a:ext uri="{FF2B5EF4-FFF2-40B4-BE49-F238E27FC236}">
+                <a16:creationId xmlns:a16="http://schemas.microsoft.com/office/drawing/2014/main" id="{EEF98F7F-EBB1-4FD2-8811-CF32CCD552F3}"/>
+              </a:ext>
+            </a:extLst>
+          </p:cNvPr>
+          <p:cNvCxnSpPr>
+            <a:cxnSpLocks/>
+          </p:cNvCxnSpPr>
+          <p:nvPr/>
+        </p:nvCxnSpPr>
+        <p:spPr>
+          <a:xfrm>
+            <a:off x="3395611" y="1669547"/>
+            <a:ext cx="3945276" cy="0"/>
+          </a:xfrm>
+          <a:prstGeom prst="line">
+            <a:avLst/>
+          </a:prstGeom>
+          <a:ln w="76200">
+            <a:solidFill>
+              <a:srgbClr val="C00000"/>
+            </a:solidFill>
+          </a:ln>
+        </p:spPr>
+        <p:style>
+          <a:lnRef idx="1">
+            <a:schemeClr val="accent1"/>
+          </a:lnRef>
+          <a:fillRef idx="0">
+            <a:schemeClr val="accent1"/>
+          </a:fillRef>
+          <a:effectRef idx="0">
+            <a:schemeClr val="accent1"/>
+          </a:effectRef>
+          <a:fontRef idx="minor">
+            <a:schemeClr val="tx1"/>
+          </a:fontRef>
+        </p:style>
+      </p:cxnSp>
+      <p:sp>
+        <p:nvSpPr>
+          <p:cNvPr id="9" name="타원 8">
+            <a:extLst>
+              <a:ext uri="{FF2B5EF4-FFF2-40B4-BE49-F238E27FC236}">
+                <a16:creationId xmlns:a16="http://schemas.microsoft.com/office/drawing/2014/main" id="{2989E54D-35F9-40BA-BEAA-385D43A79CBA}"/>
+              </a:ext>
+            </a:extLst>
+          </p:cNvPr>
+          <p:cNvSpPr/>
+          <p:nvPr/>
+        </p:nvSpPr>
+        <p:spPr>
+          <a:xfrm>
+            <a:off x="996593" y="4464122"/>
+            <a:ext cx="900000" cy="900000"/>
+          </a:xfrm>
+          <a:prstGeom prst="ellipse">
+            <a:avLst/>
+          </a:prstGeom>
+          <a:noFill/>
+          <a:ln w="76200">
+            <a:solidFill>
+              <a:srgbClr val="C00000"/>
+            </a:solidFill>
+          </a:ln>
+        </p:spPr>
+        <p:style>
+          <a:lnRef idx="2">
+            <a:schemeClr val="accent1">
+              <a:shade val="50000"/>
+            </a:schemeClr>
+          </a:lnRef>
+          <a:fillRef idx="1">
+            <a:schemeClr val="accent1"/>
+          </a:fillRef>
+          <a:effectRef idx="0">
+            <a:schemeClr val="accent1"/>
+          </a:effectRef>
+          <a:fontRef idx="minor">
+            <a:schemeClr val="lt1"/>
+          </a:fontRef>
+        </p:style>
+        <p:txBody>
+          <a:bodyPr rtlCol="0" anchor="ctr"/>
+          <a:lstStyle/>
+          <a:p>
+            <a:pPr algn="ctr"/>
+            <a:endParaRPr lang="en-GB"/>
+          </a:p>
+        </p:txBody>
+      </p:sp>
+      <p:sp>
+        <p:nvSpPr>
+          <p:cNvPr id="11" name="타원 10">
+            <a:extLst>
+              <a:ext uri="{FF2B5EF4-FFF2-40B4-BE49-F238E27FC236}">
+                <a16:creationId xmlns:a16="http://schemas.microsoft.com/office/drawing/2014/main" id="{F8BF0F07-6443-49D2-A218-F1C437755AF9}"/>
+              </a:ext>
+            </a:extLst>
+          </p:cNvPr>
+          <p:cNvSpPr/>
+          <p:nvPr/>
+        </p:nvSpPr>
+        <p:spPr>
+          <a:xfrm>
+            <a:off x="3881918" y="3573695"/>
+            <a:ext cx="900000" cy="900000"/>
+          </a:xfrm>
+          <a:prstGeom prst="ellipse">
+            <a:avLst/>
+          </a:prstGeom>
+          <a:noFill/>
+          <a:ln w="76200">
+            <a:solidFill>
+              <a:srgbClr val="C00000"/>
+            </a:solidFill>
+          </a:ln>
+        </p:spPr>
+        <p:style>
+          <a:lnRef idx="2">
+            <a:schemeClr val="accent1">
+              <a:shade val="50000"/>
+            </a:schemeClr>
+          </a:lnRef>
+          <a:fillRef idx="1">
+            <a:schemeClr val="accent1"/>
+          </a:fillRef>
+          <a:effectRef idx="0">
+            <a:schemeClr val="accent1"/>
+          </a:effectRef>
+          <a:fontRef idx="minor">
+            <a:schemeClr val="lt1"/>
+          </a:fontRef>
+        </p:style>
+        <p:txBody>
+          <a:bodyPr rtlCol="0" anchor="ctr"/>
+          <a:lstStyle/>
+          <a:p>
+            <a:pPr algn="ctr"/>
+            <a:endParaRPr lang="en-GB"/>
+          </a:p>
+        </p:txBody>
+      </p:sp>
+      <p:cxnSp>
+        <p:nvCxnSpPr>
+          <p:cNvPr id="12" name="직선 화살표 연결선 11">
+            <a:extLst>
+              <a:ext uri="{FF2B5EF4-FFF2-40B4-BE49-F238E27FC236}">
+                <a16:creationId xmlns:a16="http://schemas.microsoft.com/office/drawing/2014/main" id="{E09B49E4-999B-4F61-9270-A846B557F386}"/>
+              </a:ext>
+            </a:extLst>
+          </p:cNvPr>
+          <p:cNvCxnSpPr>
+            <a:cxnSpLocks/>
+            <a:endCxn id="9" idx="6"/>
+          </p:cNvCxnSpPr>
+          <p:nvPr/>
+        </p:nvCxnSpPr>
+        <p:spPr>
+          <a:xfrm flipH="1">
+            <a:off x="1896593" y="4217541"/>
+            <a:ext cx="1987039" cy="696581"/>
+          </a:xfrm>
+          <a:prstGeom prst="straightConnector1">
+            <a:avLst/>
+          </a:prstGeom>
+          <a:ln w="28575">
+            <a:solidFill>
+              <a:srgbClr val="C00000"/>
+            </a:solidFill>
+            <a:tailEnd type="triangle"/>
+          </a:ln>
+        </p:spPr>
+        <p:style>
+          <a:lnRef idx="1">
+            <a:schemeClr val="accent1"/>
+          </a:lnRef>
+          <a:fillRef idx="0">
+            <a:schemeClr val="accent1"/>
+          </a:fillRef>
+          <a:effectRef idx="0">
+            <a:schemeClr val="accent1"/>
+          </a:effectRef>
+          <a:fontRef idx="minor">
+            <a:schemeClr val="tx1"/>
+          </a:fontRef>
+        </p:style>
+      </p:cxnSp>
+      <p:sp>
+        <p:nvSpPr>
+          <p:cNvPr id="15" name="TextBox 14">
+            <a:extLst>
+              <a:ext uri="{FF2B5EF4-FFF2-40B4-BE49-F238E27FC236}">
+                <a16:creationId xmlns:a16="http://schemas.microsoft.com/office/drawing/2014/main" id="{C542CC94-F533-4459-94EB-421E15A350A7}"/>
+              </a:ext>
+            </a:extLst>
+          </p:cNvPr>
+          <p:cNvSpPr txBox="1"/>
+          <p:nvPr/>
+        </p:nvSpPr>
+        <p:spPr>
+          <a:xfrm>
+            <a:off x="2796593" y="4629229"/>
+            <a:ext cx="2238113" cy="338554"/>
+          </a:xfrm>
+          <a:prstGeom prst="rect">
+            <a:avLst/>
+          </a:prstGeom>
+          <a:noFill/>
+        </p:spPr>
+        <p:txBody>
+          <a:bodyPr wrap="none" rtlCol="0">
+            <a:spAutoFit/>
+          </a:bodyPr>
+          <a:lstStyle/>
+          <a:p>
+            <a:r>
+              <a:rPr lang="en-GB" altLang="ko-KR" sz="1600" dirty="0">
+                <a:solidFill>
+                  <a:srgbClr val="C00000"/>
+                </a:solidFill>
+              </a:rPr>
+              <a:t>12</a:t>
+            </a:r>
+            <a:r>
+              <a:rPr lang="ko-KR" altLang="en-US" sz="1600" dirty="0">
+                <a:solidFill>
+                  <a:srgbClr val="C00000"/>
+                </a:solidFill>
+              </a:rPr>
+              <a:t>초 </a:t>
+            </a:r>
+            <a:r>
+              <a:rPr lang="ko-KR" altLang="en-US" sz="1600" b="1" dirty="0">
+                <a:solidFill>
+                  <a:srgbClr val="C00000"/>
+                </a:solidFill>
+              </a:rPr>
+              <a:t>≠</a:t>
+            </a:r>
+            <a:r>
+              <a:rPr lang="ko-KR" altLang="en-US" sz="1600" dirty="0">
+                <a:solidFill>
+                  <a:srgbClr val="C00000"/>
+                </a:solidFill>
+              </a:rPr>
+              <a:t> </a:t>
+            </a:r>
+            <a:r>
+              <a:rPr lang="en-GB" altLang="ko-KR" sz="1600" dirty="0">
+                <a:solidFill>
+                  <a:srgbClr val="C00000"/>
+                </a:solidFill>
+              </a:rPr>
+              <a:t>(</a:t>
+            </a:r>
+            <a:r>
+              <a:rPr lang="en-GB" sz="1600" dirty="0">
+                <a:solidFill>
+                  <a:srgbClr val="C00000"/>
+                </a:solidFill>
+              </a:rPr>
+              <a:t>3</a:t>
+            </a:r>
+            <a:r>
+              <a:rPr lang="ko-KR" altLang="en-US" sz="1600" dirty="0">
+                <a:solidFill>
+                  <a:srgbClr val="C00000"/>
+                </a:solidFill>
+              </a:rPr>
+              <a:t>초 </a:t>
+            </a:r>
+            <a:r>
+              <a:rPr lang="en-GB" altLang="ko-KR" sz="1600" dirty="0">
+                <a:solidFill>
+                  <a:srgbClr val="C00000"/>
+                </a:solidFill>
+              </a:rPr>
+              <a:t>+ 4</a:t>
+            </a:r>
+            <a:r>
+              <a:rPr lang="ko-KR" altLang="en-US" sz="1600" dirty="0">
+                <a:solidFill>
+                  <a:srgbClr val="C00000"/>
+                </a:solidFill>
+              </a:rPr>
+              <a:t>초</a:t>
+            </a:r>
+            <a:r>
+              <a:rPr lang="en-GB" altLang="ko-KR" sz="1600" dirty="0">
+                <a:solidFill>
+                  <a:srgbClr val="C00000"/>
+                </a:solidFill>
+              </a:rPr>
+              <a:t>) + 5</a:t>
+            </a:r>
+            <a:r>
+              <a:rPr lang="ko-KR" altLang="en-US" sz="1600" dirty="0">
+                <a:solidFill>
+                  <a:srgbClr val="C00000"/>
+                </a:solidFill>
+              </a:rPr>
+              <a:t>초</a:t>
+            </a:r>
+            <a:endParaRPr lang="en-GB" sz="1600" dirty="0">
+              <a:solidFill>
+                <a:srgbClr val="C00000"/>
+              </a:solidFill>
+            </a:endParaRPr>
+          </a:p>
+        </p:txBody>
+      </p:sp>
+    </p:spTree>
+    <p:extLst>
+      <p:ext uri="{BB962C8B-B14F-4D97-AF65-F5344CB8AC3E}">
+        <p14:creationId xmlns:p14="http://schemas.microsoft.com/office/powerpoint/2010/main" val="2773668614"/>
+      </p:ext>
+    </p:extLst>
+  </p:cSld>
+  <p:clrMapOvr>
+    <a:masterClrMapping/>
+  </p:clrMapOvr>
+</p:sld>
+</file>
+
+<file path=ppt/slides/slide6.xml><?xml version="1.0" encoding="utf-8"?>
+<p:sld xmlns:a="http://schemas.openxmlformats.org/drawingml/2006/main" xmlns:r="http://schemas.openxmlformats.org/officeDocument/2006/relationships" xmlns:p="http://schemas.openxmlformats.org/presentationml/2006/main">
+  <p:cSld>
+    <p:spTree>
+      <p:nvGrpSpPr>
+        <p:cNvPr id="1" name=""/>
+        <p:cNvGrpSpPr/>
+        <p:nvPr/>
+      </p:nvGrpSpPr>
+      <p:grpSpPr>
+        <a:xfrm>
+          <a:off x="0" y="0"/>
+          <a:ext cx="0" cy="0"/>
+          <a:chOff x="0" y="0"/>
+          <a:chExt cx="0" cy="0"/>
+        </a:xfrm>
+      </p:grpSpPr>
+      <p:pic>
+        <p:nvPicPr>
+          <p:cNvPr id="3" name="그림 2">
+            <a:extLst>
+              <a:ext uri="{FF2B5EF4-FFF2-40B4-BE49-F238E27FC236}">
+                <a16:creationId xmlns:a16="http://schemas.microsoft.com/office/drawing/2014/main" id="{103B0588-DC21-4592-B11D-20E391F61C81}"/>
+              </a:ext>
+            </a:extLst>
+          </p:cNvPr>
+          <p:cNvPicPr>
+            <a:picLocks noChangeAspect="1"/>
+          </p:cNvPicPr>
+          <p:nvPr/>
+        </p:nvPicPr>
+        <p:blipFill>
+          <a:blip r:embed="rId2"/>
+          <a:stretch>
+            <a:fillRect/>
+          </a:stretch>
+        </p:blipFill>
+        <p:spPr>
+          <a:xfrm>
+            <a:off x="1111498" y="377117"/>
+            <a:ext cx="9969004" cy="5808940"/>
+          </a:xfrm>
+          <a:prstGeom prst="rect">
+            <a:avLst/>
+          </a:prstGeom>
+        </p:spPr>
+      </p:pic>
       <p:grpSp>
         <p:nvGrpSpPr>
-          <p:cNvPr id="9" name="그룹 8">
-            <a:extLst>
-              <a:ext uri="{FF2B5EF4-FFF2-40B4-BE49-F238E27FC236}">
-                <a16:creationId xmlns:a16="http://schemas.microsoft.com/office/drawing/2014/main" id="{91E65773-6D9D-4011-B292-4CE1C949A73F}"/>
+          <p:cNvPr id="6" name="그룹 5">
+            <a:extLst>
+              <a:ext uri="{FF2B5EF4-FFF2-40B4-BE49-F238E27FC236}">
+                <a16:creationId xmlns:a16="http://schemas.microsoft.com/office/drawing/2014/main" id="{485D1F6F-BA83-4403-ACBC-AD6B60AA83FB}"/>
               </a:ext>
             </a:extLst>
           </p:cNvPr>
@@ -5052,10 +5681,10 @@
         </p:nvGrpSpPr>
         <p:grpSpPr>
           <a:xfrm>
-            <a:off x="1910993" y="2501756"/>
-            <a:ext cx="693506" cy="2831543"/>
-            <a:chOff x="1910993" y="2501756"/>
-            <a:chExt cx="693506" cy="2831543"/>
+            <a:off x="2409282" y="2142166"/>
+            <a:ext cx="693506" cy="3673007"/>
+            <a:chOff x="2409282" y="2142166"/>
+            <a:chExt cx="693506" cy="3673007"/>
           </a:xfrm>
         </p:grpSpPr>
         <p:cxnSp>
@@ -5074,8 +5703,8 @@
           </p:nvCxnSpPr>
           <p:spPr>
             <a:xfrm>
-              <a:off x="2257746" y="3191137"/>
-              <a:ext cx="0" cy="2142162"/>
+              <a:off x="2756035" y="2831547"/>
+              <a:ext cx="0" cy="2983626"/>
             </a:xfrm>
             <a:prstGeom prst="straightConnector1">
               <a:avLst/>
@@ -5116,7 +5745,7 @@
           </p:nvSpPr>
           <p:spPr>
             <a:xfrm>
-              <a:off x="1910993" y="2501756"/>
+              <a:off x="2409282" y="2142166"/>
               <a:ext cx="693506" cy="689381"/>
             </a:xfrm>
             <a:prstGeom prst="ellipse">
@@ -5155,12 +5784,204 @@
           </p:txBody>
         </p:sp>
       </p:grpSp>
+      <p:sp>
+        <p:nvSpPr>
+          <p:cNvPr id="13" name="TextBox 12">
+            <a:extLst>
+              <a:ext uri="{FF2B5EF4-FFF2-40B4-BE49-F238E27FC236}">
+                <a16:creationId xmlns:a16="http://schemas.microsoft.com/office/drawing/2014/main" id="{964290A1-E344-471E-A4E4-855B0BBCD6CA}"/>
+              </a:ext>
+            </a:extLst>
+          </p:cNvPr>
+          <p:cNvSpPr txBox="1"/>
+          <p:nvPr/>
+        </p:nvSpPr>
+        <p:spPr>
+          <a:xfrm>
+            <a:off x="2322739" y="5917921"/>
+            <a:ext cx="5950668" cy="369332"/>
+          </a:xfrm>
+          <a:prstGeom prst="rect">
+            <a:avLst/>
+          </a:prstGeom>
+          <a:noFill/>
+        </p:spPr>
+        <p:txBody>
+          <a:bodyPr wrap="none" rtlCol="0">
+            <a:spAutoFit/>
+          </a:bodyPr>
+          <a:lstStyle/>
+          <a:p>
+            <a:r>
+              <a:rPr lang="ko-KR" altLang="en-US" b="1" dirty="0">
+                <a:solidFill>
+                  <a:srgbClr val="C00000"/>
+                </a:solidFill>
+              </a:rPr>
+              <a:t>클래스</a:t>
+            </a:r>
+            <a:r>
+              <a:rPr lang="en-GB" altLang="ko-KR" b="1" dirty="0">
+                <a:solidFill>
+                  <a:srgbClr val="C00000"/>
+                </a:solidFill>
+              </a:rPr>
+              <a:t>(class)</a:t>
+            </a:r>
+            <a:r>
+              <a:rPr lang="ko-KR" altLang="en-US" b="1" dirty="0">
+                <a:solidFill>
+                  <a:srgbClr val="C00000"/>
+                </a:solidFill>
+              </a:rPr>
+              <a:t> 단위로 단위 테스트가 개별로 동시 실행한다</a:t>
+            </a:r>
+            <a:r>
+              <a:rPr lang="en-GB" altLang="ko-KR" b="1" dirty="0">
+                <a:solidFill>
+                  <a:srgbClr val="C00000"/>
+                </a:solidFill>
+              </a:rPr>
+              <a:t>.</a:t>
+            </a:r>
+            <a:endParaRPr lang="en-GB" b="1" dirty="0">
+              <a:solidFill>
+                <a:srgbClr val="C00000"/>
+              </a:solidFill>
+            </a:endParaRPr>
+          </a:p>
+        </p:txBody>
+      </p:sp>
+      <p:sp>
+        <p:nvSpPr>
+          <p:cNvPr id="14" name="TextBox 13">
+            <a:extLst>
+              <a:ext uri="{FF2B5EF4-FFF2-40B4-BE49-F238E27FC236}">
+                <a16:creationId xmlns:a16="http://schemas.microsoft.com/office/drawing/2014/main" id="{BCDA1818-2AF0-4036-B257-C70DFB52E065}"/>
+              </a:ext>
+            </a:extLst>
+          </p:cNvPr>
+          <p:cNvSpPr txBox="1"/>
+          <p:nvPr/>
+        </p:nvSpPr>
+        <p:spPr>
+          <a:xfrm>
+            <a:off x="4179016" y="6287253"/>
+            <a:ext cx="2238113" cy="338554"/>
+          </a:xfrm>
+          <a:prstGeom prst="rect">
+            <a:avLst/>
+          </a:prstGeom>
+          <a:noFill/>
+        </p:spPr>
+        <p:txBody>
+          <a:bodyPr wrap="none" rtlCol="0">
+            <a:spAutoFit/>
+          </a:bodyPr>
+          <a:lstStyle/>
+          <a:p>
+            <a:r>
+              <a:rPr lang="en-GB" altLang="ko-KR" sz="1600" dirty="0">
+                <a:solidFill>
+                  <a:srgbClr val="C00000"/>
+                </a:solidFill>
+              </a:rPr>
+              <a:t>12</a:t>
+            </a:r>
+            <a:r>
+              <a:rPr lang="ko-KR" altLang="en-US" sz="1600" dirty="0">
+                <a:solidFill>
+                  <a:srgbClr val="C00000"/>
+                </a:solidFill>
+              </a:rPr>
+              <a:t>초 </a:t>
+            </a:r>
+            <a:r>
+              <a:rPr lang="ko-KR" altLang="en-US" sz="1600" b="1" dirty="0">
+                <a:solidFill>
+                  <a:srgbClr val="C00000"/>
+                </a:solidFill>
+              </a:rPr>
+              <a:t>≠</a:t>
+            </a:r>
+            <a:r>
+              <a:rPr lang="ko-KR" altLang="en-US" sz="1600" dirty="0">
+                <a:solidFill>
+                  <a:srgbClr val="C00000"/>
+                </a:solidFill>
+              </a:rPr>
+              <a:t> </a:t>
+            </a:r>
+            <a:r>
+              <a:rPr lang="en-GB" altLang="ko-KR" sz="1600" dirty="0">
+                <a:solidFill>
+                  <a:srgbClr val="C00000"/>
+                </a:solidFill>
+              </a:rPr>
+              <a:t>(</a:t>
+            </a:r>
+            <a:r>
+              <a:rPr lang="en-GB" sz="1600" dirty="0">
+                <a:solidFill>
+                  <a:srgbClr val="C00000"/>
+                </a:solidFill>
+              </a:rPr>
+              <a:t>3</a:t>
+            </a:r>
+            <a:r>
+              <a:rPr lang="ko-KR" altLang="en-US" sz="1600" dirty="0">
+                <a:solidFill>
+                  <a:srgbClr val="C00000"/>
+                </a:solidFill>
+              </a:rPr>
+              <a:t>초 </a:t>
+            </a:r>
+            <a:r>
+              <a:rPr lang="en-GB" altLang="ko-KR" sz="1600" dirty="0">
+                <a:solidFill>
+                  <a:srgbClr val="C00000"/>
+                </a:solidFill>
+              </a:rPr>
+              <a:t>+ 4</a:t>
+            </a:r>
+            <a:r>
+              <a:rPr lang="ko-KR" altLang="en-US" sz="1600" dirty="0">
+                <a:solidFill>
+                  <a:srgbClr val="C00000"/>
+                </a:solidFill>
+              </a:rPr>
+              <a:t>초</a:t>
+            </a:r>
+            <a:r>
+              <a:rPr lang="en-GB" altLang="ko-KR" sz="1600" dirty="0">
+                <a:solidFill>
+                  <a:srgbClr val="C00000"/>
+                </a:solidFill>
+              </a:rPr>
+              <a:t>) + 5</a:t>
+            </a:r>
+            <a:r>
+              <a:rPr lang="ko-KR" altLang="en-US" sz="1600" dirty="0">
+                <a:solidFill>
+                  <a:srgbClr val="C00000"/>
+                </a:solidFill>
+              </a:rPr>
+              <a:t>초</a:t>
+            </a:r>
+            <a:endParaRPr lang="en-GB" sz="1600" dirty="0">
+              <a:solidFill>
+                <a:srgbClr val="C00000"/>
+              </a:solidFill>
+            </a:endParaRPr>
+          </a:p>
+        </p:txBody>
+      </p:sp>
       <p:grpSp>
         <p:nvGrpSpPr>
-          <p:cNvPr id="10" name="그룹 9">
-            <a:extLst>
-              <a:ext uri="{FF2B5EF4-FFF2-40B4-BE49-F238E27FC236}">
-                <a16:creationId xmlns:a16="http://schemas.microsoft.com/office/drawing/2014/main" id="{E1D6651C-487B-440E-AEFC-DF7394903F1D}"/>
+          <p:cNvPr id="17" name="그룹 16">
+            <a:extLst>
+              <a:ext uri="{FF2B5EF4-FFF2-40B4-BE49-F238E27FC236}">
+                <a16:creationId xmlns:a16="http://schemas.microsoft.com/office/drawing/2014/main" id="{27D88CBE-65A9-4DFD-AD23-A8A609D5294C}"/>
               </a:ext>
             </a:extLst>
           </p:cNvPr>
@@ -5169,18 +5990,18 @@
         </p:nvGrpSpPr>
         <p:grpSpPr>
           <a:xfrm>
-            <a:off x="7313487" y="2501756"/>
-            <a:ext cx="693506" cy="2831543"/>
-            <a:chOff x="1910993" y="2501756"/>
-            <a:chExt cx="693506" cy="2831543"/>
+            <a:off x="7380262" y="2142166"/>
+            <a:ext cx="693506" cy="3673007"/>
+            <a:chOff x="2409282" y="2142166"/>
+            <a:chExt cx="693506" cy="3673007"/>
           </a:xfrm>
         </p:grpSpPr>
         <p:cxnSp>
           <p:nvCxnSpPr>
-            <p:cNvPr id="11" name="직선 화살표 연결선 10">
+            <p:cNvPr id="18" name="직선 화살표 연결선 17">
               <a:extLst>
                 <a:ext uri="{FF2B5EF4-FFF2-40B4-BE49-F238E27FC236}">
-                  <a16:creationId xmlns:a16="http://schemas.microsoft.com/office/drawing/2014/main" id="{38294049-333F-493C-AAC3-039180BCE8F2}"/>
+                  <a16:creationId xmlns:a16="http://schemas.microsoft.com/office/drawing/2014/main" id="{84368D7E-F3BF-41E5-87CC-990678D4DDF1}"/>
                 </a:ext>
               </a:extLst>
             </p:cNvPr>
@@ -5191,8 +6012,8 @@
           </p:nvCxnSpPr>
           <p:spPr>
             <a:xfrm>
-              <a:off x="2257746" y="3191137"/>
-              <a:ext cx="0" cy="2142162"/>
+              <a:off x="2756035" y="2831547"/>
+              <a:ext cx="0" cy="2983626"/>
             </a:xfrm>
             <a:prstGeom prst="straightConnector1">
               <a:avLst/>
@@ -5221,10 +6042,10 @@
         </p:cxnSp>
         <p:sp>
           <p:nvSpPr>
-            <p:cNvPr id="12" name="타원 11">
+            <p:cNvPr id="19" name="타원 18">
               <a:extLst>
                 <a:ext uri="{FF2B5EF4-FFF2-40B4-BE49-F238E27FC236}">
-                  <a16:creationId xmlns:a16="http://schemas.microsoft.com/office/drawing/2014/main" id="{DC942378-9AED-4E63-900A-43D7426964A2}"/>
+                  <a16:creationId xmlns:a16="http://schemas.microsoft.com/office/drawing/2014/main" id="{5D4E3036-C49D-4A56-A384-E78A22D9B7ED}"/>
                 </a:ext>
               </a:extLst>
             </p:cNvPr>
@@ -5233,7 +6054,7 @@
           </p:nvSpPr>
           <p:spPr>
             <a:xfrm>
-              <a:off x="1910993" y="2501756"/>
+              <a:off x="2409282" y="2142166"/>
               <a:ext cx="693506" cy="689381"/>
             </a:xfrm>
             <a:prstGeom prst="ellipse">
@@ -5272,688 +6093,10 @@
           </p:txBody>
         </p:sp>
       </p:grpSp>
-      <p:sp>
-        <p:nvSpPr>
-          <p:cNvPr id="13" name="TextBox 12">
-            <a:extLst>
-              <a:ext uri="{FF2B5EF4-FFF2-40B4-BE49-F238E27FC236}">
-                <a16:creationId xmlns:a16="http://schemas.microsoft.com/office/drawing/2014/main" id="{964290A1-E344-471E-A4E4-855B0BBCD6CA}"/>
-              </a:ext>
-            </a:extLst>
-          </p:cNvPr>
-          <p:cNvSpPr txBox="1"/>
-          <p:nvPr/>
-        </p:nvSpPr>
-        <p:spPr>
-          <a:xfrm>
-            <a:off x="1983659" y="5476127"/>
-            <a:ext cx="5950668" cy="369332"/>
-          </a:xfrm>
-          <a:prstGeom prst="rect">
-            <a:avLst/>
-          </a:prstGeom>
-          <a:noFill/>
-        </p:spPr>
-        <p:txBody>
-          <a:bodyPr wrap="none" rtlCol="0">
-            <a:spAutoFit/>
-          </a:bodyPr>
-          <a:lstStyle/>
-          <a:p>
-            <a:r>
-              <a:rPr lang="ko-KR" altLang="en-US" b="1" dirty="0">
-                <a:solidFill>
-                  <a:srgbClr val="C00000"/>
-                </a:solidFill>
-              </a:rPr>
-              <a:t>클래스</a:t>
-            </a:r>
-            <a:r>
-              <a:rPr lang="en-GB" altLang="ko-KR" b="1" dirty="0">
-                <a:solidFill>
-                  <a:srgbClr val="C00000"/>
-                </a:solidFill>
-              </a:rPr>
-              <a:t>(class)</a:t>
-            </a:r>
-            <a:r>
-              <a:rPr lang="ko-KR" altLang="en-US" b="1" dirty="0">
-                <a:solidFill>
-                  <a:srgbClr val="C00000"/>
-                </a:solidFill>
-              </a:rPr>
-              <a:t> 단위로 단위 테스트가 개별로 동시 실행한다</a:t>
-            </a:r>
-            <a:r>
-              <a:rPr lang="en-GB" altLang="ko-KR" b="1" dirty="0">
-                <a:solidFill>
-                  <a:srgbClr val="C00000"/>
-                </a:solidFill>
-              </a:rPr>
-              <a:t>.</a:t>
-            </a:r>
-            <a:endParaRPr lang="en-GB" b="1" dirty="0">
-              <a:solidFill>
-                <a:srgbClr val="C00000"/>
-              </a:solidFill>
-            </a:endParaRPr>
-          </a:p>
-        </p:txBody>
-      </p:sp>
-      <p:sp>
-        <p:nvSpPr>
-          <p:cNvPr id="14" name="TextBox 13">
-            <a:extLst>
-              <a:ext uri="{FF2B5EF4-FFF2-40B4-BE49-F238E27FC236}">
-                <a16:creationId xmlns:a16="http://schemas.microsoft.com/office/drawing/2014/main" id="{BCDA1818-2AF0-4036-B257-C70DFB52E065}"/>
-              </a:ext>
-            </a:extLst>
-          </p:cNvPr>
-          <p:cNvSpPr txBox="1"/>
-          <p:nvPr/>
-        </p:nvSpPr>
-        <p:spPr>
-          <a:xfrm>
-            <a:off x="4207024" y="5906027"/>
-            <a:ext cx="1503938" cy="338554"/>
-          </a:xfrm>
-          <a:prstGeom prst="rect">
-            <a:avLst/>
-          </a:prstGeom>
-          <a:noFill/>
-        </p:spPr>
-        <p:txBody>
-          <a:bodyPr wrap="none" rtlCol="0">
-            <a:spAutoFit/>
-          </a:bodyPr>
-          <a:lstStyle/>
-          <a:p>
-            <a:r>
-              <a:rPr lang="en-GB" altLang="ko-KR" sz="1600" dirty="0">
-                <a:solidFill>
-                  <a:srgbClr val="C00000"/>
-                </a:solidFill>
-              </a:rPr>
-              <a:t>8</a:t>
-            </a:r>
-            <a:r>
-              <a:rPr lang="ko-KR" altLang="en-US" sz="1600" dirty="0">
-                <a:solidFill>
-                  <a:srgbClr val="C00000"/>
-                </a:solidFill>
-              </a:rPr>
-              <a:t>초 </a:t>
-            </a:r>
-            <a:r>
-              <a:rPr lang="ko-KR" altLang="en-US" sz="1600" b="1" dirty="0">
-                <a:solidFill>
-                  <a:srgbClr val="C00000"/>
-                </a:solidFill>
-              </a:rPr>
-              <a:t>≠</a:t>
-            </a:r>
-            <a:r>
-              <a:rPr lang="ko-KR" altLang="en-US" sz="1600" dirty="0">
-                <a:solidFill>
-                  <a:srgbClr val="C00000"/>
-                </a:solidFill>
-              </a:rPr>
-              <a:t> </a:t>
-            </a:r>
-            <a:r>
-              <a:rPr lang="en-GB" sz="1600" dirty="0">
-                <a:solidFill>
-                  <a:srgbClr val="C00000"/>
-                </a:solidFill>
-              </a:rPr>
-              <a:t>3</a:t>
-            </a:r>
-            <a:r>
-              <a:rPr lang="ko-KR" altLang="en-US" sz="1600" dirty="0">
-                <a:solidFill>
-                  <a:srgbClr val="C00000"/>
-                </a:solidFill>
-              </a:rPr>
-              <a:t>초 </a:t>
-            </a:r>
-            <a:r>
-              <a:rPr lang="en-GB" altLang="ko-KR" sz="1600" dirty="0">
-                <a:solidFill>
-                  <a:srgbClr val="C00000"/>
-                </a:solidFill>
-              </a:rPr>
-              <a:t>+ 5</a:t>
-            </a:r>
-            <a:r>
-              <a:rPr lang="ko-KR" altLang="en-US" sz="1600" dirty="0">
-                <a:solidFill>
-                  <a:srgbClr val="C00000"/>
-                </a:solidFill>
-              </a:rPr>
-              <a:t>초</a:t>
-            </a:r>
-            <a:endParaRPr lang="en-GB" sz="1600" dirty="0">
-              <a:solidFill>
-                <a:srgbClr val="C00000"/>
-              </a:solidFill>
-            </a:endParaRPr>
-          </a:p>
-        </p:txBody>
-      </p:sp>
     </p:spTree>
     <p:extLst>
       <p:ext uri="{BB962C8B-B14F-4D97-AF65-F5344CB8AC3E}">
         <p14:creationId xmlns:p14="http://schemas.microsoft.com/office/powerpoint/2010/main" val="2056613124"/>
-      </p:ext>
-    </p:extLst>
-  </p:cSld>
-  <p:clrMapOvr>
-    <a:masterClrMapping/>
-  </p:clrMapOvr>
-</p:sld>
-</file>
-
-<file path=ppt/slides/slide6.xml><?xml version="1.0" encoding="utf-8"?>
-<p:sld xmlns:a="http://schemas.openxmlformats.org/drawingml/2006/main" xmlns:r="http://schemas.openxmlformats.org/officeDocument/2006/relationships" xmlns:p="http://schemas.openxmlformats.org/presentationml/2006/main">
-  <p:cSld>
-    <p:spTree>
-      <p:nvGrpSpPr>
-        <p:cNvPr id="1" name=""/>
-        <p:cNvGrpSpPr/>
-        <p:nvPr/>
-      </p:nvGrpSpPr>
-      <p:grpSpPr>
-        <a:xfrm>
-          <a:off x="0" y="0"/>
-          <a:ext cx="0" cy="0"/>
-          <a:chOff x="0" y="0"/>
-          <a:chExt cx="0" cy="0"/>
-        </a:xfrm>
-      </p:grpSpPr>
-      <p:pic>
-        <p:nvPicPr>
-          <p:cNvPr id="25" name="그림 24">
-            <a:extLst>
-              <a:ext uri="{FF2B5EF4-FFF2-40B4-BE49-F238E27FC236}">
-                <a16:creationId xmlns:a16="http://schemas.microsoft.com/office/drawing/2014/main" id="{7C20A9DF-CE4A-44DB-AA67-E504F83B5252}"/>
-              </a:ext>
-            </a:extLst>
-          </p:cNvPr>
-          <p:cNvPicPr>
-            <a:picLocks noChangeAspect="1"/>
-          </p:cNvPicPr>
-          <p:nvPr/>
-        </p:nvPicPr>
-        <p:blipFill>
-          <a:blip r:embed="rId2"/>
-          <a:stretch>
-            <a:fillRect/>
-          </a:stretch>
-        </p:blipFill>
-        <p:spPr>
-          <a:xfrm>
-            <a:off x="412548" y="4081910"/>
-            <a:ext cx="4241646" cy="2750316"/>
-          </a:xfrm>
-          <a:prstGeom prst="rect">
-            <a:avLst/>
-          </a:prstGeom>
-        </p:spPr>
-      </p:pic>
-      <p:pic>
-        <p:nvPicPr>
-          <p:cNvPr id="5" name="그림 4">
-            <a:extLst>
-              <a:ext uri="{FF2B5EF4-FFF2-40B4-BE49-F238E27FC236}">
-                <a16:creationId xmlns:a16="http://schemas.microsoft.com/office/drawing/2014/main" id="{316C49C9-4127-4EFF-BB0C-BBE292AE6CFF}"/>
-              </a:ext>
-            </a:extLst>
-          </p:cNvPr>
-          <p:cNvPicPr>
-            <a:picLocks noChangeAspect="1"/>
-          </p:cNvPicPr>
-          <p:nvPr/>
-        </p:nvPicPr>
-        <p:blipFill>
-          <a:blip r:embed="rId3"/>
-          <a:stretch>
-            <a:fillRect/>
-          </a:stretch>
-        </p:blipFill>
-        <p:spPr>
-          <a:xfrm>
-            <a:off x="1535987" y="172376"/>
-            <a:ext cx="9254321" cy="3243783"/>
-          </a:xfrm>
-          <a:prstGeom prst="rect">
-            <a:avLst/>
-          </a:prstGeom>
-        </p:spPr>
-      </p:pic>
-      <p:pic>
-        <p:nvPicPr>
-          <p:cNvPr id="7" name="그림 6">
-            <a:extLst>
-              <a:ext uri="{FF2B5EF4-FFF2-40B4-BE49-F238E27FC236}">
-                <a16:creationId xmlns:a16="http://schemas.microsoft.com/office/drawing/2014/main" id="{8B71E1ED-A86A-473C-90B4-9FEFD699798C}"/>
-              </a:ext>
-            </a:extLst>
-          </p:cNvPr>
-          <p:cNvPicPr>
-            <a:picLocks noChangeAspect="1"/>
-          </p:cNvPicPr>
-          <p:nvPr/>
-        </p:nvPicPr>
-        <p:blipFill>
-          <a:blip r:embed="rId4"/>
-          <a:stretch>
-            <a:fillRect/>
-          </a:stretch>
-        </p:blipFill>
-        <p:spPr>
-          <a:xfrm>
-            <a:off x="4366517" y="2572470"/>
-            <a:ext cx="6536986" cy="2002796"/>
-          </a:xfrm>
-          <a:prstGeom prst="rect">
-            <a:avLst/>
-          </a:prstGeom>
-          <a:ln>
-            <a:solidFill>
-              <a:schemeClr val="tx1"/>
-            </a:solidFill>
-          </a:ln>
-        </p:spPr>
-      </p:pic>
-      <p:sp>
-        <p:nvSpPr>
-          <p:cNvPr id="8" name="타원 7">
-            <a:extLst>
-              <a:ext uri="{FF2B5EF4-FFF2-40B4-BE49-F238E27FC236}">
-                <a16:creationId xmlns:a16="http://schemas.microsoft.com/office/drawing/2014/main" id="{47AD6331-BB7F-4D1D-9EE1-9E7EA19B3842}"/>
-              </a:ext>
-            </a:extLst>
-          </p:cNvPr>
-          <p:cNvSpPr/>
-          <p:nvPr/>
-        </p:nvSpPr>
-        <p:spPr>
-          <a:xfrm>
-            <a:off x="3929866" y="1869898"/>
-            <a:ext cx="1381874" cy="720205"/>
-          </a:xfrm>
-          <a:prstGeom prst="ellipse">
-            <a:avLst/>
-          </a:prstGeom>
-          <a:noFill/>
-          <a:ln w="76200">
-            <a:solidFill>
-              <a:srgbClr val="C00000"/>
-            </a:solidFill>
-          </a:ln>
-        </p:spPr>
-        <p:style>
-          <a:lnRef idx="2">
-            <a:schemeClr val="accent1">
-              <a:shade val="50000"/>
-            </a:schemeClr>
-          </a:lnRef>
-          <a:fillRef idx="1">
-            <a:schemeClr val="accent1"/>
-          </a:fillRef>
-          <a:effectRef idx="0">
-            <a:schemeClr val="accent1"/>
-          </a:effectRef>
-          <a:fontRef idx="minor">
-            <a:schemeClr val="lt1"/>
-          </a:fontRef>
-        </p:style>
-        <p:txBody>
-          <a:bodyPr rtlCol="0" anchor="ctr"/>
-          <a:lstStyle/>
-          <a:p>
-            <a:pPr algn="ctr"/>
-            <a:endParaRPr lang="en-GB"/>
-          </a:p>
-        </p:txBody>
-      </p:sp>
-      <p:cxnSp>
-        <p:nvCxnSpPr>
-          <p:cNvPr id="9" name="직선 연결선 8">
-            <a:extLst>
-              <a:ext uri="{FF2B5EF4-FFF2-40B4-BE49-F238E27FC236}">
-                <a16:creationId xmlns:a16="http://schemas.microsoft.com/office/drawing/2014/main" id="{F158642A-F335-45AD-80C9-7034449E3A58}"/>
-              </a:ext>
-            </a:extLst>
-          </p:cNvPr>
-          <p:cNvCxnSpPr>
-            <a:cxnSpLocks/>
-          </p:cNvCxnSpPr>
-          <p:nvPr/>
-        </p:nvCxnSpPr>
-        <p:spPr>
-          <a:xfrm>
-            <a:off x="5239822" y="4340834"/>
-            <a:ext cx="2671279" cy="0"/>
-          </a:xfrm>
-          <a:prstGeom prst="line">
-            <a:avLst/>
-          </a:prstGeom>
-          <a:ln w="76200">
-            <a:solidFill>
-              <a:srgbClr val="C00000"/>
-            </a:solidFill>
-          </a:ln>
-        </p:spPr>
-        <p:style>
-          <a:lnRef idx="1">
-            <a:schemeClr val="accent1"/>
-          </a:lnRef>
-          <a:fillRef idx="0">
-            <a:schemeClr val="accent1"/>
-          </a:fillRef>
-          <a:effectRef idx="0">
-            <a:schemeClr val="accent1"/>
-          </a:effectRef>
-          <a:fontRef idx="minor">
-            <a:schemeClr val="tx1"/>
-          </a:fontRef>
-        </p:style>
-      </p:cxnSp>
-      <p:sp>
-        <p:nvSpPr>
-          <p:cNvPr id="11" name="타원 10">
-            <a:extLst>
-              <a:ext uri="{FF2B5EF4-FFF2-40B4-BE49-F238E27FC236}">
-                <a16:creationId xmlns:a16="http://schemas.microsoft.com/office/drawing/2014/main" id="{6D0735EB-B498-4214-A17A-703D119936BF}"/>
-              </a:ext>
-            </a:extLst>
-          </p:cNvPr>
-          <p:cNvSpPr/>
-          <p:nvPr/>
-        </p:nvSpPr>
-        <p:spPr>
-          <a:xfrm>
-            <a:off x="2337368" y="390422"/>
-            <a:ext cx="657548" cy="643148"/>
-          </a:xfrm>
-          <a:prstGeom prst="ellipse">
-            <a:avLst/>
-          </a:prstGeom>
-          <a:noFill/>
-          <a:ln w="76200">
-            <a:solidFill>
-              <a:srgbClr val="C00000"/>
-            </a:solidFill>
-          </a:ln>
-        </p:spPr>
-        <p:style>
-          <a:lnRef idx="2">
-            <a:schemeClr val="accent1">
-              <a:shade val="50000"/>
-            </a:schemeClr>
-          </a:lnRef>
-          <a:fillRef idx="1">
-            <a:schemeClr val="accent1"/>
-          </a:fillRef>
-          <a:effectRef idx="0">
-            <a:schemeClr val="accent1"/>
-          </a:effectRef>
-          <a:fontRef idx="minor">
-            <a:schemeClr val="lt1"/>
-          </a:fontRef>
-        </p:style>
-        <p:txBody>
-          <a:bodyPr rtlCol="0" anchor="ctr"/>
-          <a:lstStyle/>
-          <a:p>
-            <a:pPr algn="ctr"/>
-            <a:endParaRPr lang="en-GB"/>
-          </a:p>
-        </p:txBody>
-      </p:sp>
-      <p:cxnSp>
-        <p:nvCxnSpPr>
-          <p:cNvPr id="12" name="직선 화살표 연결선 11">
-            <a:extLst>
-              <a:ext uri="{FF2B5EF4-FFF2-40B4-BE49-F238E27FC236}">
-                <a16:creationId xmlns:a16="http://schemas.microsoft.com/office/drawing/2014/main" id="{DA406B35-DAEB-48CC-9A94-427773D5651A}"/>
-              </a:ext>
-            </a:extLst>
-          </p:cNvPr>
-          <p:cNvCxnSpPr>
-            <a:cxnSpLocks/>
-          </p:cNvCxnSpPr>
-          <p:nvPr/>
-        </p:nvCxnSpPr>
-        <p:spPr>
-          <a:xfrm>
-            <a:off x="4941870" y="2572470"/>
-            <a:ext cx="914400" cy="1506373"/>
-          </a:xfrm>
-          <a:prstGeom prst="straightConnector1">
-            <a:avLst/>
-          </a:prstGeom>
-          <a:ln w="76200">
-            <a:solidFill>
-              <a:srgbClr val="C00000"/>
-            </a:solidFill>
-            <a:tailEnd type="triangle"/>
-          </a:ln>
-        </p:spPr>
-        <p:style>
-          <a:lnRef idx="1">
-            <a:schemeClr val="accent1"/>
-          </a:lnRef>
-          <a:fillRef idx="0">
-            <a:schemeClr val="accent1"/>
-          </a:fillRef>
-          <a:effectRef idx="0">
-            <a:schemeClr val="accent1"/>
-          </a:effectRef>
-          <a:fontRef idx="minor">
-            <a:schemeClr val="tx1"/>
-          </a:fontRef>
-        </p:style>
-      </p:cxnSp>
-      <p:cxnSp>
-        <p:nvCxnSpPr>
-          <p:cNvPr id="19" name="연결선: 구부러짐 18">
-            <a:extLst>
-              <a:ext uri="{FF2B5EF4-FFF2-40B4-BE49-F238E27FC236}">
-                <a16:creationId xmlns:a16="http://schemas.microsoft.com/office/drawing/2014/main" id="{BDB20E78-EE87-4432-B039-611C405AA7D3}"/>
-              </a:ext>
-            </a:extLst>
-          </p:cNvPr>
-          <p:cNvCxnSpPr>
-            <a:cxnSpLocks/>
-            <a:stCxn id="11" idx="6"/>
-            <a:endCxn id="8" idx="0"/>
-          </p:cNvCxnSpPr>
-          <p:nvPr/>
-        </p:nvCxnSpPr>
-        <p:spPr>
-          <a:xfrm>
-            <a:off x="2994916" y="711996"/>
-            <a:ext cx="1625887" cy="1157902"/>
-          </a:xfrm>
-          <a:prstGeom prst="curvedConnector2">
-            <a:avLst/>
-          </a:prstGeom>
-          <a:ln w="76200">
-            <a:solidFill>
-              <a:srgbClr val="C00000"/>
-            </a:solidFill>
-            <a:tailEnd type="triangle"/>
-          </a:ln>
-        </p:spPr>
-        <p:style>
-          <a:lnRef idx="1">
-            <a:schemeClr val="accent1"/>
-          </a:lnRef>
-          <a:fillRef idx="0">
-            <a:schemeClr val="accent1"/>
-          </a:fillRef>
-          <a:effectRef idx="0">
-            <a:schemeClr val="accent1"/>
-          </a:effectRef>
-          <a:fontRef idx="minor">
-            <a:schemeClr val="tx1"/>
-          </a:fontRef>
-        </p:style>
-      </p:cxnSp>
-      <p:sp>
-        <p:nvSpPr>
-          <p:cNvPr id="26" name="타원 25">
-            <a:extLst>
-              <a:ext uri="{FF2B5EF4-FFF2-40B4-BE49-F238E27FC236}">
-                <a16:creationId xmlns:a16="http://schemas.microsoft.com/office/drawing/2014/main" id="{A9DCCD8B-1B47-48B4-81EB-77DEBB4316B0}"/>
-              </a:ext>
-            </a:extLst>
-          </p:cNvPr>
-          <p:cNvSpPr/>
-          <p:nvPr/>
-        </p:nvSpPr>
-        <p:spPr>
-          <a:xfrm>
-            <a:off x="2777444" y="4693227"/>
-            <a:ext cx="833922" cy="643148"/>
-          </a:xfrm>
-          <a:prstGeom prst="ellipse">
-            <a:avLst/>
-          </a:prstGeom>
-          <a:noFill/>
-          <a:ln w="76200">
-            <a:solidFill>
-              <a:srgbClr val="C00000"/>
-            </a:solidFill>
-          </a:ln>
-        </p:spPr>
-        <p:style>
-          <a:lnRef idx="2">
-            <a:schemeClr val="accent1">
-              <a:shade val="50000"/>
-            </a:schemeClr>
-          </a:lnRef>
-          <a:fillRef idx="1">
-            <a:schemeClr val="accent1"/>
-          </a:fillRef>
-          <a:effectRef idx="0">
-            <a:schemeClr val="accent1"/>
-          </a:effectRef>
-          <a:fontRef idx="minor">
-            <a:schemeClr val="lt1"/>
-          </a:fontRef>
-        </p:style>
-        <p:txBody>
-          <a:bodyPr rtlCol="0" anchor="ctr"/>
-          <a:lstStyle/>
-          <a:p>
-            <a:pPr algn="ctr"/>
-            <a:endParaRPr lang="en-GB"/>
-          </a:p>
-        </p:txBody>
-      </p:sp>
-      <p:sp>
-        <p:nvSpPr>
-          <p:cNvPr id="27" name="사각형: 둥근 모서리 26">
-            <a:extLst>
-              <a:ext uri="{FF2B5EF4-FFF2-40B4-BE49-F238E27FC236}">
-                <a16:creationId xmlns:a16="http://schemas.microsoft.com/office/drawing/2014/main" id="{68072F29-BAD9-4864-A557-52C0BC944006}"/>
-              </a:ext>
-            </a:extLst>
-          </p:cNvPr>
-          <p:cNvSpPr/>
-          <p:nvPr/>
-        </p:nvSpPr>
-        <p:spPr>
-          <a:xfrm>
-            <a:off x="5661979" y="4007016"/>
-            <a:ext cx="339048" cy="352398"/>
-          </a:xfrm>
-          <a:prstGeom prst="roundRect">
-            <a:avLst/>
-          </a:prstGeom>
-          <a:noFill/>
-          <a:ln>
-            <a:noFill/>
-          </a:ln>
-        </p:spPr>
-        <p:style>
-          <a:lnRef idx="2">
-            <a:schemeClr val="accent1">
-              <a:shade val="50000"/>
-            </a:schemeClr>
-          </a:lnRef>
-          <a:fillRef idx="1">
-            <a:schemeClr val="accent1"/>
-          </a:fillRef>
-          <a:effectRef idx="0">
-            <a:schemeClr val="accent1"/>
-          </a:effectRef>
-          <a:fontRef idx="minor">
-            <a:schemeClr val="lt1"/>
-          </a:fontRef>
-        </p:style>
-        <p:txBody>
-          <a:bodyPr rtlCol="0" anchor="ctr"/>
-          <a:lstStyle/>
-          <a:p>
-            <a:pPr algn="ctr"/>
-            <a:endParaRPr lang="en-GB"/>
-          </a:p>
-        </p:txBody>
-      </p:sp>
-      <p:cxnSp>
-        <p:nvCxnSpPr>
-          <p:cNvPr id="28" name="연결선: 구부러짐 27">
-            <a:extLst>
-              <a:ext uri="{FF2B5EF4-FFF2-40B4-BE49-F238E27FC236}">
-                <a16:creationId xmlns:a16="http://schemas.microsoft.com/office/drawing/2014/main" id="{C57D3A2B-03EC-4EDF-8DDC-07503EBE66A7}"/>
-              </a:ext>
-            </a:extLst>
-          </p:cNvPr>
-          <p:cNvCxnSpPr>
-            <a:cxnSpLocks/>
-            <a:stCxn id="27" idx="2"/>
-            <a:endCxn id="26" idx="6"/>
-          </p:cNvCxnSpPr>
-          <p:nvPr/>
-        </p:nvCxnSpPr>
-        <p:spPr>
-          <a:xfrm rot="5400000">
-            <a:off x="4393742" y="3577039"/>
-            <a:ext cx="655387" cy="2220137"/>
-          </a:xfrm>
-          <a:prstGeom prst="curvedConnector2">
-            <a:avLst/>
-          </a:prstGeom>
-          <a:ln w="76200">
-            <a:solidFill>
-              <a:srgbClr val="C00000"/>
-            </a:solidFill>
-            <a:tailEnd type="triangle"/>
-          </a:ln>
-        </p:spPr>
-        <p:style>
-          <a:lnRef idx="1">
-            <a:schemeClr val="accent1"/>
-          </a:lnRef>
-          <a:fillRef idx="0">
-            <a:schemeClr val="accent1"/>
-          </a:fillRef>
-          <a:effectRef idx="0">
-            <a:schemeClr val="accent1"/>
-          </a:effectRef>
-          <a:fontRef idx="minor">
-            <a:schemeClr val="tx1"/>
-          </a:fontRef>
-        </p:style>
-      </p:cxnSp>
-    </p:spTree>
-    <p:extLst>
-      <p:ext uri="{BB962C8B-B14F-4D97-AF65-F5344CB8AC3E}">
-        <p14:creationId xmlns:p14="http://schemas.microsoft.com/office/powerpoint/2010/main" val="274692995"/>
       </p:ext>
     </p:extLst>
   </p:cSld>
@@ -5982,10 +6125,10 @@
       </p:grpSpPr>
       <p:pic>
         <p:nvPicPr>
-          <p:cNvPr id="5" name="그림 4">
-            <a:extLst>
-              <a:ext uri="{FF2B5EF4-FFF2-40B4-BE49-F238E27FC236}">
-                <a16:creationId xmlns:a16="http://schemas.microsoft.com/office/drawing/2014/main" id="{506BC5D6-B19D-433D-9237-79C6C2287A4C}"/>
+          <p:cNvPr id="25" name="그림 24">
+            <a:extLst>
+              <a:ext uri="{FF2B5EF4-FFF2-40B4-BE49-F238E27FC236}">
+                <a16:creationId xmlns:a16="http://schemas.microsoft.com/office/drawing/2014/main" id="{7C20A9DF-CE4A-44DB-AA67-E504F83B5252}"/>
               </a:ext>
             </a:extLst>
           </p:cNvPr>
@@ -6002,20 +6145,85 @@
         </p:blipFill>
         <p:spPr>
           <a:xfrm>
-            <a:off x="1458516" y="721759"/>
-            <a:ext cx="8839574" cy="5414481"/>
+            <a:off x="412548" y="4081910"/>
+            <a:ext cx="4241646" cy="2750316"/>
           </a:xfrm>
           <a:prstGeom prst="rect">
             <a:avLst/>
           </a:prstGeom>
         </p:spPr>
       </p:pic>
-      <p:sp>
-        <p:nvSpPr>
-          <p:cNvPr id="6" name="타원 5">
-            <a:extLst>
-              <a:ext uri="{FF2B5EF4-FFF2-40B4-BE49-F238E27FC236}">
-                <a16:creationId xmlns:a16="http://schemas.microsoft.com/office/drawing/2014/main" id="{D36C55CA-D9AD-45B2-8346-5872713AF6AC}"/>
+      <p:pic>
+        <p:nvPicPr>
+          <p:cNvPr id="5" name="그림 4">
+            <a:extLst>
+              <a:ext uri="{FF2B5EF4-FFF2-40B4-BE49-F238E27FC236}">
+                <a16:creationId xmlns:a16="http://schemas.microsoft.com/office/drawing/2014/main" id="{316C49C9-4127-4EFF-BB0C-BBE292AE6CFF}"/>
+              </a:ext>
+            </a:extLst>
+          </p:cNvPr>
+          <p:cNvPicPr>
+            <a:picLocks noChangeAspect="1"/>
+          </p:cNvPicPr>
+          <p:nvPr/>
+        </p:nvPicPr>
+        <p:blipFill>
+          <a:blip r:embed="rId3"/>
+          <a:stretch>
+            <a:fillRect/>
+          </a:stretch>
+        </p:blipFill>
+        <p:spPr>
+          <a:xfrm>
+            <a:off x="1535987" y="172376"/>
+            <a:ext cx="9254321" cy="3243783"/>
+          </a:xfrm>
+          <a:prstGeom prst="rect">
+            <a:avLst/>
+          </a:prstGeom>
+        </p:spPr>
+      </p:pic>
+      <p:pic>
+        <p:nvPicPr>
+          <p:cNvPr id="7" name="그림 6">
+            <a:extLst>
+              <a:ext uri="{FF2B5EF4-FFF2-40B4-BE49-F238E27FC236}">
+                <a16:creationId xmlns:a16="http://schemas.microsoft.com/office/drawing/2014/main" id="{8B71E1ED-A86A-473C-90B4-9FEFD699798C}"/>
+              </a:ext>
+            </a:extLst>
+          </p:cNvPr>
+          <p:cNvPicPr>
+            <a:picLocks noChangeAspect="1"/>
+          </p:cNvPicPr>
+          <p:nvPr/>
+        </p:nvPicPr>
+        <p:blipFill>
+          <a:blip r:embed="rId4"/>
+          <a:stretch>
+            <a:fillRect/>
+          </a:stretch>
+        </p:blipFill>
+        <p:spPr>
+          <a:xfrm>
+            <a:off x="4366517" y="2572470"/>
+            <a:ext cx="6536986" cy="2002796"/>
+          </a:xfrm>
+          <a:prstGeom prst="rect">
+            <a:avLst/>
+          </a:prstGeom>
+          <a:ln>
+            <a:solidFill>
+              <a:schemeClr val="tx1"/>
+            </a:solidFill>
+          </a:ln>
+        </p:spPr>
+      </p:pic>
+      <p:sp>
+        <p:nvSpPr>
+          <p:cNvPr id="8" name="타원 7">
+            <a:extLst>
+              <a:ext uri="{FF2B5EF4-FFF2-40B4-BE49-F238E27FC236}">
+                <a16:creationId xmlns:a16="http://schemas.microsoft.com/office/drawing/2014/main" id="{47AD6331-BB7F-4D1D-9EE1-9E7EA19B3842}"/>
               </a:ext>
             </a:extLst>
           </p:cNvPr>
@@ -6024,8 +6232,8 @@
         </p:nvSpPr>
         <p:spPr>
           <a:xfrm>
-            <a:off x="4279184" y="811662"/>
-            <a:ext cx="996596" cy="643148"/>
+            <a:off x="3929866" y="1869898"/>
+            <a:ext cx="1381874" cy="720205"/>
           </a:xfrm>
           <a:prstGeom prst="ellipse">
             <a:avLst/>
@@ -6062,12 +6270,55 @@
           </a:p>
         </p:txBody>
       </p:sp>
-      <p:sp>
-        <p:nvSpPr>
-          <p:cNvPr id="7" name="타원 6">
-            <a:extLst>
-              <a:ext uri="{FF2B5EF4-FFF2-40B4-BE49-F238E27FC236}">
-                <a16:creationId xmlns:a16="http://schemas.microsoft.com/office/drawing/2014/main" id="{5F8E53F4-98AE-460C-A363-8D6450BA8C8E}"/>
+      <p:cxnSp>
+        <p:nvCxnSpPr>
+          <p:cNvPr id="9" name="직선 연결선 8">
+            <a:extLst>
+              <a:ext uri="{FF2B5EF4-FFF2-40B4-BE49-F238E27FC236}">
+                <a16:creationId xmlns:a16="http://schemas.microsoft.com/office/drawing/2014/main" id="{F158642A-F335-45AD-80C9-7034449E3A58}"/>
+              </a:ext>
+            </a:extLst>
+          </p:cNvPr>
+          <p:cNvCxnSpPr>
+            <a:cxnSpLocks/>
+          </p:cNvCxnSpPr>
+          <p:nvPr/>
+        </p:nvCxnSpPr>
+        <p:spPr>
+          <a:xfrm>
+            <a:off x="5239822" y="4340834"/>
+            <a:ext cx="2671279" cy="0"/>
+          </a:xfrm>
+          <a:prstGeom prst="line">
+            <a:avLst/>
+          </a:prstGeom>
+          <a:ln w="76200">
+            <a:solidFill>
+              <a:srgbClr val="C00000"/>
+            </a:solidFill>
+          </a:ln>
+        </p:spPr>
+        <p:style>
+          <a:lnRef idx="1">
+            <a:schemeClr val="accent1"/>
+          </a:lnRef>
+          <a:fillRef idx="0">
+            <a:schemeClr val="accent1"/>
+          </a:fillRef>
+          <a:effectRef idx="0">
+            <a:schemeClr val="accent1"/>
+          </a:effectRef>
+          <a:fontRef idx="minor">
+            <a:schemeClr val="tx1"/>
+          </a:fontRef>
+        </p:style>
+      </p:cxnSp>
+      <p:sp>
+        <p:nvSpPr>
+          <p:cNvPr id="11" name="타원 10">
+            <a:extLst>
+              <a:ext uri="{FF2B5EF4-FFF2-40B4-BE49-F238E27FC236}">
+                <a16:creationId xmlns:a16="http://schemas.microsoft.com/office/drawing/2014/main" id="{6D0735EB-B498-4214-A17A-703D119936BF}"/>
               </a:ext>
             </a:extLst>
           </p:cNvPr>
@@ -6076,7 +6327,7 @@
         </p:nvSpPr>
         <p:spPr>
           <a:xfrm>
-            <a:off x="2440110" y="1284274"/>
+            <a:off x="2337368" y="390422"/>
             <a:ext cx="657548" cy="643148"/>
           </a:xfrm>
           <a:prstGeom prst="ellipse">
@@ -6116,23 +6367,22 @@
       </p:sp>
       <p:cxnSp>
         <p:nvCxnSpPr>
-          <p:cNvPr id="8" name="직선 화살표 연결선 7">
-            <a:extLst>
-              <a:ext uri="{FF2B5EF4-FFF2-40B4-BE49-F238E27FC236}">
-                <a16:creationId xmlns:a16="http://schemas.microsoft.com/office/drawing/2014/main" id="{BD2CE48F-40B7-42EC-A080-E55D7B2E6A8B}"/>
+          <p:cNvPr id="12" name="직선 화살표 연결선 11">
+            <a:extLst>
+              <a:ext uri="{FF2B5EF4-FFF2-40B4-BE49-F238E27FC236}">
+                <a16:creationId xmlns:a16="http://schemas.microsoft.com/office/drawing/2014/main" id="{DA406B35-DAEB-48CC-9A94-427773D5651A}"/>
               </a:ext>
             </a:extLst>
           </p:cNvPr>
           <p:cNvCxnSpPr>
             <a:cxnSpLocks/>
-            <a:stCxn id="7" idx="4"/>
           </p:cNvCxnSpPr>
           <p:nvPr/>
         </p:nvCxnSpPr>
         <p:spPr>
           <a:xfrm>
-            <a:off x="2768884" y="1927422"/>
-            <a:ext cx="2095929" cy="3646304"/>
+            <a:off x="4941870" y="2572470"/>
+            <a:ext cx="914400" cy="1506373"/>
           </a:xfrm>
           <a:prstGeom prst="straightConnector1">
             <a:avLst/>
@@ -6159,106 +6409,204 @@
           </a:fontRef>
         </p:style>
       </p:cxnSp>
-      <p:sp>
-        <p:nvSpPr>
-          <p:cNvPr id="11" name="TextBox 10">
-            <a:extLst>
-              <a:ext uri="{FF2B5EF4-FFF2-40B4-BE49-F238E27FC236}">
-                <a16:creationId xmlns:a16="http://schemas.microsoft.com/office/drawing/2014/main" id="{56EA2A61-80DD-4B75-8301-65307C662FEC}"/>
-              </a:ext>
-            </a:extLst>
-          </p:cNvPr>
-          <p:cNvSpPr txBox="1"/>
+      <p:cxnSp>
+        <p:nvCxnSpPr>
+          <p:cNvPr id="19" name="연결선: 구부러짐 18">
+            <a:extLst>
+              <a:ext uri="{FF2B5EF4-FFF2-40B4-BE49-F238E27FC236}">
+                <a16:creationId xmlns:a16="http://schemas.microsoft.com/office/drawing/2014/main" id="{BDB20E78-EE87-4432-B039-611C405AA7D3}"/>
+              </a:ext>
+            </a:extLst>
+          </p:cNvPr>
+          <p:cNvCxnSpPr>
+            <a:cxnSpLocks/>
+            <a:stCxn id="11" idx="6"/>
+            <a:endCxn id="8" idx="0"/>
+          </p:cNvCxnSpPr>
           <p:nvPr/>
-        </p:nvSpPr>
-        <p:spPr>
-          <a:xfrm>
-            <a:off x="4279184" y="413982"/>
-            <a:ext cx="3562194" cy="307777"/>
-          </a:xfrm>
-          <a:prstGeom prst="rect">
+        </p:nvCxnSpPr>
+        <p:spPr>
+          <a:xfrm>
+            <a:off x="2994916" y="711996"/>
+            <a:ext cx="1625887" cy="1157902"/>
+          </a:xfrm>
+          <a:prstGeom prst="curvedConnector2">
+            <a:avLst/>
+          </a:prstGeom>
+          <a:ln w="76200">
+            <a:solidFill>
+              <a:srgbClr val="C00000"/>
+            </a:solidFill>
+            <a:tailEnd type="triangle"/>
+          </a:ln>
+        </p:spPr>
+        <p:style>
+          <a:lnRef idx="1">
+            <a:schemeClr val="accent1"/>
+          </a:lnRef>
+          <a:fillRef idx="0">
+            <a:schemeClr val="accent1"/>
+          </a:fillRef>
+          <a:effectRef idx="0">
+            <a:schemeClr val="accent1"/>
+          </a:effectRef>
+          <a:fontRef idx="minor">
+            <a:schemeClr val="tx1"/>
+          </a:fontRef>
+        </p:style>
+      </p:cxnSp>
+      <p:sp>
+        <p:nvSpPr>
+          <p:cNvPr id="26" name="타원 25">
+            <a:extLst>
+              <a:ext uri="{FF2B5EF4-FFF2-40B4-BE49-F238E27FC236}">
+                <a16:creationId xmlns:a16="http://schemas.microsoft.com/office/drawing/2014/main" id="{A9DCCD8B-1B47-48B4-81EB-77DEBB4316B0}"/>
+              </a:ext>
+            </a:extLst>
+          </p:cNvPr>
+          <p:cNvSpPr/>
+          <p:nvPr/>
+        </p:nvSpPr>
+        <p:spPr>
+          <a:xfrm>
+            <a:off x="2777444" y="4693227"/>
+            <a:ext cx="833922" cy="643148"/>
+          </a:xfrm>
+          <a:prstGeom prst="ellipse">
             <a:avLst/>
           </a:prstGeom>
           <a:noFill/>
-        </p:spPr>
-        <p:txBody>
-          <a:bodyPr wrap="none" rtlCol="0">
-            <a:spAutoFit/>
-          </a:bodyPr>
-          <a:lstStyle/>
-          <a:p>
-            <a:r>
-              <a:rPr lang="en-GB" sz="1400" b="1" dirty="0"/>
-              <a:t>Case</a:t>
-            </a:r>
-            <a:r>
-              <a:rPr lang="ko-KR" altLang="en-US" sz="1400" b="1" dirty="0"/>
-              <a:t> </a:t>
-            </a:r>
-            <a:r>
-              <a:rPr lang="en-GB" altLang="ko-KR" sz="1400" b="1" dirty="0"/>
-              <a:t>1. </a:t>
-            </a:r>
-            <a:r>
-              <a:rPr lang="ko-KR" altLang="en-US" sz="1400" b="1" dirty="0"/>
-              <a:t>단위 테스트 메서드에서 디버깅하기</a:t>
-            </a:r>
-            <a:endParaRPr lang="en-GB" sz="1400" b="1" dirty="0"/>
-          </a:p>
-        </p:txBody>
-      </p:sp>
-      <p:sp>
-        <p:nvSpPr>
-          <p:cNvPr id="12" name="TextBox 11">
-            <a:extLst>
-              <a:ext uri="{FF2B5EF4-FFF2-40B4-BE49-F238E27FC236}">
-                <a16:creationId xmlns:a16="http://schemas.microsoft.com/office/drawing/2014/main" id="{ECD9749F-C471-4E9B-B27D-138BA342E22A}"/>
-              </a:ext>
-            </a:extLst>
-          </p:cNvPr>
-          <p:cNvSpPr txBox="1"/>
+          <a:ln w="76200">
+            <a:solidFill>
+              <a:srgbClr val="C00000"/>
+            </a:solidFill>
+          </a:ln>
+        </p:spPr>
+        <p:style>
+          <a:lnRef idx="2">
+            <a:schemeClr val="accent1">
+              <a:shade val="50000"/>
+            </a:schemeClr>
+          </a:lnRef>
+          <a:fillRef idx="1">
+            <a:schemeClr val="accent1"/>
+          </a:fillRef>
+          <a:effectRef idx="0">
+            <a:schemeClr val="accent1"/>
+          </a:effectRef>
+          <a:fontRef idx="minor">
+            <a:schemeClr val="lt1"/>
+          </a:fontRef>
+        </p:style>
+        <p:txBody>
+          <a:bodyPr rtlCol="0" anchor="ctr"/>
+          <a:lstStyle/>
+          <a:p>
+            <a:pPr algn="ctr"/>
+            <a:endParaRPr lang="en-GB"/>
+          </a:p>
+        </p:txBody>
+      </p:sp>
+      <p:sp>
+        <p:nvSpPr>
+          <p:cNvPr id="27" name="사각형: 둥근 모서리 26">
+            <a:extLst>
+              <a:ext uri="{FF2B5EF4-FFF2-40B4-BE49-F238E27FC236}">
+                <a16:creationId xmlns:a16="http://schemas.microsoft.com/office/drawing/2014/main" id="{68072F29-BAD9-4864-A557-52C0BC944006}"/>
+              </a:ext>
+            </a:extLst>
+          </p:cNvPr>
+          <p:cNvSpPr/>
           <p:nvPr/>
         </p:nvSpPr>
         <p:spPr>
           <a:xfrm>
-            <a:off x="696204" y="3877942"/>
-            <a:ext cx="3203121" cy="307777"/>
-          </a:xfrm>
-          <a:prstGeom prst="rect">
+            <a:off x="5661979" y="4007016"/>
+            <a:ext cx="339048" cy="352398"/>
+          </a:xfrm>
+          <a:prstGeom prst="roundRect">
             <a:avLst/>
           </a:prstGeom>
           <a:noFill/>
-        </p:spPr>
-        <p:txBody>
-          <a:bodyPr wrap="none" rtlCol="0">
-            <a:spAutoFit/>
-          </a:bodyPr>
-          <a:lstStyle/>
-          <a:p>
-            <a:r>
-              <a:rPr lang="en-GB" sz="1400" b="1" dirty="0"/>
-              <a:t>Case</a:t>
-            </a:r>
-            <a:r>
-              <a:rPr lang="ko-KR" altLang="en-US" sz="1400" b="1" dirty="0"/>
-              <a:t> </a:t>
-            </a:r>
-            <a:r>
-              <a:rPr lang="en-GB" altLang="ko-KR" sz="1400" b="1" dirty="0"/>
-              <a:t>2. </a:t>
-            </a:r>
-            <a:r>
-              <a:rPr lang="ko-KR" altLang="en-US" sz="1400" b="1" dirty="0"/>
-              <a:t>현재 커서 위치에서 디버깅하기</a:t>
-            </a:r>
-            <a:endParaRPr lang="en-GB" sz="1400" b="1" dirty="0"/>
-          </a:p>
-        </p:txBody>
-      </p:sp>
+          <a:ln>
+            <a:noFill/>
+          </a:ln>
+        </p:spPr>
+        <p:style>
+          <a:lnRef idx="2">
+            <a:schemeClr val="accent1">
+              <a:shade val="50000"/>
+            </a:schemeClr>
+          </a:lnRef>
+          <a:fillRef idx="1">
+            <a:schemeClr val="accent1"/>
+          </a:fillRef>
+          <a:effectRef idx="0">
+            <a:schemeClr val="accent1"/>
+          </a:effectRef>
+          <a:fontRef idx="minor">
+            <a:schemeClr val="lt1"/>
+          </a:fontRef>
+        </p:style>
+        <p:txBody>
+          <a:bodyPr rtlCol="0" anchor="ctr"/>
+          <a:lstStyle/>
+          <a:p>
+            <a:pPr algn="ctr"/>
+            <a:endParaRPr lang="en-GB"/>
+          </a:p>
+        </p:txBody>
+      </p:sp>
+      <p:cxnSp>
+        <p:nvCxnSpPr>
+          <p:cNvPr id="28" name="연결선: 구부러짐 27">
+            <a:extLst>
+              <a:ext uri="{FF2B5EF4-FFF2-40B4-BE49-F238E27FC236}">
+                <a16:creationId xmlns:a16="http://schemas.microsoft.com/office/drawing/2014/main" id="{C57D3A2B-03EC-4EDF-8DDC-07503EBE66A7}"/>
+              </a:ext>
+            </a:extLst>
+          </p:cNvPr>
+          <p:cNvCxnSpPr>
+            <a:cxnSpLocks/>
+            <a:stCxn id="27" idx="2"/>
+            <a:endCxn id="26" idx="6"/>
+          </p:cNvCxnSpPr>
+          <p:nvPr/>
+        </p:nvCxnSpPr>
+        <p:spPr>
+          <a:xfrm rot="5400000">
+            <a:off x="4393742" y="3577039"/>
+            <a:ext cx="655387" cy="2220137"/>
+          </a:xfrm>
+          <a:prstGeom prst="curvedConnector2">
+            <a:avLst/>
+          </a:prstGeom>
+          <a:ln w="76200">
+            <a:solidFill>
+              <a:srgbClr val="C00000"/>
+            </a:solidFill>
+            <a:tailEnd type="triangle"/>
+          </a:ln>
+        </p:spPr>
+        <p:style>
+          <a:lnRef idx="1">
+            <a:schemeClr val="accent1"/>
+          </a:lnRef>
+          <a:fillRef idx="0">
+            <a:schemeClr val="accent1"/>
+          </a:fillRef>
+          <a:effectRef idx="0">
+            <a:schemeClr val="accent1"/>
+          </a:effectRef>
+          <a:fontRef idx="minor">
+            <a:schemeClr val="tx1"/>
+          </a:fontRef>
+        </p:style>
+      </p:cxnSp>
     </p:spTree>
     <p:extLst>
       <p:ext uri="{BB962C8B-B14F-4D97-AF65-F5344CB8AC3E}">
-        <p14:creationId xmlns:p14="http://schemas.microsoft.com/office/powerpoint/2010/main" val="3550799030"/>
+        <p14:creationId xmlns:p14="http://schemas.microsoft.com/office/powerpoint/2010/main" val="274692995"/>
       </p:ext>
     </p:extLst>
   </p:cSld>
@@ -6287,10 +6635,10 @@
       </p:grpSpPr>
       <p:pic>
         <p:nvPicPr>
-          <p:cNvPr id="17" name="그림 16">
-            <a:extLst>
-              <a:ext uri="{FF2B5EF4-FFF2-40B4-BE49-F238E27FC236}">
-                <a16:creationId xmlns:a16="http://schemas.microsoft.com/office/drawing/2014/main" id="{28B61E87-03AC-402B-B146-BAF20D75A28B}"/>
+          <p:cNvPr id="5" name="그림 4">
+            <a:extLst>
+              <a:ext uri="{FF2B5EF4-FFF2-40B4-BE49-F238E27FC236}">
+                <a16:creationId xmlns:a16="http://schemas.microsoft.com/office/drawing/2014/main" id="{506BC5D6-B19D-433D-9237-79C6C2287A4C}"/>
               </a:ext>
             </a:extLst>
           </p:cNvPr>
@@ -6307,8 +6655,8 @@
         </p:blipFill>
         <p:spPr>
           <a:xfrm>
-            <a:off x="662682" y="557910"/>
-            <a:ext cx="9555114" cy="5318908"/>
+            <a:off x="1458516" y="721759"/>
+            <a:ext cx="8839574" cy="5414481"/>
           </a:xfrm>
           <a:prstGeom prst="rect">
             <a:avLst/>
@@ -6320,7 +6668,7 @@
           <p:cNvPr id="6" name="타원 5">
             <a:extLst>
               <a:ext uri="{FF2B5EF4-FFF2-40B4-BE49-F238E27FC236}">
-                <a16:creationId xmlns:a16="http://schemas.microsoft.com/office/drawing/2014/main" id="{4689F24E-8DAE-4E61-B73E-3656EE6792F4}"/>
+                <a16:creationId xmlns:a16="http://schemas.microsoft.com/office/drawing/2014/main" id="{D36C55CA-D9AD-45B2-8346-5872713AF6AC}"/>
               </a:ext>
             </a:extLst>
           </p:cNvPr>
@@ -6329,8 +6677,8 @@
         </p:nvSpPr>
         <p:spPr>
           <a:xfrm>
-            <a:off x="549665" y="2760021"/>
-            <a:ext cx="724330" cy="722917"/>
+            <a:off x="4279184" y="811662"/>
+            <a:ext cx="996596" cy="643148"/>
           </a:xfrm>
           <a:prstGeom prst="ellipse">
             <a:avLst/>
@@ -6367,25 +6715,77 @@
           </a:p>
         </p:txBody>
       </p:sp>
+      <p:sp>
+        <p:nvSpPr>
+          <p:cNvPr id="7" name="타원 6">
+            <a:extLst>
+              <a:ext uri="{FF2B5EF4-FFF2-40B4-BE49-F238E27FC236}">
+                <a16:creationId xmlns:a16="http://schemas.microsoft.com/office/drawing/2014/main" id="{5F8E53F4-98AE-460C-A363-8D6450BA8C8E}"/>
+              </a:ext>
+            </a:extLst>
+          </p:cNvPr>
+          <p:cNvSpPr/>
+          <p:nvPr/>
+        </p:nvSpPr>
+        <p:spPr>
+          <a:xfrm>
+            <a:off x="2440110" y="1284274"/>
+            <a:ext cx="657548" cy="643148"/>
+          </a:xfrm>
+          <a:prstGeom prst="ellipse">
+            <a:avLst/>
+          </a:prstGeom>
+          <a:noFill/>
+          <a:ln w="76200">
+            <a:solidFill>
+              <a:srgbClr val="C00000"/>
+            </a:solidFill>
+          </a:ln>
+        </p:spPr>
+        <p:style>
+          <a:lnRef idx="2">
+            <a:schemeClr val="accent1">
+              <a:shade val="50000"/>
+            </a:schemeClr>
+          </a:lnRef>
+          <a:fillRef idx="1">
+            <a:schemeClr val="accent1"/>
+          </a:fillRef>
+          <a:effectRef idx="0">
+            <a:schemeClr val="accent1"/>
+          </a:effectRef>
+          <a:fontRef idx="minor">
+            <a:schemeClr val="lt1"/>
+          </a:fontRef>
+        </p:style>
+        <p:txBody>
+          <a:bodyPr rtlCol="0" anchor="ctr"/>
+          <a:lstStyle/>
+          <a:p>
+            <a:pPr algn="ctr"/>
+            <a:endParaRPr lang="en-GB"/>
+          </a:p>
+        </p:txBody>
+      </p:sp>
       <p:cxnSp>
         <p:nvCxnSpPr>
-          <p:cNvPr id="7" name="직선 화살표 연결선 6">
-            <a:extLst>
-              <a:ext uri="{FF2B5EF4-FFF2-40B4-BE49-F238E27FC236}">
-                <a16:creationId xmlns:a16="http://schemas.microsoft.com/office/drawing/2014/main" id="{8C7B9250-2708-47F1-AC1A-11638EEC6D54}"/>
+          <p:cNvPr id="8" name="직선 화살표 연결선 7">
+            <a:extLst>
+              <a:ext uri="{FF2B5EF4-FFF2-40B4-BE49-F238E27FC236}">
+                <a16:creationId xmlns:a16="http://schemas.microsoft.com/office/drawing/2014/main" id="{BD2CE48F-40B7-42EC-A080-E55D7B2E6A8B}"/>
               </a:ext>
             </a:extLst>
           </p:cNvPr>
           <p:cNvCxnSpPr>
             <a:cxnSpLocks/>
-            <a:stCxn id="6" idx="0"/>
+            <a:stCxn id="7" idx="4"/>
           </p:cNvCxnSpPr>
           <p:nvPr/>
         </p:nvCxnSpPr>
         <p:spPr>
-          <a:xfrm flipV="1">
-            <a:off x="911830" y="1921267"/>
-            <a:ext cx="475181" cy="838754"/>
+          <a:xfrm>
+            <a:off x="2768884" y="1927422"/>
+            <a:ext cx="2095929" cy="3646304"/>
           </a:xfrm>
           <a:prstGeom prst="straightConnector1">
             <a:avLst/>
@@ -6412,100 +6812,106 @@
           </a:fontRef>
         </p:style>
       </p:cxnSp>
-      <p:cxnSp>
-        <p:nvCxnSpPr>
-          <p:cNvPr id="10" name="직선 화살표 연결선 9">
-            <a:extLst>
-              <a:ext uri="{FF2B5EF4-FFF2-40B4-BE49-F238E27FC236}">
-                <a16:creationId xmlns:a16="http://schemas.microsoft.com/office/drawing/2014/main" id="{0D313BAE-0D91-4FF1-8A99-882D745B96E2}"/>
-              </a:ext>
-            </a:extLst>
-          </p:cNvPr>
-          <p:cNvCxnSpPr>
-            <a:cxnSpLocks/>
-            <a:stCxn id="6" idx="4"/>
-          </p:cNvCxnSpPr>
+      <p:sp>
+        <p:nvSpPr>
+          <p:cNvPr id="11" name="TextBox 10">
+            <a:extLst>
+              <a:ext uri="{FF2B5EF4-FFF2-40B4-BE49-F238E27FC236}">
+                <a16:creationId xmlns:a16="http://schemas.microsoft.com/office/drawing/2014/main" id="{56EA2A61-80DD-4B75-8301-65307C662FEC}"/>
+              </a:ext>
+            </a:extLst>
+          </p:cNvPr>
+          <p:cNvSpPr txBox="1"/>
           <p:nvPr/>
-        </p:nvCxnSpPr>
-        <p:spPr>
-          <a:xfrm>
-            <a:off x="911830" y="3482938"/>
-            <a:ext cx="567649" cy="1371601"/>
-          </a:xfrm>
-          <a:prstGeom prst="straightConnector1">
+        </p:nvSpPr>
+        <p:spPr>
+          <a:xfrm>
+            <a:off x="4279184" y="413982"/>
+            <a:ext cx="3562194" cy="307777"/>
+          </a:xfrm>
+          <a:prstGeom prst="rect">
             <a:avLst/>
           </a:prstGeom>
-          <a:ln w="76200">
-            <a:solidFill>
-              <a:srgbClr val="C00000"/>
-            </a:solidFill>
-            <a:tailEnd type="triangle"/>
-          </a:ln>
-        </p:spPr>
-        <p:style>
-          <a:lnRef idx="1">
-            <a:schemeClr val="accent1"/>
-          </a:lnRef>
-          <a:fillRef idx="0">
-            <a:schemeClr val="accent1"/>
-          </a:fillRef>
-          <a:effectRef idx="0">
-            <a:schemeClr val="accent1"/>
-          </a:effectRef>
-          <a:fontRef idx="minor">
-            <a:schemeClr val="tx1"/>
-          </a:fontRef>
-        </p:style>
-      </p:cxnSp>
-      <p:cxnSp>
-        <p:nvCxnSpPr>
-          <p:cNvPr id="13" name="직선 화살표 연결선 12">
-            <a:extLst>
-              <a:ext uri="{FF2B5EF4-FFF2-40B4-BE49-F238E27FC236}">
-                <a16:creationId xmlns:a16="http://schemas.microsoft.com/office/drawing/2014/main" id="{71752DED-7274-4F4C-A754-81DA505988AA}"/>
-              </a:ext>
-            </a:extLst>
-          </p:cNvPr>
-          <p:cNvCxnSpPr>
-            <a:cxnSpLocks/>
-            <a:stCxn id="6" idx="6"/>
-          </p:cNvCxnSpPr>
+          <a:noFill/>
+        </p:spPr>
+        <p:txBody>
+          <a:bodyPr wrap="none" rtlCol="0">
+            <a:spAutoFit/>
+          </a:bodyPr>
+          <a:lstStyle/>
+          <a:p>
+            <a:r>
+              <a:rPr lang="en-GB" sz="1400" b="1" dirty="0"/>
+              <a:t>Case</a:t>
+            </a:r>
+            <a:r>
+              <a:rPr lang="ko-KR" altLang="en-US" sz="1400" b="1" dirty="0"/>
+              <a:t> </a:t>
+            </a:r>
+            <a:r>
+              <a:rPr lang="en-GB" altLang="ko-KR" sz="1400" b="1" dirty="0"/>
+              <a:t>1. </a:t>
+            </a:r>
+            <a:r>
+              <a:rPr lang="ko-KR" altLang="en-US" sz="1400" b="1" dirty="0"/>
+              <a:t>단위 테스트 메서드에서 디버깅하기</a:t>
+            </a:r>
+            <a:endParaRPr lang="en-GB" sz="1400" b="1" dirty="0"/>
+          </a:p>
+        </p:txBody>
+      </p:sp>
+      <p:sp>
+        <p:nvSpPr>
+          <p:cNvPr id="12" name="TextBox 11">
+            <a:extLst>
+              <a:ext uri="{FF2B5EF4-FFF2-40B4-BE49-F238E27FC236}">
+                <a16:creationId xmlns:a16="http://schemas.microsoft.com/office/drawing/2014/main" id="{ECD9749F-C471-4E9B-B27D-138BA342E22A}"/>
+              </a:ext>
+            </a:extLst>
+          </p:cNvPr>
+          <p:cNvSpPr txBox="1"/>
           <p:nvPr/>
-        </p:nvCxnSpPr>
-        <p:spPr>
-          <a:xfrm>
-            <a:off x="1273995" y="3121480"/>
-            <a:ext cx="2830531" cy="1147432"/>
-          </a:xfrm>
-          <a:prstGeom prst="straightConnector1">
+        </p:nvSpPr>
+        <p:spPr>
+          <a:xfrm>
+            <a:off x="696204" y="3877942"/>
+            <a:ext cx="3203121" cy="307777"/>
+          </a:xfrm>
+          <a:prstGeom prst="rect">
             <a:avLst/>
           </a:prstGeom>
-          <a:ln w="76200">
-            <a:solidFill>
-              <a:srgbClr val="C00000"/>
-            </a:solidFill>
-            <a:tailEnd type="triangle"/>
-          </a:ln>
-        </p:spPr>
-        <p:style>
-          <a:lnRef idx="1">
-            <a:schemeClr val="accent1"/>
-          </a:lnRef>
-          <a:fillRef idx="0">
-            <a:schemeClr val="accent1"/>
-          </a:fillRef>
-          <a:effectRef idx="0">
-            <a:schemeClr val="accent1"/>
-          </a:effectRef>
-          <a:fontRef idx="minor">
-            <a:schemeClr val="tx1"/>
-          </a:fontRef>
-        </p:style>
-      </p:cxnSp>
+          <a:noFill/>
+        </p:spPr>
+        <p:txBody>
+          <a:bodyPr wrap="none" rtlCol="0">
+            <a:spAutoFit/>
+          </a:bodyPr>
+          <a:lstStyle/>
+          <a:p>
+            <a:r>
+              <a:rPr lang="en-GB" sz="1400" b="1" dirty="0"/>
+              <a:t>Case</a:t>
+            </a:r>
+            <a:r>
+              <a:rPr lang="ko-KR" altLang="en-US" sz="1400" b="1" dirty="0"/>
+              <a:t> </a:t>
+            </a:r>
+            <a:r>
+              <a:rPr lang="en-GB" altLang="ko-KR" sz="1400" b="1" dirty="0"/>
+              <a:t>2. </a:t>
+            </a:r>
+            <a:r>
+              <a:rPr lang="ko-KR" altLang="en-US" sz="1400" b="1" dirty="0"/>
+              <a:t>현재 커서 위치에서 디버깅하기</a:t>
+            </a:r>
+            <a:endParaRPr lang="en-GB" sz="1400" b="1" dirty="0"/>
+          </a:p>
+        </p:txBody>
+      </p:sp>
     </p:spTree>
     <p:extLst>
       <p:ext uri="{BB962C8B-B14F-4D97-AF65-F5344CB8AC3E}">
-        <p14:creationId xmlns:p14="http://schemas.microsoft.com/office/powerpoint/2010/main" val="1433911311"/>
+        <p14:creationId xmlns:p14="http://schemas.microsoft.com/office/powerpoint/2010/main" val="3550799030"/>
       </p:ext>
     </p:extLst>
   </p:cSld>
@@ -6534,10 +6940,10 @@
       </p:grpSpPr>
       <p:pic>
         <p:nvPicPr>
-          <p:cNvPr id="3" name="그림 2">
-            <a:extLst>
-              <a:ext uri="{FF2B5EF4-FFF2-40B4-BE49-F238E27FC236}">
-                <a16:creationId xmlns:a16="http://schemas.microsoft.com/office/drawing/2014/main" id="{F1FF7D69-A9ED-4238-AAC6-5908A1997FAF}"/>
+          <p:cNvPr id="17" name="그림 16">
+            <a:extLst>
+              <a:ext uri="{FF2B5EF4-FFF2-40B4-BE49-F238E27FC236}">
+                <a16:creationId xmlns:a16="http://schemas.microsoft.com/office/drawing/2014/main" id="{28B61E87-03AC-402B-B146-BAF20D75A28B}"/>
               </a:ext>
             </a:extLst>
           </p:cNvPr>
@@ -6554,8 +6960,8 @@
         </p:blipFill>
         <p:spPr>
           <a:xfrm>
-            <a:off x="539393" y="1335742"/>
-            <a:ext cx="9796409" cy="3596862"/>
+            <a:off x="662682" y="557910"/>
+            <a:ext cx="9555114" cy="5318908"/>
           </a:xfrm>
           <a:prstGeom prst="rect">
             <a:avLst/>
@@ -6567,7 +6973,7 @@
           <p:cNvPr id="6" name="타원 5">
             <a:extLst>
               <a:ext uri="{FF2B5EF4-FFF2-40B4-BE49-F238E27FC236}">
-                <a16:creationId xmlns:a16="http://schemas.microsoft.com/office/drawing/2014/main" id="{69B90D87-FF83-422A-ACE0-DF68DB39F407}"/>
+                <a16:creationId xmlns:a16="http://schemas.microsoft.com/office/drawing/2014/main" id="{4689F24E-8DAE-4E61-B73E-3656EE6792F4}"/>
               </a:ext>
             </a:extLst>
           </p:cNvPr>
@@ -6576,8 +6982,8 @@
         </p:nvSpPr>
         <p:spPr>
           <a:xfrm>
-            <a:off x="431511" y="3765480"/>
-            <a:ext cx="657548" cy="643148"/>
+            <a:off x="549665" y="2760021"/>
+            <a:ext cx="724330" cy="722917"/>
           </a:xfrm>
           <a:prstGeom prst="ellipse">
             <a:avLst/>
@@ -6614,130 +7020,25 @@
           </a:p>
         </p:txBody>
       </p:sp>
-      <p:sp>
-        <p:nvSpPr>
-          <p:cNvPr id="7" name="타원 6">
-            <a:extLst>
-              <a:ext uri="{FF2B5EF4-FFF2-40B4-BE49-F238E27FC236}">
-                <a16:creationId xmlns:a16="http://schemas.microsoft.com/office/drawing/2014/main" id="{63860677-1D2A-44AF-908A-2AA61540FE58}"/>
-              </a:ext>
-            </a:extLst>
-          </p:cNvPr>
-          <p:cNvSpPr/>
-          <p:nvPr/>
-        </p:nvSpPr>
-        <p:spPr>
-          <a:xfrm>
-            <a:off x="1078785" y="1750033"/>
-            <a:ext cx="1489754" cy="720902"/>
-          </a:xfrm>
-          <a:prstGeom prst="ellipse">
-            <a:avLst/>
-          </a:prstGeom>
-          <a:noFill/>
-          <a:ln w="76200">
-            <a:solidFill>
-              <a:srgbClr val="C00000"/>
-            </a:solidFill>
-          </a:ln>
-        </p:spPr>
-        <p:style>
-          <a:lnRef idx="2">
-            <a:schemeClr val="accent1">
-              <a:shade val="50000"/>
-            </a:schemeClr>
-          </a:lnRef>
-          <a:fillRef idx="1">
-            <a:schemeClr val="accent1"/>
-          </a:fillRef>
-          <a:effectRef idx="0">
-            <a:schemeClr val="accent1"/>
-          </a:effectRef>
-          <a:fontRef idx="minor">
-            <a:schemeClr val="lt1"/>
-          </a:fontRef>
-        </p:style>
-        <p:txBody>
-          <a:bodyPr rtlCol="0" anchor="ctr"/>
-          <a:lstStyle/>
-          <a:p>
-            <a:pPr algn="ctr"/>
-            <a:endParaRPr lang="en-GB"/>
-          </a:p>
-        </p:txBody>
-      </p:sp>
-      <p:sp>
-        <p:nvSpPr>
-          <p:cNvPr id="8" name="타원 7">
-            <a:extLst>
-              <a:ext uri="{FF2B5EF4-FFF2-40B4-BE49-F238E27FC236}">
-                <a16:creationId xmlns:a16="http://schemas.microsoft.com/office/drawing/2014/main" id="{3A5ABE2B-B2B7-410C-A2FC-19FCAB0ABB0F}"/>
-              </a:ext>
-            </a:extLst>
-          </p:cNvPr>
-          <p:cNvSpPr/>
-          <p:nvPr/>
-        </p:nvSpPr>
-        <p:spPr>
-          <a:xfrm>
-            <a:off x="6827180" y="2792230"/>
-            <a:ext cx="662681" cy="636770"/>
-          </a:xfrm>
-          <a:prstGeom prst="ellipse">
-            <a:avLst/>
-          </a:prstGeom>
-          <a:noFill/>
-          <a:ln w="76200">
-            <a:solidFill>
-              <a:srgbClr val="C00000"/>
-            </a:solidFill>
-          </a:ln>
-        </p:spPr>
-        <p:style>
-          <a:lnRef idx="2">
-            <a:schemeClr val="accent1">
-              <a:shade val="50000"/>
-            </a:schemeClr>
-          </a:lnRef>
-          <a:fillRef idx="1">
-            <a:schemeClr val="accent1"/>
-          </a:fillRef>
-          <a:effectRef idx="0">
-            <a:schemeClr val="accent1"/>
-          </a:effectRef>
-          <a:fontRef idx="minor">
-            <a:schemeClr val="lt1"/>
-          </a:fontRef>
-        </p:style>
-        <p:txBody>
-          <a:bodyPr rtlCol="0" anchor="ctr"/>
-          <a:lstStyle/>
-          <a:p>
-            <a:pPr algn="ctr"/>
-            <a:endParaRPr lang="en-GB"/>
-          </a:p>
-        </p:txBody>
-      </p:sp>
       <p:cxnSp>
         <p:nvCxnSpPr>
-          <p:cNvPr id="12" name="직선 화살표 연결선 11">
-            <a:extLst>
-              <a:ext uri="{FF2B5EF4-FFF2-40B4-BE49-F238E27FC236}">
-                <a16:creationId xmlns:a16="http://schemas.microsoft.com/office/drawing/2014/main" id="{C4276209-4026-4ECD-9CFF-9CB386819C38}"/>
+          <p:cNvPr id="7" name="직선 화살표 연결선 6">
+            <a:extLst>
+              <a:ext uri="{FF2B5EF4-FFF2-40B4-BE49-F238E27FC236}">
+                <a16:creationId xmlns:a16="http://schemas.microsoft.com/office/drawing/2014/main" id="{8C7B9250-2708-47F1-AC1A-11638EEC6D54}"/>
               </a:ext>
             </a:extLst>
           </p:cNvPr>
           <p:cNvCxnSpPr>
             <a:cxnSpLocks/>
-            <a:stCxn id="7" idx="6"/>
-            <a:endCxn id="8" idx="2"/>
+            <a:stCxn id="6" idx="0"/>
           </p:cNvCxnSpPr>
           <p:nvPr/>
         </p:nvCxnSpPr>
         <p:spPr>
-          <a:xfrm>
-            <a:off x="2568539" y="2110484"/>
-            <a:ext cx="4258641" cy="1000131"/>
+          <a:xfrm flipV="1">
+            <a:off x="911830" y="1921267"/>
+            <a:ext cx="475181" cy="838754"/>
           </a:xfrm>
           <a:prstGeom prst="straightConnector1">
             <a:avLst/>
@@ -6766,25 +7067,70 @@
       </p:cxnSp>
       <p:cxnSp>
         <p:nvCxnSpPr>
-          <p:cNvPr id="16" name="연결선: 구부러짐 15">
-            <a:extLst>
-              <a:ext uri="{FF2B5EF4-FFF2-40B4-BE49-F238E27FC236}">
-                <a16:creationId xmlns:a16="http://schemas.microsoft.com/office/drawing/2014/main" id="{DFC8194C-74BF-4EF9-B2C2-DF2CAC107E07}"/>
+          <p:cNvPr id="10" name="직선 화살표 연결선 9">
+            <a:extLst>
+              <a:ext uri="{FF2B5EF4-FFF2-40B4-BE49-F238E27FC236}">
+                <a16:creationId xmlns:a16="http://schemas.microsoft.com/office/drawing/2014/main" id="{0D313BAE-0D91-4FF1-8A99-882D745B96E2}"/>
               </a:ext>
             </a:extLst>
           </p:cNvPr>
           <p:cNvCxnSpPr>
-            <a:stCxn id="6" idx="0"/>
-            <a:endCxn id="7" idx="4"/>
+            <a:cxnSpLocks/>
+            <a:stCxn id="6" idx="4"/>
           </p:cNvCxnSpPr>
           <p:nvPr/>
         </p:nvCxnSpPr>
         <p:spPr>
-          <a:xfrm rot="5400000" flipH="1" flipV="1">
-            <a:off x="644701" y="2586520"/>
-            <a:ext cx="1294545" cy="1063377"/>
-          </a:xfrm>
-          <a:prstGeom prst="curvedConnector3">
+          <a:xfrm>
+            <a:off x="911830" y="3482938"/>
+            <a:ext cx="567649" cy="1371601"/>
+          </a:xfrm>
+          <a:prstGeom prst="straightConnector1">
+            <a:avLst/>
+          </a:prstGeom>
+          <a:ln w="76200">
+            <a:solidFill>
+              <a:srgbClr val="C00000"/>
+            </a:solidFill>
+            <a:tailEnd type="triangle"/>
+          </a:ln>
+        </p:spPr>
+        <p:style>
+          <a:lnRef idx="1">
+            <a:schemeClr val="accent1"/>
+          </a:lnRef>
+          <a:fillRef idx="0">
+            <a:schemeClr val="accent1"/>
+          </a:fillRef>
+          <a:effectRef idx="0">
+            <a:schemeClr val="accent1"/>
+          </a:effectRef>
+          <a:fontRef idx="minor">
+            <a:schemeClr val="tx1"/>
+          </a:fontRef>
+        </p:style>
+      </p:cxnSp>
+      <p:cxnSp>
+        <p:nvCxnSpPr>
+          <p:cNvPr id="13" name="직선 화살표 연결선 12">
+            <a:extLst>
+              <a:ext uri="{FF2B5EF4-FFF2-40B4-BE49-F238E27FC236}">
+                <a16:creationId xmlns:a16="http://schemas.microsoft.com/office/drawing/2014/main" id="{71752DED-7274-4F4C-A754-81DA505988AA}"/>
+              </a:ext>
+            </a:extLst>
+          </p:cNvPr>
+          <p:cNvCxnSpPr>
+            <a:cxnSpLocks/>
+            <a:stCxn id="6" idx="6"/>
+          </p:cNvCxnSpPr>
+          <p:nvPr/>
+        </p:nvCxnSpPr>
+        <p:spPr>
+          <a:xfrm>
+            <a:off x="1273995" y="3121480"/>
+            <a:ext cx="2830531" cy="1147432"/>
+          </a:xfrm>
+          <a:prstGeom prst="straightConnector1">
             <a:avLst/>
           </a:prstGeom>
           <a:ln w="76200">
@@ -6812,7 +7158,7 @@
     </p:spTree>
     <p:extLst>
       <p:ext uri="{BB962C8B-B14F-4D97-AF65-F5344CB8AC3E}">
-        <p14:creationId xmlns:p14="http://schemas.microsoft.com/office/powerpoint/2010/main" val="3499666889"/>
+        <p14:creationId xmlns:p14="http://schemas.microsoft.com/office/powerpoint/2010/main" val="1433911311"/>
       </p:ext>
     </p:extLst>
   </p:cSld>

--- a/README.pptx
+++ b/README.pptx
@@ -5,17 +5,19 @@
     <p:sldMasterId id="2147483648" r:id="rId1"/>
   </p:sldMasterIdLst>
   <p:sldIdLst>
-    <p:sldId id="266" r:id="rId2"/>
-    <p:sldId id="256" r:id="rId3"/>
-    <p:sldId id="257" r:id="rId4"/>
-    <p:sldId id="258" r:id="rId5"/>
-    <p:sldId id="259" r:id="rId6"/>
-    <p:sldId id="260" r:id="rId7"/>
-    <p:sldId id="262" r:id="rId8"/>
-    <p:sldId id="264" r:id="rId9"/>
-    <p:sldId id="263" r:id="rId10"/>
-    <p:sldId id="261" r:id="rId11"/>
-    <p:sldId id="265" r:id="rId12"/>
+    <p:sldId id="267" r:id="rId2"/>
+    <p:sldId id="268" r:id="rId3"/>
+    <p:sldId id="266" r:id="rId4"/>
+    <p:sldId id="256" r:id="rId5"/>
+    <p:sldId id="257" r:id="rId6"/>
+    <p:sldId id="258" r:id="rId7"/>
+    <p:sldId id="259" r:id="rId8"/>
+    <p:sldId id="260" r:id="rId9"/>
+    <p:sldId id="262" r:id="rId10"/>
+    <p:sldId id="264" r:id="rId11"/>
+    <p:sldId id="263" r:id="rId12"/>
+    <p:sldId id="261" r:id="rId13"/>
+    <p:sldId id="265" r:id="rId14"/>
   </p:sldIdLst>
   <p:sldSz cx="12192000" cy="6858000"/>
   <p:notesSz cx="6858000" cy="9144000"/>
@@ -271,7 +273,7 @@
           <a:p>
             <a:fld id="{38343933-294A-4F21-A3F5-6650284E422B}" type="datetimeFigureOut">
               <a:rPr lang="en-GB" smtClean="0"/>
-              <a:t>06/02/2022</a:t>
+              <a:t>09/02/2022</a:t>
             </a:fld>
             <a:endParaRPr lang="en-GB"/>
           </a:p>
@@ -471,7 +473,7 @@
           <a:p>
             <a:fld id="{38343933-294A-4F21-A3F5-6650284E422B}" type="datetimeFigureOut">
               <a:rPr lang="en-GB" smtClean="0"/>
-              <a:t>06/02/2022</a:t>
+              <a:t>09/02/2022</a:t>
             </a:fld>
             <a:endParaRPr lang="en-GB"/>
           </a:p>
@@ -681,7 +683,7 @@
           <a:p>
             <a:fld id="{38343933-294A-4F21-A3F5-6650284E422B}" type="datetimeFigureOut">
               <a:rPr lang="en-GB" smtClean="0"/>
-              <a:t>06/02/2022</a:t>
+              <a:t>09/02/2022</a:t>
             </a:fld>
             <a:endParaRPr lang="en-GB"/>
           </a:p>
@@ -881,7 +883,7 @@
           <a:p>
             <a:fld id="{38343933-294A-4F21-A3F5-6650284E422B}" type="datetimeFigureOut">
               <a:rPr lang="en-GB" smtClean="0"/>
-              <a:t>06/02/2022</a:t>
+              <a:t>09/02/2022</a:t>
             </a:fld>
             <a:endParaRPr lang="en-GB"/>
           </a:p>
@@ -1157,7 +1159,7 @@
           <a:p>
             <a:fld id="{38343933-294A-4F21-A3F5-6650284E422B}" type="datetimeFigureOut">
               <a:rPr lang="en-GB" smtClean="0"/>
-              <a:t>06/02/2022</a:t>
+              <a:t>09/02/2022</a:t>
             </a:fld>
             <a:endParaRPr lang="en-GB"/>
           </a:p>
@@ -1425,7 +1427,7 @@
           <a:p>
             <a:fld id="{38343933-294A-4F21-A3F5-6650284E422B}" type="datetimeFigureOut">
               <a:rPr lang="en-GB" smtClean="0"/>
-              <a:t>06/02/2022</a:t>
+              <a:t>09/02/2022</a:t>
             </a:fld>
             <a:endParaRPr lang="en-GB"/>
           </a:p>
@@ -1840,7 +1842,7 @@
           <a:p>
             <a:fld id="{38343933-294A-4F21-A3F5-6650284E422B}" type="datetimeFigureOut">
               <a:rPr lang="en-GB" smtClean="0"/>
-              <a:t>06/02/2022</a:t>
+              <a:t>09/02/2022</a:t>
             </a:fld>
             <a:endParaRPr lang="en-GB"/>
           </a:p>
@@ -1982,7 +1984,7 @@
           <a:p>
             <a:fld id="{38343933-294A-4F21-A3F5-6650284E422B}" type="datetimeFigureOut">
               <a:rPr lang="en-GB" smtClean="0"/>
-              <a:t>06/02/2022</a:t>
+              <a:t>09/02/2022</a:t>
             </a:fld>
             <a:endParaRPr lang="en-GB"/>
           </a:p>
@@ -2095,7 +2097,7 @@
           <a:p>
             <a:fld id="{38343933-294A-4F21-A3F5-6650284E422B}" type="datetimeFigureOut">
               <a:rPr lang="en-GB" smtClean="0"/>
-              <a:t>06/02/2022</a:t>
+              <a:t>09/02/2022</a:t>
             </a:fld>
             <a:endParaRPr lang="en-GB"/>
           </a:p>
@@ -2408,7 +2410,7 @@
           <a:p>
             <a:fld id="{38343933-294A-4F21-A3F5-6650284E422B}" type="datetimeFigureOut">
               <a:rPr lang="en-GB" smtClean="0"/>
-              <a:t>06/02/2022</a:t>
+              <a:t>09/02/2022</a:t>
             </a:fld>
             <a:endParaRPr lang="en-GB"/>
           </a:p>
@@ -2697,7 +2699,7 @@
           <a:p>
             <a:fld id="{38343933-294A-4F21-A3F5-6650284E422B}" type="datetimeFigureOut">
               <a:rPr lang="en-GB" smtClean="0"/>
-              <a:t>06/02/2022</a:t>
+              <a:t>09/02/2022</a:t>
             </a:fld>
             <a:endParaRPr lang="en-GB"/>
           </a:p>
@@ -2940,7 +2942,7 @@
           <a:p>
             <a:fld id="{38343933-294A-4F21-A3F5-6650284E422B}" type="datetimeFigureOut">
               <a:rPr lang="en-GB" smtClean="0"/>
-              <a:t>06/02/2022</a:t>
+              <a:t>09/02/2022</a:t>
             </a:fld>
             <a:endParaRPr lang="en-GB"/>
           </a:p>
@@ -3359,10 +3361,10 @@
       </p:grpSpPr>
       <p:pic>
         <p:nvPicPr>
-          <p:cNvPr id="7" name="그림 6">
-            <a:extLst>
-              <a:ext uri="{FF2B5EF4-FFF2-40B4-BE49-F238E27FC236}">
-                <a16:creationId xmlns:a16="http://schemas.microsoft.com/office/drawing/2014/main" id="{021042F5-6B9B-4275-BCD4-DB3827857E62}"/>
+          <p:cNvPr id="8" name="그림 7">
+            <a:extLst>
+              <a:ext uri="{FF2B5EF4-FFF2-40B4-BE49-F238E27FC236}">
+                <a16:creationId xmlns:a16="http://schemas.microsoft.com/office/drawing/2014/main" id="{AE874611-2BCA-49AC-8EC2-ED03A328B3D7}"/>
               </a:ext>
             </a:extLst>
           </p:cNvPr>
@@ -3379,8 +3381,8 @@
         </p:blipFill>
         <p:spPr>
           <a:xfrm>
-            <a:off x="832206" y="503621"/>
-            <a:ext cx="10263185" cy="5547857"/>
+            <a:off x="485454" y="378425"/>
+            <a:ext cx="11221092" cy="5615285"/>
           </a:xfrm>
           <a:prstGeom prst="rect">
             <a:avLst/>
@@ -3389,10 +3391,10 @@
       </p:pic>
       <p:sp>
         <p:nvSpPr>
-          <p:cNvPr id="9" name="오른쪽 중괄호 8">
-            <a:extLst>
-              <a:ext uri="{FF2B5EF4-FFF2-40B4-BE49-F238E27FC236}">
-                <a16:creationId xmlns:a16="http://schemas.microsoft.com/office/drawing/2014/main" id="{331F9615-70B9-4295-AB95-6313B87216BC}"/>
+          <p:cNvPr id="6" name="타원 5">
+            <a:extLst>
+              <a:ext uri="{FF2B5EF4-FFF2-40B4-BE49-F238E27FC236}">
+                <a16:creationId xmlns:a16="http://schemas.microsoft.com/office/drawing/2014/main" id="{58347DA4-57C6-4423-9905-CE03049F5516}"/>
               </a:ext>
             </a:extLst>
           </p:cNvPr>
@@ -3401,15 +3403,109 @@
         </p:nvSpPr>
         <p:spPr>
           <a:xfrm>
-            <a:off x="2332233" y="3429000"/>
-            <a:ext cx="128428" cy="457200"/>
-          </a:xfrm>
-          <a:prstGeom prst="rightBrace">
-            <a:avLst>
-              <a:gd name="adj1" fmla="val 40333"/>
-              <a:gd name="adj2" fmla="val 50000"/>
-            </a:avLst>
-          </a:prstGeom>
+            <a:off x="649840" y="559943"/>
+            <a:ext cx="837344" cy="775699"/>
+          </a:xfrm>
+          <a:prstGeom prst="ellipse">
+            <a:avLst/>
+          </a:prstGeom>
+          <a:noFill/>
+          <a:ln w="76200">
+            <a:solidFill>
+              <a:srgbClr val="C00000"/>
+            </a:solidFill>
+          </a:ln>
+        </p:spPr>
+        <p:style>
+          <a:lnRef idx="2">
+            <a:schemeClr val="accent1">
+              <a:shade val="50000"/>
+            </a:schemeClr>
+          </a:lnRef>
+          <a:fillRef idx="1">
+            <a:schemeClr val="accent1"/>
+          </a:fillRef>
+          <a:effectRef idx="0">
+            <a:schemeClr val="accent1"/>
+          </a:effectRef>
+          <a:fontRef idx="minor">
+            <a:schemeClr val="lt1"/>
+          </a:fontRef>
+        </p:style>
+        <p:txBody>
+          <a:bodyPr rtlCol="0" anchor="ctr"/>
+          <a:lstStyle/>
+          <a:p>
+            <a:pPr algn="ctr"/>
+            <a:endParaRPr lang="en-GB"/>
+          </a:p>
+        </p:txBody>
+      </p:sp>
+      <p:cxnSp>
+        <p:nvCxnSpPr>
+          <p:cNvPr id="9" name="직선 화살표 연결선 8">
+            <a:extLst>
+              <a:ext uri="{FF2B5EF4-FFF2-40B4-BE49-F238E27FC236}">
+                <a16:creationId xmlns:a16="http://schemas.microsoft.com/office/drawing/2014/main" id="{0CC42E54-8E68-4302-8B85-7FE34BDC09F4}"/>
+              </a:ext>
+            </a:extLst>
+          </p:cNvPr>
+          <p:cNvCxnSpPr>
+            <a:cxnSpLocks/>
+          </p:cNvCxnSpPr>
+          <p:nvPr/>
+        </p:nvCxnSpPr>
+        <p:spPr>
+          <a:xfrm>
+            <a:off x="1266290" y="1304818"/>
+            <a:ext cx="287676" cy="1715784"/>
+          </a:xfrm>
+          <a:prstGeom prst="straightConnector1">
+            <a:avLst/>
+          </a:prstGeom>
+          <a:ln w="28575">
+            <a:solidFill>
+              <a:srgbClr val="C00000"/>
+            </a:solidFill>
+            <a:tailEnd type="triangle"/>
+          </a:ln>
+        </p:spPr>
+        <p:style>
+          <a:lnRef idx="1">
+            <a:schemeClr val="accent1"/>
+          </a:lnRef>
+          <a:fillRef idx="0">
+            <a:schemeClr val="accent1"/>
+          </a:fillRef>
+          <a:effectRef idx="0">
+            <a:schemeClr val="accent1"/>
+          </a:effectRef>
+          <a:fontRef idx="minor">
+            <a:schemeClr val="tx1"/>
+          </a:fontRef>
+        </p:style>
+      </p:cxnSp>
+      <p:sp>
+        <p:nvSpPr>
+          <p:cNvPr id="14" name="타원 13">
+            <a:extLst>
+              <a:ext uri="{FF2B5EF4-FFF2-40B4-BE49-F238E27FC236}">
+                <a16:creationId xmlns:a16="http://schemas.microsoft.com/office/drawing/2014/main" id="{03536CA9-C166-463F-ACC0-F560C46F4C83}"/>
+              </a:ext>
+            </a:extLst>
+          </p:cNvPr>
+          <p:cNvSpPr/>
+          <p:nvPr/>
+        </p:nvSpPr>
+        <p:spPr>
+          <a:xfrm>
+            <a:off x="809090" y="3077111"/>
+            <a:ext cx="400692" cy="380143"/>
+          </a:xfrm>
+          <a:prstGeom prst="ellipse">
+            <a:avLst/>
+          </a:prstGeom>
+          <a:noFill/>
           <a:ln w="28575">
             <a:solidFill>
               <a:srgbClr val="C00000"/>
@@ -3417,6 +3513,61 @@
           </a:ln>
         </p:spPr>
         <p:style>
+          <a:lnRef idx="2">
+            <a:schemeClr val="accent1">
+              <a:shade val="50000"/>
+            </a:schemeClr>
+          </a:lnRef>
+          <a:fillRef idx="1">
+            <a:schemeClr val="accent1"/>
+          </a:fillRef>
+          <a:effectRef idx="0">
+            <a:schemeClr val="accent1"/>
+          </a:effectRef>
+          <a:fontRef idx="minor">
+            <a:schemeClr val="lt1"/>
+          </a:fontRef>
+        </p:style>
+        <p:txBody>
+          <a:bodyPr rtlCol="0" anchor="ctr"/>
+          <a:lstStyle/>
+          <a:p>
+            <a:pPr algn="ctr"/>
+            <a:endParaRPr lang="en-GB"/>
+          </a:p>
+        </p:txBody>
+      </p:sp>
+      <p:cxnSp>
+        <p:nvCxnSpPr>
+          <p:cNvPr id="15" name="직선 화살표 연결선 14">
+            <a:extLst>
+              <a:ext uri="{FF2B5EF4-FFF2-40B4-BE49-F238E27FC236}">
+                <a16:creationId xmlns:a16="http://schemas.microsoft.com/office/drawing/2014/main" id="{98BCB51E-A653-4298-AC16-0B57A71E9B5D}"/>
+              </a:ext>
+            </a:extLst>
+          </p:cNvPr>
+          <p:cNvCxnSpPr>
+            <a:cxnSpLocks/>
+            <a:stCxn id="14" idx="5"/>
+          </p:cNvCxnSpPr>
+          <p:nvPr/>
+        </p:nvCxnSpPr>
+        <p:spPr>
+          <a:xfrm>
+            <a:off x="1151102" y="3401583"/>
+            <a:ext cx="4459444" cy="1530013"/>
+          </a:xfrm>
+          <a:prstGeom prst="straightConnector1">
+            <a:avLst/>
+          </a:prstGeom>
+          <a:ln w="28575">
+            <a:solidFill>
+              <a:srgbClr val="C00000"/>
+            </a:solidFill>
+            <a:tailEnd type="triangle"/>
+          </a:ln>
+        </p:spPr>
+        <p:style>
           <a:lnRef idx="1">
             <a:schemeClr val="accent1"/>
           </a:lnRef>
@@ -3430,204 +3581,11 @@
             <a:schemeClr val="tx1"/>
           </a:fontRef>
         </p:style>
-        <p:txBody>
-          <a:bodyPr rtlCol="0" anchor="ctr"/>
-          <a:lstStyle/>
-          <a:p>
-            <a:pPr algn="ctr"/>
-            <a:endParaRPr lang="en-GB"/>
-          </a:p>
-        </p:txBody>
-      </p:sp>
-      <p:sp>
-        <p:nvSpPr>
-          <p:cNvPr id="10" name="TextBox 9">
-            <a:extLst>
-              <a:ext uri="{FF2B5EF4-FFF2-40B4-BE49-F238E27FC236}">
-                <a16:creationId xmlns:a16="http://schemas.microsoft.com/office/drawing/2014/main" id="{FB013543-3775-489A-A836-733A017EB710}"/>
-              </a:ext>
-            </a:extLst>
-          </p:cNvPr>
-          <p:cNvSpPr txBox="1"/>
-          <p:nvPr/>
-        </p:nvSpPr>
-        <p:spPr>
-          <a:xfrm>
-            <a:off x="2460661" y="3488323"/>
-            <a:ext cx="4384534" cy="338554"/>
-          </a:xfrm>
-          <a:prstGeom prst="rect">
-            <a:avLst/>
-          </a:prstGeom>
-          <a:noFill/>
-        </p:spPr>
-        <p:txBody>
-          <a:bodyPr wrap="none" rtlCol="0">
-            <a:spAutoFit/>
-          </a:bodyPr>
-          <a:lstStyle/>
-          <a:p>
-            <a:r>
-              <a:rPr lang="en-GB" altLang="ko-KR" sz="1600" dirty="0">
-                <a:solidFill>
-                  <a:srgbClr val="C00000"/>
-                </a:solidFill>
-                <a:latin typeface="Consolas" panose="020B0609020204030204" pitchFamily="49" charset="0"/>
-              </a:rPr>
-              <a:t>Test2 </a:t>
-            </a:r>
-            <a:r>
-              <a:rPr lang="ko-KR" altLang="en-US" sz="1600" dirty="0">
-                <a:solidFill>
-                  <a:srgbClr val="C00000"/>
-                </a:solidFill>
-                <a:latin typeface="Consolas" panose="020B0609020204030204" pitchFamily="49" charset="0"/>
-              </a:rPr>
-              <a:t>메서드 호출전에 생성자가 호출된다</a:t>
-            </a:r>
-            <a:r>
-              <a:rPr lang="en-GB" altLang="ko-KR" sz="1600" dirty="0">
-                <a:solidFill>
-                  <a:srgbClr val="C00000"/>
-                </a:solidFill>
-                <a:latin typeface="Consolas" panose="020B0609020204030204" pitchFamily="49" charset="0"/>
-              </a:rPr>
-              <a:t>.</a:t>
-            </a:r>
-            <a:endParaRPr lang="en-GB" sz="1600" b="0" dirty="0">
-              <a:solidFill>
-                <a:srgbClr val="C00000"/>
-              </a:solidFill>
-              <a:effectLst/>
-              <a:latin typeface="Consolas" panose="020B0609020204030204" pitchFamily="49" charset="0"/>
-            </a:endParaRPr>
-          </a:p>
-        </p:txBody>
-      </p:sp>
-      <p:sp>
-        <p:nvSpPr>
-          <p:cNvPr id="11" name="오른쪽 중괄호 10">
-            <a:extLst>
-              <a:ext uri="{FF2B5EF4-FFF2-40B4-BE49-F238E27FC236}">
-                <a16:creationId xmlns:a16="http://schemas.microsoft.com/office/drawing/2014/main" id="{3D81F11F-81DA-421A-B466-90CFD3EF9434}"/>
-              </a:ext>
-            </a:extLst>
-          </p:cNvPr>
-          <p:cNvSpPr/>
-          <p:nvPr/>
-        </p:nvSpPr>
-        <p:spPr>
-          <a:xfrm>
-            <a:off x="2332233" y="4253377"/>
-            <a:ext cx="128428" cy="457200"/>
-          </a:xfrm>
-          <a:prstGeom prst="rightBrace">
-            <a:avLst>
-              <a:gd name="adj1" fmla="val 40333"/>
-              <a:gd name="adj2" fmla="val 50000"/>
-            </a:avLst>
-          </a:prstGeom>
-          <a:ln w="28575">
-            <a:solidFill>
-              <a:srgbClr val="C00000"/>
-            </a:solidFill>
-          </a:ln>
-        </p:spPr>
-        <p:style>
-          <a:lnRef idx="1">
-            <a:schemeClr val="accent1"/>
-          </a:lnRef>
-          <a:fillRef idx="0">
-            <a:schemeClr val="accent1"/>
-          </a:fillRef>
-          <a:effectRef idx="0">
-            <a:schemeClr val="accent1"/>
-          </a:effectRef>
-          <a:fontRef idx="minor">
-            <a:schemeClr val="tx1"/>
-          </a:fontRef>
-        </p:style>
-        <p:txBody>
-          <a:bodyPr rtlCol="0" anchor="ctr"/>
-          <a:lstStyle/>
-          <a:p>
-            <a:pPr algn="ctr"/>
-            <a:endParaRPr lang="en-GB"/>
-          </a:p>
-        </p:txBody>
-      </p:sp>
-      <p:sp>
-        <p:nvSpPr>
-          <p:cNvPr id="12" name="TextBox 11">
-            <a:extLst>
-              <a:ext uri="{FF2B5EF4-FFF2-40B4-BE49-F238E27FC236}">
-                <a16:creationId xmlns:a16="http://schemas.microsoft.com/office/drawing/2014/main" id="{94CE64CE-7807-4BF8-B85B-19E9935040E8}"/>
-              </a:ext>
-            </a:extLst>
-          </p:cNvPr>
-          <p:cNvSpPr txBox="1"/>
-          <p:nvPr/>
-        </p:nvSpPr>
-        <p:spPr>
-          <a:xfrm>
-            <a:off x="2460661" y="4312700"/>
-            <a:ext cx="4384534" cy="338554"/>
-          </a:xfrm>
-          <a:prstGeom prst="rect">
-            <a:avLst/>
-          </a:prstGeom>
-          <a:noFill/>
-        </p:spPr>
-        <p:txBody>
-          <a:bodyPr wrap="none" rtlCol="0">
-            <a:spAutoFit/>
-          </a:bodyPr>
-          <a:lstStyle/>
-          <a:p>
-            <a:r>
-              <a:rPr lang="en-GB" sz="1600" b="0" dirty="0">
-                <a:solidFill>
-                  <a:srgbClr val="C00000"/>
-                </a:solidFill>
-                <a:effectLst/>
-                <a:latin typeface="Consolas" panose="020B0609020204030204" pitchFamily="49" charset="0"/>
-              </a:rPr>
-              <a:t>Test1 </a:t>
-            </a:r>
-            <a:r>
-              <a:rPr lang="ko-KR" altLang="en-US" sz="1600" b="0" dirty="0">
-                <a:solidFill>
-                  <a:srgbClr val="C00000"/>
-                </a:solidFill>
-                <a:effectLst/>
-                <a:latin typeface="Consolas" panose="020B0609020204030204" pitchFamily="49" charset="0"/>
-              </a:rPr>
-              <a:t>메서드 호출전에 생성자가 호출된다</a:t>
-            </a:r>
-            <a:r>
-              <a:rPr lang="en-GB" altLang="ko-KR" sz="1600" b="0" dirty="0">
-                <a:solidFill>
-                  <a:srgbClr val="C00000"/>
-                </a:solidFill>
-                <a:effectLst/>
-                <a:latin typeface="Consolas" panose="020B0609020204030204" pitchFamily="49" charset="0"/>
-              </a:rPr>
-              <a:t>.</a:t>
-            </a:r>
-            <a:endParaRPr lang="en-GB" sz="1600" b="0" dirty="0">
-              <a:solidFill>
-                <a:srgbClr val="C00000"/>
-              </a:solidFill>
-              <a:effectLst/>
-              <a:latin typeface="Consolas" panose="020B0609020204030204" pitchFamily="49" charset="0"/>
-            </a:endParaRPr>
-          </a:p>
-        </p:txBody>
-      </p:sp>
+      </p:cxnSp>
     </p:spTree>
     <p:extLst>
       <p:ext uri="{BB962C8B-B14F-4D97-AF65-F5344CB8AC3E}">
-        <p14:creationId xmlns:p14="http://schemas.microsoft.com/office/powerpoint/2010/main" val="964139818"/>
+        <p14:creationId xmlns:p14="http://schemas.microsoft.com/office/powerpoint/2010/main" val="1991658995"/>
       </p:ext>
     </p:extLst>
   </p:cSld>
@@ -3656,6 +3614,558 @@
       </p:grpSpPr>
       <p:pic>
         <p:nvPicPr>
+          <p:cNvPr id="5" name="그림 4">
+            <a:extLst>
+              <a:ext uri="{FF2B5EF4-FFF2-40B4-BE49-F238E27FC236}">
+                <a16:creationId xmlns:a16="http://schemas.microsoft.com/office/drawing/2014/main" id="{506BC5D6-B19D-433D-9237-79C6C2287A4C}"/>
+              </a:ext>
+            </a:extLst>
+          </p:cNvPr>
+          <p:cNvPicPr>
+            <a:picLocks noChangeAspect="1"/>
+          </p:cNvPicPr>
+          <p:nvPr/>
+        </p:nvPicPr>
+        <p:blipFill>
+          <a:blip r:embed="rId2"/>
+          <a:stretch>
+            <a:fillRect/>
+          </a:stretch>
+        </p:blipFill>
+        <p:spPr>
+          <a:xfrm>
+            <a:off x="1458516" y="721759"/>
+            <a:ext cx="8839574" cy="5414481"/>
+          </a:xfrm>
+          <a:prstGeom prst="rect">
+            <a:avLst/>
+          </a:prstGeom>
+        </p:spPr>
+      </p:pic>
+      <p:sp>
+        <p:nvSpPr>
+          <p:cNvPr id="6" name="타원 5">
+            <a:extLst>
+              <a:ext uri="{FF2B5EF4-FFF2-40B4-BE49-F238E27FC236}">
+                <a16:creationId xmlns:a16="http://schemas.microsoft.com/office/drawing/2014/main" id="{D36C55CA-D9AD-45B2-8346-5872713AF6AC}"/>
+              </a:ext>
+            </a:extLst>
+          </p:cNvPr>
+          <p:cNvSpPr/>
+          <p:nvPr/>
+        </p:nvSpPr>
+        <p:spPr>
+          <a:xfrm>
+            <a:off x="4279184" y="811662"/>
+            <a:ext cx="996596" cy="643148"/>
+          </a:xfrm>
+          <a:prstGeom prst="ellipse">
+            <a:avLst/>
+          </a:prstGeom>
+          <a:noFill/>
+          <a:ln w="76200">
+            <a:solidFill>
+              <a:srgbClr val="C00000"/>
+            </a:solidFill>
+          </a:ln>
+        </p:spPr>
+        <p:style>
+          <a:lnRef idx="2">
+            <a:schemeClr val="accent1">
+              <a:shade val="50000"/>
+            </a:schemeClr>
+          </a:lnRef>
+          <a:fillRef idx="1">
+            <a:schemeClr val="accent1"/>
+          </a:fillRef>
+          <a:effectRef idx="0">
+            <a:schemeClr val="accent1"/>
+          </a:effectRef>
+          <a:fontRef idx="minor">
+            <a:schemeClr val="lt1"/>
+          </a:fontRef>
+        </p:style>
+        <p:txBody>
+          <a:bodyPr rtlCol="0" anchor="ctr"/>
+          <a:lstStyle/>
+          <a:p>
+            <a:pPr algn="ctr"/>
+            <a:endParaRPr lang="en-GB"/>
+          </a:p>
+        </p:txBody>
+      </p:sp>
+      <p:sp>
+        <p:nvSpPr>
+          <p:cNvPr id="7" name="타원 6">
+            <a:extLst>
+              <a:ext uri="{FF2B5EF4-FFF2-40B4-BE49-F238E27FC236}">
+                <a16:creationId xmlns:a16="http://schemas.microsoft.com/office/drawing/2014/main" id="{5F8E53F4-98AE-460C-A363-8D6450BA8C8E}"/>
+              </a:ext>
+            </a:extLst>
+          </p:cNvPr>
+          <p:cNvSpPr/>
+          <p:nvPr/>
+        </p:nvSpPr>
+        <p:spPr>
+          <a:xfrm>
+            <a:off x="2440110" y="1284274"/>
+            <a:ext cx="657548" cy="643148"/>
+          </a:xfrm>
+          <a:prstGeom prst="ellipse">
+            <a:avLst/>
+          </a:prstGeom>
+          <a:noFill/>
+          <a:ln w="76200">
+            <a:solidFill>
+              <a:srgbClr val="C00000"/>
+            </a:solidFill>
+          </a:ln>
+        </p:spPr>
+        <p:style>
+          <a:lnRef idx="2">
+            <a:schemeClr val="accent1">
+              <a:shade val="50000"/>
+            </a:schemeClr>
+          </a:lnRef>
+          <a:fillRef idx="1">
+            <a:schemeClr val="accent1"/>
+          </a:fillRef>
+          <a:effectRef idx="0">
+            <a:schemeClr val="accent1"/>
+          </a:effectRef>
+          <a:fontRef idx="minor">
+            <a:schemeClr val="lt1"/>
+          </a:fontRef>
+        </p:style>
+        <p:txBody>
+          <a:bodyPr rtlCol="0" anchor="ctr"/>
+          <a:lstStyle/>
+          <a:p>
+            <a:pPr algn="ctr"/>
+            <a:endParaRPr lang="en-GB"/>
+          </a:p>
+        </p:txBody>
+      </p:sp>
+      <p:cxnSp>
+        <p:nvCxnSpPr>
+          <p:cNvPr id="8" name="직선 화살표 연결선 7">
+            <a:extLst>
+              <a:ext uri="{FF2B5EF4-FFF2-40B4-BE49-F238E27FC236}">
+                <a16:creationId xmlns:a16="http://schemas.microsoft.com/office/drawing/2014/main" id="{BD2CE48F-40B7-42EC-A080-E55D7B2E6A8B}"/>
+              </a:ext>
+            </a:extLst>
+          </p:cNvPr>
+          <p:cNvCxnSpPr>
+            <a:cxnSpLocks/>
+            <a:stCxn id="7" idx="4"/>
+          </p:cNvCxnSpPr>
+          <p:nvPr/>
+        </p:nvCxnSpPr>
+        <p:spPr>
+          <a:xfrm>
+            <a:off x="2768884" y="1927422"/>
+            <a:ext cx="2095929" cy="3646304"/>
+          </a:xfrm>
+          <a:prstGeom prst="straightConnector1">
+            <a:avLst/>
+          </a:prstGeom>
+          <a:ln w="76200">
+            <a:solidFill>
+              <a:srgbClr val="C00000"/>
+            </a:solidFill>
+            <a:tailEnd type="triangle"/>
+          </a:ln>
+        </p:spPr>
+        <p:style>
+          <a:lnRef idx="1">
+            <a:schemeClr val="accent1"/>
+          </a:lnRef>
+          <a:fillRef idx="0">
+            <a:schemeClr val="accent1"/>
+          </a:fillRef>
+          <a:effectRef idx="0">
+            <a:schemeClr val="accent1"/>
+          </a:effectRef>
+          <a:fontRef idx="minor">
+            <a:schemeClr val="tx1"/>
+          </a:fontRef>
+        </p:style>
+      </p:cxnSp>
+      <p:sp>
+        <p:nvSpPr>
+          <p:cNvPr id="11" name="TextBox 10">
+            <a:extLst>
+              <a:ext uri="{FF2B5EF4-FFF2-40B4-BE49-F238E27FC236}">
+                <a16:creationId xmlns:a16="http://schemas.microsoft.com/office/drawing/2014/main" id="{56EA2A61-80DD-4B75-8301-65307C662FEC}"/>
+              </a:ext>
+            </a:extLst>
+          </p:cNvPr>
+          <p:cNvSpPr txBox="1"/>
+          <p:nvPr/>
+        </p:nvSpPr>
+        <p:spPr>
+          <a:xfrm>
+            <a:off x="4279184" y="413982"/>
+            <a:ext cx="3562194" cy="307777"/>
+          </a:xfrm>
+          <a:prstGeom prst="rect">
+            <a:avLst/>
+          </a:prstGeom>
+          <a:noFill/>
+        </p:spPr>
+        <p:txBody>
+          <a:bodyPr wrap="none" rtlCol="0">
+            <a:spAutoFit/>
+          </a:bodyPr>
+          <a:lstStyle/>
+          <a:p>
+            <a:r>
+              <a:rPr lang="en-GB" sz="1400" b="1" dirty="0"/>
+              <a:t>Case</a:t>
+            </a:r>
+            <a:r>
+              <a:rPr lang="ko-KR" altLang="en-US" sz="1400" b="1" dirty="0"/>
+              <a:t> </a:t>
+            </a:r>
+            <a:r>
+              <a:rPr lang="en-GB" altLang="ko-KR" sz="1400" b="1" dirty="0"/>
+              <a:t>1. </a:t>
+            </a:r>
+            <a:r>
+              <a:rPr lang="ko-KR" altLang="en-US" sz="1400" b="1" dirty="0"/>
+              <a:t>단위 테스트 메서드에서 디버깅하기</a:t>
+            </a:r>
+            <a:endParaRPr lang="en-GB" sz="1400" b="1" dirty="0"/>
+          </a:p>
+        </p:txBody>
+      </p:sp>
+      <p:sp>
+        <p:nvSpPr>
+          <p:cNvPr id="12" name="TextBox 11">
+            <a:extLst>
+              <a:ext uri="{FF2B5EF4-FFF2-40B4-BE49-F238E27FC236}">
+                <a16:creationId xmlns:a16="http://schemas.microsoft.com/office/drawing/2014/main" id="{ECD9749F-C471-4E9B-B27D-138BA342E22A}"/>
+              </a:ext>
+            </a:extLst>
+          </p:cNvPr>
+          <p:cNvSpPr txBox="1"/>
+          <p:nvPr/>
+        </p:nvSpPr>
+        <p:spPr>
+          <a:xfrm>
+            <a:off x="696204" y="3877942"/>
+            <a:ext cx="3203121" cy="307777"/>
+          </a:xfrm>
+          <a:prstGeom prst="rect">
+            <a:avLst/>
+          </a:prstGeom>
+          <a:noFill/>
+        </p:spPr>
+        <p:txBody>
+          <a:bodyPr wrap="none" rtlCol="0">
+            <a:spAutoFit/>
+          </a:bodyPr>
+          <a:lstStyle/>
+          <a:p>
+            <a:r>
+              <a:rPr lang="en-GB" sz="1400" b="1" dirty="0"/>
+              <a:t>Case</a:t>
+            </a:r>
+            <a:r>
+              <a:rPr lang="ko-KR" altLang="en-US" sz="1400" b="1" dirty="0"/>
+              <a:t> </a:t>
+            </a:r>
+            <a:r>
+              <a:rPr lang="en-GB" altLang="ko-KR" sz="1400" b="1" dirty="0"/>
+              <a:t>2. </a:t>
+            </a:r>
+            <a:r>
+              <a:rPr lang="ko-KR" altLang="en-US" sz="1400" b="1" dirty="0"/>
+              <a:t>현재 커서 위치에서 디버깅하기</a:t>
+            </a:r>
+            <a:endParaRPr lang="en-GB" sz="1400" b="1" dirty="0"/>
+          </a:p>
+        </p:txBody>
+      </p:sp>
+    </p:spTree>
+    <p:extLst>
+      <p:ext uri="{BB962C8B-B14F-4D97-AF65-F5344CB8AC3E}">
+        <p14:creationId xmlns:p14="http://schemas.microsoft.com/office/powerpoint/2010/main" val="3550799030"/>
+      </p:ext>
+    </p:extLst>
+  </p:cSld>
+  <p:clrMapOvr>
+    <a:masterClrMapping/>
+  </p:clrMapOvr>
+</p:sld>
+</file>
+
+<file path=ppt/slides/slide11.xml><?xml version="1.0" encoding="utf-8"?>
+<p:sld xmlns:a="http://schemas.openxmlformats.org/drawingml/2006/main" xmlns:r="http://schemas.openxmlformats.org/officeDocument/2006/relationships" xmlns:p="http://schemas.openxmlformats.org/presentationml/2006/main">
+  <p:cSld>
+    <p:spTree>
+      <p:nvGrpSpPr>
+        <p:cNvPr id="1" name=""/>
+        <p:cNvGrpSpPr/>
+        <p:nvPr/>
+      </p:nvGrpSpPr>
+      <p:grpSpPr>
+        <a:xfrm>
+          <a:off x="0" y="0"/>
+          <a:ext cx="0" cy="0"/>
+          <a:chOff x="0" y="0"/>
+          <a:chExt cx="0" cy="0"/>
+        </a:xfrm>
+      </p:grpSpPr>
+      <p:pic>
+        <p:nvPicPr>
+          <p:cNvPr id="17" name="그림 16">
+            <a:extLst>
+              <a:ext uri="{FF2B5EF4-FFF2-40B4-BE49-F238E27FC236}">
+                <a16:creationId xmlns:a16="http://schemas.microsoft.com/office/drawing/2014/main" id="{28B61E87-03AC-402B-B146-BAF20D75A28B}"/>
+              </a:ext>
+            </a:extLst>
+          </p:cNvPr>
+          <p:cNvPicPr>
+            <a:picLocks noChangeAspect="1"/>
+          </p:cNvPicPr>
+          <p:nvPr/>
+        </p:nvPicPr>
+        <p:blipFill>
+          <a:blip r:embed="rId2"/>
+          <a:stretch>
+            <a:fillRect/>
+          </a:stretch>
+        </p:blipFill>
+        <p:spPr>
+          <a:xfrm>
+            <a:off x="662682" y="557910"/>
+            <a:ext cx="9555114" cy="5318908"/>
+          </a:xfrm>
+          <a:prstGeom prst="rect">
+            <a:avLst/>
+          </a:prstGeom>
+        </p:spPr>
+      </p:pic>
+      <p:sp>
+        <p:nvSpPr>
+          <p:cNvPr id="6" name="타원 5">
+            <a:extLst>
+              <a:ext uri="{FF2B5EF4-FFF2-40B4-BE49-F238E27FC236}">
+                <a16:creationId xmlns:a16="http://schemas.microsoft.com/office/drawing/2014/main" id="{4689F24E-8DAE-4E61-B73E-3656EE6792F4}"/>
+              </a:ext>
+            </a:extLst>
+          </p:cNvPr>
+          <p:cNvSpPr/>
+          <p:nvPr/>
+        </p:nvSpPr>
+        <p:spPr>
+          <a:xfrm>
+            <a:off x="549665" y="2760021"/>
+            <a:ext cx="724330" cy="722917"/>
+          </a:xfrm>
+          <a:prstGeom prst="ellipse">
+            <a:avLst/>
+          </a:prstGeom>
+          <a:noFill/>
+          <a:ln w="76200">
+            <a:solidFill>
+              <a:srgbClr val="C00000"/>
+            </a:solidFill>
+          </a:ln>
+        </p:spPr>
+        <p:style>
+          <a:lnRef idx="2">
+            <a:schemeClr val="accent1">
+              <a:shade val="50000"/>
+            </a:schemeClr>
+          </a:lnRef>
+          <a:fillRef idx="1">
+            <a:schemeClr val="accent1"/>
+          </a:fillRef>
+          <a:effectRef idx="0">
+            <a:schemeClr val="accent1"/>
+          </a:effectRef>
+          <a:fontRef idx="minor">
+            <a:schemeClr val="lt1"/>
+          </a:fontRef>
+        </p:style>
+        <p:txBody>
+          <a:bodyPr rtlCol="0" anchor="ctr"/>
+          <a:lstStyle/>
+          <a:p>
+            <a:pPr algn="ctr"/>
+            <a:endParaRPr lang="en-GB"/>
+          </a:p>
+        </p:txBody>
+      </p:sp>
+      <p:cxnSp>
+        <p:nvCxnSpPr>
+          <p:cNvPr id="7" name="직선 화살표 연결선 6">
+            <a:extLst>
+              <a:ext uri="{FF2B5EF4-FFF2-40B4-BE49-F238E27FC236}">
+                <a16:creationId xmlns:a16="http://schemas.microsoft.com/office/drawing/2014/main" id="{8C7B9250-2708-47F1-AC1A-11638EEC6D54}"/>
+              </a:ext>
+            </a:extLst>
+          </p:cNvPr>
+          <p:cNvCxnSpPr>
+            <a:cxnSpLocks/>
+            <a:stCxn id="6" idx="0"/>
+          </p:cNvCxnSpPr>
+          <p:nvPr/>
+        </p:nvCxnSpPr>
+        <p:spPr>
+          <a:xfrm flipV="1">
+            <a:off x="911830" y="1921267"/>
+            <a:ext cx="475181" cy="838754"/>
+          </a:xfrm>
+          <a:prstGeom prst="straightConnector1">
+            <a:avLst/>
+          </a:prstGeom>
+          <a:ln w="76200">
+            <a:solidFill>
+              <a:srgbClr val="C00000"/>
+            </a:solidFill>
+            <a:tailEnd type="triangle"/>
+          </a:ln>
+        </p:spPr>
+        <p:style>
+          <a:lnRef idx="1">
+            <a:schemeClr val="accent1"/>
+          </a:lnRef>
+          <a:fillRef idx="0">
+            <a:schemeClr val="accent1"/>
+          </a:fillRef>
+          <a:effectRef idx="0">
+            <a:schemeClr val="accent1"/>
+          </a:effectRef>
+          <a:fontRef idx="minor">
+            <a:schemeClr val="tx1"/>
+          </a:fontRef>
+        </p:style>
+      </p:cxnSp>
+      <p:cxnSp>
+        <p:nvCxnSpPr>
+          <p:cNvPr id="10" name="직선 화살표 연결선 9">
+            <a:extLst>
+              <a:ext uri="{FF2B5EF4-FFF2-40B4-BE49-F238E27FC236}">
+                <a16:creationId xmlns:a16="http://schemas.microsoft.com/office/drawing/2014/main" id="{0D313BAE-0D91-4FF1-8A99-882D745B96E2}"/>
+              </a:ext>
+            </a:extLst>
+          </p:cNvPr>
+          <p:cNvCxnSpPr>
+            <a:cxnSpLocks/>
+            <a:stCxn id="6" idx="4"/>
+          </p:cNvCxnSpPr>
+          <p:nvPr/>
+        </p:nvCxnSpPr>
+        <p:spPr>
+          <a:xfrm>
+            <a:off x="911830" y="3482938"/>
+            <a:ext cx="567649" cy="1371601"/>
+          </a:xfrm>
+          <a:prstGeom prst="straightConnector1">
+            <a:avLst/>
+          </a:prstGeom>
+          <a:ln w="76200">
+            <a:solidFill>
+              <a:srgbClr val="C00000"/>
+            </a:solidFill>
+            <a:tailEnd type="triangle"/>
+          </a:ln>
+        </p:spPr>
+        <p:style>
+          <a:lnRef idx="1">
+            <a:schemeClr val="accent1"/>
+          </a:lnRef>
+          <a:fillRef idx="0">
+            <a:schemeClr val="accent1"/>
+          </a:fillRef>
+          <a:effectRef idx="0">
+            <a:schemeClr val="accent1"/>
+          </a:effectRef>
+          <a:fontRef idx="minor">
+            <a:schemeClr val="tx1"/>
+          </a:fontRef>
+        </p:style>
+      </p:cxnSp>
+      <p:cxnSp>
+        <p:nvCxnSpPr>
+          <p:cNvPr id="13" name="직선 화살표 연결선 12">
+            <a:extLst>
+              <a:ext uri="{FF2B5EF4-FFF2-40B4-BE49-F238E27FC236}">
+                <a16:creationId xmlns:a16="http://schemas.microsoft.com/office/drawing/2014/main" id="{71752DED-7274-4F4C-A754-81DA505988AA}"/>
+              </a:ext>
+            </a:extLst>
+          </p:cNvPr>
+          <p:cNvCxnSpPr>
+            <a:cxnSpLocks/>
+            <a:stCxn id="6" idx="6"/>
+          </p:cNvCxnSpPr>
+          <p:nvPr/>
+        </p:nvCxnSpPr>
+        <p:spPr>
+          <a:xfrm>
+            <a:off x="1273995" y="3121480"/>
+            <a:ext cx="2830531" cy="1147432"/>
+          </a:xfrm>
+          <a:prstGeom prst="straightConnector1">
+            <a:avLst/>
+          </a:prstGeom>
+          <a:ln w="76200">
+            <a:solidFill>
+              <a:srgbClr val="C00000"/>
+            </a:solidFill>
+            <a:tailEnd type="triangle"/>
+          </a:ln>
+        </p:spPr>
+        <p:style>
+          <a:lnRef idx="1">
+            <a:schemeClr val="accent1"/>
+          </a:lnRef>
+          <a:fillRef idx="0">
+            <a:schemeClr val="accent1"/>
+          </a:fillRef>
+          <a:effectRef idx="0">
+            <a:schemeClr val="accent1"/>
+          </a:effectRef>
+          <a:fontRef idx="minor">
+            <a:schemeClr val="tx1"/>
+          </a:fontRef>
+        </p:style>
+      </p:cxnSp>
+    </p:spTree>
+    <p:extLst>
+      <p:ext uri="{BB962C8B-B14F-4D97-AF65-F5344CB8AC3E}">
+        <p14:creationId xmlns:p14="http://schemas.microsoft.com/office/powerpoint/2010/main" val="1433911311"/>
+      </p:ext>
+    </p:extLst>
+  </p:cSld>
+  <p:clrMapOvr>
+    <a:masterClrMapping/>
+  </p:clrMapOvr>
+</p:sld>
+</file>
+
+<file path=ppt/slides/slide12.xml><?xml version="1.0" encoding="utf-8"?>
+<p:sld xmlns:a="http://schemas.openxmlformats.org/drawingml/2006/main" xmlns:r="http://schemas.openxmlformats.org/officeDocument/2006/relationships" xmlns:p="http://schemas.openxmlformats.org/presentationml/2006/main">
+  <p:cSld>
+    <p:spTree>
+      <p:nvGrpSpPr>
+        <p:cNvPr id="1" name=""/>
+        <p:cNvGrpSpPr/>
+        <p:nvPr/>
+      </p:nvGrpSpPr>
+      <p:grpSpPr>
+        <a:xfrm>
+          <a:off x="0" y="0"/>
+          <a:ext cx="0" cy="0"/>
+          <a:chOff x="0" y="0"/>
+          <a:chExt cx="0" cy="0"/>
+        </a:xfrm>
+      </p:grpSpPr>
+      <p:pic>
+        <p:nvPicPr>
           <p:cNvPr id="3" name="그림 2">
             <a:extLst>
               <a:ext uri="{FF2B5EF4-FFF2-40B4-BE49-F238E27FC236}">
@@ -3944,7 +4454,7 @@
 </p:sld>
 </file>
 
-<file path=ppt/slides/slide11.xml><?xml version="1.0" encoding="utf-8"?>
+<file path=ppt/slides/slide13.xml><?xml version="1.0" encoding="utf-8"?>
 <p:sld xmlns:a="http://schemas.openxmlformats.org/drawingml/2006/main" xmlns:r="http://schemas.openxmlformats.org/officeDocument/2006/relationships" xmlns:p="http://schemas.openxmlformats.org/presentationml/2006/main">
   <p:cSld>
     <p:spTree>
@@ -4361,7 +4871,7 @@
           <p:cNvPr id="5" name="그림 4">
             <a:extLst>
               <a:ext uri="{FF2B5EF4-FFF2-40B4-BE49-F238E27FC236}">
-                <a16:creationId xmlns:a16="http://schemas.microsoft.com/office/drawing/2014/main" id="{BC29C954-AECD-4709-BD41-8EA6ACFA2EEE}"/>
+                <a16:creationId xmlns:a16="http://schemas.microsoft.com/office/drawing/2014/main" id="{078F6369-0FE2-43B1-B1AD-16AC5256A572}"/>
               </a:ext>
             </a:extLst>
           </p:cNvPr>
@@ -4378,8 +4888,8 @@
         </p:blipFill>
         <p:spPr>
           <a:xfrm>
-            <a:off x="894178" y="269696"/>
-            <a:ext cx="5865211" cy="6318607"/>
+            <a:off x="408397" y="2349001"/>
+            <a:ext cx="11223843" cy="1770936"/>
           </a:xfrm>
           <a:prstGeom prst="rect">
             <a:avLst/>
@@ -4388,10 +4898,10 @@
       </p:pic>
       <p:sp>
         <p:nvSpPr>
-          <p:cNvPr id="6" name="타원 5">
-            <a:extLst>
-              <a:ext uri="{FF2B5EF4-FFF2-40B4-BE49-F238E27FC236}">
-                <a16:creationId xmlns:a16="http://schemas.microsoft.com/office/drawing/2014/main" id="{036F808E-5871-4346-B4B6-6FA5943AAD62}"/>
+          <p:cNvPr id="7" name="타원 6">
+            <a:extLst>
+              <a:ext uri="{FF2B5EF4-FFF2-40B4-BE49-F238E27FC236}">
+                <a16:creationId xmlns:a16="http://schemas.microsoft.com/office/drawing/2014/main" id="{A0F07F2F-6E28-4209-BB7D-0CD71D9EDE23}"/>
               </a:ext>
             </a:extLst>
           </p:cNvPr>
@@ -4400,7 +4910,7 @@
         </p:nvSpPr>
         <p:spPr>
           <a:xfrm>
-            <a:off x="2008598" y="940085"/>
+            <a:off x="1266289" y="3429000"/>
             <a:ext cx="837344" cy="775699"/>
           </a:xfrm>
           <a:prstGeom prst="ellipse">
@@ -4440,219 +4950,30 @@
       </p:sp>
       <p:cxnSp>
         <p:nvCxnSpPr>
-          <p:cNvPr id="8" name="직선 화살표 연결선 7">
-            <a:extLst>
-              <a:ext uri="{FF2B5EF4-FFF2-40B4-BE49-F238E27FC236}">
-                <a16:creationId xmlns:a16="http://schemas.microsoft.com/office/drawing/2014/main" id="{7E5D3940-B5BC-4747-85CE-51628616B0D7}"/>
+          <p:cNvPr id="8" name="직선 연결선 7">
+            <a:extLst>
+              <a:ext uri="{FF2B5EF4-FFF2-40B4-BE49-F238E27FC236}">
+                <a16:creationId xmlns:a16="http://schemas.microsoft.com/office/drawing/2014/main" id="{5B485476-D07C-48D8-AB01-F6CBAF732BFA}"/>
               </a:ext>
             </a:extLst>
           </p:cNvPr>
           <p:cNvCxnSpPr>
             <a:cxnSpLocks/>
-            <a:stCxn id="9" idx="1"/>
-            <a:endCxn id="6" idx="6"/>
           </p:cNvCxnSpPr>
           <p:nvPr/>
         </p:nvCxnSpPr>
         <p:spPr>
-          <a:xfrm flipH="1">
-            <a:off x="2845942" y="940085"/>
-            <a:ext cx="1243173" cy="387850"/>
-          </a:xfrm>
-          <a:prstGeom prst="straightConnector1">
+          <a:xfrm>
+            <a:off x="4222677" y="4094251"/>
+            <a:ext cx="1448655" cy="0"/>
+          </a:xfrm>
+          <a:prstGeom prst="line">
             <a:avLst/>
           </a:prstGeom>
-          <a:ln w="28575">
-            <a:solidFill>
-              <a:srgbClr val="C00000"/>
-            </a:solidFill>
-            <a:tailEnd type="triangle"/>
-          </a:ln>
-        </p:spPr>
-        <p:style>
-          <a:lnRef idx="1">
-            <a:schemeClr val="accent1"/>
-          </a:lnRef>
-          <a:fillRef idx="0">
-            <a:schemeClr val="accent1"/>
-          </a:fillRef>
-          <a:effectRef idx="0">
-            <a:schemeClr val="accent1"/>
-          </a:effectRef>
-          <a:fontRef idx="minor">
-            <a:schemeClr val="tx1"/>
-          </a:fontRef>
-        </p:style>
-      </p:cxnSp>
-      <p:sp>
-        <p:nvSpPr>
-          <p:cNvPr id="9" name="TextBox 8">
-            <a:extLst>
-              <a:ext uri="{FF2B5EF4-FFF2-40B4-BE49-F238E27FC236}">
-                <a16:creationId xmlns:a16="http://schemas.microsoft.com/office/drawing/2014/main" id="{67C857B3-2827-46BA-B52D-5B90A1210778}"/>
-              </a:ext>
-            </a:extLst>
-          </p:cNvPr>
-          <p:cNvSpPr txBox="1"/>
-          <p:nvPr/>
-        </p:nvSpPr>
-        <p:spPr>
-          <a:xfrm>
-            <a:off x="4089115" y="770808"/>
-            <a:ext cx="2170787" cy="338554"/>
-          </a:xfrm>
-          <a:prstGeom prst="rect">
-            <a:avLst/>
-          </a:prstGeom>
-          <a:noFill/>
-        </p:spPr>
-        <p:txBody>
-          <a:bodyPr wrap="none" rtlCol="0">
-            <a:spAutoFit/>
-          </a:bodyPr>
-          <a:lstStyle/>
-          <a:p>
-            <a:r>
-              <a:rPr lang="ko-KR" altLang="en-US" sz="1600" b="1" dirty="0">
-                <a:solidFill>
-                  <a:srgbClr val="C00000"/>
-                </a:solidFill>
-              </a:rPr>
-              <a:t>모든 단위 테스트 실행</a:t>
-            </a:r>
-            <a:endParaRPr lang="en-GB" sz="1600" b="1" dirty="0">
-              <a:solidFill>
-                <a:srgbClr val="C00000"/>
-              </a:solidFill>
-            </a:endParaRPr>
-          </a:p>
-        </p:txBody>
-      </p:sp>
-      <p:sp>
-        <p:nvSpPr>
-          <p:cNvPr id="11" name="타원 10">
-            <a:extLst>
-              <a:ext uri="{FF2B5EF4-FFF2-40B4-BE49-F238E27FC236}">
-                <a16:creationId xmlns:a16="http://schemas.microsoft.com/office/drawing/2014/main" id="{EA32D198-36CB-4393-A2FB-86A48D5286CF}"/>
-              </a:ext>
-            </a:extLst>
-          </p:cNvPr>
-          <p:cNvSpPr/>
-          <p:nvPr/>
-        </p:nvSpPr>
-        <p:spPr>
-          <a:xfrm>
-            <a:off x="2303125" y="3926439"/>
-            <a:ext cx="645558" cy="635288"/>
-          </a:xfrm>
-          <a:prstGeom prst="ellipse">
-            <a:avLst/>
-          </a:prstGeom>
-          <a:noFill/>
           <a:ln w="76200">
             <a:solidFill>
               <a:srgbClr val="C00000"/>
             </a:solidFill>
-          </a:ln>
-        </p:spPr>
-        <p:style>
-          <a:lnRef idx="2">
-            <a:schemeClr val="accent1">
-              <a:shade val="50000"/>
-            </a:schemeClr>
-          </a:lnRef>
-          <a:fillRef idx="1">
-            <a:schemeClr val="accent1"/>
-          </a:fillRef>
-          <a:effectRef idx="0">
-            <a:schemeClr val="accent1"/>
-          </a:effectRef>
-          <a:fontRef idx="minor">
-            <a:schemeClr val="lt1"/>
-          </a:fontRef>
-        </p:style>
-        <p:txBody>
-          <a:bodyPr rtlCol="0" anchor="ctr"/>
-          <a:lstStyle/>
-          <a:p>
-            <a:pPr algn="ctr"/>
-            <a:endParaRPr lang="en-GB"/>
-          </a:p>
-        </p:txBody>
-      </p:sp>
-      <p:sp>
-        <p:nvSpPr>
-          <p:cNvPr id="12" name="TextBox 11">
-            <a:extLst>
-              <a:ext uri="{FF2B5EF4-FFF2-40B4-BE49-F238E27FC236}">
-                <a16:creationId xmlns:a16="http://schemas.microsoft.com/office/drawing/2014/main" id="{DA200767-A389-4D7E-BA46-EEEDE63F0117}"/>
-              </a:ext>
-            </a:extLst>
-          </p:cNvPr>
-          <p:cNvSpPr txBox="1"/>
-          <p:nvPr/>
-        </p:nvSpPr>
-        <p:spPr>
-          <a:xfrm>
-            <a:off x="4089114" y="3679555"/>
-            <a:ext cx="2170787" cy="338554"/>
-          </a:xfrm>
-          <a:prstGeom prst="rect">
-            <a:avLst/>
-          </a:prstGeom>
-          <a:noFill/>
-        </p:spPr>
-        <p:txBody>
-          <a:bodyPr wrap="none" rtlCol="0">
-            <a:spAutoFit/>
-          </a:bodyPr>
-          <a:lstStyle/>
-          <a:p>
-            <a:r>
-              <a:rPr lang="ko-KR" altLang="en-US" sz="1600" b="1" dirty="0">
-                <a:solidFill>
-                  <a:srgbClr val="C00000"/>
-                </a:solidFill>
-              </a:rPr>
-              <a:t>개별 단위 테스트 실행</a:t>
-            </a:r>
-            <a:endParaRPr lang="en-GB" sz="1600" b="1" dirty="0">
-              <a:solidFill>
-                <a:srgbClr val="C00000"/>
-              </a:solidFill>
-            </a:endParaRPr>
-          </a:p>
-        </p:txBody>
-      </p:sp>
-      <p:cxnSp>
-        <p:nvCxnSpPr>
-          <p:cNvPr id="13" name="직선 화살표 연결선 12">
-            <a:extLst>
-              <a:ext uri="{FF2B5EF4-FFF2-40B4-BE49-F238E27FC236}">
-                <a16:creationId xmlns:a16="http://schemas.microsoft.com/office/drawing/2014/main" id="{E1C9C24B-7693-43F8-A44E-E69B708BE224}"/>
-              </a:ext>
-            </a:extLst>
-          </p:cNvPr>
-          <p:cNvCxnSpPr>
-            <a:cxnSpLocks/>
-            <a:stCxn id="12" idx="1"/>
-            <a:endCxn id="11" idx="6"/>
-          </p:cNvCxnSpPr>
-          <p:nvPr/>
-        </p:nvCxnSpPr>
-        <p:spPr>
-          <a:xfrm flipH="1">
-            <a:off x="2948683" y="3848832"/>
-            <a:ext cx="1140431" cy="395251"/>
-          </a:xfrm>
-          <a:prstGeom prst="straightConnector1">
-            <a:avLst/>
-          </a:prstGeom>
-          <a:ln w="28575">
-            <a:solidFill>
-              <a:srgbClr val="C00000"/>
-            </a:solidFill>
-            <a:tailEnd type="triangle"/>
           </a:ln>
         </p:spPr>
         <p:style>
@@ -4673,7 +4994,7 @@
     </p:spTree>
     <p:extLst>
       <p:ext uri="{BB962C8B-B14F-4D97-AF65-F5344CB8AC3E}">
-        <p14:creationId xmlns:p14="http://schemas.microsoft.com/office/powerpoint/2010/main" val="3839796132"/>
+        <p14:creationId xmlns:p14="http://schemas.microsoft.com/office/powerpoint/2010/main" val="4289468885"/>
       </p:ext>
     </p:extLst>
   </p:cSld>
@@ -4702,10 +5023,10 @@
       </p:grpSpPr>
       <p:pic>
         <p:nvPicPr>
-          <p:cNvPr id="5" name="그림 4">
-            <a:extLst>
-              <a:ext uri="{FF2B5EF4-FFF2-40B4-BE49-F238E27FC236}">
-                <a16:creationId xmlns:a16="http://schemas.microsoft.com/office/drawing/2014/main" id="{A8CB34DB-4F75-4C5E-BE50-CB1F73F628FC}"/>
+          <p:cNvPr id="7" name="그림 6">
+            <a:extLst>
+              <a:ext uri="{FF2B5EF4-FFF2-40B4-BE49-F238E27FC236}">
+                <a16:creationId xmlns:a16="http://schemas.microsoft.com/office/drawing/2014/main" id="{021042F5-6B9B-4275-BCD4-DB3827857E62}"/>
               </a:ext>
             </a:extLst>
           </p:cNvPr>
@@ -4722,8 +5043,8 @@
         </p:blipFill>
         <p:spPr>
           <a:xfrm>
-            <a:off x="604462" y="544920"/>
-            <a:ext cx="10983075" cy="5989443"/>
+            <a:off x="832206" y="503621"/>
+            <a:ext cx="10263185" cy="5547857"/>
           </a:xfrm>
           <a:prstGeom prst="rect">
             <a:avLst/>
@@ -4732,10 +5053,10 @@
       </p:pic>
       <p:sp>
         <p:nvSpPr>
-          <p:cNvPr id="6" name="타원 5">
-            <a:extLst>
-              <a:ext uri="{FF2B5EF4-FFF2-40B4-BE49-F238E27FC236}">
-                <a16:creationId xmlns:a16="http://schemas.microsoft.com/office/drawing/2014/main" id="{E164E06F-39A0-49FF-A0DA-1B644461DDDB}"/>
+          <p:cNvPr id="9" name="오른쪽 중괄호 8">
+            <a:extLst>
+              <a:ext uri="{FF2B5EF4-FFF2-40B4-BE49-F238E27FC236}">
+                <a16:creationId xmlns:a16="http://schemas.microsoft.com/office/drawing/2014/main" id="{331F9615-70B9-4295-AB95-6313B87216BC}"/>
               </a:ext>
             </a:extLst>
           </p:cNvPr>
@@ -4744,111 +5065,7 @@
         </p:nvSpPr>
         <p:spPr>
           <a:xfrm>
-            <a:off x="1402423" y="359596"/>
-            <a:ext cx="724327" cy="734601"/>
-          </a:xfrm>
-          <a:prstGeom prst="ellipse">
-            <a:avLst/>
-          </a:prstGeom>
-          <a:noFill/>
-          <a:ln w="76200">
-            <a:solidFill>
-              <a:srgbClr val="C00000"/>
-            </a:solidFill>
-          </a:ln>
-        </p:spPr>
-        <p:style>
-          <a:lnRef idx="2">
-            <a:schemeClr val="accent1">
-              <a:shade val="50000"/>
-            </a:schemeClr>
-          </a:lnRef>
-          <a:fillRef idx="1">
-            <a:schemeClr val="accent1"/>
-          </a:fillRef>
-          <a:effectRef idx="0">
-            <a:schemeClr val="accent1"/>
-          </a:effectRef>
-          <a:fontRef idx="minor">
-            <a:schemeClr val="lt1"/>
-          </a:fontRef>
-        </p:style>
-        <p:txBody>
-          <a:bodyPr rtlCol="0" anchor="ctr"/>
-          <a:lstStyle/>
-          <a:p>
-            <a:pPr algn="ctr"/>
-            <a:endParaRPr lang="en-GB"/>
-          </a:p>
-        </p:txBody>
-      </p:sp>
-      <p:sp>
-        <p:nvSpPr>
-          <p:cNvPr id="7" name="타원 6">
-            <a:extLst>
-              <a:ext uri="{FF2B5EF4-FFF2-40B4-BE49-F238E27FC236}">
-                <a16:creationId xmlns:a16="http://schemas.microsoft.com/office/drawing/2014/main" id="{79DCCF15-746F-4BE3-B29E-0582FD381CB2}"/>
-              </a:ext>
-            </a:extLst>
-          </p:cNvPr>
-          <p:cNvSpPr/>
-          <p:nvPr/>
-        </p:nvSpPr>
-        <p:spPr>
-          <a:xfrm>
-            <a:off x="8515564" y="306512"/>
-            <a:ext cx="1106184" cy="833919"/>
-          </a:xfrm>
-          <a:prstGeom prst="ellipse">
-            <a:avLst/>
-          </a:prstGeom>
-          <a:noFill/>
-          <a:ln w="76200">
-            <a:solidFill>
-              <a:srgbClr val="C00000"/>
-            </a:solidFill>
-          </a:ln>
-        </p:spPr>
-        <p:style>
-          <a:lnRef idx="2">
-            <a:schemeClr val="accent1">
-              <a:shade val="50000"/>
-            </a:schemeClr>
-          </a:lnRef>
-          <a:fillRef idx="1">
-            <a:schemeClr val="accent1"/>
-          </a:fillRef>
-          <a:effectRef idx="0">
-            <a:schemeClr val="accent1"/>
-          </a:effectRef>
-          <a:fontRef idx="minor">
-            <a:schemeClr val="lt1"/>
-          </a:fontRef>
-        </p:style>
-        <p:txBody>
-          <a:bodyPr rtlCol="0" anchor="ctr"/>
-          <a:lstStyle/>
-          <a:p>
-            <a:pPr algn="ctr"/>
-            <a:endParaRPr lang="en-GB"/>
-          </a:p>
-        </p:txBody>
-      </p:sp>
-      <p:sp>
-        <p:nvSpPr>
-          <p:cNvPr id="9" name="오른쪽 중괄호 8">
-            <a:extLst>
-              <a:ext uri="{FF2B5EF4-FFF2-40B4-BE49-F238E27FC236}">
-                <a16:creationId xmlns:a16="http://schemas.microsoft.com/office/drawing/2014/main" id="{FE2FAA43-4671-41A9-9E2C-18364E74094B}"/>
-              </a:ext>
-            </a:extLst>
-          </p:cNvPr>
-          <p:cNvSpPr/>
-          <p:nvPr/>
-        </p:nvSpPr>
-        <p:spPr>
-          <a:xfrm>
-            <a:off x="2126750" y="5512085"/>
+            <a:off x="2332233" y="3429000"/>
             <a:ext cx="128428" cy="457200"/>
           </a:xfrm>
           <a:prstGeom prst="rightBrace">
@@ -4891,7 +5108,7 @@
           <p:cNvPr id="10" name="TextBox 9">
             <a:extLst>
               <a:ext uri="{FF2B5EF4-FFF2-40B4-BE49-F238E27FC236}">
-                <a16:creationId xmlns:a16="http://schemas.microsoft.com/office/drawing/2014/main" id="{DE743827-9FA4-4871-B0D9-3CC671B66344}"/>
+                <a16:creationId xmlns:a16="http://schemas.microsoft.com/office/drawing/2014/main" id="{FB013543-3775-489A-A836-733A017EB710}"/>
               </a:ext>
             </a:extLst>
           </p:cNvPr>
@@ -4900,8 +5117,8 @@
         </p:nvSpPr>
         <p:spPr>
           <a:xfrm>
-            <a:off x="2255178" y="5571408"/>
-            <a:ext cx="2614818" cy="338554"/>
+            <a:off x="2460661" y="3488323"/>
+            <a:ext cx="4384534" cy="338554"/>
           </a:xfrm>
           <a:prstGeom prst="rect">
             <a:avLst/>
@@ -4915,15 +5132,122 @@
           <a:lstStyle/>
           <a:p>
             <a:r>
-              <a:rPr lang="en-GB" sz="1600" b="0" dirty="0" err="1">
+              <a:rPr lang="en-GB" altLang="ko-KR" sz="1600" dirty="0">
                 <a:solidFill>
                   <a:srgbClr val="C00000"/>
                 </a:solidFill>
-                <a:effectLst/>
                 <a:latin typeface="Consolas" panose="020B0609020204030204" pitchFamily="49" charset="0"/>
               </a:rPr>
-              <a:t>ITestOutputHelper</a:t>
-            </a:r>
+              <a:t>Test2 </a:t>
+            </a:r>
+            <a:r>
+              <a:rPr lang="ko-KR" altLang="en-US" sz="1600" dirty="0">
+                <a:solidFill>
+                  <a:srgbClr val="C00000"/>
+                </a:solidFill>
+                <a:latin typeface="Consolas" panose="020B0609020204030204" pitchFamily="49" charset="0"/>
+              </a:rPr>
+              <a:t>메서드 호출전에 생성자가 호출된다</a:t>
+            </a:r>
+            <a:r>
+              <a:rPr lang="en-GB" altLang="ko-KR" sz="1600" dirty="0">
+                <a:solidFill>
+                  <a:srgbClr val="C00000"/>
+                </a:solidFill>
+                <a:latin typeface="Consolas" panose="020B0609020204030204" pitchFamily="49" charset="0"/>
+              </a:rPr>
+              <a:t>.</a:t>
+            </a:r>
+            <a:endParaRPr lang="en-GB" sz="1600" b="0" dirty="0">
+              <a:solidFill>
+                <a:srgbClr val="C00000"/>
+              </a:solidFill>
+              <a:effectLst/>
+              <a:latin typeface="Consolas" panose="020B0609020204030204" pitchFamily="49" charset="0"/>
+            </a:endParaRPr>
+          </a:p>
+        </p:txBody>
+      </p:sp>
+      <p:sp>
+        <p:nvSpPr>
+          <p:cNvPr id="11" name="오른쪽 중괄호 10">
+            <a:extLst>
+              <a:ext uri="{FF2B5EF4-FFF2-40B4-BE49-F238E27FC236}">
+                <a16:creationId xmlns:a16="http://schemas.microsoft.com/office/drawing/2014/main" id="{3D81F11F-81DA-421A-B466-90CFD3EF9434}"/>
+              </a:ext>
+            </a:extLst>
+          </p:cNvPr>
+          <p:cNvSpPr/>
+          <p:nvPr/>
+        </p:nvSpPr>
+        <p:spPr>
+          <a:xfrm>
+            <a:off x="2332233" y="4253377"/>
+            <a:ext cx="128428" cy="457200"/>
+          </a:xfrm>
+          <a:prstGeom prst="rightBrace">
+            <a:avLst>
+              <a:gd name="adj1" fmla="val 40333"/>
+              <a:gd name="adj2" fmla="val 50000"/>
+            </a:avLst>
+          </a:prstGeom>
+          <a:ln w="28575">
+            <a:solidFill>
+              <a:srgbClr val="C00000"/>
+            </a:solidFill>
+          </a:ln>
+        </p:spPr>
+        <p:style>
+          <a:lnRef idx="1">
+            <a:schemeClr val="accent1"/>
+          </a:lnRef>
+          <a:fillRef idx="0">
+            <a:schemeClr val="accent1"/>
+          </a:fillRef>
+          <a:effectRef idx="0">
+            <a:schemeClr val="accent1"/>
+          </a:effectRef>
+          <a:fontRef idx="minor">
+            <a:schemeClr val="tx1"/>
+          </a:fontRef>
+        </p:style>
+        <p:txBody>
+          <a:bodyPr rtlCol="0" anchor="ctr"/>
+          <a:lstStyle/>
+          <a:p>
+            <a:pPr algn="ctr"/>
+            <a:endParaRPr lang="en-GB"/>
+          </a:p>
+        </p:txBody>
+      </p:sp>
+      <p:sp>
+        <p:nvSpPr>
+          <p:cNvPr id="12" name="TextBox 11">
+            <a:extLst>
+              <a:ext uri="{FF2B5EF4-FFF2-40B4-BE49-F238E27FC236}">
+                <a16:creationId xmlns:a16="http://schemas.microsoft.com/office/drawing/2014/main" id="{94CE64CE-7807-4BF8-B85B-19E9935040E8}"/>
+              </a:ext>
+            </a:extLst>
+          </p:cNvPr>
+          <p:cNvSpPr txBox="1"/>
+          <p:nvPr/>
+        </p:nvSpPr>
+        <p:spPr>
+          <a:xfrm>
+            <a:off x="2460661" y="4312700"/>
+            <a:ext cx="4384534" cy="338554"/>
+          </a:xfrm>
+          <a:prstGeom prst="rect">
+            <a:avLst/>
+          </a:prstGeom>
+          <a:noFill/>
+        </p:spPr>
+        <p:txBody>
+          <a:bodyPr wrap="none" rtlCol="0">
+            <a:spAutoFit/>
+          </a:bodyPr>
+          <a:lstStyle/>
+          <a:p>
             <a:r>
               <a:rPr lang="en-GB" sz="1600" b="0" dirty="0">
                 <a:solidFill>
@@ -4932,7 +5256,7 @@
                 <a:effectLst/>
                 <a:latin typeface="Consolas" panose="020B0609020204030204" pitchFamily="49" charset="0"/>
               </a:rPr>
-              <a:t> </a:t>
+              <a:t>Test1 </a:t>
             </a:r>
             <a:r>
               <a:rPr lang="ko-KR" altLang="en-US" sz="1600" b="0" dirty="0">
@@ -4942,7 +5266,17 @@
                 <a:effectLst/>
                 <a:latin typeface="Consolas" panose="020B0609020204030204" pitchFamily="49" charset="0"/>
               </a:rPr>
-              <a:t>출력</a:t>
+              <a:t>메서드 호출전에 생성자가 호출된다</a:t>
+            </a:r>
+            <a:r>
+              <a:rPr lang="en-GB" altLang="ko-KR" sz="1600" b="0" dirty="0">
+                <a:solidFill>
+                  <a:srgbClr val="C00000"/>
+                </a:solidFill>
+                <a:effectLst/>
+                <a:latin typeface="Consolas" panose="020B0609020204030204" pitchFamily="49" charset="0"/>
+              </a:rPr>
+              <a:t>.</a:t>
             </a:r>
             <a:endParaRPr lang="en-GB" sz="1600" b="0" dirty="0">
               <a:solidFill>
@@ -4954,64 +5288,10 @@
           </a:p>
         </p:txBody>
       </p:sp>
-      <p:sp>
-        <p:nvSpPr>
-          <p:cNvPr id="11" name="직사각형 10">
-            <a:extLst>
-              <a:ext uri="{FF2B5EF4-FFF2-40B4-BE49-F238E27FC236}">
-                <a16:creationId xmlns:a16="http://schemas.microsoft.com/office/drawing/2014/main" id="{1E986DDE-2E40-4D11-A9FF-828D5B602CB7}"/>
-              </a:ext>
-            </a:extLst>
-          </p:cNvPr>
-          <p:cNvSpPr/>
-          <p:nvPr/>
-        </p:nvSpPr>
-        <p:spPr>
-          <a:xfrm>
-            <a:off x="11306710" y="857892"/>
-            <a:ext cx="409255" cy="5794625"/>
-          </a:xfrm>
-          <a:prstGeom prst="rect">
-            <a:avLst/>
-          </a:prstGeom>
-          <a:solidFill>
-            <a:schemeClr val="bg1"/>
-          </a:solidFill>
-          <a:ln>
-            <a:solidFill>
-              <a:schemeClr val="bg1"/>
-            </a:solidFill>
-          </a:ln>
-        </p:spPr>
-        <p:style>
-          <a:lnRef idx="2">
-            <a:schemeClr val="accent1">
-              <a:shade val="50000"/>
-            </a:schemeClr>
-          </a:lnRef>
-          <a:fillRef idx="1">
-            <a:schemeClr val="accent1"/>
-          </a:fillRef>
-          <a:effectRef idx="0">
-            <a:schemeClr val="accent1"/>
-          </a:effectRef>
-          <a:fontRef idx="minor">
-            <a:schemeClr val="lt1"/>
-          </a:fontRef>
-        </p:style>
-        <p:txBody>
-          <a:bodyPr rtlCol="0" anchor="ctr"/>
-          <a:lstStyle/>
-          <a:p>
-            <a:pPr algn="ctr"/>
-            <a:endParaRPr lang="en-GB"/>
-          </a:p>
-        </p:txBody>
-      </p:sp>
     </p:spTree>
     <p:extLst>
       <p:ext uri="{BB962C8B-B14F-4D97-AF65-F5344CB8AC3E}">
-        <p14:creationId xmlns:p14="http://schemas.microsoft.com/office/powerpoint/2010/main" val="1676227135"/>
+        <p14:creationId xmlns:p14="http://schemas.microsoft.com/office/powerpoint/2010/main" val="964139818"/>
       </p:ext>
     </p:extLst>
   </p:cSld>
@@ -5040,10 +5320,10 @@
       </p:grpSpPr>
       <p:pic>
         <p:nvPicPr>
-          <p:cNvPr id="14" name="그림 13">
-            <a:extLst>
-              <a:ext uri="{FF2B5EF4-FFF2-40B4-BE49-F238E27FC236}">
-                <a16:creationId xmlns:a16="http://schemas.microsoft.com/office/drawing/2014/main" id="{6D3D264B-D41A-4B11-A48A-5839A718318E}"/>
+          <p:cNvPr id="5" name="그림 4">
+            <a:extLst>
+              <a:ext uri="{FF2B5EF4-FFF2-40B4-BE49-F238E27FC236}">
+                <a16:creationId xmlns:a16="http://schemas.microsoft.com/office/drawing/2014/main" id="{BC29C954-AECD-4709-BD41-8EA6ACFA2EEE}"/>
               </a:ext>
             </a:extLst>
           </p:cNvPr>
@@ -5060,40 +5340,95 @@
         </p:blipFill>
         <p:spPr>
           <a:xfrm>
-            <a:off x="178364" y="815544"/>
-            <a:ext cx="11835272" cy="5073977"/>
+            <a:off x="894178" y="269696"/>
+            <a:ext cx="5865211" cy="6318607"/>
           </a:xfrm>
           <a:prstGeom prst="rect">
             <a:avLst/>
           </a:prstGeom>
         </p:spPr>
       </p:pic>
-      <p:cxnSp>
-        <p:nvCxnSpPr>
-          <p:cNvPr id="7" name="직선 연결선 6">
-            <a:extLst>
-              <a:ext uri="{FF2B5EF4-FFF2-40B4-BE49-F238E27FC236}">
-                <a16:creationId xmlns:a16="http://schemas.microsoft.com/office/drawing/2014/main" id="{EF13B932-92D2-4961-8F50-07B4B95A743F}"/>
-              </a:ext>
-            </a:extLst>
-          </p:cNvPr>
-          <p:cNvCxnSpPr>
-            <a:cxnSpLocks/>
-          </p:cNvCxnSpPr>
+      <p:sp>
+        <p:nvSpPr>
+          <p:cNvPr id="6" name="타원 5">
+            <a:extLst>
+              <a:ext uri="{FF2B5EF4-FFF2-40B4-BE49-F238E27FC236}">
+                <a16:creationId xmlns:a16="http://schemas.microsoft.com/office/drawing/2014/main" id="{036F808E-5871-4346-B4B6-6FA5943AAD62}"/>
+              </a:ext>
+            </a:extLst>
+          </p:cNvPr>
+          <p:cNvSpPr/>
           <p:nvPr/>
-        </p:nvCxnSpPr>
-        <p:spPr>
-          <a:xfrm>
-            <a:off x="3446981" y="1448656"/>
-            <a:ext cx="3945276" cy="0"/>
-          </a:xfrm>
-          <a:prstGeom prst="line">
+        </p:nvSpPr>
+        <p:spPr>
+          <a:xfrm>
+            <a:off x="2008598" y="940085"/>
+            <a:ext cx="837344" cy="775699"/>
+          </a:xfrm>
+          <a:prstGeom prst="ellipse">
             <a:avLst/>
           </a:prstGeom>
+          <a:noFill/>
           <a:ln w="76200">
             <a:solidFill>
               <a:srgbClr val="C00000"/>
             </a:solidFill>
+          </a:ln>
+        </p:spPr>
+        <p:style>
+          <a:lnRef idx="2">
+            <a:schemeClr val="accent1">
+              <a:shade val="50000"/>
+            </a:schemeClr>
+          </a:lnRef>
+          <a:fillRef idx="1">
+            <a:schemeClr val="accent1"/>
+          </a:fillRef>
+          <a:effectRef idx="0">
+            <a:schemeClr val="accent1"/>
+          </a:effectRef>
+          <a:fontRef idx="minor">
+            <a:schemeClr val="lt1"/>
+          </a:fontRef>
+        </p:style>
+        <p:txBody>
+          <a:bodyPr rtlCol="0" anchor="ctr"/>
+          <a:lstStyle/>
+          <a:p>
+            <a:pPr algn="ctr"/>
+            <a:endParaRPr lang="en-GB"/>
+          </a:p>
+        </p:txBody>
+      </p:sp>
+      <p:cxnSp>
+        <p:nvCxnSpPr>
+          <p:cNvPr id="8" name="직선 화살표 연결선 7">
+            <a:extLst>
+              <a:ext uri="{FF2B5EF4-FFF2-40B4-BE49-F238E27FC236}">
+                <a16:creationId xmlns:a16="http://schemas.microsoft.com/office/drawing/2014/main" id="{7E5D3940-B5BC-4747-85CE-51628616B0D7}"/>
+              </a:ext>
+            </a:extLst>
+          </p:cNvPr>
+          <p:cNvCxnSpPr>
+            <a:cxnSpLocks/>
+            <a:stCxn id="9" idx="1"/>
+            <a:endCxn id="6" idx="6"/>
+          </p:cNvCxnSpPr>
+          <p:nvPr/>
+        </p:nvCxnSpPr>
+        <p:spPr>
+          <a:xfrm flipH="1">
+            <a:off x="2845942" y="940085"/>
+            <a:ext cx="1243173" cy="387850"/>
+          </a:xfrm>
+          <a:prstGeom prst="straightConnector1">
+            <a:avLst/>
+          </a:prstGeom>
+          <a:ln w="28575">
+            <a:solidFill>
+              <a:srgbClr val="C00000"/>
+            </a:solidFill>
+            <a:tailEnd type="triangle"/>
           </a:ln>
         </p:spPr>
         <p:style>
@@ -5113,10 +5448,54 @@
       </p:cxnSp>
       <p:sp>
         <p:nvSpPr>
-          <p:cNvPr id="8" name="오른쪽 중괄호 7">
-            <a:extLst>
-              <a:ext uri="{FF2B5EF4-FFF2-40B4-BE49-F238E27FC236}">
-                <a16:creationId xmlns:a16="http://schemas.microsoft.com/office/drawing/2014/main" id="{C59A89E9-B971-4810-A37E-3AFD435E5FB1}"/>
+          <p:cNvPr id="9" name="TextBox 8">
+            <a:extLst>
+              <a:ext uri="{FF2B5EF4-FFF2-40B4-BE49-F238E27FC236}">
+                <a16:creationId xmlns:a16="http://schemas.microsoft.com/office/drawing/2014/main" id="{67C857B3-2827-46BA-B52D-5B90A1210778}"/>
+              </a:ext>
+            </a:extLst>
+          </p:cNvPr>
+          <p:cNvSpPr txBox="1"/>
+          <p:nvPr/>
+        </p:nvSpPr>
+        <p:spPr>
+          <a:xfrm>
+            <a:off x="4089115" y="770808"/>
+            <a:ext cx="2170787" cy="338554"/>
+          </a:xfrm>
+          <a:prstGeom prst="rect">
+            <a:avLst/>
+          </a:prstGeom>
+          <a:noFill/>
+        </p:spPr>
+        <p:txBody>
+          <a:bodyPr wrap="none" rtlCol="0">
+            <a:spAutoFit/>
+          </a:bodyPr>
+          <a:lstStyle/>
+          <a:p>
+            <a:r>
+              <a:rPr lang="ko-KR" altLang="en-US" sz="1600" b="1" dirty="0">
+                <a:solidFill>
+                  <a:srgbClr val="C00000"/>
+                </a:solidFill>
+              </a:rPr>
+              <a:t>모든 단위 테스트 실행</a:t>
+            </a:r>
+            <a:endParaRPr lang="en-GB" sz="1600" b="1" dirty="0">
+              <a:solidFill>
+                <a:srgbClr val="C00000"/>
+              </a:solidFill>
+            </a:endParaRPr>
+          </a:p>
+        </p:txBody>
+      </p:sp>
+      <p:sp>
+        <p:nvSpPr>
+          <p:cNvPr id="11" name="타원 10">
+            <a:extLst>
+              <a:ext uri="{FF2B5EF4-FFF2-40B4-BE49-F238E27FC236}">
+                <a16:creationId xmlns:a16="http://schemas.microsoft.com/office/drawing/2014/main" id="{EA32D198-36CB-4393-A2FB-86A48D5286CF}"/>
               </a:ext>
             </a:extLst>
           </p:cNvPr>
@@ -5125,19 +5504,117 @@
         </p:nvSpPr>
         <p:spPr>
           <a:xfrm>
-            <a:off x="1833936" y="3945275"/>
-            <a:ext cx="128428" cy="457200"/>
-          </a:xfrm>
-          <a:prstGeom prst="rightBrace">
-            <a:avLst>
-              <a:gd name="adj1" fmla="val 40333"/>
-              <a:gd name="adj2" fmla="val 50000"/>
-            </a:avLst>
+            <a:off x="2303125" y="3926439"/>
+            <a:ext cx="645558" cy="635288"/>
+          </a:xfrm>
+          <a:prstGeom prst="ellipse">
+            <a:avLst/>
+          </a:prstGeom>
+          <a:noFill/>
+          <a:ln w="76200">
+            <a:solidFill>
+              <a:srgbClr val="C00000"/>
+            </a:solidFill>
+          </a:ln>
+        </p:spPr>
+        <p:style>
+          <a:lnRef idx="2">
+            <a:schemeClr val="accent1">
+              <a:shade val="50000"/>
+            </a:schemeClr>
+          </a:lnRef>
+          <a:fillRef idx="1">
+            <a:schemeClr val="accent1"/>
+          </a:fillRef>
+          <a:effectRef idx="0">
+            <a:schemeClr val="accent1"/>
+          </a:effectRef>
+          <a:fontRef idx="minor">
+            <a:schemeClr val="lt1"/>
+          </a:fontRef>
+        </p:style>
+        <p:txBody>
+          <a:bodyPr rtlCol="0" anchor="ctr"/>
+          <a:lstStyle/>
+          <a:p>
+            <a:pPr algn="ctr"/>
+            <a:endParaRPr lang="en-GB"/>
+          </a:p>
+        </p:txBody>
+      </p:sp>
+      <p:sp>
+        <p:nvSpPr>
+          <p:cNvPr id="12" name="TextBox 11">
+            <a:extLst>
+              <a:ext uri="{FF2B5EF4-FFF2-40B4-BE49-F238E27FC236}">
+                <a16:creationId xmlns:a16="http://schemas.microsoft.com/office/drawing/2014/main" id="{DA200767-A389-4D7E-BA46-EEEDE63F0117}"/>
+              </a:ext>
+            </a:extLst>
+          </p:cNvPr>
+          <p:cNvSpPr txBox="1"/>
+          <p:nvPr/>
+        </p:nvSpPr>
+        <p:spPr>
+          <a:xfrm>
+            <a:off x="4089114" y="3679555"/>
+            <a:ext cx="2170787" cy="338554"/>
+          </a:xfrm>
+          <a:prstGeom prst="rect">
+            <a:avLst/>
+          </a:prstGeom>
+          <a:noFill/>
+        </p:spPr>
+        <p:txBody>
+          <a:bodyPr wrap="none" rtlCol="0">
+            <a:spAutoFit/>
+          </a:bodyPr>
+          <a:lstStyle/>
+          <a:p>
+            <a:r>
+              <a:rPr lang="ko-KR" altLang="en-US" sz="1600" b="1" dirty="0">
+                <a:solidFill>
+                  <a:srgbClr val="C00000"/>
+                </a:solidFill>
+              </a:rPr>
+              <a:t>개별 단위 테스트 실행</a:t>
+            </a:r>
+            <a:endParaRPr lang="en-GB" sz="1600" b="1" dirty="0">
+              <a:solidFill>
+                <a:srgbClr val="C00000"/>
+              </a:solidFill>
+            </a:endParaRPr>
+          </a:p>
+        </p:txBody>
+      </p:sp>
+      <p:cxnSp>
+        <p:nvCxnSpPr>
+          <p:cNvPr id="13" name="직선 화살표 연결선 12">
+            <a:extLst>
+              <a:ext uri="{FF2B5EF4-FFF2-40B4-BE49-F238E27FC236}">
+                <a16:creationId xmlns:a16="http://schemas.microsoft.com/office/drawing/2014/main" id="{E1C9C24B-7693-43F8-A44E-E69B708BE224}"/>
+              </a:ext>
+            </a:extLst>
+          </p:cNvPr>
+          <p:cNvCxnSpPr>
+            <a:cxnSpLocks/>
+            <a:stCxn id="12" idx="1"/>
+            <a:endCxn id="11" idx="6"/>
+          </p:cNvCxnSpPr>
+          <p:nvPr/>
+        </p:nvCxnSpPr>
+        <p:spPr>
+          <a:xfrm flipH="1">
+            <a:off x="2948683" y="3848832"/>
+            <a:ext cx="1140431" cy="395251"/>
+          </a:xfrm>
+          <a:prstGeom prst="straightConnector1">
+            <a:avLst/>
           </a:prstGeom>
           <a:ln w="28575">
             <a:solidFill>
               <a:srgbClr val="C00000"/>
             </a:solidFill>
+            <a:tailEnd type="triangle"/>
           </a:ln>
         </p:spPr>
         <p:style>
@@ -5154,87 +5631,11 @@
             <a:schemeClr val="tx1"/>
           </a:fontRef>
         </p:style>
-        <p:txBody>
-          <a:bodyPr rtlCol="0" anchor="ctr"/>
-          <a:lstStyle/>
-          <a:p>
-            <a:pPr algn="ctr"/>
-            <a:endParaRPr lang="en-GB"/>
-          </a:p>
-        </p:txBody>
-      </p:sp>
-      <p:sp>
-        <p:nvSpPr>
-          <p:cNvPr id="9" name="TextBox 8">
-            <a:extLst>
-              <a:ext uri="{FF2B5EF4-FFF2-40B4-BE49-F238E27FC236}">
-                <a16:creationId xmlns:a16="http://schemas.microsoft.com/office/drawing/2014/main" id="{3CB5FCB1-2840-4AFC-9CC6-E1475FD04392}"/>
-              </a:ext>
-            </a:extLst>
-          </p:cNvPr>
-          <p:cNvSpPr txBox="1"/>
-          <p:nvPr/>
-        </p:nvSpPr>
-        <p:spPr>
-          <a:xfrm>
-            <a:off x="1962364" y="4004598"/>
-            <a:ext cx="2614818" cy="338554"/>
-          </a:xfrm>
-          <a:prstGeom prst="rect">
-            <a:avLst/>
-          </a:prstGeom>
-          <a:noFill/>
-        </p:spPr>
-        <p:txBody>
-          <a:bodyPr wrap="none" rtlCol="0">
-            <a:spAutoFit/>
-          </a:bodyPr>
-          <a:lstStyle/>
-          <a:p>
-            <a:r>
-              <a:rPr lang="en-GB" sz="1600" b="0" dirty="0" err="1">
-                <a:solidFill>
-                  <a:srgbClr val="C00000"/>
-                </a:solidFill>
-                <a:effectLst/>
-                <a:latin typeface="Consolas" panose="020B0609020204030204" pitchFamily="49" charset="0"/>
-              </a:rPr>
-              <a:t>ITestOutputHelper</a:t>
-            </a:r>
-            <a:r>
-              <a:rPr lang="en-GB" sz="1600" b="0" dirty="0">
-                <a:solidFill>
-                  <a:srgbClr val="C00000"/>
-                </a:solidFill>
-                <a:effectLst/>
-                <a:latin typeface="Consolas" panose="020B0609020204030204" pitchFamily="49" charset="0"/>
-              </a:rPr>
-              <a:t> </a:t>
-            </a:r>
-            <a:r>
-              <a:rPr lang="ko-KR" altLang="en-US" sz="1600" b="0" dirty="0">
-                <a:solidFill>
-                  <a:srgbClr val="C00000"/>
-                </a:solidFill>
-                <a:effectLst/>
-                <a:latin typeface="Consolas" panose="020B0609020204030204" pitchFamily="49" charset="0"/>
-              </a:rPr>
-              <a:t>출력</a:t>
-            </a:r>
-            <a:endParaRPr lang="en-GB" sz="1600" b="0" dirty="0">
-              <a:solidFill>
-                <a:srgbClr val="C00000"/>
-              </a:solidFill>
-              <a:effectLst/>
-              <a:latin typeface="Consolas" panose="020B0609020204030204" pitchFamily="49" charset="0"/>
-            </a:endParaRPr>
-          </a:p>
-        </p:txBody>
-      </p:sp>
+      </p:cxnSp>
     </p:spTree>
     <p:extLst>
       <p:ext uri="{BB962C8B-B14F-4D97-AF65-F5344CB8AC3E}">
-        <p14:creationId xmlns:p14="http://schemas.microsoft.com/office/powerpoint/2010/main" val="799137808"/>
+        <p14:creationId xmlns:p14="http://schemas.microsoft.com/office/powerpoint/2010/main" val="3839796132"/>
       </p:ext>
     </p:extLst>
   </p:cSld>
@@ -5263,6 +5664,567 @@
       </p:grpSpPr>
       <p:pic>
         <p:nvPicPr>
+          <p:cNvPr id="5" name="그림 4">
+            <a:extLst>
+              <a:ext uri="{FF2B5EF4-FFF2-40B4-BE49-F238E27FC236}">
+                <a16:creationId xmlns:a16="http://schemas.microsoft.com/office/drawing/2014/main" id="{A8CB34DB-4F75-4C5E-BE50-CB1F73F628FC}"/>
+              </a:ext>
+            </a:extLst>
+          </p:cNvPr>
+          <p:cNvPicPr>
+            <a:picLocks noChangeAspect="1"/>
+          </p:cNvPicPr>
+          <p:nvPr/>
+        </p:nvPicPr>
+        <p:blipFill>
+          <a:blip r:embed="rId2"/>
+          <a:stretch>
+            <a:fillRect/>
+          </a:stretch>
+        </p:blipFill>
+        <p:spPr>
+          <a:xfrm>
+            <a:off x="604462" y="544920"/>
+            <a:ext cx="10983075" cy="5989443"/>
+          </a:xfrm>
+          <a:prstGeom prst="rect">
+            <a:avLst/>
+          </a:prstGeom>
+        </p:spPr>
+      </p:pic>
+      <p:sp>
+        <p:nvSpPr>
+          <p:cNvPr id="6" name="타원 5">
+            <a:extLst>
+              <a:ext uri="{FF2B5EF4-FFF2-40B4-BE49-F238E27FC236}">
+                <a16:creationId xmlns:a16="http://schemas.microsoft.com/office/drawing/2014/main" id="{E164E06F-39A0-49FF-A0DA-1B644461DDDB}"/>
+              </a:ext>
+            </a:extLst>
+          </p:cNvPr>
+          <p:cNvSpPr/>
+          <p:nvPr/>
+        </p:nvSpPr>
+        <p:spPr>
+          <a:xfrm>
+            <a:off x="1402423" y="359596"/>
+            <a:ext cx="724327" cy="734601"/>
+          </a:xfrm>
+          <a:prstGeom prst="ellipse">
+            <a:avLst/>
+          </a:prstGeom>
+          <a:noFill/>
+          <a:ln w="76200">
+            <a:solidFill>
+              <a:srgbClr val="C00000"/>
+            </a:solidFill>
+          </a:ln>
+        </p:spPr>
+        <p:style>
+          <a:lnRef idx="2">
+            <a:schemeClr val="accent1">
+              <a:shade val="50000"/>
+            </a:schemeClr>
+          </a:lnRef>
+          <a:fillRef idx="1">
+            <a:schemeClr val="accent1"/>
+          </a:fillRef>
+          <a:effectRef idx="0">
+            <a:schemeClr val="accent1"/>
+          </a:effectRef>
+          <a:fontRef idx="minor">
+            <a:schemeClr val="lt1"/>
+          </a:fontRef>
+        </p:style>
+        <p:txBody>
+          <a:bodyPr rtlCol="0" anchor="ctr"/>
+          <a:lstStyle/>
+          <a:p>
+            <a:pPr algn="ctr"/>
+            <a:endParaRPr lang="en-GB"/>
+          </a:p>
+        </p:txBody>
+      </p:sp>
+      <p:sp>
+        <p:nvSpPr>
+          <p:cNvPr id="7" name="타원 6">
+            <a:extLst>
+              <a:ext uri="{FF2B5EF4-FFF2-40B4-BE49-F238E27FC236}">
+                <a16:creationId xmlns:a16="http://schemas.microsoft.com/office/drawing/2014/main" id="{79DCCF15-746F-4BE3-B29E-0582FD381CB2}"/>
+              </a:ext>
+            </a:extLst>
+          </p:cNvPr>
+          <p:cNvSpPr/>
+          <p:nvPr/>
+        </p:nvSpPr>
+        <p:spPr>
+          <a:xfrm>
+            <a:off x="8515564" y="306512"/>
+            <a:ext cx="1106184" cy="833919"/>
+          </a:xfrm>
+          <a:prstGeom prst="ellipse">
+            <a:avLst/>
+          </a:prstGeom>
+          <a:noFill/>
+          <a:ln w="76200">
+            <a:solidFill>
+              <a:srgbClr val="C00000"/>
+            </a:solidFill>
+          </a:ln>
+        </p:spPr>
+        <p:style>
+          <a:lnRef idx="2">
+            <a:schemeClr val="accent1">
+              <a:shade val="50000"/>
+            </a:schemeClr>
+          </a:lnRef>
+          <a:fillRef idx="1">
+            <a:schemeClr val="accent1"/>
+          </a:fillRef>
+          <a:effectRef idx="0">
+            <a:schemeClr val="accent1"/>
+          </a:effectRef>
+          <a:fontRef idx="minor">
+            <a:schemeClr val="lt1"/>
+          </a:fontRef>
+        </p:style>
+        <p:txBody>
+          <a:bodyPr rtlCol="0" anchor="ctr"/>
+          <a:lstStyle/>
+          <a:p>
+            <a:pPr algn="ctr"/>
+            <a:endParaRPr lang="en-GB"/>
+          </a:p>
+        </p:txBody>
+      </p:sp>
+      <p:sp>
+        <p:nvSpPr>
+          <p:cNvPr id="9" name="오른쪽 중괄호 8">
+            <a:extLst>
+              <a:ext uri="{FF2B5EF4-FFF2-40B4-BE49-F238E27FC236}">
+                <a16:creationId xmlns:a16="http://schemas.microsoft.com/office/drawing/2014/main" id="{FE2FAA43-4671-41A9-9E2C-18364E74094B}"/>
+              </a:ext>
+            </a:extLst>
+          </p:cNvPr>
+          <p:cNvSpPr/>
+          <p:nvPr/>
+        </p:nvSpPr>
+        <p:spPr>
+          <a:xfrm>
+            <a:off x="2126750" y="5512085"/>
+            <a:ext cx="128428" cy="457200"/>
+          </a:xfrm>
+          <a:prstGeom prst="rightBrace">
+            <a:avLst>
+              <a:gd name="adj1" fmla="val 40333"/>
+              <a:gd name="adj2" fmla="val 50000"/>
+            </a:avLst>
+          </a:prstGeom>
+          <a:ln w="28575">
+            <a:solidFill>
+              <a:srgbClr val="C00000"/>
+            </a:solidFill>
+          </a:ln>
+        </p:spPr>
+        <p:style>
+          <a:lnRef idx="1">
+            <a:schemeClr val="accent1"/>
+          </a:lnRef>
+          <a:fillRef idx="0">
+            <a:schemeClr val="accent1"/>
+          </a:fillRef>
+          <a:effectRef idx="0">
+            <a:schemeClr val="accent1"/>
+          </a:effectRef>
+          <a:fontRef idx="minor">
+            <a:schemeClr val="tx1"/>
+          </a:fontRef>
+        </p:style>
+        <p:txBody>
+          <a:bodyPr rtlCol="0" anchor="ctr"/>
+          <a:lstStyle/>
+          <a:p>
+            <a:pPr algn="ctr"/>
+            <a:endParaRPr lang="en-GB"/>
+          </a:p>
+        </p:txBody>
+      </p:sp>
+      <p:sp>
+        <p:nvSpPr>
+          <p:cNvPr id="10" name="TextBox 9">
+            <a:extLst>
+              <a:ext uri="{FF2B5EF4-FFF2-40B4-BE49-F238E27FC236}">
+                <a16:creationId xmlns:a16="http://schemas.microsoft.com/office/drawing/2014/main" id="{DE743827-9FA4-4871-B0D9-3CC671B66344}"/>
+              </a:ext>
+            </a:extLst>
+          </p:cNvPr>
+          <p:cNvSpPr txBox="1"/>
+          <p:nvPr/>
+        </p:nvSpPr>
+        <p:spPr>
+          <a:xfrm>
+            <a:off x="2255178" y="5571408"/>
+            <a:ext cx="2614818" cy="338554"/>
+          </a:xfrm>
+          <a:prstGeom prst="rect">
+            <a:avLst/>
+          </a:prstGeom>
+          <a:noFill/>
+        </p:spPr>
+        <p:txBody>
+          <a:bodyPr wrap="none" rtlCol="0">
+            <a:spAutoFit/>
+          </a:bodyPr>
+          <a:lstStyle/>
+          <a:p>
+            <a:r>
+              <a:rPr lang="en-GB" sz="1600" b="0" dirty="0" err="1">
+                <a:solidFill>
+                  <a:srgbClr val="C00000"/>
+                </a:solidFill>
+                <a:effectLst/>
+                <a:latin typeface="Consolas" panose="020B0609020204030204" pitchFamily="49" charset="0"/>
+              </a:rPr>
+              <a:t>ITestOutputHelper</a:t>
+            </a:r>
+            <a:r>
+              <a:rPr lang="en-GB" sz="1600" b="0" dirty="0">
+                <a:solidFill>
+                  <a:srgbClr val="C00000"/>
+                </a:solidFill>
+                <a:effectLst/>
+                <a:latin typeface="Consolas" panose="020B0609020204030204" pitchFamily="49" charset="0"/>
+              </a:rPr>
+              <a:t> </a:t>
+            </a:r>
+            <a:r>
+              <a:rPr lang="ko-KR" altLang="en-US" sz="1600" b="0" dirty="0">
+                <a:solidFill>
+                  <a:srgbClr val="C00000"/>
+                </a:solidFill>
+                <a:effectLst/>
+                <a:latin typeface="Consolas" panose="020B0609020204030204" pitchFamily="49" charset="0"/>
+              </a:rPr>
+              <a:t>출력</a:t>
+            </a:r>
+            <a:endParaRPr lang="en-GB" sz="1600" b="0" dirty="0">
+              <a:solidFill>
+                <a:srgbClr val="C00000"/>
+              </a:solidFill>
+              <a:effectLst/>
+              <a:latin typeface="Consolas" panose="020B0609020204030204" pitchFamily="49" charset="0"/>
+            </a:endParaRPr>
+          </a:p>
+        </p:txBody>
+      </p:sp>
+      <p:sp>
+        <p:nvSpPr>
+          <p:cNvPr id="11" name="직사각형 10">
+            <a:extLst>
+              <a:ext uri="{FF2B5EF4-FFF2-40B4-BE49-F238E27FC236}">
+                <a16:creationId xmlns:a16="http://schemas.microsoft.com/office/drawing/2014/main" id="{1E986DDE-2E40-4D11-A9FF-828D5B602CB7}"/>
+              </a:ext>
+            </a:extLst>
+          </p:cNvPr>
+          <p:cNvSpPr/>
+          <p:nvPr/>
+        </p:nvSpPr>
+        <p:spPr>
+          <a:xfrm>
+            <a:off x="11306710" y="857892"/>
+            <a:ext cx="409255" cy="5794625"/>
+          </a:xfrm>
+          <a:prstGeom prst="rect">
+            <a:avLst/>
+          </a:prstGeom>
+          <a:solidFill>
+            <a:schemeClr val="bg1"/>
+          </a:solidFill>
+          <a:ln>
+            <a:solidFill>
+              <a:schemeClr val="bg1"/>
+            </a:solidFill>
+          </a:ln>
+        </p:spPr>
+        <p:style>
+          <a:lnRef idx="2">
+            <a:schemeClr val="accent1">
+              <a:shade val="50000"/>
+            </a:schemeClr>
+          </a:lnRef>
+          <a:fillRef idx="1">
+            <a:schemeClr val="accent1"/>
+          </a:fillRef>
+          <a:effectRef idx="0">
+            <a:schemeClr val="accent1"/>
+          </a:effectRef>
+          <a:fontRef idx="minor">
+            <a:schemeClr val="lt1"/>
+          </a:fontRef>
+        </p:style>
+        <p:txBody>
+          <a:bodyPr rtlCol="0" anchor="ctr"/>
+          <a:lstStyle/>
+          <a:p>
+            <a:pPr algn="ctr"/>
+            <a:endParaRPr lang="en-GB"/>
+          </a:p>
+        </p:txBody>
+      </p:sp>
+    </p:spTree>
+    <p:extLst>
+      <p:ext uri="{BB962C8B-B14F-4D97-AF65-F5344CB8AC3E}">
+        <p14:creationId xmlns:p14="http://schemas.microsoft.com/office/powerpoint/2010/main" val="1676227135"/>
+      </p:ext>
+    </p:extLst>
+  </p:cSld>
+  <p:clrMapOvr>
+    <a:masterClrMapping/>
+  </p:clrMapOvr>
+</p:sld>
+</file>
+
+<file path=ppt/slides/slide6.xml><?xml version="1.0" encoding="utf-8"?>
+<p:sld xmlns:a="http://schemas.openxmlformats.org/drawingml/2006/main" xmlns:r="http://schemas.openxmlformats.org/officeDocument/2006/relationships" xmlns:p="http://schemas.openxmlformats.org/presentationml/2006/main">
+  <p:cSld>
+    <p:spTree>
+      <p:nvGrpSpPr>
+        <p:cNvPr id="1" name=""/>
+        <p:cNvGrpSpPr/>
+        <p:nvPr/>
+      </p:nvGrpSpPr>
+      <p:grpSpPr>
+        <a:xfrm>
+          <a:off x="0" y="0"/>
+          <a:ext cx="0" cy="0"/>
+          <a:chOff x="0" y="0"/>
+          <a:chExt cx="0" cy="0"/>
+        </a:xfrm>
+      </p:grpSpPr>
+      <p:pic>
+        <p:nvPicPr>
+          <p:cNvPr id="14" name="그림 13">
+            <a:extLst>
+              <a:ext uri="{FF2B5EF4-FFF2-40B4-BE49-F238E27FC236}">
+                <a16:creationId xmlns:a16="http://schemas.microsoft.com/office/drawing/2014/main" id="{6D3D264B-D41A-4B11-A48A-5839A718318E}"/>
+              </a:ext>
+            </a:extLst>
+          </p:cNvPr>
+          <p:cNvPicPr>
+            <a:picLocks noChangeAspect="1"/>
+          </p:cNvPicPr>
+          <p:nvPr/>
+        </p:nvPicPr>
+        <p:blipFill>
+          <a:blip r:embed="rId2"/>
+          <a:stretch>
+            <a:fillRect/>
+          </a:stretch>
+        </p:blipFill>
+        <p:spPr>
+          <a:xfrm>
+            <a:off x="178364" y="815544"/>
+            <a:ext cx="11835272" cy="5073977"/>
+          </a:xfrm>
+          <a:prstGeom prst="rect">
+            <a:avLst/>
+          </a:prstGeom>
+        </p:spPr>
+      </p:pic>
+      <p:cxnSp>
+        <p:nvCxnSpPr>
+          <p:cNvPr id="7" name="직선 연결선 6">
+            <a:extLst>
+              <a:ext uri="{FF2B5EF4-FFF2-40B4-BE49-F238E27FC236}">
+                <a16:creationId xmlns:a16="http://schemas.microsoft.com/office/drawing/2014/main" id="{EF13B932-92D2-4961-8F50-07B4B95A743F}"/>
+              </a:ext>
+            </a:extLst>
+          </p:cNvPr>
+          <p:cNvCxnSpPr>
+            <a:cxnSpLocks/>
+          </p:cNvCxnSpPr>
+          <p:nvPr/>
+        </p:nvCxnSpPr>
+        <p:spPr>
+          <a:xfrm>
+            <a:off x="3446981" y="1448656"/>
+            <a:ext cx="3945276" cy="0"/>
+          </a:xfrm>
+          <a:prstGeom prst="line">
+            <a:avLst/>
+          </a:prstGeom>
+          <a:ln w="76200">
+            <a:solidFill>
+              <a:srgbClr val="C00000"/>
+            </a:solidFill>
+          </a:ln>
+        </p:spPr>
+        <p:style>
+          <a:lnRef idx="1">
+            <a:schemeClr val="accent1"/>
+          </a:lnRef>
+          <a:fillRef idx="0">
+            <a:schemeClr val="accent1"/>
+          </a:fillRef>
+          <a:effectRef idx="0">
+            <a:schemeClr val="accent1"/>
+          </a:effectRef>
+          <a:fontRef idx="minor">
+            <a:schemeClr val="tx1"/>
+          </a:fontRef>
+        </p:style>
+      </p:cxnSp>
+      <p:sp>
+        <p:nvSpPr>
+          <p:cNvPr id="8" name="오른쪽 중괄호 7">
+            <a:extLst>
+              <a:ext uri="{FF2B5EF4-FFF2-40B4-BE49-F238E27FC236}">
+                <a16:creationId xmlns:a16="http://schemas.microsoft.com/office/drawing/2014/main" id="{C59A89E9-B971-4810-A37E-3AFD435E5FB1}"/>
+              </a:ext>
+            </a:extLst>
+          </p:cNvPr>
+          <p:cNvSpPr/>
+          <p:nvPr/>
+        </p:nvSpPr>
+        <p:spPr>
+          <a:xfrm>
+            <a:off x="1833936" y="3945275"/>
+            <a:ext cx="128428" cy="457200"/>
+          </a:xfrm>
+          <a:prstGeom prst="rightBrace">
+            <a:avLst>
+              <a:gd name="adj1" fmla="val 40333"/>
+              <a:gd name="adj2" fmla="val 50000"/>
+            </a:avLst>
+          </a:prstGeom>
+          <a:ln w="28575">
+            <a:solidFill>
+              <a:srgbClr val="C00000"/>
+            </a:solidFill>
+          </a:ln>
+        </p:spPr>
+        <p:style>
+          <a:lnRef idx="1">
+            <a:schemeClr val="accent1"/>
+          </a:lnRef>
+          <a:fillRef idx="0">
+            <a:schemeClr val="accent1"/>
+          </a:fillRef>
+          <a:effectRef idx="0">
+            <a:schemeClr val="accent1"/>
+          </a:effectRef>
+          <a:fontRef idx="minor">
+            <a:schemeClr val="tx1"/>
+          </a:fontRef>
+        </p:style>
+        <p:txBody>
+          <a:bodyPr rtlCol="0" anchor="ctr"/>
+          <a:lstStyle/>
+          <a:p>
+            <a:pPr algn="ctr"/>
+            <a:endParaRPr lang="en-GB"/>
+          </a:p>
+        </p:txBody>
+      </p:sp>
+      <p:sp>
+        <p:nvSpPr>
+          <p:cNvPr id="9" name="TextBox 8">
+            <a:extLst>
+              <a:ext uri="{FF2B5EF4-FFF2-40B4-BE49-F238E27FC236}">
+                <a16:creationId xmlns:a16="http://schemas.microsoft.com/office/drawing/2014/main" id="{3CB5FCB1-2840-4AFC-9CC6-E1475FD04392}"/>
+              </a:ext>
+            </a:extLst>
+          </p:cNvPr>
+          <p:cNvSpPr txBox="1"/>
+          <p:nvPr/>
+        </p:nvSpPr>
+        <p:spPr>
+          <a:xfrm>
+            <a:off x="1962364" y="4004598"/>
+            <a:ext cx="2614818" cy="338554"/>
+          </a:xfrm>
+          <a:prstGeom prst="rect">
+            <a:avLst/>
+          </a:prstGeom>
+          <a:noFill/>
+        </p:spPr>
+        <p:txBody>
+          <a:bodyPr wrap="none" rtlCol="0">
+            <a:spAutoFit/>
+          </a:bodyPr>
+          <a:lstStyle/>
+          <a:p>
+            <a:r>
+              <a:rPr lang="en-GB" sz="1600" b="0" dirty="0" err="1">
+                <a:solidFill>
+                  <a:srgbClr val="C00000"/>
+                </a:solidFill>
+                <a:effectLst/>
+                <a:latin typeface="Consolas" panose="020B0609020204030204" pitchFamily="49" charset="0"/>
+              </a:rPr>
+              <a:t>ITestOutputHelper</a:t>
+            </a:r>
+            <a:r>
+              <a:rPr lang="en-GB" sz="1600" b="0" dirty="0">
+                <a:solidFill>
+                  <a:srgbClr val="C00000"/>
+                </a:solidFill>
+                <a:effectLst/>
+                <a:latin typeface="Consolas" panose="020B0609020204030204" pitchFamily="49" charset="0"/>
+              </a:rPr>
+              <a:t> </a:t>
+            </a:r>
+            <a:r>
+              <a:rPr lang="ko-KR" altLang="en-US" sz="1600" b="0" dirty="0">
+                <a:solidFill>
+                  <a:srgbClr val="C00000"/>
+                </a:solidFill>
+                <a:effectLst/>
+                <a:latin typeface="Consolas" panose="020B0609020204030204" pitchFamily="49" charset="0"/>
+              </a:rPr>
+              <a:t>출력</a:t>
+            </a:r>
+            <a:endParaRPr lang="en-GB" sz="1600" b="0" dirty="0">
+              <a:solidFill>
+                <a:srgbClr val="C00000"/>
+              </a:solidFill>
+              <a:effectLst/>
+              <a:latin typeface="Consolas" panose="020B0609020204030204" pitchFamily="49" charset="0"/>
+            </a:endParaRPr>
+          </a:p>
+        </p:txBody>
+      </p:sp>
+    </p:spTree>
+    <p:extLst>
+      <p:ext uri="{BB962C8B-B14F-4D97-AF65-F5344CB8AC3E}">
+        <p14:creationId xmlns:p14="http://schemas.microsoft.com/office/powerpoint/2010/main" val="799137808"/>
+      </p:ext>
+    </p:extLst>
+  </p:cSld>
+  <p:clrMapOvr>
+    <a:masterClrMapping/>
+  </p:clrMapOvr>
+</p:sld>
+</file>
+
+<file path=ppt/slides/slide7.xml><?xml version="1.0" encoding="utf-8"?>
+<p:sld xmlns:a="http://schemas.openxmlformats.org/drawingml/2006/main" xmlns:r="http://schemas.openxmlformats.org/officeDocument/2006/relationships" xmlns:p="http://schemas.openxmlformats.org/presentationml/2006/main">
+  <p:cSld>
+    <p:spTree>
+      <p:nvGrpSpPr>
+        <p:cNvPr id="1" name=""/>
+        <p:cNvGrpSpPr/>
+        <p:nvPr/>
+      </p:nvGrpSpPr>
+      <p:grpSpPr>
+        <a:xfrm>
+          <a:off x="0" y="0"/>
+          <a:ext cx="0" cy="0"/>
+          <a:chOff x="0" y="0"/>
+          <a:chExt cx="0" cy="0"/>
+        </a:xfrm>
+      </p:grpSpPr>
+      <p:pic>
+        <p:nvPicPr>
           <p:cNvPr id="3" name="그림 2">
             <a:extLst>
               <a:ext uri="{FF2B5EF4-FFF2-40B4-BE49-F238E27FC236}">
@@ -5620,7 +6582,7 @@
 </p:sld>
 </file>
 
-<file path=ppt/slides/slide6.xml><?xml version="1.0" encoding="utf-8"?>
+<file path=ppt/slides/slide8.xml><?xml version="1.0" encoding="utf-8"?>
 <p:sld xmlns:a="http://schemas.openxmlformats.org/drawingml/2006/main" xmlns:r="http://schemas.openxmlformats.org/officeDocument/2006/relationships" xmlns:p="http://schemas.openxmlformats.org/presentationml/2006/main">
   <p:cSld>
     <p:spTree>
@@ -6106,7 +7068,7 @@
 </p:sld>
 </file>
 
-<file path=ppt/slides/slide7.xml><?xml version="1.0" encoding="utf-8"?>
+<file path=ppt/slides/slide9.xml><?xml version="1.0" encoding="utf-8"?>
 <p:sld xmlns:a="http://schemas.openxmlformats.org/drawingml/2006/main" xmlns:r="http://schemas.openxmlformats.org/officeDocument/2006/relationships" xmlns:p="http://schemas.openxmlformats.org/presentationml/2006/main">
   <p:cSld>
     <p:spTree>
@@ -6607,558 +7569,6 @@
     <p:extLst>
       <p:ext uri="{BB962C8B-B14F-4D97-AF65-F5344CB8AC3E}">
         <p14:creationId xmlns:p14="http://schemas.microsoft.com/office/powerpoint/2010/main" val="274692995"/>
-      </p:ext>
-    </p:extLst>
-  </p:cSld>
-  <p:clrMapOvr>
-    <a:masterClrMapping/>
-  </p:clrMapOvr>
-</p:sld>
-</file>
-
-<file path=ppt/slides/slide8.xml><?xml version="1.0" encoding="utf-8"?>
-<p:sld xmlns:a="http://schemas.openxmlformats.org/drawingml/2006/main" xmlns:r="http://schemas.openxmlformats.org/officeDocument/2006/relationships" xmlns:p="http://schemas.openxmlformats.org/presentationml/2006/main">
-  <p:cSld>
-    <p:spTree>
-      <p:nvGrpSpPr>
-        <p:cNvPr id="1" name=""/>
-        <p:cNvGrpSpPr/>
-        <p:nvPr/>
-      </p:nvGrpSpPr>
-      <p:grpSpPr>
-        <a:xfrm>
-          <a:off x="0" y="0"/>
-          <a:ext cx="0" cy="0"/>
-          <a:chOff x="0" y="0"/>
-          <a:chExt cx="0" cy="0"/>
-        </a:xfrm>
-      </p:grpSpPr>
-      <p:pic>
-        <p:nvPicPr>
-          <p:cNvPr id="5" name="그림 4">
-            <a:extLst>
-              <a:ext uri="{FF2B5EF4-FFF2-40B4-BE49-F238E27FC236}">
-                <a16:creationId xmlns:a16="http://schemas.microsoft.com/office/drawing/2014/main" id="{506BC5D6-B19D-433D-9237-79C6C2287A4C}"/>
-              </a:ext>
-            </a:extLst>
-          </p:cNvPr>
-          <p:cNvPicPr>
-            <a:picLocks noChangeAspect="1"/>
-          </p:cNvPicPr>
-          <p:nvPr/>
-        </p:nvPicPr>
-        <p:blipFill>
-          <a:blip r:embed="rId2"/>
-          <a:stretch>
-            <a:fillRect/>
-          </a:stretch>
-        </p:blipFill>
-        <p:spPr>
-          <a:xfrm>
-            <a:off x="1458516" y="721759"/>
-            <a:ext cx="8839574" cy="5414481"/>
-          </a:xfrm>
-          <a:prstGeom prst="rect">
-            <a:avLst/>
-          </a:prstGeom>
-        </p:spPr>
-      </p:pic>
-      <p:sp>
-        <p:nvSpPr>
-          <p:cNvPr id="6" name="타원 5">
-            <a:extLst>
-              <a:ext uri="{FF2B5EF4-FFF2-40B4-BE49-F238E27FC236}">
-                <a16:creationId xmlns:a16="http://schemas.microsoft.com/office/drawing/2014/main" id="{D36C55CA-D9AD-45B2-8346-5872713AF6AC}"/>
-              </a:ext>
-            </a:extLst>
-          </p:cNvPr>
-          <p:cNvSpPr/>
-          <p:nvPr/>
-        </p:nvSpPr>
-        <p:spPr>
-          <a:xfrm>
-            <a:off x="4279184" y="811662"/>
-            <a:ext cx="996596" cy="643148"/>
-          </a:xfrm>
-          <a:prstGeom prst="ellipse">
-            <a:avLst/>
-          </a:prstGeom>
-          <a:noFill/>
-          <a:ln w="76200">
-            <a:solidFill>
-              <a:srgbClr val="C00000"/>
-            </a:solidFill>
-          </a:ln>
-        </p:spPr>
-        <p:style>
-          <a:lnRef idx="2">
-            <a:schemeClr val="accent1">
-              <a:shade val="50000"/>
-            </a:schemeClr>
-          </a:lnRef>
-          <a:fillRef idx="1">
-            <a:schemeClr val="accent1"/>
-          </a:fillRef>
-          <a:effectRef idx="0">
-            <a:schemeClr val="accent1"/>
-          </a:effectRef>
-          <a:fontRef idx="minor">
-            <a:schemeClr val="lt1"/>
-          </a:fontRef>
-        </p:style>
-        <p:txBody>
-          <a:bodyPr rtlCol="0" anchor="ctr"/>
-          <a:lstStyle/>
-          <a:p>
-            <a:pPr algn="ctr"/>
-            <a:endParaRPr lang="en-GB"/>
-          </a:p>
-        </p:txBody>
-      </p:sp>
-      <p:sp>
-        <p:nvSpPr>
-          <p:cNvPr id="7" name="타원 6">
-            <a:extLst>
-              <a:ext uri="{FF2B5EF4-FFF2-40B4-BE49-F238E27FC236}">
-                <a16:creationId xmlns:a16="http://schemas.microsoft.com/office/drawing/2014/main" id="{5F8E53F4-98AE-460C-A363-8D6450BA8C8E}"/>
-              </a:ext>
-            </a:extLst>
-          </p:cNvPr>
-          <p:cNvSpPr/>
-          <p:nvPr/>
-        </p:nvSpPr>
-        <p:spPr>
-          <a:xfrm>
-            <a:off x="2440110" y="1284274"/>
-            <a:ext cx="657548" cy="643148"/>
-          </a:xfrm>
-          <a:prstGeom prst="ellipse">
-            <a:avLst/>
-          </a:prstGeom>
-          <a:noFill/>
-          <a:ln w="76200">
-            <a:solidFill>
-              <a:srgbClr val="C00000"/>
-            </a:solidFill>
-          </a:ln>
-        </p:spPr>
-        <p:style>
-          <a:lnRef idx="2">
-            <a:schemeClr val="accent1">
-              <a:shade val="50000"/>
-            </a:schemeClr>
-          </a:lnRef>
-          <a:fillRef idx="1">
-            <a:schemeClr val="accent1"/>
-          </a:fillRef>
-          <a:effectRef idx="0">
-            <a:schemeClr val="accent1"/>
-          </a:effectRef>
-          <a:fontRef idx="minor">
-            <a:schemeClr val="lt1"/>
-          </a:fontRef>
-        </p:style>
-        <p:txBody>
-          <a:bodyPr rtlCol="0" anchor="ctr"/>
-          <a:lstStyle/>
-          <a:p>
-            <a:pPr algn="ctr"/>
-            <a:endParaRPr lang="en-GB"/>
-          </a:p>
-        </p:txBody>
-      </p:sp>
-      <p:cxnSp>
-        <p:nvCxnSpPr>
-          <p:cNvPr id="8" name="직선 화살표 연결선 7">
-            <a:extLst>
-              <a:ext uri="{FF2B5EF4-FFF2-40B4-BE49-F238E27FC236}">
-                <a16:creationId xmlns:a16="http://schemas.microsoft.com/office/drawing/2014/main" id="{BD2CE48F-40B7-42EC-A080-E55D7B2E6A8B}"/>
-              </a:ext>
-            </a:extLst>
-          </p:cNvPr>
-          <p:cNvCxnSpPr>
-            <a:cxnSpLocks/>
-            <a:stCxn id="7" idx="4"/>
-          </p:cNvCxnSpPr>
-          <p:nvPr/>
-        </p:nvCxnSpPr>
-        <p:spPr>
-          <a:xfrm>
-            <a:off x="2768884" y="1927422"/>
-            <a:ext cx="2095929" cy="3646304"/>
-          </a:xfrm>
-          <a:prstGeom prst="straightConnector1">
-            <a:avLst/>
-          </a:prstGeom>
-          <a:ln w="76200">
-            <a:solidFill>
-              <a:srgbClr val="C00000"/>
-            </a:solidFill>
-            <a:tailEnd type="triangle"/>
-          </a:ln>
-        </p:spPr>
-        <p:style>
-          <a:lnRef idx="1">
-            <a:schemeClr val="accent1"/>
-          </a:lnRef>
-          <a:fillRef idx="0">
-            <a:schemeClr val="accent1"/>
-          </a:fillRef>
-          <a:effectRef idx="0">
-            <a:schemeClr val="accent1"/>
-          </a:effectRef>
-          <a:fontRef idx="minor">
-            <a:schemeClr val="tx1"/>
-          </a:fontRef>
-        </p:style>
-      </p:cxnSp>
-      <p:sp>
-        <p:nvSpPr>
-          <p:cNvPr id="11" name="TextBox 10">
-            <a:extLst>
-              <a:ext uri="{FF2B5EF4-FFF2-40B4-BE49-F238E27FC236}">
-                <a16:creationId xmlns:a16="http://schemas.microsoft.com/office/drawing/2014/main" id="{56EA2A61-80DD-4B75-8301-65307C662FEC}"/>
-              </a:ext>
-            </a:extLst>
-          </p:cNvPr>
-          <p:cNvSpPr txBox="1"/>
-          <p:nvPr/>
-        </p:nvSpPr>
-        <p:spPr>
-          <a:xfrm>
-            <a:off x="4279184" y="413982"/>
-            <a:ext cx="3562194" cy="307777"/>
-          </a:xfrm>
-          <a:prstGeom prst="rect">
-            <a:avLst/>
-          </a:prstGeom>
-          <a:noFill/>
-        </p:spPr>
-        <p:txBody>
-          <a:bodyPr wrap="none" rtlCol="0">
-            <a:spAutoFit/>
-          </a:bodyPr>
-          <a:lstStyle/>
-          <a:p>
-            <a:r>
-              <a:rPr lang="en-GB" sz="1400" b="1" dirty="0"/>
-              <a:t>Case</a:t>
-            </a:r>
-            <a:r>
-              <a:rPr lang="ko-KR" altLang="en-US" sz="1400" b="1" dirty="0"/>
-              <a:t> </a:t>
-            </a:r>
-            <a:r>
-              <a:rPr lang="en-GB" altLang="ko-KR" sz="1400" b="1" dirty="0"/>
-              <a:t>1. </a:t>
-            </a:r>
-            <a:r>
-              <a:rPr lang="ko-KR" altLang="en-US" sz="1400" b="1" dirty="0"/>
-              <a:t>단위 테스트 메서드에서 디버깅하기</a:t>
-            </a:r>
-            <a:endParaRPr lang="en-GB" sz="1400" b="1" dirty="0"/>
-          </a:p>
-        </p:txBody>
-      </p:sp>
-      <p:sp>
-        <p:nvSpPr>
-          <p:cNvPr id="12" name="TextBox 11">
-            <a:extLst>
-              <a:ext uri="{FF2B5EF4-FFF2-40B4-BE49-F238E27FC236}">
-                <a16:creationId xmlns:a16="http://schemas.microsoft.com/office/drawing/2014/main" id="{ECD9749F-C471-4E9B-B27D-138BA342E22A}"/>
-              </a:ext>
-            </a:extLst>
-          </p:cNvPr>
-          <p:cNvSpPr txBox="1"/>
-          <p:nvPr/>
-        </p:nvSpPr>
-        <p:spPr>
-          <a:xfrm>
-            <a:off x="696204" y="3877942"/>
-            <a:ext cx="3203121" cy="307777"/>
-          </a:xfrm>
-          <a:prstGeom prst="rect">
-            <a:avLst/>
-          </a:prstGeom>
-          <a:noFill/>
-        </p:spPr>
-        <p:txBody>
-          <a:bodyPr wrap="none" rtlCol="0">
-            <a:spAutoFit/>
-          </a:bodyPr>
-          <a:lstStyle/>
-          <a:p>
-            <a:r>
-              <a:rPr lang="en-GB" sz="1400" b="1" dirty="0"/>
-              <a:t>Case</a:t>
-            </a:r>
-            <a:r>
-              <a:rPr lang="ko-KR" altLang="en-US" sz="1400" b="1" dirty="0"/>
-              <a:t> </a:t>
-            </a:r>
-            <a:r>
-              <a:rPr lang="en-GB" altLang="ko-KR" sz="1400" b="1" dirty="0"/>
-              <a:t>2. </a:t>
-            </a:r>
-            <a:r>
-              <a:rPr lang="ko-KR" altLang="en-US" sz="1400" b="1" dirty="0"/>
-              <a:t>현재 커서 위치에서 디버깅하기</a:t>
-            </a:r>
-            <a:endParaRPr lang="en-GB" sz="1400" b="1" dirty="0"/>
-          </a:p>
-        </p:txBody>
-      </p:sp>
-    </p:spTree>
-    <p:extLst>
-      <p:ext uri="{BB962C8B-B14F-4D97-AF65-F5344CB8AC3E}">
-        <p14:creationId xmlns:p14="http://schemas.microsoft.com/office/powerpoint/2010/main" val="3550799030"/>
-      </p:ext>
-    </p:extLst>
-  </p:cSld>
-  <p:clrMapOvr>
-    <a:masterClrMapping/>
-  </p:clrMapOvr>
-</p:sld>
-</file>
-
-<file path=ppt/slides/slide9.xml><?xml version="1.0" encoding="utf-8"?>
-<p:sld xmlns:a="http://schemas.openxmlformats.org/drawingml/2006/main" xmlns:r="http://schemas.openxmlformats.org/officeDocument/2006/relationships" xmlns:p="http://schemas.openxmlformats.org/presentationml/2006/main">
-  <p:cSld>
-    <p:spTree>
-      <p:nvGrpSpPr>
-        <p:cNvPr id="1" name=""/>
-        <p:cNvGrpSpPr/>
-        <p:nvPr/>
-      </p:nvGrpSpPr>
-      <p:grpSpPr>
-        <a:xfrm>
-          <a:off x="0" y="0"/>
-          <a:ext cx="0" cy="0"/>
-          <a:chOff x="0" y="0"/>
-          <a:chExt cx="0" cy="0"/>
-        </a:xfrm>
-      </p:grpSpPr>
-      <p:pic>
-        <p:nvPicPr>
-          <p:cNvPr id="17" name="그림 16">
-            <a:extLst>
-              <a:ext uri="{FF2B5EF4-FFF2-40B4-BE49-F238E27FC236}">
-                <a16:creationId xmlns:a16="http://schemas.microsoft.com/office/drawing/2014/main" id="{28B61E87-03AC-402B-B146-BAF20D75A28B}"/>
-              </a:ext>
-            </a:extLst>
-          </p:cNvPr>
-          <p:cNvPicPr>
-            <a:picLocks noChangeAspect="1"/>
-          </p:cNvPicPr>
-          <p:nvPr/>
-        </p:nvPicPr>
-        <p:blipFill>
-          <a:blip r:embed="rId2"/>
-          <a:stretch>
-            <a:fillRect/>
-          </a:stretch>
-        </p:blipFill>
-        <p:spPr>
-          <a:xfrm>
-            <a:off x="662682" y="557910"/>
-            <a:ext cx="9555114" cy="5318908"/>
-          </a:xfrm>
-          <a:prstGeom prst="rect">
-            <a:avLst/>
-          </a:prstGeom>
-        </p:spPr>
-      </p:pic>
-      <p:sp>
-        <p:nvSpPr>
-          <p:cNvPr id="6" name="타원 5">
-            <a:extLst>
-              <a:ext uri="{FF2B5EF4-FFF2-40B4-BE49-F238E27FC236}">
-                <a16:creationId xmlns:a16="http://schemas.microsoft.com/office/drawing/2014/main" id="{4689F24E-8DAE-4E61-B73E-3656EE6792F4}"/>
-              </a:ext>
-            </a:extLst>
-          </p:cNvPr>
-          <p:cNvSpPr/>
-          <p:nvPr/>
-        </p:nvSpPr>
-        <p:spPr>
-          <a:xfrm>
-            <a:off x="549665" y="2760021"/>
-            <a:ext cx="724330" cy="722917"/>
-          </a:xfrm>
-          <a:prstGeom prst="ellipse">
-            <a:avLst/>
-          </a:prstGeom>
-          <a:noFill/>
-          <a:ln w="76200">
-            <a:solidFill>
-              <a:srgbClr val="C00000"/>
-            </a:solidFill>
-          </a:ln>
-        </p:spPr>
-        <p:style>
-          <a:lnRef idx="2">
-            <a:schemeClr val="accent1">
-              <a:shade val="50000"/>
-            </a:schemeClr>
-          </a:lnRef>
-          <a:fillRef idx="1">
-            <a:schemeClr val="accent1"/>
-          </a:fillRef>
-          <a:effectRef idx="0">
-            <a:schemeClr val="accent1"/>
-          </a:effectRef>
-          <a:fontRef idx="minor">
-            <a:schemeClr val="lt1"/>
-          </a:fontRef>
-        </p:style>
-        <p:txBody>
-          <a:bodyPr rtlCol="0" anchor="ctr"/>
-          <a:lstStyle/>
-          <a:p>
-            <a:pPr algn="ctr"/>
-            <a:endParaRPr lang="en-GB"/>
-          </a:p>
-        </p:txBody>
-      </p:sp>
-      <p:cxnSp>
-        <p:nvCxnSpPr>
-          <p:cNvPr id="7" name="직선 화살표 연결선 6">
-            <a:extLst>
-              <a:ext uri="{FF2B5EF4-FFF2-40B4-BE49-F238E27FC236}">
-                <a16:creationId xmlns:a16="http://schemas.microsoft.com/office/drawing/2014/main" id="{8C7B9250-2708-47F1-AC1A-11638EEC6D54}"/>
-              </a:ext>
-            </a:extLst>
-          </p:cNvPr>
-          <p:cNvCxnSpPr>
-            <a:cxnSpLocks/>
-            <a:stCxn id="6" idx="0"/>
-          </p:cNvCxnSpPr>
-          <p:nvPr/>
-        </p:nvCxnSpPr>
-        <p:spPr>
-          <a:xfrm flipV="1">
-            <a:off x="911830" y="1921267"/>
-            <a:ext cx="475181" cy="838754"/>
-          </a:xfrm>
-          <a:prstGeom prst="straightConnector1">
-            <a:avLst/>
-          </a:prstGeom>
-          <a:ln w="76200">
-            <a:solidFill>
-              <a:srgbClr val="C00000"/>
-            </a:solidFill>
-            <a:tailEnd type="triangle"/>
-          </a:ln>
-        </p:spPr>
-        <p:style>
-          <a:lnRef idx="1">
-            <a:schemeClr val="accent1"/>
-          </a:lnRef>
-          <a:fillRef idx="0">
-            <a:schemeClr val="accent1"/>
-          </a:fillRef>
-          <a:effectRef idx="0">
-            <a:schemeClr val="accent1"/>
-          </a:effectRef>
-          <a:fontRef idx="minor">
-            <a:schemeClr val="tx1"/>
-          </a:fontRef>
-        </p:style>
-      </p:cxnSp>
-      <p:cxnSp>
-        <p:nvCxnSpPr>
-          <p:cNvPr id="10" name="직선 화살표 연결선 9">
-            <a:extLst>
-              <a:ext uri="{FF2B5EF4-FFF2-40B4-BE49-F238E27FC236}">
-                <a16:creationId xmlns:a16="http://schemas.microsoft.com/office/drawing/2014/main" id="{0D313BAE-0D91-4FF1-8A99-882D745B96E2}"/>
-              </a:ext>
-            </a:extLst>
-          </p:cNvPr>
-          <p:cNvCxnSpPr>
-            <a:cxnSpLocks/>
-            <a:stCxn id="6" idx="4"/>
-          </p:cNvCxnSpPr>
-          <p:nvPr/>
-        </p:nvCxnSpPr>
-        <p:spPr>
-          <a:xfrm>
-            <a:off x="911830" y="3482938"/>
-            <a:ext cx="567649" cy="1371601"/>
-          </a:xfrm>
-          <a:prstGeom prst="straightConnector1">
-            <a:avLst/>
-          </a:prstGeom>
-          <a:ln w="76200">
-            <a:solidFill>
-              <a:srgbClr val="C00000"/>
-            </a:solidFill>
-            <a:tailEnd type="triangle"/>
-          </a:ln>
-        </p:spPr>
-        <p:style>
-          <a:lnRef idx="1">
-            <a:schemeClr val="accent1"/>
-          </a:lnRef>
-          <a:fillRef idx="0">
-            <a:schemeClr val="accent1"/>
-          </a:fillRef>
-          <a:effectRef idx="0">
-            <a:schemeClr val="accent1"/>
-          </a:effectRef>
-          <a:fontRef idx="minor">
-            <a:schemeClr val="tx1"/>
-          </a:fontRef>
-        </p:style>
-      </p:cxnSp>
-      <p:cxnSp>
-        <p:nvCxnSpPr>
-          <p:cNvPr id="13" name="직선 화살표 연결선 12">
-            <a:extLst>
-              <a:ext uri="{FF2B5EF4-FFF2-40B4-BE49-F238E27FC236}">
-                <a16:creationId xmlns:a16="http://schemas.microsoft.com/office/drawing/2014/main" id="{71752DED-7274-4F4C-A754-81DA505988AA}"/>
-              </a:ext>
-            </a:extLst>
-          </p:cNvPr>
-          <p:cNvCxnSpPr>
-            <a:cxnSpLocks/>
-            <a:stCxn id="6" idx="6"/>
-          </p:cNvCxnSpPr>
-          <p:nvPr/>
-        </p:nvCxnSpPr>
-        <p:spPr>
-          <a:xfrm>
-            <a:off x="1273995" y="3121480"/>
-            <a:ext cx="2830531" cy="1147432"/>
-          </a:xfrm>
-          <a:prstGeom prst="straightConnector1">
-            <a:avLst/>
-          </a:prstGeom>
-          <a:ln w="76200">
-            <a:solidFill>
-              <a:srgbClr val="C00000"/>
-            </a:solidFill>
-            <a:tailEnd type="triangle"/>
-          </a:ln>
-        </p:spPr>
-        <p:style>
-          <a:lnRef idx="1">
-            <a:schemeClr val="accent1"/>
-          </a:lnRef>
-          <a:fillRef idx="0">
-            <a:schemeClr val="accent1"/>
-          </a:fillRef>
-          <a:effectRef idx="0">
-            <a:schemeClr val="accent1"/>
-          </a:effectRef>
-          <a:fontRef idx="minor">
-            <a:schemeClr val="tx1"/>
-          </a:fontRef>
-        </p:style>
-      </p:cxnSp>
-    </p:spTree>
-    <p:extLst>
-      <p:ext uri="{BB962C8B-B14F-4D97-AF65-F5344CB8AC3E}">
-        <p14:creationId xmlns:p14="http://schemas.microsoft.com/office/powerpoint/2010/main" val="1433911311"/>
       </p:ext>
     </p:extLst>
   </p:cSld>

--- a/README.pptx
+++ b/README.pptx
@@ -18,6 +18,7 @@
     <p:sldId id="263" r:id="rId12"/>
     <p:sldId id="261" r:id="rId13"/>
     <p:sldId id="265" r:id="rId14"/>
+    <p:sldId id="269" r:id="rId15"/>
   </p:sldIdLst>
   <p:sldSz cx="12192000" cy="6858000"/>
   <p:notesSz cx="6858000" cy="9144000"/>
@@ -273,7 +274,7 @@
           <a:p>
             <a:fld id="{38343933-294A-4F21-A3F5-6650284E422B}" type="datetimeFigureOut">
               <a:rPr lang="en-GB" smtClean="0"/>
-              <a:t>09/02/2022</a:t>
+              <a:t>13/02/2022</a:t>
             </a:fld>
             <a:endParaRPr lang="en-GB"/>
           </a:p>
@@ -473,7 +474,7 @@
           <a:p>
             <a:fld id="{38343933-294A-4F21-A3F5-6650284E422B}" type="datetimeFigureOut">
               <a:rPr lang="en-GB" smtClean="0"/>
-              <a:t>09/02/2022</a:t>
+              <a:t>13/02/2022</a:t>
             </a:fld>
             <a:endParaRPr lang="en-GB"/>
           </a:p>
@@ -683,7 +684,7 @@
           <a:p>
             <a:fld id="{38343933-294A-4F21-A3F5-6650284E422B}" type="datetimeFigureOut">
               <a:rPr lang="en-GB" smtClean="0"/>
-              <a:t>09/02/2022</a:t>
+              <a:t>13/02/2022</a:t>
             </a:fld>
             <a:endParaRPr lang="en-GB"/>
           </a:p>
@@ -883,7 +884,7 @@
           <a:p>
             <a:fld id="{38343933-294A-4F21-A3F5-6650284E422B}" type="datetimeFigureOut">
               <a:rPr lang="en-GB" smtClean="0"/>
-              <a:t>09/02/2022</a:t>
+              <a:t>13/02/2022</a:t>
             </a:fld>
             <a:endParaRPr lang="en-GB"/>
           </a:p>
@@ -1159,7 +1160,7 @@
           <a:p>
             <a:fld id="{38343933-294A-4F21-A3F5-6650284E422B}" type="datetimeFigureOut">
               <a:rPr lang="en-GB" smtClean="0"/>
-              <a:t>09/02/2022</a:t>
+              <a:t>13/02/2022</a:t>
             </a:fld>
             <a:endParaRPr lang="en-GB"/>
           </a:p>
@@ -1427,7 +1428,7 @@
           <a:p>
             <a:fld id="{38343933-294A-4F21-A3F5-6650284E422B}" type="datetimeFigureOut">
               <a:rPr lang="en-GB" smtClean="0"/>
-              <a:t>09/02/2022</a:t>
+              <a:t>13/02/2022</a:t>
             </a:fld>
             <a:endParaRPr lang="en-GB"/>
           </a:p>
@@ -1842,7 +1843,7 @@
           <a:p>
             <a:fld id="{38343933-294A-4F21-A3F5-6650284E422B}" type="datetimeFigureOut">
               <a:rPr lang="en-GB" smtClean="0"/>
-              <a:t>09/02/2022</a:t>
+              <a:t>13/02/2022</a:t>
             </a:fld>
             <a:endParaRPr lang="en-GB"/>
           </a:p>
@@ -1984,7 +1985,7 @@
           <a:p>
             <a:fld id="{38343933-294A-4F21-A3F5-6650284E422B}" type="datetimeFigureOut">
               <a:rPr lang="en-GB" smtClean="0"/>
-              <a:t>09/02/2022</a:t>
+              <a:t>13/02/2022</a:t>
             </a:fld>
             <a:endParaRPr lang="en-GB"/>
           </a:p>
@@ -2097,7 +2098,7 @@
           <a:p>
             <a:fld id="{38343933-294A-4F21-A3F5-6650284E422B}" type="datetimeFigureOut">
               <a:rPr lang="en-GB" smtClean="0"/>
-              <a:t>09/02/2022</a:t>
+              <a:t>13/02/2022</a:t>
             </a:fld>
             <a:endParaRPr lang="en-GB"/>
           </a:p>
@@ -2410,7 +2411,7 @@
           <a:p>
             <a:fld id="{38343933-294A-4F21-A3F5-6650284E422B}" type="datetimeFigureOut">
               <a:rPr lang="en-GB" smtClean="0"/>
-              <a:t>09/02/2022</a:t>
+              <a:t>13/02/2022</a:t>
             </a:fld>
             <a:endParaRPr lang="en-GB"/>
           </a:p>
@@ -2699,7 +2700,7 @@
           <a:p>
             <a:fld id="{38343933-294A-4F21-A3F5-6650284E422B}" type="datetimeFigureOut">
               <a:rPr lang="en-GB" smtClean="0"/>
-              <a:t>09/02/2022</a:t>
+              <a:t>13/02/2022</a:t>
             </a:fld>
             <a:endParaRPr lang="en-GB"/>
           </a:p>
@@ -2942,7 +2943,7 @@
           <a:p>
             <a:fld id="{38343933-294A-4F21-A3F5-6650284E422B}" type="datetimeFigureOut">
               <a:rPr lang="en-GB" smtClean="0"/>
-              <a:t>09/02/2022</a:t>
+              <a:t>13/02/2022</a:t>
             </a:fld>
             <a:endParaRPr lang="en-GB"/>
           </a:p>
@@ -4849,6 +4850,348 @@
 </p:sld>
 </file>
 
+<file path=ppt/slides/slide14.xml><?xml version="1.0" encoding="utf-8"?>
+<p:sld xmlns:a="http://schemas.openxmlformats.org/drawingml/2006/main" xmlns:r="http://schemas.openxmlformats.org/officeDocument/2006/relationships" xmlns:p="http://schemas.openxmlformats.org/presentationml/2006/main">
+  <p:cSld>
+    <p:spTree>
+      <p:nvGrpSpPr>
+        <p:cNvPr id="1" name=""/>
+        <p:cNvGrpSpPr/>
+        <p:nvPr/>
+      </p:nvGrpSpPr>
+      <p:grpSpPr>
+        <a:xfrm>
+          <a:off x="0" y="0"/>
+          <a:ext cx="0" cy="0"/>
+          <a:chOff x="0" y="0"/>
+          <a:chExt cx="0" cy="0"/>
+        </a:xfrm>
+      </p:grpSpPr>
+      <p:pic>
+        <p:nvPicPr>
+          <p:cNvPr id="7" name="그림 6">
+            <a:extLst>
+              <a:ext uri="{FF2B5EF4-FFF2-40B4-BE49-F238E27FC236}">
+                <a16:creationId xmlns:a16="http://schemas.microsoft.com/office/drawing/2014/main" id="{CBB25F30-324C-4F6E-A9ED-7EB80E2DDCF3}"/>
+              </a:ext>
+            </a:extLst>
+          </p:cNvPr>
+          <p:cNvPicPr>
+            <a:picLocks noChangeAspect="1"/>
+          </p:cNvPicPr>
+          <p:nvPr/>
+        </p:nvPicPr>
+        <p:blipFill>
+          <a:blip r:embed="rId2"/>
+          <a:stretch>
+            <a:fillRect/>
+          </a:stretch>
+        </p:blipFill>
+        <p:spPr>
+          <a:xfrm>
+            <a:off x="2101221" y="333577"/>
+            <a:ext cx="7546212" cy="6190846"/>
+          </a:xfrm>
+          <a:prstGeom prst="rect">
+            <a:avLst/>
+          </a:prstGeom>
+        </p:spPr>
+      </p:pic>
+      <p:sp>
+        <p:nvSpPr>
+          <p:cNvPr id="8" name="타원 7">
+            <a:extLst>
+              <a:ext uri="{FF2B5EF4-FFF2-40B4-BE49-F238E27FC236}">
+                <a16:creationId xmlns:a16="http://schemas.microsoft.com/office/drawing/2014/main" id="{522A156D-2214-4989-B698-12C97FEB54F4}"/>
+              </a:ext>
+            </a:extLst>
+          </p:cNvPr>
+          <p:cNvSpPr/>
+          <p:nvPr/>
+        </p:nvSpPr>
+        <p:spPr>
+          <a:xfrm>
+            <a:off x="3010327" y="1446945"/>
+            <a:ext cx="750013" cy="715763"/>
+          </a:xfrm>
+          <a:prstGeom prst="ellipse">
+            <a:avLst/>
+          </a:prstGeom>
+          <a:noFill/>
+          <a:ln w="76200">
+            <a:solidFill>
+              <a:srgbClr val="C00000"/>
+            </a:solidFill>
+          </a:ln>
+        </p:spPr>
+        <p:style>
+          <a:lnRef idx="2">
+            <a:schemeClr val="accent1">
+              <a:shade val="50000"/>
+            </a:schemeClr>
+          </a:lnRef>
+          <a:fillRef idx="1">
+            <a:schemeClr val="accent1"/>
+          </a:fillRef>
+          <a:effectRef idx="0">
+            <a:schemeClr val="accent1"/>
+          </a:effectRef>
+          <a:fontRef idx="minor">
+            <a:schemeClr val="lt1"/>
+          </a:fontRef>
+        </p:style>
+        <p:txBody>
+          <a:bodyPr rtlCol="0" anchor="ctr"/>
+          <a:lstStyle/>
+          <a:p>
+            <a:pPr algn="ctr"/>
+            <a:endParaRPr lang="en-GB"/>
+          </a:p>
+        </p:txBody>
+      </p:sp>
+      <p:sp>
+        <p:nvSpPr>
+          <p:cNvPr id="9" name="타원 8">
+            <a:extLst>
+              <a:ext uri="{FF2B5EF4-FFF2-40B4-BE49-F238E27FC236}">
+                <a16:creationId xmlns:a16="http://schemas.microsoft.com/office/drawing/2014/main" id="{C770C061-0694-491A-BA6C-B3733F130FB9}"/>
+              </a:ext>
+            </a:extLst>
+          </p:cNvPr>
+          <p:cNvSpPr/>
+          <p:nvPr/>
+        </p:nvSpPr>
+        <p:spPr>
+          <a:xfrm>
+            <a:off x="2741487" y="5118244"/>
+            <a:ext cx="750013" cy="715763"/>
+          </a:xfrm>
+          <a:prstGeom prst="ellipse">
+            <a:avLst/>
+          </a:prstGeom>
+          <a:noFill/>
+          <a:ln w="76200">
+            <a:solidFill>
+              <a:srgbClr val="7030A0"/>
+            </a:solidFill>
+          </a:ln>
+        </p:spPr>
+        <p:style>
+          <a:lnRef idx="2">
+            <a:schemeClr val="accent1">
+              <a:shade val="50000"/>
+            </a:schemeClr>
+          </a:lnRef>
+          <a:fillRef idx="1">
+            <a:schemeClr val="accent1"/>
+          </a:fillRef>
+          <a:effectRef idx="0">
+            <a:schemeClr val="accent1"/>
+          </a:effectRef>
+          <a:fontRef idx="minor">
+            <a:schemeClr val="lt1"/>
+          </a:fontRef>
+        </p:style>
+        <p:txBody>
+          <a:bodyPr rtlCol="0" anchor="ctr"/>
+          <a:lstStyle/>
+          <a:p>
+            <a:pPr algn="ctr"/>
+            <a:endParaRPr lang="en-GB"/>
+          </a:p>
+        </p:txBody>
+      </p:sp>
+      <p:cxnSp>
+        <p:nvCxnSpPr>
+          <p:cNvPr id="11" name="직선 화살표 연결선 10">
+            <a:extLst>
+              <a:ext uri="{FF2B5EF4-FFF2-40B4-BE49-F238E27FC236}">
+                <a16:creationId xmlns:a16="http://schemas.microsoft.com/office/drawing/2014/main" id="{3DF500C3-4789-4CD8-BF52-EED4E1A6054F}"/>
+              </a:ext>
+            </a:extLst>
+          </p:cNvPr>
+          <p:cNvCxnSpPr>
+            <a:stCxn id="8" idx="5"/>
+          </p:cNvCxnSpPr>
+          <p:nvPr/>
+        </p:nvCxnSpPr>
+        <p:spPr>
+          <a:xfrm>
+            <a:off x="3650503" y="2057887"/>
+            <a:ext cx="1476301" cy="1450738"/>
+          </a:xfrm>
+          <a:prstGeom prst="straightConnector1">
+            <a:avLst/>
+          </a:prstGeom>
+          <a:ln w="38100">
+            <a:solidFill>
+              <a:srgbClr val="C00000"/>
+            </a:solidFill>
+            <a:tailEnd type="triangle"/>
+          </a:ln>
+        </p:spPr>
+        <p:style>
+          <a:lnRef idx="1">
+            <a:schemeClr val="accent1"/>
+          </a:lnRef>
+          <a:fillRef idx="0">
+            <a:schemeClr val="accent1"/>
+          </a:fillRef>
+          <a:effectRef idx="0">
+            <a:schemeClr val="accent1"/>
+          </a:effectRef>
+          <a:fontRef idx="minor">
+            <a:schemeClr val="tx1"/>
+          </a:fontRef>
+        </p:style>
+      </p:cxnSp>
+      <p:cxnSp>
+        <p:nvCxnSpPr>
+          <p:cNvPr id="12" name="직선 화살표 연결선 11">
+            <a:extLst>
+              <a:ext uri="{FF2B5EF4-FFF2-40B4-BE49-F238E27FC236}">
+                <a16:creationId xmlns:a16="http://schemas.microsoft.com/office/drawing/2014/main" id="{2D0EF943-A8A4-4F9E-B5A9-A63002C71432}"/>
+              </a:ext>
+            </a:extLst>
+          </p:cNvPr>
+          <p:cNvCxnSpPr>
+            <a:cxnSpLocks/>
+          </p:cNvCxnSpPr>
+          <p:nvPr/>
+        </p:nvCxnSpPr>
+        <p:spPr>
+          <a:xfrm>
+            <a:off x="3595955" y="2057887"/>
+            <a:ext cx="1453793" cy="2257259"/>
+          </a:xfrm>
+          <a:prstGeom prst="straightConnector1">
+            <a:avLst/>
+          </a:prstGeom>
+          <a:ln w="38100">
+            <a:solidFill>
+              <a:srgbClr val="C00000"/>
+            </a:solidFill>
+            <a:tailEnd type="triangle"/>
+          </a:ln>
+        </p:spPr>
+        <p:style>
+          <a:lnRef idx="1">
+            <a:schemeClr val="accent1"/>
+          </a:lnRef>
+          <a:fillRef idx="0">
+            <a:schemeClr val="accent1"/>
+          </a:fillRef>
+          <a:effectRef idx="0">
+            <a:schemeClr val="accent1"/>
+          </a:effectRef>
+          <a:fontRef idx="minor">
+            <a:schemeClr val="tx1"/>
+          </a:fontRef>
+        </p:style>
+      </p:cxnSp>
+      <p:cxnSp>
+        <p:nvCxnSpPr>
+          <p:cNvPr id="15" name="직선 화살표 연결선 14">
+            <a:extLst>
+              <a:ext uri="{FF2B5EF4-FFF2-40B4-BE49-F238E27FC236}">
+                <a16:creationId xmlns:a16="http://schemas.microsoft.com/office/drawing/2014/main" id="{68D541D4-0D98-43B3-B284-B2B9B3876E99}"/>
+              </a:ext>
+            </a:extLst>
+          </p:cNvPr>
+          <p:cNvCxnSpPr>
+            <a:cxnSpLocks/>
+            <a:stCxn id="8" idx="5"/>
+          </p:cNvCxnSpPr>
+          <p:nvPr/>
+        </p:nvCxnSpPr>
+        <p:spPr>
+          <a:xfrm>
+            <a:off x="3650503" y="2057887"/>
+            <a:ext cx="1399245" cy="4270994"/>
+          </a:xfrm>
+          <a:prstGeom prst="straightConnector1">
+            <a:avLst/>
+          </a:prstGeom>
+          <a:ln w="38100">
+            <a:solidFill>
+              <a:srgbClr val="C00000"/>
+            </a:solidFill>
+            <a:tailEnd type="triangle"/>
+          </a:ln>
+        </p:spPr>
+        <p:style>
+          <a:lnRef idx="1">
+            <a:schemeClr val="accent1"/>
+          </a:lnRef>
+          <a:fillRef idx="0">
+            <a:schemeClr val="accent1"/>
+          </a:fillRef>
+          <a:effectRef idx="0">
+            <a:schemeClr val="accent1"/>
+          </a:effectRef>
+          <a:fontRef idx="minor">
+            <a:schemeClr val="tx1"/>
+          </a:fontRef>
+        </p:style>
+      </p:cxnSp>
+      <p:cxnSp>
+        <p:nvCxnSpPr>
+          <p:cNvPr id="19" name="직선 화살표 연결선 18">
+            <a:extLst>
+              <a:ext uri="{FF2B5EF4-FFF2-40B4-BE49-F238E27FC236}">
+                <a16:creationId xmlns:a16="http://schemas.microsoft.com/office/drawing/2014/main" id="{531B2BC3-D9D2-4471-97D9-39CFD5E8CE64}"/>
+              </a:ext>
+            </a:extLst>
+          </p:cNvPr>
+          <p:cNvCxnSpPr>
+            <a:stCxn id="9" idx="0"/>
+            <a:endCxn id="8" idx="4"/>
+          </p:cNvCxnSpPr>
+          <p:nvPr/>
+        </p:nvCxnSpPr>
+        <p:spPr>
+          <a:xfrm flipV="1">
+            <a:off x="3116494" y="2162708"/>
+            <a:ext cx="268840" cy="2955536"/>
+          </a:xfrm>
+          <a:prstGeom prst="straightConnector1">
+            <a:avLst/>
+          </a:prstGeom>
+          <a:ln w="57150">
+            <a:solidFill>
+              <a:srgbClr val="7030A0"/>
+            </a:solidFill>
+            <a:tailEnd type="triangle"/>
+          </a:ln>
+        </p:spPr>
+        <p:style>
+          <a:lnRef idx="1">
+            <a:schemeClr val="accent1"/>
+          </a:lnRef>
+          <a:fillRef idx="0">
+            <a:schemeClr val="accent1"/>
+          </a:fillRef>
+          <a:effectRef idx="0">
+            <a:schemeClr val="accent1"/>
+          </a:effectRef>
+          <a:fontRef idx="minor">
+            <a:schemeClr val="tx1"/>
+          </a:fontRef>
+        </p:style>
+      </p:cxnSp>
+    </p:spTree>
+    <p:extLst>
+      <p:ext uri="{BB962C8B-B14F-4D97-AF65-F5344CB8AC3E}">
+        <p14:creationId xmlns:p14="http://schemas.microsoft.com/office/powerpoint/2010/main" val="2167293864"/>
+      </p:ext>
+    </p:extLst>
+  </p:cSld>
+  <p:clrMapOvr>
+    <a:masterClrMapping/>
+  </p:clrMapOvr>
+</p:sld>
+</file>
+
 <file path=ppt/slides/slide2.xml><?xml version="1.0" encoding="utf-8"?>
 <p:sld xmlns:a="http://schemas.openxmlformats.org/drawingml/2006/main" xmlns:r="http://schemas.openxmlformats.org/officeDocument/2006/relationships" xmlns:p="http://schemas.openxmlformats.org/presentationml/2006/main">
   <p:cSld>

--- a/README.pptx
+++ b/README.pptx
@@ -19,6 +19,7 @@
     <p:sldId id="261" r:id="rId13"/>
     <p:sldId id="265" r:id="rId14"/>
     <p:sldId id="269" r:id="rId15"/>
+    <p:sldId id="270" r:id="rId16"/>
   </p:sldIdLst>
   <p:sldSz cx="12192000" cy="6858000"/>
   <p:notesSz cx="6858000" cy="9144000"/>
@@ -118,6 +119,33 @@
     </a:lvl9pPr>
   </p:defaultTextStyle>
   <p:extLst>
+    <p:ext uri="{521415D9-36F7-43E2-AB2F-B90AF26B5E84}">
+      <p14:sectionLst xmlns:p14="http://schemas.microsoft.com/office/powerpoint/2010/main">
+        <p14:section name="기본 구역" id="{50D356EF-3E8F-4E79-99ED-D6A44C0A5C7D}">
+          <p14:sldIdLst>
+            <p14:sldId id="267"/>
+            <p14:sldId id="268"/>
+            <p14:sldId id="266"/>
+            <p14:sldId id="256"/>
+            <p14:sldId id="257"/>
+            <p14:sldId id="258"/>
+            <p14:sldId id="259"/>
+            <p14:sldId id="260"/>
+            <p14:sldId id="262"/>
+            <p14:sldId id="264"/>
+            <p14:sldId id="263"/>
+            <p14:sldId id="261"/>
+            <p14:sldId id="265"/>
+            <p14:sldId id="269"/>
+          </p14:sldIdLst>
+        </p14:section>
+        <p14:section name="객체지향 사실과 오해" id="{32881033-8ED0-46B0-82FC-5F116BA857DD}">
+          <p14:sldIdLst>
+            <p14:sldId id="270"/>
+          </p14:sldIdLst>
+        </p14:section>
+      </p14:sectionLst>
+    </p:ext>
     <p:ext uri="{EFAFB233-063F-42B5-8137-9DF3F51BA10A}">
       <p15:sldGuideLst xmlns:p15="http://schemas.microsoft.com/office/powerpoint/2012/main"/>
     </p:ext>
@@ -274,7 +302,7 @@
           <a:p>
             <a:fld id="{38343933-294A-4F21-A3F5-6650284E422B}" type="datetimeFigureOut">
               <a:rPr lang="en-GB" smtClean="0"/>
-              <a:t>13/02/2022</a:t>
+              <a:t>19/03/2022</a:t>
             </a:fld>
             <a:endParaRPr lang="en-GB"/>
           </a:p>
@@ -474,7 +502,7 @@
           <a:p>
             <a:fld id="{38343933-294A-4F21-A3F5-6650284E422B}" type="datetimeFigureOut">
               <a:rPr lang="en-GB" smtClean="0"/>
-              <a:t>13/02/2022</a:t>
+              <a:t>19/03/2022</a:t>
             </a:fld>
             <a:endParaRPr lang="en-GB"/>
           </a:p>
@@ -684,7 +712,7 @@
           <a:p>
             <a:fld id="{38343933-294A-4F21-A3F5-6650284E422B}" type="datetimeFigureOut">
               <a:rPr lang="en-GB" smtClean="0"/>
-              <a:t>13/02/2022</a:t>
+              <a:t>19/03/2022</a:t>
             </a:fld>
             <a:endParaRPr lang="en-GB"/>
           </a:p>
@@ -884,7 +912,7 @@
           <a:p>
             <a:fld id="{38343933-294A-4F21-A3F5-6650284E422B}" type="datetimeFigureOut">
               <a:rPr lang="en-GB" smtClean="0"/>
-              <a:t>13/02/2022</a:t>
+              <a:t>19/03/2022</a:t>
             </a:fld>
             <a:endParaRPr lang="en-GB"/>
           </a:p>
@@ -1160,7 +1188,7 @@
           <a:p>
             <a:fld id="{38343933-294A-4F21-A3F5-6650284E422B}" type="datetimeFigureOut">
               <a:rPr lang="en-GB" smtClean="0"/>
-              <a:t>13/02/2022</a:t>
+              <a:t>19/03/2022</a:t>
             </a:fld>
             <a:endParaRPr lang="en-GB"/>
           </a:p>
@@ -1428,7 +1456,7 @@
           <a:p>
             <a:fld id="{38343933-294A-4F21-A3F5-6650284E422B}" type="datetimeFigureOut">
               <a:rPr lang="en-GB" smtClean="0"/>
-              <a:t>13/02/2022</a:t>
+              <a:t>19/03/2022</a:t>
             </a:fld>
             <a:endParaRPr lang="en-GB"/>
           </a:p>
@@ -1843,7 +1871,7 @@
           <a:p>
             <a:fld id="{38343933-294A-4F21-A3F5-6650284E422B}" type="datetimeFigureOut">
               <a:rPr lang="en-GB" smtClean="0"/>
-              <a:t>13/02/2022</a:t>
+              <a:t>19/03/2022</a:t>
             </a:fld>
             <a:endParaRPr lang="en-GB"/>
           </a:p>
@@ -1985,7 +2013,7 @@
           <a:p>
             <a:fld id="{38343933-294A-4F21-A3F5-6650284E422B}" type="datetimeFigureOut">
               <a:rPr lang="en-GB" smtClean="0"/>
-              <a:t>13/02/2022</a:t>
+              <a:t>19/03/2022</a:t>
             </a:fld>
             <a:endParaRPr lang="en-GB"/>
           </a:p>
@@ -2098,7 +2126,7 @@
           <a:p>
             <a:fld id="{38343933-294A-4F21-A3F5-6650284E422B}" type="datetimeFigureOut">
               <a:rPr lang="en-GB" smtClean="0"/>
-              <a:t>13/02/2022</a:t>
+              <a:t>19/03/2022</a:t>
             </a:fld>
             <a:endParaRPr lang="en-GB"/>
           </a:p>
@@ -2411,7 +2439,7 @@
           <a:p>
             <a:fld id="{38343933-294A-4F21-A3F5-6650284E422B}" type="datetimeFigureOut">
               <a:rPr lang="en-GB" smtClean="0"/>
-              <a:t>13/02/2022</a:t>
+              <a:t>19/03/2022</a:t>
             </a:fld>
             <a:endParaRPr lang="en-GB"/>
           </a:p>
@@ -2700,7 +2728,7 @@
           <a:p>
             <a:fld id="{38343933-294A-4F21-A3F5-6650284E422B}" type="datetimeFigureOut">
               <a:rPr lang="en-GB" smtClean="0"/>
-              <a:t>13/02/2022</a:t>
+              <a:t>19/03/2022</a:t>
             </a:fld>
             <a:endParaRPr lang="en-GB"/>
           </a:p>
@@ -2943,7 +2971,7 @@
           <a:p>
             <a:fld id="{38343933-294A-4F21-A3F5-6650284E422B}" type="datetimeFigureOut">
               <a:rPr lang="en-GB" smtClean="0"/>
-              <a:t>13/02/2022</a:t>
+              <a:t>19/03/2022</a:t>
             </a:fld>
             <a:endParaRPr lang="en-GB"/>
           </a:p>
@@ -5192,6 +5220,1617 @@
 </p:sld>
 </file>
 
+<file path=ppt/slides/slide15.xml><?xml version="1.0" encoding="utf-8"?>
+<p:sld xmlns:a="http://schemas.openxmlformats.org/drawingml/2006/main" xmlns:r="http://schemas.openxmlformats.org/officeDocument/2006/relationships" xmlns:p="http://schemas.openxmlformats.org/presentationml/2006/main">
+  <p:cSld>
+    <p:spTree>
+      <p:nvGrpSpPr>
+        <p:cNvPr id="1" name=""/>
+        <p:cNvGrpSpPr/>
+        <p:nvPr/>
+      </p:nvGrpSpPr>
+      <p:grpSpPr>
+        <a:xfrm>
+          <a:off x="0" y="0"/>
+          <a:ext cx="0" cy="0"/>
+          <a:chOff x="0" y="0"/>
+          <a:chExt cx="0" cy="0"/>
+        </a:xfrm>
+      </p:grpSpPr>
+      <p:sp>
+        <p:nvSpPr>
+          <p:cNvPr id="4" name="화살표: 아래쪽 3">
+            <a:extLst>
+              <a:ext uri="{FF2B5EF4-FFF2-40B4-BE49-F238E27FC236}">
+                <a16:creationId xmlns:a16="http://schemas.microsoft.com/office/drawing/2014/main" id="{5610C91E-96A5-4E36-8CEB-AD0E362C35AE}"/>
+              </a:ext>
+            </a:extLst>
+          </p:cNvPr>
+          <p:cNvSpPr/>
+          <p:nvPr/>
+        </p:nvSpPr>
+        <p:spPr>
+          <a:xfrm>
+            <a:off x="4209159" y="467474"/>
+            <a:ext cx="867700" cy="5060023"/>
+          </a:xfrm>
+          <a:prstGeom prst="downArrow">
+            <a:avLst>
+              <a:gd name="adj1" fmla="val 68995"/>
+              <a:gd name="adj2" fmla="val 59497"/>
+            </a:avLst>
+          </a:prstGeom>
+          <a:solidFill>
+            <a:schemeClr val="bg1">
+              <a:lumMod val="95000"/>
+            </a:schemeClr>
+          </a:solidFill>
+          <a:ln>
+            <a:solidFill>
+              <a:schemeClr val="bg1">
+                <a:lumMod val="95000"/>
+              </a:schemeClr>
+            </a:solidFill>
+          </a:ln>
+        </p:spPr>
+        <p:style>
+          <a:lnRef idx="2">
+            <a:schemeClr val="accent1">
+              <a:shade val="50000"/>
+            </a:schemeClr>
+          </a:lnRef>
+          <a:fillRef idx="1">
+            <a:schemeClr val="accent1"/>
+          </a:fillRef>
+          <a:effectRef idx="0">
+            <a:schemeClr val="accent1"/>
+          </a:effectRef>
+          <a:fontRef idx="minor">
+            <a:schemeClr val="lt1"/>
+          </a:fontRef>
+        </p:style>
+        <p:txBody>
+          <a:bodyPr rtlCol="0" anchor="ctr"/>
+          <a:lstStyle/>
+          <a:p>
+            <a:pPr algn="ctr"/>
+            <a:endParaRPr lang="en-GB"/>
+          </a:p>
+        </p:txBody>
+      </p:sp>
+      <p:sp>
+        <p:nvSpPr>
+          <p:cNvPr id="5" name="타원 4">
+            <a:extLst>
+              <a:ext uri="{FF2B5EF4-FFF2-40B4-BE49-F238E27FC236}">
+                <a16:creationId xmlns:a16="http://schemas.microsoft.com/office/drawing/2014/main" id="{673A693F-2C46-4464-AA42-BD3C4EBADB12}"/>
+              </a:ext>
+            </a:extLst>
+          </p:cNvPr>
+          <p:cNvSpPr/>
+          <p:nvPr/>
+        </p:nvSpPr>
+        <p:spPr>
+          <a:xfrm>
+            <a:off x="4157554" y="1522287"/>
+            <a:ext cx="970908" cy="934948"/>
+          </a:xfrm>
+          <a:prstGeom prst="ellipse">
+            <a:avLst/>
+          </a:prstGeom>
+          <a:noFill/>
+          <a:ln w="57150">
+            <a:solidFill>
+              <a:srgbClr val="0070C0"/>
+            </a:solidFill>
+          </a:ln>
+        </p:spPr>
+        <p:style>
+          <a:lnRef idx="2">
+            <a:schemeClr val="accent1">
+              <a:shade val="50000"/>
+            </a:schemeClr>
+          </a:lnRef>
+          <a:fillRef idx="1">
+            <a:schemeClr val="accent1"/>
+          </a:fillRef>
+          <a:effectRef idx="0">
+            <a:schemeClr val="accent1"/>
+          </a:effectRef>
+          <a:fontRef idx="minor">
+            <a:schemeClr val="lt1"/>
+          </a:fontRef>
+        </p:style>
+        <p:txBody>
+          <a:bodyPr rtlCol="0" anchor="ctr"/>
+          <a:lstStyle/>
+          <a:p>
+            <a:pPr algn="ctr"/>
+            <a:r>
+              <a:rPr lang="ko-KR" altLang="en-US" sz="1600" dirty="0">
+                <a:solidFill>
+                  <a:srgbClr val="0070C0"/>
+                </a:solidFill>
+              </a:rPr>
+              <a:t>역할</a:t>
+            </a:r>
+            <a:endParaRPr lang="en-GB" sz="1600" dirty="0">
+              <a:solidFill>
+                <a:srgbClr val="0070C0"/>
+              </a:solidFill>
+            </a:endParaRPr>
+          </a:p>
+        </p:txBody>
+      </p:sp>
+      <p:sp>
+        <p:nvSpPr>
+          <p:cNvPr id="6" name="타원 5">
+            <a:extLst>
+              <a:ext uri="{FF2B5EF4-FFF2-40B4-BE49-F238E27FC236}">
+                <a16:creationId xmlns:a16="http://schemas.microsoft.com/office/drawing/2014/main" id="{F0D3C27C-D3A0-414F-9D0B-EB6ACBE8F8BF}"/>
+              </a:ext>
+            </a:extLst>
+          </p:cNvPr>
+          <p:cNvSpPr/>
+          <p:nvPr/>
+        </p:nvSpPr>
+        <p:spPr>
+          <a:xfrm>
+            <a:off x="2071900" y="3429000"/>
+            <a:ext cx="970908" cy="934948"/>
+          </a:xfrm>
+          <a:prstGeom prst="ellipse">
+            <a:avLst/>
+          </a:prstGeom>
+          <a:noFill/>
+          <a:ln w="57150">
+            <a:solidFill>
+              <a:srgbClr val="7030A0"/>
+            </a:solidFill>
+          </a:ln>
+        </p:spPr>
+        <p:style>
+          <a:lnRef idx="2">
+            <a:schemeClr val="accent1">
+              <a:shade val="50000"/>
+            </a:schemeClr>
+          </a:lnRef>
+          <a:fillRef idx="1">
+            <a:schemeClr val="accent1"/>
+          </a:fillRef>
+          <a:effectRef idx="0">
+            <a:schemeClr val="accent1"/>
+          </a:effectRef>
+          <a:fontRef idx="minor">
+            <a:schemeClr val="lt1"/>
+          </a:fontRef>
+        </p:style>
+        <p:txBody>
+          <a:bodyPr rtlCol="0" anchor="ctr"/>
+          <a:lstStyle/>
+          <a:p>
+            <a:pPr algn="ctr"/>
+            <a:r>
+              <a:rPr lang="ko-KR" altLang="en-US" sz="1600" dirty="0">
+                <a:solidFill>
+                  <a:srgbClr val="7030A0"/>
+                </a:solidFill>
+              </a:rPr>
+              <a:t>사람</a:t>
+            </a:r>
+            <a:endParaRPr lang="en-GB" sz="1600" dirty="0">
+              <a:solidFill>
+                <a:srgbClr val="7030A0"/>
+              </a:solidFill>
+            </a:endParaRPr>
+          </a:p>
+        </p:txBody>
+      </p:sp>
+      <p:sp>
+        <p:nvSpPr>
+          <p:cNvPr id="7" name="타원 6">
+            <a:extLst>
+              <a:ext uri="{FF2B5EF4-FFF2-40B4-BE49-F238E27FC236}">
+                <a16:creationId xmlns:a16="http://schemas.microsoft.com/office/drawing/2014/main" id="{2C200B87-E192-467C-A53A-B370367C5563}"/>
+              </a:ext>
+            </a:extLst>
+          </p:cNvPr>
+          <p:cNvSpPr/>
+          <p:nvPr/>
+        </p:nvSpPr>
+        <p:spPr>
+          <a:xfrm>
+            <a:off x="4157554" y="3429000"/>
+            <a:ext cx="970908" cy="934948"/>
+          </a:xfrm>
+          <a:prstGeom prst="ellipse">
+            <a:avLst/>
+          </a:prstGeom>
+          <a:noFill/>
+          <a:ln w="57150">
+            <a:solidFill>
+              <a:srgbClr val="7030A0"/>
+            </a:solidFill>
+          </a:ln>
+        </p:spPr>
+        <p:style>
+          <a:lnRef idx="2">
+            <a:schemeClr val="accent1">
+              <a:shade val="50000"/>
+            </a:schemeClr>
+          </a:lnRef>
+          <a:fillRef idx="1">
+            <a:schemeClr val="accent1"/>
+          </a:fillRef>
+          <a:effectRef idx="0">
+            <a:schemeClr val="accent1"/>
+          </a:effectRef>
+          <a:fontRef idx="minor">
+            <a:schemeClr val="lt1"/>
+          </a:fontRef>
+        </p:style>
+        <p:txBody>
+          <a:bodyPr rtlCol="0" anchor="ctr"/>
+          <a:lstStyle/>
+          <a:p>
+            <a:pPr algn="ctr"/>
+            <a:r>
+              <a:rPr lang="ko-KR" altLang="en-US" sz="1600" dirty="0">
+                <a:solidFill>
+                  <a:srgbClr val="7030A0"/>
+                </a:solidFill>
+              </a:rPr>
+              <a:t>사람</a:t>
+            </a:r>
+            <a:endParaRPr lang="en-GB" sz="1600" dirty="0">
+              <a:solidFill>
+                <a:srgbClr val="7030A0"/>
+              </a:solidFill>
+            </a:endParaRPr>
+          </a:p>
+        </p:txBody>
+      </p:sp>
+      <p:sp>
+        <p:nvSpPr>
+          <p:cNvPr id="8" name="타원 7">
+            <a:extLst>
+              <a:ext uri="{FF2B5EF4-FFF2-40B4-BE49-F238E27FC236}">
+                <a16:creationId xmlns:a16="http://schemas.microsoft.com/office/drawing/2014/main" id="{7B459C1C-4DE5-48D6-A29A-171F60E3374E}"/>
+              </a:ext>
+            </a:extLst>
+          </p:cNvPr>
+          <p:cNvSpPr/>
+          <p:nvPr/>
+        </p:nvSpPr>
+        <p:spPr>
+          <a:xfrm>
+            <a:off x="6243208" y="3429000"/>
+            <a:ext cx="970908" cy="934948"/>
+          </a:xfrm>
+          <a:prstGeom prst="ellipse">
+            <a:avLst/>
+          </a:prstGeom>
+          <a:noFill/>
+          <a:ln w="57150">
+            <a:solidFill>
+              <a:srgbClr val="7030A0"/>
+            </a:solidFill>
+          </a:ln>
+        </p:spPr>
+        <p:style>
+          <a:lnRef idx="2">
+            <a:schemeClr val="accent1">
+              <a:shade val="50000"/>
+            </a:schemeClr>
+          </a:lnRef>
+          <a:fillRef idx="1">
+            <a:schemeClr val="accent1"/>
+          </a:fillRef>
+          <a:effectRef idx="0">
+            <a:schemeClr val="accent1"/>
+          </a:effectRef>
+          <a:fontRef idx="minor">
+            <a:schemeClr val="lt1"/>
+          </a:fontRef>
+        </p:style>
+        <p:txBody>
+          <a:bodyPr rtlCol="0" anchor="ctr"/>
+          <a:lstStyle/>
+          <a:p>
+            <a:pPr algn="ctr"/>
+            <a:r>
+              <a:rPr lang="ko-KR" altLang="en-US" sz="1600" dirty="0">
+                <a:solidFill>
+                  <a:srgbClr val="7030A0"/>
+                </a:solidFill>
+              </a:rPr>
+              <a:t>사람</a:t>
+            </a:r>
+            <a:endParaRPr lang="en-GB" sz="1600" dirty="0">
+              <a:solidFill>
+                <a:srgbClr val="7030A0"/>
+              </a:solidFill>
+            </a:endParaRPr>
+          </a:p>
+        </p:txBody>
+      </p:sp>
+      <p:cxnSp>
+        <p:nvCxnSpPr>
+          <p:cNvPr id="9" name="직선 화살표 연결선 8">
+            <a:extLst>
+              <a:ext uri="{FF2B5EF4-FFF2-40B4-BE49-F238E27FC236}">
+                <a16:creationId xmlns:a16="http://schemas.microsoft.com/office/drawing/2014/main" id="{ADCEB71C-41FD-4124-B600-A282B58576F3}"/>
+              </a:ext>
+            </a:extLst>
+          </p:cNvPr>
+          <p:cNvCxnSpPr>
+            <a:stCxn id="7" idx="0"/>
+            <a:endCxn id="5" idx="4"/>
+          </p:cNvCxnSpPr>
+          <p:nvPr/>
+        </p:nvCxnSpPr>
+        <p:spPr>
+          <a:xfrm flipV="1">
+            <a:off x="4643008" y="2457235"/>
+            <a:ext cx="0" cy="971765"/>
+          </a:xfrm>
+          <a:prstGeom prst="straightConnector1">
+            <a:avLst/>
+          </a:prstGeom>
+          <a:ln>
+            <a:solidFill>
+              <a:srgbClr val="7030A0"/>
+            </a:solidFill>
+            <a:tailEnd type="triangle"/>
+          </a:ln>
+        </p:spPr>
+        <p:style>
+          <a:lnRef idx="1">
+            <a:schemeClr val="accent1"/>
+          </a:lnRef>
+          <a:fillRef idx="0">
+            <a:schemeClr val="accent1"/>
+          </a:fillRef>
+          <a:effectRef idx="0">
+            <a:schemeClr val="accent1"/>
+          </a:effectRef>
+          <a:fontRef idx="minor">
+            <a:schemeClr val="tx1"/>
+          </a:fontRef>
+        </p:style>
+      </p:cxnSp>
+      <p:cxnSp>
+        <p:nvCxnSpPr>
+          <p:cNvPr id="10" name="직선 화살표 연결선 9">
+            <a:extLst>
+              <a:ext uri="{FF2B5EF4-FFF2-40B4-BE49-F238E27FC236}">
+                <a16:creationId xmlns:a16="http://schemas.microsoft.com/office/drawing/2014/main" id="{05711FDB-AB0A-435D-98A5-A3CE2A150B97}"/>
+              </a:ext>
+            </a:extLst>
+          </p:cNvPr>
+          <p:cNvCxnSpPr>
+            <a:stCxn id="8" idx="0"/>
+            <a:endCxn id="5" idx="5"/>
+          </p:cNvCxnSpPr>
+          <p:nvPr/>
+        </p:nvCxnSpPr>
+        <p:spPr>
+          <a:xfrm flipH="1" flipV="1">
+            <a:off x="4986276" y="2320315"/>
+            <a:ext cx="1742386" cy="1108685"/>
+          </a:xfrm>
+          <a:prstGeom prst="straightConnector1">
+            <a:avLst/>
+          </a:prstGeom>
+          <a:ln>
+            <a:solidFill>
+              <a:srgbClr val="7030A0"/>
+            </a:solidFill>
+            <a:tailEnd type="triangle"/>
+          </a:ln>
+        </p:spPr>
+        <p:style>
+          <a:lnRef idx="1">
+            <a:schemeClr val="accent1"/>
+          </a:lnRef>
+          <a:fillRef idx="0">
+            <a:schemeClr val="accent1"/>
+          </a:fillRef>
+          <a:effectRef idx="0">
+            <a:schemeClr val="accent1"/>
+          </a:effectRef>
+          <a:fontRef idx="minor">
+            <a:schemeClr val="tx1"/>
+          </a:fontRef>
+        </p:style>
+      </p:cxnSp>
+      <p:sp>
+        <p:nvSpPr>
+          <p:cNvPr id="11" name="TextBox 10">
+            <a:extLst>
+              <a:ext uri="{FF2B5EF4-FFF2-40B4-BE49-F238E27FC236}">
+                <a16:creationId xmlns:a16="http://schemas.microsoft.com/office/drawing/2014/main" id="{117476EF-8FD0-468E-AC73-2A8BAAECD510}"/>
+              </a:ext>
+            </a:extLst>
+          </p:cNvPr>
+          <p:cNvSpPr txBox="1"/>
+          <p:nvPr/>
+        </p:nvSpPr>
+        <p:spPr>
+          <a:xfrm>
+            <a:off x="2881949" y="2807638"/>
+            <a:ext cx="3522118" cy="307777"/>
+          </a:xfrm>
+          <a:prstGeom prst="rect">
+            <a:avLst/>
+          </a:prstGeom>
+          <a:noFill/>
+        </p:spPr>
+        <p:txBody>
+          <a:bodyPr wrap="none" rtlCol="0">
+            <a:spAutoFit/>
+          </a:bodyPr>
+          <a:lstStyle/>
+          <a:p>
+            <a:r>
+              <a:rPr lang="ko-KR" altLang="en-US" sz="1400" b="1" dirty="0">
+                <a:solidFill>
+                  <a:srgbClr val="7030A0"/>
+                </a:solidFill>
+              </a:rPr>
+              <a:t>여러 사람이 동일한 역할을 수행할 수 있다</a:t>
+            </a:r>
+            <a:r>
+              <a:rPr lang="en-GB" altLang="ko-KR" sz="1400" b="1" dirty="0">
+                <a:solidFill>
+                  <a:srgbClr val="7030A0"/>
+                </a:solidFill>
+              </a:rPr>
+              <a:t>.</a:t>
+            </a:r>
+            <a:endParaRPr lang="en-GB" sz="1400" b="1" dirty="0">
+              <a:solidFill>
+                <a:srgbClr val="7030A0"/>
+              </a:solidFill>
+            </a:endParaRPr>
+          </a:p>
+        </p:txBody>
+      </p:sp>
+      <p:sp>
+        <p:nvSpPr>
+          <p:cNvPr id="12" name="TextBox 11">
+            <a:extLst>
+              <a:ext uri="{FF2B5EF4-FFF2-40B4-BE49-F238E27FC236}">
+                <a16:creationId xmlns:a16="http://schemas.microsoft.com/office/drawing/2014/main" id="{904AC39B-A843-4105-88F5-056C0B626FBC}"/>
+              </a:ext>
+            </a:extLst>
+          </p:cNvPr>
+          <p:cNvSpPr txBox="1"/>
+          <p:nvPr/>
+        </p:nvSpPr>
+        <p:spPr>
+          <a:xfrm>
+            <a:off x="1412830" y="1577405"/>
+            <a:ext cx="2683748" cy="307777"/>
+          </a:xfrm>
+          <a:prstGeom prst="rect">
+            <a:avLst/>
+          </a:prstGeom>
+          <a:noFill/>
+        </p:spPr>
+        <p:txBody>
+          <a:bodyPr wrap="none" rtlCol="0">
+            <a:spAutoFit/>
+          </a:bodyPr>
+          <a:lstStyle/>
+          <a:p>
+            <a:r>
+              <a:rPr lang="ko-KR" altLang="en-US" sz="1400" b="1" dirty="0">
+                <a:solidFill>
+                  <a:srgbClr val="0070C0"/>
+                </a:solidFill>
+              </a:rPr>
+              <a:t>역할은 대체 가능성을 의미한다</a:t>
+            </a:r>
+            <a:r>
+              <a:rPr lang="en-GB" altLang="ko-KR" sz="1400" b="1" dirty="0">
+                <a:solidFill>
+                  <a:srgbClr val="0070C0"/>
+                </a:solidFill>
+              </a:rPr>
+              <a:t>.</a:t>
+            </a:r>
+            <a:endParaRPr lang="en-GB" sz="1400" b="1" dirty="0">
+              <a:solidFill>
+                <a:srgbClr val="0070C0"/>
+              </a:solidFill>
+            </a:endParaRPr>
+          </a:p>
+        </p:txBody>
+      </p:sp>
+      <p:cxnSp>
+        <p:nvCxnSpPr>
+          <p:cNvPr id="13" name="연결선: 꺾임 12">
+            <a:extLst>
+              <a:ext uri="{FF2B5EF4-FFF2-40B4-BE49-F238E27FC236}">
+                <a16:creationId xmlns:a16="http://schemas.microsoft.com/office/drawing/2014/main" id="{FAEE878F-B61B-4296-9EEC-76A7DE2F790C}"/>
+              </a:ext>
+            </a:extLst>
+          </p:cNvPr>
+          <p:cNvCxnSpPr>
+            <a:cxnSpLocks/>
+            <a:stCxn id="5" idx="6"/>
+            <a:endCxn id="29" idx="0"/>
+          </p:cNvCxnSpPr>
+          <p:nvPr/>
+        </p:nvCxnSpPr>
+        <p:spPr>
+          <a:xfrm>
+            <a:off x="5128462" y="1989761"/>
+            <a:ext cx="1548600" cy="1439239"/>
+          </a:xfrm>
+          <a:prstGeom prst="bentConnector2">
+            <a:avLst/>
+          </a:prstGeom>
+          <a:ln>
+            <a:solidFill>
+              <a:srgbClr val="0070C0"/>
+            </a:solidFill>
+            <a:prstDash val="lgDash"/>
+            <a:tailEnd type="triangle"/>
+          </a:ln>
+        </p:spPr>
+        <p:style>
+          <a:lnRef idx="1">
+            <a:schemeClr val="accent1"/>
+          </a:lnRef>
+          <a:fillRef idx="0">
+            <a:schemeClr val="accent1"/>
+          </a:fillRef>
+          <a:effectRef idx="0">
+            <a:schemeClr val="accent1"/>
+          </a:effectRef>
+          <a:fontRef idx="minor">
+            <a:schemeClr val="tx1"/>
+          </a:fontRef>
+        </p:style>
+      </p:cxnSp>
+      <p:cxnSp>
+        <p:nvCxnSpPr>
+          <p:cNvPr id="14" name="연결선: 꺾임 13">
+            <a:extLst>
+              <a:ext uri="{FF2B5EF4-FFF2-40B4-BE49-F238E27FC236}">
+                <a16:creationId xmlns:a16="http://schemas.microsoft.com/office/drawing/2014/main" id="{44E552A7-55EA-4419-AEF4-57AE463D087D}"/>
+              </a:ext>
+            </a:extLst>
+          </p:cNvPr>
+          <p:cNvCxnSpPr>
+            <a:cxnSpLocks/>
+            <a:stCxn id="5" idx="2"/>
+            <a:endCxn id="6" idx="0"/>
+          </p:cNvCxnSpPr>
+          <p:nvPr/>
+        </p:nvCxnSpPr>
+        <p:spPr>
+          <a:xfrm rot="10800000" flipV="1">
+            <a:off x="2557354" y="1989760"/>
+            <a:ext cx="1600200" cy="1439239"/>
+          </a:xfrm>
+          <a:prstGeom prst="bentConnector2">
+            <a:avLst/>
+          </a:prstGeom>
+          <a:ln>
+            <a:solidFill>
+              <a:srgbClr val="0070C0"/>
+            </a:solidFill>
+            <a:prstDash val="lgDash"/>
+            <a:tailEnd type="triangle"/>
+          </a:ln>
+        </p:spPr>
+        <p:style>
+          <a:lnRef idx="1">
+            <a:schemeClr val="accent1"/>
+          </a:lnRef>
+          <a:fillRef idx="0">
+            <a:schemeClr val="accent1"/>
+          </a:fillRef>
+          <a:effectRef idx="0">
+            <a:schemeClr val="accent1"/>
+          </a:effectRef>
+          <a:fontRef idx="minor">
+            <a:schemeClr val="tx1"/>
+          </a:fontRef>
+        </p:style>
+      </p:cxnSp>
+      <p:cxnSp>
+        <p:nvCxnSpPr>
+          <p:cNvPr id="15" name="직선 화살표 연결선 14">
+            <a:extLst>
+              <a:ext uri="{FF2B5EF4-FFF2-40B4-BE49-F238E27FC236}">
+                <a16:creationId xmlns:a16="http://schemas.microsoft.com/office/drawing/2014/main" id="{072C7995-8FF5-4ED9-8C02-2520A617F135}"/>
+              </a:ext>
+            </a:extLst>
+          </p:cNvPr>
+          <p:cNvCxnSpPr>
+            <a:cxnSpLocks/>
+          </p:cNvCxnSpPr>
+          <p:nvPr/>
+        </p:nvCxnSpPr>
+        <p:spPr>
+          <a:xfrm flipH="1">
+            <a:off x="4744893" y="2494052"/>
+            <a:ext cx="18807" cy="934947"/>
+          </a:xfrm>
+          <a:prstGeom prst="straightConnector1">
+            <a:avLst/>
+          </a:prstGeom>
+          <a:ln>
+            <a:solidFill>
+              <a:srgbClr val="0070C0"/>
+            </a:solidFill>
+            <a:prstDash val="lgDash"/>
+            <a:tailEnd type="triangle"/>
+          </a:ln>
+        </p:spPr>
+        <p:style>
+          <a:lnRef idx="1">
+            <a:schemeClr val="accent1"/>
+          </a:lnRef>
+          <a:fillRef idx="0">
+            <a:schemeClr val="accent1"/>
+          </a:fillRef>
+          <a:effectRef idx="0">
+            <a:schemeClr val="accent1"/>
+          </a:effectRef>
+          <a:fontRef idx="minor">
+            <a:schemeClr val="tx1"/>
+          </a:fontRef>
+        </p:style>
+      </p:cxnSp>
+      <p:cxnSp>
+        <p:nvCxnSpPr>
+          <p:cNvPr id="16" name="직선 화살표 연결선 15">
+            <a:extLst>
+              <a:ext uri="{FF2B5EF4-FFF2-40B4-BE49-F238E27FC236}">
+                <a16:creationId xmlns:a16="http://schemas.microsoft.com/office/drawing/2014/main" id="{496F9DEA-6E17-4FED-87D3-35E140B0A9F7}"/>
+              </a:ext>
+            </a:extLst>
+          </p:cNvPr>
+          <p:cNvCxnSpPr>
+            <a:cxnSpLocks/>
+            <a:stCxn id="6" idx="4"/>
+            <a:endCxn id="23" idx="0"/>
+          </p:cNvCxnSpPr>
+          <p:nvPr/>
+        </p:nvCxnSpPr>
+        <p:spPr>
+          <a:xfrm>
+            <a:off x="2557354" y="4363948"/>
+            <a:ext cx="0" cy="562490"/>
+          </a:xfrm>
+          <a:prstGeom prst="straightConnector1">
+            <a:avLst/>
+          </a:prstGeom>
+          <a:ln w="38100">
+            <a:solidFill>
+              <a:schemeClr val="tx1"/>
+            </a:solidFill>
+            <a:tailEnd type="triangle"/>
+          </a:ln>
+        </p:spPr>
+        <p:style>
+          <a:lnRef idx="1">
+            <a:schemeClr val="accent1"/>
+          </a:lnRef>
+          <a:fillRef idx="0">
+            <a:schemeClr val="accent1"/>
+          </a:fillRef>
+          <a:effectRef idx="0">
+            <a:schemeClr val="accent1"/>
+          </a:effectRef>
+          <a:fontRef idx="minor">
+            <a:schemeClr val="tx1"/>
+          </a:fontRef>
+        </p:style>
+      </p:cxnSp>
+      <p:sp>
+        <p:nvSpPr>
+          <p:cNvPr id="17" name="TextBox 16">
+            <a:extLst>
+              <a:ext uri="{FF2B5EF4-FFF2-40B4-BE49-F238E27FC236}">
+                <a16:creationId xmlns:a16="http://schemas.microsoft.com/office/drawing/2014/main" id="{861D746C-EB45-4DCC-B5C9-798B80EAEF33}"/>
+              </a:ext>
+            </a:extLst>
+          </p:cNvPr>
+          <p:cNvSpPr txBox="1"/>
+          <p:nvPr/>
+        </p:nvSpPr>
+        <p:spPr>
+          <a:xfrm>
+            <a:off x="2522877" y="5159719"/>
+            <a:ext cx="4240263" cy="307777"/>
+          </a:xfrm>
+          <a:prstGeom prst="rect">
+            <a:avLst/>
+          </a:prstGeom>
+          <a:noFill/>
+        </p:spPr>
+        <p:txBody>
+          <a:bodyPr wrap="none" rtlCol="0">
+            <a:spAutoFit/>
+          </a:bodyPr>
+          <a:lstStyle/>
+          <a:p>
+            <a:r>
+              <a:rPr lang="ko-KR" altLang="en-US" sz="1400" b="1" dirty="0"/>
+              <a:t>책임을 수행하는 방법은 자율적으로 선택할 수 있다</a:t>
+            </a:r>
+            <a:r>
+              <a:rPr lang="en-GB" altLang="ko-KR" sz="1400" b="1" dirty="0"/>
+              <a:t>.</a:t>
+            </a:r>
+            <a:endParaRPr lang="en-GB" sz="1400" b="1" dirty="0"/>
+          </a:p>
+        </p:txBody>
+      </p:sp>
+      <p:cxnSp>
+        <p:nvCxnSpPr>
+          <p:cNvPr id="18" name="직선 화살표 연결선 17">
+            <a:extLst>
+              <a:ext uri="{FF2B5EF4-FFF2-40B4-BE49-F238E27FC236}">
+                <a16:creationId xmlns:a16="http://schemas.microsoft.com/office/drawing/2014/main" id="{ABE42603-D505-45B3-9292-BC4E00C620C8}"/>
+              </a:ext>
+            </a:extLst>
+          </p:cNvPr>
+          <p:cNvCxnSpPr>
+            <a:cxnSpLocks/>
+            <a:stCxn id="7" idx="4"/>
+            <a:endCxn id="24" idx="0"/>
+          </p:cNvCxnSpPr>
+          <p:nvPr/>
+        </p:nvCxnSpPr>
+        <p:spPr>
+          <a:xfrm flipH="1">
+            <a:off x="4643007" y="4363948"/>
+            <a:ext cx="1" cy="569717"/>
+          </a:xfrm>
+          <a:prstGeom prst="straightConnector1">
+            <a:avLst/>
+          </a:prstGeom>
+          <a:ln w="38100">
+            <a:solidFill>
+              <a:schemeClr val="tx1"/>
+            </a:solidFill>
+            <a:tailEnd type="triangle"/>
+          </a:ln>
+        </p:spPr>
+        <p:style>
+          <a:lnRef idx="1">
+            <a:schemeClr val="accent1"/>
+          </a:lnRef>
+          <a:fillRef idx="0">
+            <a:schemeClr val="accent1"/>
+          </a:fillRef>
+          <a:effectRef idx="0">
+            <a:schemeClr val="accent1"/>
+          </a:effectRef>
+          <a:fontRef idx="minor">
+            <a:schemeClr val="tx1"/>
+          </a:fontRef>
+        </p:style>
+      </p:cxnSp>
+      <p:cxnSp>
+        <p:nvCxnSpPr>
+          <p:cNvPr id="19" name="직선 화살표 연결선 18">
+            <a:extLst>
+              <a:ext uri="{FF2B5EF4-FFF2-40B4-BE49-F238E27FC236}">
+                <a16:creationId xmlns:a16="http://schemas.microsoft.com/office/drawing/2014/main" id="{5953862C-3072-4DC1-A8F0-031FB07977E2}"/>
+              </a:ext>
+            </a:extLst>
+          </p:cNvPr>
+          <p:cNvCxnSpPr>
+            <a:cxnSpLocks/>
+            <a:stCxn id="8" idx="4"/>
+            <a:endCxn id="25" idx="0"/>
+          </p:cNvCxnSpPr>
+          <p:nvPr/>
+        </p:nvCxnSpPr>
+        <p:spPr>
+          <a:xfrm flipH="1">
+            <a:off x="6728658" y="4363948"/>
+            <a:ext cx="4" cy="569716"/>
+          </a:xfrm>
+          <a:prstGeom prst="straightConnector1">
+            <a:avLst/>
+          </a:prstGeom>
+          <a:ln w="38100">
+            <a:solidFill>
+              <a:schemeClr val="tx1"/>
+            </a:solidFill>
+            <a:tailEnd type="triangle"/>
+          </a:ln>
+        </p:spPr>
+        <p:style>
+          <a:lnRef idx="1">
+            <a:schemeClr val="accent1"/>
+          </a:lnRef>
+          <a:fillRef idx="0">
+            <a:schemeClr val="accent1"/>
+          </a:fillRef>
+          <a:effectRef idx="0">
+            <a:schemeClr val="accent1"/>
+          </a:effectRef>
+          <a:fontRef idx="minor">
+            <a:schemeClr val="tx1"/>
+          </a:fontRef>
+        </p:style>
+      </p:cxnSp>
+      <p:sp>
+        <p:nvSpPr>
+          <p:cNvPr id="20" name="TextBox 19">
+            <a:extLst>
+              <a:ext uri="{FF2B5EF4-FFF2-40B4-BE49-F238E27FC236}">
+                <a16:creationId xmlns:a16="http://schemas.microsoft.com/office/drawing/2014/main" id="{69290C35-DAA3-40D0-A7EB-6AA9744EB78B}"/>
+              </a:ext>
+            </a:extLst>
+          </p:cNvPr>
+          <p:cNvSpPr txBox="1"/>
+          <p:nvPr/>
+        </p:nvSpPr>
+        <p:spPr>
+          <a:xfrm>
+            <a:off x="4319842" y="601226"/>
+            <a:ext cx="646331" cy="369332"/>
+          </a:xfrm>
+          <a:prstGeom prst="rect">
+            <a:avLst/>
+          </a:prstGeom>
+          <a:noFill/>
+        </p:spPr>
+        <p:txBody>
+          <a:bodyPr wrap="none" rtlCol="0">
+            <a:spAutoFit/>
+          </a:bodyPr>
+          <a:lstStyle/>
+          <a:p>
+            <a:r>
+              <a:rPr lang="ko-KR" altLang="en-US" b="1" dirty="0"/>
+              <a:t>요청</a:t>
+            </a:r>
+            <a:endParaRPr lang="en-GB" b="1" dirty="0"/>
+          </a:p>
+        </p:txBody>
+      </p:sp>
+      <p:sp>
+        <p:nvSpPr>
+          <p:cNvPr id="21" name="TextBox 20">
+            <a:extLst>
+              <a:ext uri="{FF2B5EF4-FFF2-40B4-BE49-F238E27FC236}">
+                <a16:creationId xmlns:a16="http://schemas.microsoft.com/office/drawing/2014/main" id="{A8711A64-B97C-4C74-A0C0-DE7167AD479E}"/>
+              </a:ext>
+            </a:extLst>
+          </p:cNvPr>
+          <p:cNvSpPr txBox="1"/>
+          <p:nvPr/>
+        </p:nvSpPr>
+        <p:spPr>
+          <a:xfrm>
+            <a:off x="484439" y="4484834"/>
+            <a:ext cx="2060179" cy="276999"/>
+          </a:xfrm>
+          <a:prstGeom prst="rect">
+            <a:avLst/>
+          </a:prstGeom>
+          <a:noFill/>
+        </p:spPr>
+        <p:txBody>
+          <a:bodyPr wrap="none" rtlCol="0">
+            <a:spAutoFit/>
+          </a:bodyPr>
+          <a:lstStyle/>
+          <a:p>
+            <a:r>
+              <a:rPr lang="ko-KR" altLang="en-US" sz="1200" dirty="0"/>
+              <a:t>책임 </a:t>
+            </a:r>
+            <a:r>
+              <a:rPr lang="en-GB" altLang="ko-KR" sz="1200" dirty="0"/>
+              <a:t>: </a:t>
+            </a:r>
+            <a:r>
+              <a:rPr lang="ko-KR" altLang="en-US" sz="1200" dirty="0"/>
+              <a:t>요청을 처리하는 방법</a:t>
+            </a:r>
+            <a:endParaRPr lang="en-GB" sz="1200" dirty="0"/>
+          </a:p>
+        </p:txBody>
+      </p:sp>
+      <p:cxnSp>
+        <p:nvCxnSpPr>
+          <p:cNvPr id="22" name="직선 화살표 연결선 21">
+            <a:extLst>
+              <a:ext uri="{FF2B5EF4-FFF2-40B4-BE49-F238E27FC236}">
+                <a16:creationId xmlns:a16="http://schemas.microsoft.com/office/drawing/2014/main" id="{592ECCA0-E47B-42DB-96DD-7499DBF8DF60}"/>
+              </a:ext>
+            </a:extLst>
+          </p:cNvPr>
+          <p:cNvCxnSpPr>
+            <a:stCxn id="20" idx="2"/>
+            <a:endCxn id="5" idx="0"/>
+          </p:cNvCxnSpPr>
+          <p:nvPr/>
+        </p:nvCxnSpPr>
+        <p:spPr>
+          <a:xfrm>
+            <a:off x="4643008" y="970558"/>
+            <a:ext cx="0" cy="551729"/>
+          </a:xfrm>
+          <a:prstGeom prst="straightConnector1">
+            <a:avLst/>
+          </a:prstGeom>
+          <a:ln w="38100">
+            <a:solidFill>
+              <a:schemeClr val="tx1"/>
+            </a:solidFill>
+            <a:tailEnd type="triangle"/>
+          </a:ln>
+        </p:spPr>
+        <p:style>
+          <a:lnRef idx="1">
+            <a:schemeClr val="accent1"/>
+          </a:lnRef>
+          <a:fillRef idx="0">
+            <a:schemeClr val="accent1"/>
+          </a:fillRef>
+          <a:effectRef idx="0">
+            <a:schemeClr val="accent1"/>
+          </a:effectRef>
+          <a:fontRef idx="minor">
+            <a:schemeClr val="tx1"/>
+          </a:fontRef>
+        </p:style>
+      </p:cxnSp>
+      <p:sp>
+        <p:nvSpPr>
+          <p:cNvPr id="23" name="직사각형 22">
+            <a:extLst>
+              <a:ext uri="{FF2B5EF4-FFF2-40B4-BE49-F238E27FC236}">
+                <a16:creationId xmlns:a16="http://schemas.microsoft.com/office/drawing/2014/main" id="{9E6EC36E-158B-4F44-85E9-B6F149AEB07D}"/>
+              </a:ext>
+            </a:extLst>
+          </p:cNvPr>
+          <p:cNvSpPr/>
+          <p:nvPr/>
+        </p:nvSpPr>
+        <p:spPr>
+          <a:xfrm>
+            <a:off x="2428927" y="4926438"/>
+            <a:ext cx="256853" cy="200141"/>
+          </a:xfrm>
+          <a:prstGeom prst="rect">
+            <a:avLst/>
+          </a:prstGeom>
+          <a:noFill/>
+          <a:ln>
+            <a:noFill/>
+          </a:ln>
+        </p:spPr>
+        <p:style>
+          <a:lnRef idx="2">
+            <a:schemeClr val="accent1">
+              <a:shade val="50000"/>
+            </a:schemeClr>
+          </a:lnRef>
+          <a:fillRef idx="1">
+            <a:schemeClr val="accent1"/>
+          </a:fillRef>
+          <a:effectRef idx="0">
+            <a:schemeClr val="accent1"/>
+          </a:effectRef>
+          <a:fontRef idx="minor">
+            <a:schemeClr val="lt1"/>
+          </a:fontRef>
+        </p:style>
+        <p:txBody>
+          <a:bodyPr rtlCol="0" anchor="ctr"/>
+          <a:lstStyle/>
+          <a:p>
+            <a:pPr algn="ctr"/>
+            <a:endParaRPr lang="en-GB"/>
+          </a:p>
+        </p:txBody>
+      </p:sp>
+      <p:sp>
+        <p:nvSpPr>
+          <p:cNvPr id="24" name="직사각형 23">
+            <a:extLst>
+              <a:ext uri="{FF2B5EF4-FFF2-40B4-BE49-F238E27FC236}">
+                <a16:creationId xmlns:a16="http://schemas.microsoft.com/office/drawing/2014/main" id="{C5DCBC3D-EC37-4759-B452-53CA729B017A}"/>
+              </a:ext>
+            </a:extLst>
+          </p:cNvPr>
+          <p:cNvSpPr/>
+          <p:nvPr/>
+        </p:nvSpPr>
+        <p:spPr>
+          <a:xfrm>
+            <a:off x="4514580" y="4933665"/>
+            <a:ext cx="256853" cy="200141"/>
+          </a:xfrm>
+          <a:prstGeom prst="rect">
+            <a:avLst/>
+          </a:prstGeom>
+          <a:noFill/>
+          <a:ln>
+            <a:noFill/>
+          </a:ln>
+        </p:spPr>
+        <p:style>
+          <a:lnRef idx="2">
+            <a:schemeClr val="accent1">
+              <a:shade val="50000"/>
+            </a:schemeClr>
+          </a:lnRef>
+          <a:fillRef idx="1">
+            <a:schemeClr val="accent1"/>
+          </a:fillRef>
+          <a:effectRef idx="0">
+            <a:schemeClr val="accent1"/>
+          </a:effectRef>
+          <a:fontRef idx="minor">
+            <a:schemeClr val="lt1"/>
+          </a:fontRef>
+        </p:style>
+        <p:txBody>
+          <a:bodyPr rtlCol="0" anchor="ctr"/>
+          <a:lstStyle/>
+          <a:p>
+            <a:pPr algn="ctr"/>
+            <a:endParaRPr lang="en-GB"/>
+          </a:p>
+        </p:txBody>
+      </p:sp>
+      <p:sp>
+        <p:nvSpPr>
+          <p:cNvPr id="25" name="직사각형 24">
+            <a:extLst>
+              <a:ext uri="{FF2B5EF4-FFF2-40B4-BE49-F238E27FC236}">
+                <a16:creationId xmlns:a16="http://schemas.microsoft.com/office/drawing/2014/main" id="{FACA3D51-A0F7-4E20-B233-EA4314DA72FD}"/>
+              </a:ext>
+            </a:extLst>
+          </p:cNvPr>
+          <p:cNvSpPr/>
+          <p:nvPr/>
+        </p:nvSpPr>
+        <p:spPr>
+          <a:xfrm>
+            <a:off x="6600231" y="4933664"/>
+            <a:ext cx="256853" cy="200141"/>
+          </a:xfrm>
+          <a:prstGeom prst="rect">
+            <a:avLst/>
+          </a:prstGeom>
+          <a:noFill/>
+          <a:ln>
+            <a:noFill/>
+          </a:ln>
+        </p:spPr>
+        <p:style>
+          <a:lnRef idx="2">
+            <a:schemeClr val="accent1">
+              <a:shade val="50000"/>
+            </a:schemeClr>
+          </a:lnRef>
+          <a:fillRef idx="1">
+            <a:schemeClr val="accent1"/>
+          </a:fillRef>
+          <a:effectRef idx="0">
+            <a:schemeClr val="accent1"/>
+          </a:effectRef>
+          <a:fontRef idx="minor">
+            <a:schemeClr val="lt1"/>
+          </a:fontRef>
+        </p:style>
+        <p:txBody>
+          <a:bodyPr rtlCol="0" anchor="ctr"/>
+          <a:lstStyle/>
+          <a:p>
+            <a:pPr algn="ctr"/>
+            <a:endParaRPr lang="en-GB"/>
+          </a:p>
+        </p:txBody>
+      </p:sp>
+      <p:sp>
+        <p:nvSpPr>
+          <p:cNvPr id="26" name="타원 25">
+            <a:extLst>
+              <a:ext uri="{FF2B5EF4-FFF2-40B4-BE49-F238E27FC236}">
+                <a16:creationId xmlns:a16="http://schemas.microsoft.com/office/drawing/2014/main" id="{CF80DE0E-B131-4F54-97AC-CD6949F808E3}"/>
+              </a:ext>
+            </a:extLst>
+          </p:cNvPr>
+          <p:cNvSpPr/>
+          <p:nvPr/>
+        </p:nvSpPr>
+        <p:spPr>
+          <a:xfrm>
+            <a:off x="9534363" y="1522287"/>
+            <a:ext cx="970908" cy="934948"/>
+          </a:xfrm>
+          <a:prstGeom prst="ellipse">
+            <a:avLst/>
+          </a:prstGeom>
+          <a:noFill/>
+          <a:ln w="57150">
+            <a:solidFill>
+              <a:srgbClr val="0070C0"/>
+            </a:solidFill>
+          </a:ln>
+        </p:spPr>
+        <p:style>
+          <a:lnRef idx="2">
+            <a:schemeClr val="accent1">
+              <a:shade val="50000"/>
+            </a:schemeClr>
+          </a:lnRef>
+          <a:fillRef idx="1">
+            <a:schemeClr val="accent1"/>
+          </a:fillRef>
+          <a:effectRef idx="0">
+            <a:schemeClr val="accent1"/>
+          </a:effectRef>
+          <a:fontRef idx="minor">
+            <a:schemeClr val="lt1"/>
+          </a:fontRef>
+        </p:style>
+        <p:txBody>
+          <a:bodyPr rtlCol="0" anchor="ctr"/>
+          <a:lstStyle/>
+          <a:p>
+            <a:pPr algn="ctr"/>
+            <a:r>
+              <a:rPr lang="ko-KR" altLang="en-US" sz="1600" dirty="0">
+                <a:solidFill>
+                  <a:srgbClr val="0070C0"/>
+                </a:solidFill>
+              </a:rPr>
+              <a:t>역할</a:t>
+            </a:r>
+            <a:endParaRPr lang="en-GB" sz="1600" dirty="0">
+              <a:solidFill>
+                <a:srgbClr val="0070C0"/>
+              </a:solidFill>
+            </a:endParaRPr>
+          </a:p>
+        </p:txBody>
+      </p:sp>
+      <p:cxnSp>
+        <p:nvCxnSpPr>
+          <p:cNvPr id="27" name="연결선: 꺾임 26">
+            <a:extLst>
+              <a:ext uri="{FF2B5EF4-FFF2-40B4-BE49-F238E27FC236}">
+                <a16:creationId xmlns:a16="http://schemas.microsoft.com/office/drawing/2014/main" id="{BA6FF4EC-B21E-45A1-A714-334F211655A5}"/>
+              </a:ext>
+            </a:extLst>
+          </p:cNvPr>
+          <p:cNvCxnSpPr>
+            <a:cxnSpLocks/>
+            <a:stCxn id="26" idx="2"/>
+            <a:endCxn id="30" idx="0"/>
+          </p:cNvCxnSpPr>
+          <p:nvPr/>
+        </p:nvCxnSpPr>
+        <p:spPr>
+          <a:xfrm rot="10800000" flipV="1">
+            <a:off x="6780263" y="1989760"/>
+            <a:ext cx="2754100" cy="1439239"/>
+          </a:xfrm>
+          <a:prstGeom prst="bentConnector2">
+            <a:avLst/>
+          </a:prstGeom>
+          <a:ln>
+            <a:solidFill>
+              <a:srgbClr val="0070C0"/>
+            </a:solidFill>
+            <a:prstDash val="lgDash"/>
+            <a:tailEnd type="triangle"/>
+          </a:ln>
+        </p:spPr>
+        <p:style>
+          <a:lnRef idx="1">
+            <a:schemeClr val="accent1"/>
+          </a:lnRef>
+          <a:fillRef idx="0">
+            <a:schemeClr val="accent1"/>
+          </a:fillRef>
+          <a:effectRef idx="0">
+            <a:schemeClr val="accent1"/>
+          </a:effectRef>
+          <a:fontRef idx="minor">
+            <a:schemeClr val="tx1"/>
+          </a:fontRef>
+        </p:style>
+      </p:cxnSp>
+      <p:grpSp>
+        <p:nvGrpSpPr>
+          <p:cNvPr id="28" name="그룹 27">
+            <a:extLst>
+              <a:ext uri="{FF2B5EF4-FFF2-40B4-BE49-F238E27FC236}">
+                <a16:creationId xmlns:a16="http://schemas.microsoft.com/office/drawing/2014/main" id="{6B0FD51D-2DDB-4973-8309-DBFECBBDA174}"/>
+              </a:ext>
+            </a:extLst>
+          </p:cNvPr>
+          <p:cNvGrpSpPr/>
+          <p:nvPr/>
+        </p:nvGrpSpPr>
+        <p:grpSpPr>
+          <a:xfrm>
+            <a:off x="6581796" y="3429000"/>
+            <a:ext cx="293732" cy="174661"/>
+            <a:chOff x="3387214" y="3429000"/>
+            <a:chExt cx="293732" cy="174661"/>
+          </a:xfrm>
+          <a:noFill/>
+        </p:grpSpPr>
+        <p:sp>
+          <p:nvSpPr>
+            <p:cNvPr id="29" name="직사각형 28">
+              <a:extLst>
+                <a:ext uri="{FF2B5EF4-FFF2-40B4-BE49-F238E27FC236}">
+                  <a16:creationId xmlns:a16="http://schemas.microsoft.com/office/drawing/2014/main" id="{26ACBACE-1B07-4867-A2A5-8D3ECE3C0FA4}"/>
+                </a:ext>
+              </a:extLst>
+            </p:cNvPr>
+            <p:cNvSpPr/>
+            <p:nvPr/>
+          </p:nvSpPr>
+          <p:spPr>
+            <a:xfrm>
+              <a:off x="3387214" y="3429000"/>
+              <a:ext cx="190531" cy="174661"/>
+            </a:xfrm>
+            <a:prstGeom prst="rect">
+              <a:avLst/>
+            </a:prstGeom>
+            <a:grpFill/>
+            <a:ln>
+              <a:noFill/>
+            </a:ln>
+          </p:spPr>
+          <p:style>
+            <a:lnRef idx="2">
+              <a:schemeClr val="dk1"/>
+            </a:lnRef>
+            <a:fillRef idx="1">
+              <a:schemeClr val="lt1"/>
+            </a:fillRef>
+            <a:effectRef idx="0">
+              <a:schemeClr val="dk1"/>
+            </a:effectRef>
+            <a:fontRef idx="minor">
+              <a:schemeClr val="dk1"/>
+            </a:fontRef>
+          </p:style>
+          <p:txBody>
+            <a:bodyPr rtlCol="0" anchor="ctr"/>
+            <a:lstStyle/>
+            <a:p>
+              <a:pPr algn="ctr"/>
+              <a:endParaRPr lang="en-GB"/>
+            </a:p>
+          </p:txBody>
+        </p:sp>
+        <p:sp>
+          <p:nvSpPr>
+            <p:cNvPr id="30" name="직사각형 29">
+              <a:extLst>
+                <a:ext uri="{FF2B5EF4-FFF2-40B4-BE49-F238E27FC236}">
+                  <a16:creationId xmlns:a16="http://schemas.microsoft.com/office/drawing/2014/main" id="{3F90FB60-9DA0-4430-8D23-1B03F3A62225}"/>
+                </a:ext>
+              </a:extLst>
+            </p:cNvPr>
+            <p:cNvSpPr/>
+            <p:nvPr/>
+          </p:nvSpPr>
+          <p:spPr>
+            <a:xfrm>
+              <a:off x="3490415" y="3429000"/>
+              <a:ext cx="190531" cy="174661"/>
+            </a:xfrm>
+            <a:prstGeom prst="rect">
+              <a:avLst/>
+            </a:prstGeom>
+            <a:grpFill/>
+            <a:ln>
+              <a:noFill/>
+            </a:ln>
+          </p:spPr>
+          <p:style>
+            <a:lnRef idx="2">
+              <a:schemeClr val="dk1"/>
+            </a:lnRef>
+            <a:fillRef idx="1">
+              <a:schemeClr val="lt1"/>
+            </a:fillRef>
+            <a:effectRef idx="0">
+              <a:schemeClr val="dk1"/>
+            </a:effectRef>
+            <a:fontRef idx="minor">
+              <a:schemeClr val="dk1"/>
+            </a:fontRef>
+          </p:style>
+          <p:txBody>
+            <a:bodyPr rtlCol="0" anchor="ctr"/>
+            <a:lstStyle/>
+            <a:p>
+              <a:pPr algn="ctr"/>
+              <a:endParaRPr lang="en-GB"/>
+            </a:p>
+          </p:txBody>
+        </p:sp>
+      </p:grpSp>
+      <p:cxnSp>
+        <p:nvCxnSpPr>
+          <p:cNvPr id="31" name="직선 화살표 연결선 30">
+            <a:extLst>
+              <a:ext uri="{FF2B5EF4-FFF2-40B4-BE49-F238E27FC236}">
+                <a16:creationId xmlns:a16="http://schemas.microsoft.com/office/drawing/2014/main" id="{DC7F0B5E-A171-40D1-B9F5-C11A394F8CA7}"/>
+              </a:ext>
+            </a:extLst>
+          </p:cNvPr>
+          <p:cNvCxnSpPr>
+            <a:stCxn id="6" idx="0"/>
+            <a:endCxn id="5" idx="3"/>
+          </p:cNvCxnSpPr>
+          <p:nvPr/>
+        </p:nvCxnSpPr>
+        <p:spPr>
+          <a:xfrm flipV="1">
+            <a:off x="2557354" y="2320315"/>
+            <a:ext cx="1742386" cy="1108685"/>
+          </a:xfrm>
+          <a:prstGeom prst="straightConnector1">
+            <a:avLst/>
+          </a:prstGeom>
+          <a:ln>
+            <a:solidFill>
+              <a:srgbClr val="7030A0"/>
+            </a:solidFill>
+            <a:tailEnd type="triangle"/>
+          </a:ln>
+        </p:spPr>
+        <p:style>
+          <a:lnRef idx="1">
+            <a:schemeClr val="accent1"/>
+          </a:lnRef>
+          <a:fillRef idx="0">
+            <a:schemeClr val="accent1"/>
+          </a:fillRef>
+          <a:effectRef idx="0">
+            <a:schemeClr val="accent1"/>
+          </a:effectRef>
+          <a:fontRef idx="minor">
+            <a:schemeClr val="tx1"/>
+          </a:fontRef>
+        </p:style>
+      </p:cxnSp>
+      <p:cxnSp>
+        <p:nvCxnSpPr>
+          <p:cNvPr id="32" name="직선 화살표 연결선 31">
+            <a:extLst>
+              <a:ext uri="{FF2B5EF4-FFF2-40B4-BE49-F238E27FC236}">
+                <a16:creationId xmlns:a16="http://schemas.microsoft.com/office/drawing/2014/main" id="{E6EF2B44-6DCE-433B-81B8-3657163E1E16}"/>
+              </a:ext>
+            </a:extLst>
+          </p:cNvPr>
+          <p:cNvCxnSpPr>
+            <a:cxnSpLocks/>
+            <a:stCxn id="8" idx="0"/>
+            <a:endCxn id="26" idx="3"/>
+          </p:cNvCxnSpPr>
+          <p:nvPr/>
+        </p:nvCxnSpPr>
+        <p:spPr>
+          <a:xfrm flipV="1">
+            <a:off x="6728662" y="2320315"/>
+            <a:ext cx="2947887" cy="1108685"/>
+          </a:xfrm>
+          <a:prstGeom prst="straightConnector1">
+            <a:avLst/>
+          </a:prstGeom>
+          <a:ln>
+            <a:solidFill>
+              <a:srgbClr val="7030A0"/>
+            </a:solidFill>
+            <a:tailEnd type="triangle"/>
+          </a:ln>
+        </p:spPr>
+        <p:style>
+          <a:lnRef idx="1">
+            <a:schemeClr val="accent1"/>
+          </a:lnRef>
+          <a:fillRef idx="0">
+            <a:schemeClr val="accent1"/>
+          </a:fillRef>
+          <a:effectRef idx="0">
+            <a:schemeClr val="accent1"/>
+          </a:effectRef>
+          <a:fontRef idx="minor">
+            <a:schemeClr val="tx1"/>
+          </a:fontRef>
+        </p:style>
+      </p:cxnSp>
+      <p:sp>
+        <p:nvSpPr>
+          <p:cNvPr id="33" name="TextBox 32">
+            <a:extLst>
+              <a:ext uri="{FF2B5EF4-FFF2-40B4-BE49-F238E27FC236}">
+                <a16:creationId xmlns:a16="http://schemas.microsoft.com/office/drawing/2014/main" id="{631C971E-019E-40AA-A64F-8A042FA379A9}"/>
+              </a:ext>
+            </a:extLst>
+          </p:cNvPr>
+          <p:cNvSpPr txBox="1"/>
+          <p:nvPr/>
+        </p:nvSpPr>
+        <p:spPr>
+          <a:xfrm>
+            <a:off x="7369940" y="3742583"/>
+            <a:ext cx="3741730" cy="307777"/>
+          </a:xfrm>
+          <a:prstGeom prst="rect">
+            <a:avLst/>
+          </a:prstGeom>
+          <a:noFill/>
+        </p:spPr>
+        <p:txBody>
+          <a:bodyPr wrap="none" rtlCol="0">
+            <a:spAutoFit/>
+          </a:bodyPr>
+          <a:lstStyle/>
+          <a:p>
+            <a:r>
+              <a:rPr lang="ko-KR" altLang="en-US" sz="1400" b="1" dirty="0">
+                <a:solidFill>
+                  <a:srgbClr val="7030A0"/>
+                </a:solidFill>
+              </a:rPr>
+              <a:t>한 사람이 동시에 여러 역할을 수행할 수 있다</a:t>
+            </a:r>
+            <a:r>
+              <a:rPr lang="en-GB" altLang="ko-KR" sz="1400" b="1" dirty="0">
+                <a:solidFill>
+                  <a:srgbClr val="7030A0"/>
+                </a:solidFill>
+              </a:rPr>
+              <a:t>.</a:t>
+            </a:r>
+            <a:endParaRPr lang="en-GB" sz="1400" b="1" dirty="0">
+              <a:solidFill>
+                <a:srgbClr val="7030A0"/>
+              </a:solidFill>
+            </a:endParaRPr>
+          </a:p>
+        </p:txBody>
+      </p:sp>
+      <p:sp>
+        <p:nvSpPr>
+          <p:cNvPr id="34" name="TextBox 33">
+            <a:extLst>
+              <a:ext uri="{FF2B5EF4-FFF2-40B4-BE49-F238E27FC236}">
+                <a16:creationId xmlns:a16="http://schemas.microsoft.com/office/drawing/2014/main" id="{42C8A511-FDE2-4E79-9A42-96B5852539FB}"/>
+              </a:ext>
+            </a:extLst>
+          </p:cNvPr>
+          <p:cNvSpPr txBox="1"/>
+          <p:nvPr/>
+        </p:nvSpPr>
+        <p:spPr>
+          <a:xfrm>
+            <a:off x="8324670" y="5126579"/>
+            <a:ext cx="3482043" cy="1397819"/>
+          </a:xfrm>
+          <a:prstGeom prst="rect">
+            <a:avLst/>
+          </a:prstGeom>
+          <a:noFill/>
+        </p:spPr>
+        <p:txBody>
+          <a:bodyPr wrap="none" rtlCol="0">
+            <a:spAutoFit/>
+          </a:bodyPr>
+          <a:lstStyle/>
+          <a:p>
+            <a:pPr>
+              <a:lnSpc>
+                <a:spcPct val="200000"/>
+              </a:lnSpc>
+            </a:pPr>
+            <a:r>
+              <a:rPr lang="en-GB" altLang="ko-KR" sz="1100" dirty="0"/>
+              <a:t>1. </a:t>
+            </a:r>
+            <a:r>
+              <a:rPr lang="ko-KR" altLang="en-US" sz="1100" dirty="0"/>
+              <a:t>여러 사람이 동일한 역할을 수행할 수 있다</a:t>
+            </a:r>
+            <a:r>
+              <a:rPr lang="en-US" altLang="ko-KR" sz="1100" dirty="0"/>
+              <a:t>.</a:t>
+            </a:r>
+          </a:p>
+          <a:p>
+            <a:pPr>
+              <a:lnSpc>
+                <a:spcPct val="200000"/>
+              </a:lnSpc>
+            </a:pPr>
+            <a:r>
+              <a:rPr lang="en-GB" altLang="ko-KR" sz="1100" dirty="0"/>
+              <a:t>2. </a:t>
+            </a:r>
+            <a:r>
+              <a:rPr lang="ko-KR" altLang="en-US" sz="1100" dirty="0"/>
+              <a:t>역할은 대체 가능성을 의미한다</a:t>
+            </a:r>
+            <a:r>
+              <a:rPr lang="en-US" altLang="ko-KR" sz="1100" dirty="0"/>
+              <a:t>.</a:t>
+            </a:r>
+          </a:p>
+          <a:p>
+            <a:pPr>
+              <a:lnSpc>
+                <a:spcPct val="200000"/>
+              </a:lnSpc>
+            </a:pPr>
+            <a:r>
+              <a:rPr lang="en-GB" altLang="ko-KR" sz="1100" dirty="0"/>
+              <a:t>3. </a:t>
+            </a:r>
+            <a:r>
+              <a:rPr lang="ko-KR" altLang="en-US" sz="1100" dirty="0"/>
+              <a:t>책임을 수행하는 방법은 자율적으로 선택할 수 있다</a:t>
+            </a:r>
+            <a:r>
+              <a:rPr lang="en-US" altLang="ko-KR" sz="1100" dirty="0"/>
+              <a:t>.</a:t>
+            </a:r>
+          </a:p>
+          <a:p>
+            <a:pPr>
+              <a:lnSpc>
+                <a:spcPct val="200000"/>
+              </a:lnSpc>
+            </a:pPr>
+            <a:r>
+              <a:rPr lang="en-GB" altLang="ko-KR" sz="1100" dirty="0"/>
+              <a:t>4. </a:t>
+            </a:r>
+            <a:r>
+              <a:rPr lang="ko-KR" altLang="en-US" sz="1100" dirty="0"/>
+              <a:t>한 사람이 동시에 여러 역할을 수행할 수 있다</a:t>
+            </a:r>
+            <a:r>
+              <a:rPr lang="en-US" altLang="ko-KR" sz="1100" dirty="0"/>
+              <a:t>.</a:t>
+            </a:r>
+            <a:endParaRPr lang="en-GB" sz="1100" dirty="0"/>
+          </a:p>
+        </p:txBody>
+      </p:sp>
+    </p:spTree>
+    <p:extLst>
+      <p:ext uri="{BB962C8B-B14F-4D97-AF65-F5344CB8AC3E}">
+        <p14:creationId xmlns:p14="http://schemas.microsoft.com/office/powerpoint/2010/main" val="179535066"/>
+      </p:ext>
+    </p:extLst>
+  </p:cSld>
+  <p:clrMapOvr>
+    <a:masterClrMapping/>
+  </p:clrMapOvr>
+</p:sld>
+</file>
+
 <file path=ppt/slides/slide2.xml><?xml version="1.0" encoding="utf-8"?>
 <p:sld xmlns:a="http://schemas.openxmlformats.org/drawingml/2006/main" xmlns:r="http://schemas.openxmlformats.org/officeDocument/2006/relationships" xmlns:p="http://schemas.openxmlformats.org/presentationml/2006/main">
   <p:cSld>

--- a/README.pptx
+++ b/README.pptx
@@ -20,6 +20,7 @@
     <p:sldId id="265" r:id="rId14"/>
     <p:sldId id="269" r:id="rId15"/>
     <p:sldId id="270" r:id="rId16"/>
+    <p:sldId id="271" r:id="rId17"/>
   </p:sldIdLst>
   <p:sldSz cx="12192000" cy="6858000"/>
   <p:notesSz cx="6858000" cy="9144000"/>
@@ -142,6 +143,7 @@
         <p14:section name="객체지향 사실과 오해" id="{32881033-8ED0-46B0-82FC-5F116BA857DD}">
           <p14:sldIdLst>
             <p14:sldId id="270"/>
+            <p14:sldId id="271"/>
           </p14:sldIdLst>
         </p14:section>
       </p14:sectionLst>
@@ -5364,10 +5366,10 @@
       </p:sp>
       <p:sp>
         <p:nvSpPr>
-          <p:cNvPr id="6" name="타원 5">
-            <a:extLst>
-              <a:ext uri="{FF2B5EF4-FFF2-40B4-BE49-F238E27FC236}">
-                <a16:creationId xmlns:a16="http://schemas.microsoft.com/office/drawing/2014/main" id="{F0D3C27C-D3A0-414F-9D0B-EB6ACBE8F8BF}"/>
+          <p:cNvPr id="7" name="타원 6">
+            <a:extLst>
+              <a:ext uri="{FF2B5EF4-FFF2-40B4-BE49-F238E27FC236}">
+                <a16:creationId xmlns:a16="http://schemas.microsoft.com/office/drawing/2014/main" id="{2C200B87-E192-467C-A53A-B370367C5563}"/>
               </a:ext>
             </a:extLst>
           </p:cNvPr>
@@ -5376,7 +5378,7 @@
         </p:nvSpPr>
         <p:spPr>
           <a:xfrm>
-            <a:off x="2071900" y="3429000"/>
+            <a:off x="4157554" y="3429000"/>
             <a:ext cx="970908" cy="934948"/>
           </a:xfrm>
           <a:prstGeom prst="ellipse">
@@ -5428,10 +5430,10 @@
       </p:sp>
       <p:sp>
         <p:nvSpPr>
-          <p:cNvPr id="7" name="타원 6">
-            <a:extLst>
-              <a:ext uri="{FF2B5EF4-FFF2-40B4-BE49-F238E27FC236}">
-                <a16:creationId xmlns:a16="http://schemas.microsoft.com/office/drawing/2014/main" id="{2C200B87-E192-467C-A53A-B370367C5563}"/>
+          <p:cNvPr id="6" name="타원 5">
+            <a:extLst>
+              <a:ext uri="{FF2B5EF4-FFF2-40B4-BE49-F238E27FC236}">
+                <a16:creationId xmlns:a16="http://schemas.microsoft.com/office/drawing/2014/main" id="{F0D3C27C-D3A0-414F-9D0B-EB6ACBE8F8BF}"/>
               </a:ext>
             </a:extLst>
           </p:cNvPr>
@@ -5440,7 +5442,7 @@
         </p:nvSpPr>
         <p:spPr>
           <a:xfrm>
-            <a:off x="4157554" y="3429000"/>
+            <a:off x="2071900" y="3429000"/>
             <a:ext cx="970908" cy="934948"/>
           </a:xfrm>
           <a:prstGeom prst="ellipse">
@@ -5658,8 +5660,8 @@
         </p:nvSpPr>
         <p:spPr>
           <a:xfrm>
-            <a:off x="2881949" y="2807638"/>
-            <a:ext cx="3522118" cy="307777"/>
+            <a:off x="2790578" y="2807638"/>
+            <a:ext cx="3704860" cy="307777"/>
           </a:xfrm>
           <a:prstGeom prst="rect">
             <a:avLst/>
@@ -5672,6 +5674,14 @@
           </a:bodyPr>
           <a:lstStyle/>
           <a:p>
+            <a:r>
+              <a:rPr lang="en-GB" altLang="ko-KR" sz="1400" b="1" dirty="0">
+                <a:solidFill>
+                  <a:srgbClr val="7030A0"/>
+                </a:solidFill>
+              </a:rPr>
+              <a:t>1. </a:t>
+            </a:r>
             <a:r>
               <a:rPr lang="ko-KR" altLang="en-US" sz="1400" b="1" dirty="0">
                 <a:solidFill>
@@ -5710,8 +5720,8 @@
         </p:nvSpPr>
         <p:spPr>
           <a:xfrm>
-            <a:off x="1412830" y="1577405"/>
-            <a:ext cx="2683748" cy="307777"/>
+            <a:off x="1161117" y="1577405"/>
+            <a:ext cx="2866490" cy="307777"/>
           </a:xfrm>
           <a:prstGeom prst="rect">
             <a:avLst/>
@@ -5724,6 +5734,14 @@
           </a:bodyPr>
           <a:lstStyle/>
           <a:p>
+            <a:r>
+              <a:rPr lang="en-GB" altLang="ko-KR" sz="1400" b="1" dirty="0">
+                <a:solidFill>
+                  <a:srgbClr val="0070C0"/>
+                </a:solidFill>
+              </a:rPr>
+              <a:t>2. </a:t>
+            </a:r>
             <a:r>
               <a:rPr lang="ko-KR" altLang="en-US" sz="1400" b="1" dirty="0">
                 <a:solidFill>
@@ -5947,8 +5965,8 @@
         </p:nvSpPr>
         <p:spPr>
           <a:xfrm>
-            <a:off x="2522877" y="5159719"/>
-            <a:ext cx="4240263" cy="307777"/>
+            <a:off x="2451543" y="5159719"/>
+            <a:ext cx="4382931" cy="307777"/>
           </a:xfrm>
           <a:prstGeom prst="rect">
             <a:avLst/>
@@ -5961,6 +5979,10 @@
           </a:bodyPr>
           <a:lstStyle/>
           <a:p>
+            <a:r>
+              <a:rPr lang="en-GB" altLang="ko-KR" sz="1400" b="1" dirty="0"/>
+              <a:t>3. </a:t>
+            </a:r>
             <a:r>
               <a:rPr lang="ko-KR" altLang="en-US" sz="1400" b="1" dirty="0"/>
               <a:t>책임을 수행하는 방법은 자율적으로 선택할 수 있다</a:t>
@@ -6675,7 +6697,7 @@
         <p:spPr>
           <a:xfrm>
             <a:off x="7369940" y="3742583"/>
-            <a:ext cx="3741730" cy="307777"/>
+            <a:ext cx="3924472" cy="307777"/>
           </a:xfrm>
           <a:prstGeom prst="rect">
             <a:avLst/>
@@ -6688,6 +6710,14 @@
           </a:bodyPr>
           <a:lstStyle/>
           <a:p>
+            <a:r>
+              <a:rPr lang="en-GB" altLang="ko-KR" sz="1400" b="1" dirty="0">
+                <a:solidFill>
+                  <a:srgbClr val="7030A0"/>
+                </a:solidFill>
+              </a:rPr>
+              <a:t>4. </a:t>
+            </a:r>
             <a:r>
               <a:rPr lang="ko-KR" altLang="en-US" sz="1400" b="1" dirty="0">
                 <a:solidFill>
@@ -6822,6 +6852,612 @@
     <p:extLst>
       <p:ext uri="{BB962C8B-B14F-4D97-AF65-F5344CB8AC3E}">
         <p14:creationId xmlns:p14="http://schemas.microsoft.com/office/powerpoint/2010/main" val="179535066"/>
+      </p:ext>
+    </p:extLst>
+  </p:cSld>
+  <p:clrMapOvr>
+    <a:masterClrMapping/>
+  </p:clrMapOvr>
+</p:sld>
+</file>
+
+<file path=ppt/slides/slide16.xml><?xml version="1.0" encoding="utf-8"?>
+<p:sld xmlns:a="http://schemas.openxmlformats.org/drawingml/2006/main" xmlns:r="http://schemas.openxmlformats.org/officeDocument/2006/relationships" xmlns:p="http://schemas.openxmlformats.org/presentationml/2006/main">
+  <p:cSld>
+    <p:spTree>
+      <p:nvGrpSpPr>
+        <p:cNvPr id="1" name=""/>
+        <p:cNvGrpSpPr/>
+        <p:nvPr/>
+      </p:nvGrpSpPr>
+      <p:grpSpPr>
+        <a:xfrm>
+          <a:off x="0" y="0"/>
+          <a:ext cx="0" cy="0"/>
+          <a:chOff x="0" y="0"/>
+          <a:chExt cx="0" cy="0"/>
+        </a:xfrm>
+      </p:grpSpPr>
+      <p:sp>
+        <p:nvSpPr>
+          <p:cNvPr id="4" name="타원 3">
+            <a:extLst>
+              <a:ext uri="{FF2B5EF4-FFF2-40B4-BE49-F238E27FC236}">
+                <a16:creationId xmlns:a16="http://schemas.microsoft.com/office/drawing/2014/main" id="{5209B753-CCC1-440A-8C98-1E882C67A7E7}"/>
+              </a:ext>
+            </a:extLst>
+          </p:cNvPr>
+          <p:cNvSpPr/>
+          <p:nvPr/>
+        </p:nvSpPr>
+        <p:spPr>
+          <a:xfrm>
+            <a:off x="6284788" y="2785731"/>
+            <a:ext cx="1303161" cy="1235468"/>
+          </a:xfrm>
+          <a:prstGeom prst="ellipse">
+            <a:avLst/>
+          </a:prstGeom>
+          <a:noFill/>
+          <a:ln w="57150">
+            <a:solidFill>
+              <a:srgbClr val="7030A0"/>
+            </a:solidFill>
+          </a:ln>
+        </p:spPr>
+        <p:style>
+          <a:lnRef idx="2">
+            <a:schemeClr val="accent1">
+              <a:shade val="50000"/>
+            </a:schemeClr>
+          </a:lnRef>
+          <a:fillRef idx="1">
+            <a:schemeClr val="accent1"/>
+          </a:fillRef>
+          <a:effectRef idx="0">
+            <a:schemeClr val="accent1"/>
+          </a:effectRef>
+          <a:fontRef idx="minor">
+            <a:schemeClr val="lt1"/>
+          </a:fontRef>
+        </p:style>
+        <p:txBody>
+          <a:bodyPr rtlCol="0" anchor="ctr"/>
+          <a:lstStyle/>
+          <a:p>
+            <a:pPr algn="ctr"/>
+            <a:endParaRPr lang="en-GB" sz="1600" dirty="0">
+              <a:solidFill>
+                <a:srgbClr val="7030A0"/>
+              </a:solidFill>
+            </a:endParaRPr>
+          </a:p>
+        </p:txBody>
+      </p:sp>
+      <p:cxnSp>
+        <p:nvCxnSpPr>
+          <p:cNvPr id="6" name="직선 화살표 연결선 5">
+            <a:extLst>
+              <a:ext uri="{FF2B5EF4-FFF2-40B4-BE49-F238E27FC236}">
+                <a16:creationId xmlns:a16="http://schemas.microsoft.com/office/drawing/2014/main" id="{0CF464A7-8910-43C2-953D-1FB72BC72635}"/>
+              </a:ext>
+            </a:extLst>
+          </p:cNvPr>
+          <p:cNvCxnSpPr>
+            <a:cxnSpLocks/>
+            <a:stCxn id="19" idx="6"/>
+            <a:endCxn id="4" idx="2"/>
+          </p:cNvCxnSpPr>
+          <p:nvPr/>
+        </p:nvCxnSpPr>
+        <p:spPr>
+          <a:xfrm>
+            <a:off x="5116130" y="3403465"/>
+            <a:ext cx="1168658" cy="0"/>
+          </a:xfrm>
+          <a:prstGeom prst="straightConnector1">
+            <a:avLst/>
+          </a:prstGeom>
+          <a:ln w="28575">
+            <a:solidFill>
+              <a:schemeClr val="tx1"/>
+            </a:solidFill>
+            <a:tailEnd type="triangle"/>
+          </a:ln>
+        </p:spPr>
+        <p:style>
+          <a:lnRef idx="1">
+            <a:schemeClr val="accent1"/>
+          </a:lnRef>
+          <a:fillRef idx="0">
+            <a:schemeClr val="accent1"/>
+          </a:fillRef>
+          <a:effectRef idx="0">
+            <a:schemeClr val="accent1"/>
+          </a:effectRef>
+          <a:fontRef idx="minor">
+            <a:schemeClr val="tx1"/>
+          </a:fontRef>
+        </p:style>
+      </p:cxnSp>
+      <p:cxnSp>
+        <p:nvCxnSpPr>
+          <p:cNvPr id="11" name="직선 화살표 연결선 10">
+            <a:extLst>
+              <a:ext uri="{FF2B5EF4-FFF2-40B4-BE49-F238E27FC236}">
+                <a16:creationId xmlns:a16="http://schemas.microsoft.com/office/drawing/2014/main" id="{26756A71-2D2B-49DC-9C4D-32797496414C}"/>
+              </a:ext>
+            </a:extLst>
+          </p:cNvPr>
+          <p:cNvCxnSpPr>
+            <a:cxnSpLocks/>
+            <a:stCxn id="4" idx="6"/>
+          </p:cNvCxnSpPr>
+          <p:nvPr/>
+        </p:nvCxnSpPr>
+        <p:spPr>
+          <a:xfrm>
+            <a:off x="7587949" y="3403465"/>
+            <a:ext cx="791082" cy="1"/>
+          </a:xfrm>
+          <a:prstGeom prst="straightConnector1">
+            <a:avLst/>
+          </a:prstGeom>
+          <a:ln w="28575">
+            <a:solidFill>
+              <a:schemeClr val="tx1"/>
+            </a:solidFill>
+            <a:tailEnd type="triangle"/>
+          </a:ln>
+        </p:spPr>
+        <p:style>
+          <a:lnRef idx="1">
+            <a:schemeClr val="accent1"/>
+          </a:lnRef>
+          <a:fillRef idx="0">
+            <a:schemeClr val="accent1"/>
+          </a:fillRef>
+          <a:effectRef idx="0">
+            <a:schemeClr val="accent1"/>
+          </a:effectRef>
+          <a:fontRef idx="minor">
+            <a:schemeClr val="tx1"/>
+          </a:fontRef>
+        </p:style>
+      </p:cxnSp>
+      <p:sp>
+        <p:nvSpPr>
+          <p:cNvPr id="14" name="TextBox 13">
+            <a:extLst>
+              <a:ext uri="{FF2B5EF4-FFF2-40B4-BE49-F238E27FC236}">
+                <a16:creationId xmlns:a16="http://schemas.microsoft.com/office/drawing/2014/main" id="{DDEDB3E5-9DC5-4982-8B8D-DCA38FA8645F}"/>
+              </a:ext>
+            </a:extLst>
+          </p:cNvPr>
+          <p:cNvSpPr txBox="1"/>
+          <p:nvPr/>
+        </p:nvSpPr>
+        <p:spPr>
+          <a:xfrm>
+            <a:off x="5338821" y="3026337"/>
+            <a:ext cx="723275" cy="307777"/>
+          </a:xfrm>
+          <a:prstGeom prst="rect">
+            <a:avLst/>
+          </a:prstGeom>
+          <a:noFill/>
+        </p:spPr>
+        <p:txBody>
+          <a:bodyPr wrap="none" rtlCol="0">
+            <a:spAutoFit/>
+          </a:bodyPr>
+          <a:lstStyle/>
+          <a:p>
+            <a:r>
+              <a:rPr lang="ko-KR" altLang="en-US" sz="1400" b="1" dirty="0"/>
+              <a:t>메시지</a:t>
+            </a:r>
+            <a:endParaRPr lang="en-GB" sz="1400" b="1" dirty="0"/>
+          </a:p>
+        </p:txBody>
+      </p:sp>
+      <p:sp>
+        <p:nvSpPr>
+          <p:cNvPr id="15" name="TextBox 14">
+            <a:extLst>
+              <a:ext uri="{FF2B5EF4-FFF2-40B4-BE49-F238E27FC236}">
+                <a16:creationId xmlns:a16="http://schemas.microsoft.com/office/drawing/2014/main" id="{2CC6EBB2-A334-4963-96F6-B11F367DE01B}"/>
+              </a:ext>
+            </a:extLst>
+          </p:cNvPr>
+          <p:cNvSpPr txBox="1"/>
+          <p:nvPr/>
+        </p:nvSpPr>
+        <p:spPr>
+          <a:xfrm>
+            <a:off x="6574731" y="3026337"/>
+            <a:ext cx="723275" cy="307777"/>
+          </a:xfrm>
+          <a:prstGeom prst="rect">
+            <a:avLst/>
+          </a:prstGeom>
+          <a:noFill/>
+        </p:spPr>
+        <p:txBody>
+          <a:bodyPr wrap="none" rtlCol="0">
+            <a:spAutoFit/>
+          </a:bodyPr>
+          <a:lstStyle/>
+          <a:p>
+            <a:r>
+              <a:rPr lang="ko-KR" altLang="en-US" sz="1400" b="1" dirty="0">
+                <a:solidFill>
+                  <a:srgbClr val="0070C0"/>
+                </a:solidFill>
+              </a:rPr>
+              <a:t>메서드</a:t>
+            </a:r>
+            <a:endParaRPr lang="en-GB" sz="1400" b="1" dirty="0">
+              <a:solidFill>
+                <a:srgbClr val="0070C0"/>
+              </a:solidFill>
+            </a:endParaRPr>
+          </a:p>
+        </p:txBody>
+      </p:sp>
+      <p:cxnSp>
+        <p:nvCxnSpPr>
+          <p:cNvPr id="17" name="직선 화살표 연결선 16">
+            <a:extLst>
+              <a:ext uri="{FF2B5EF4-FFF2-40B4-BE49-F238E27FC236}">
+                <a16:creationId xmlns:a16="http://schemas.microsoft.com/office/drawing/2014/main" id="{55011ACE-6462-4268-9182-AA95B61DD164}"/>
+              </a:ext>
+            </a:extLst>
+          </p:cNvPr>
+          <p:cNvCxnSpPr>
+            <a:stCxn id="4" idx="2"/>
+            <a:endCxn id="4" idx="6"/>
+          </p:cNvCxnSpPr>
+          <p:nvPr/>
+        </p:nvCxnSpPr>
+        <p:spPr>
+          <a:xfrm>
+            <a:off x="6284788" y="3403465"/>
+            <a:ext cx="1303161" cy="0"/>
+          </a:xfrm>
+          <a:prstGeom prst="straightConnector1">
+            <a:avLst/>
+          </a:prstGeom>
+          <a:ln w="12700">
+            <a:prstDash val="dash"/>
+            <a:tailEnd type="triangle"/>
+          </a:ln>
+        </p:spPr>
+        <p:style>
+          <a:lnRef idx="1">
+            <a:schemeClr val="accent1"/>
+          </a:lnRef>
+          <a:fillRef idx="0">
+            <a:schemeClr val="accent1"/>
+          </a:fillRef>
+          <a:effectRef idx="0">
+            <a:schemeClr val="accent1"/>
+          </a:effectRef>
+          <a:fontRef idx="minor">
+            <a:schemeClr val="tx1"/>
+          </a:fontRef>
+        </p:style>
+      </p:cxnSp>
+      <p:sp>
+        <p:nvSpPr>
+          <p:cNvPr id="18" name="TextBox 17">
+            <a:extLst>
+              <a:ext uri="{FF2B5EF4-FFF2-40B4-BE49-F238E27FC236}">
+                <a16:creationId xmlns:a16="http://schemas.microsoft.com/office/drawing/2014/main" id="{0A72FC50-9155-4E22-B053-C686EF40BC18}"/>
+              </a:ext>
+            </a:extLst>
+          </p:cNvPr>
+          <p:cNvSpPr txBox="1"/>
+          <p:nvPr/>
+        </p:nvSpPr>
+        <p:spPr>
+          <a:xfrm>
+            <a:off x="6613203" y="2288419"/>
+            <a:ext cx="646331" cy="369332"/>
+          </a:xfrm>
+          <a:prstGeom prst="rect">
+            <a:avLst/>
+          </a:prstGeom>
+          <a:noFill/>
+        </p:spPr>
+        <p:txBody>
+          <a:bodyPr wrap="none" rtlCol="0">
+            <a:spAutoFit/>
+          </a:bodyPr>
+          <a:lstStyle/>
+          <a:p>
+            <a:r>
+              <a:rPr lang="ko-KR" altLang="en-US" b="1" dirty="0">
+                <a:solidFill>
+                  <a:srgbClr val="7030A0"/>
+                </a:solidFill>
+              </a:rPr>
+              <a:t>객체</a:t>
+            </a:r>
+            <a:endParaRPr lang="en-GB" b="1" dirty="0">
+              <a:solidFill>
+                <a:srgbClr val="7030A0"/>
+              </a:solidFill>
+            </a:endParaRPr>
+          </a:p>
+        </p:txBody>
+      </p:sp>
+      <p:sp>
+        <p:nvSpPr>
+          <p:cNvPr id="19" name="타원 18">
+            <a:extLst>
+              <a:ext uri="{FF2B5EF4-FFF2-40B4-BE49-F238E27FC236}">
+                <a16:creationId xmlns:a16="http://schemas.microsoft.com/office/drawing/2014/main" id="{F46D139F-009B-4686-BF2C-E653DED0D0A9}"/>
+              </a:ext>
+            </a:extLst>
+          </p:cNvPr>
+          <p:cNvSpPr/>
+          <p:nvPr/>
+        </p:nvSpPr>
+        <p:spPr>
+          <a:xfrm>
+            <a:off x="3812969" y="2785731"/>
+            <a:ext cx="1303161" cy="1235468"/>
+          </a:xfrm>
+          <a:prstGeom prst="ellipse">
+            <a:avLst/>
+          </a:prstGeom>
+          <a:noFill/>
+          <a:ln w="57150">
+            <a:solidFill>
+              <a:srgbClr val="7030A0"/>
+            </a:solidFill>
+          </a:ln>
+        </p:spPr>
+        <p:style>
+          <a:lnRef idx="2">
+            <a:schemeClr val="accent1">
+              <a:shade val="50000"/>
+            </a:schemeClr>
+          </a:lnRef>
+          <a:fillRef idx="1">
+            <a:schemeClr val="accent1"/>
+          </a:fillRef>
+          <a:effectRef idx="0">
+            <a:schemeClr val="accent1"/>
+          </a:effectRef>
+          <a:fontRef idx="minor">
+            <a:schemeClr val="lt1"/>
+          </a:fontRef>
+        </p:style>
+        <p:txBody>
+          <a:bodyPr rtlCol="0" anchor="ctr"/>
+          <a:lstStyle/>
+          <a:p>
+            <a:pPr algn="ctr"/>
+            <a:endParaRPr lang="en-GB" sz="1600" dirty="0">
+              <a:solidFill>
+                <a:srgbClr val="7030A0"/>
+              </a:solidFill>
+            </a:endParaRPr>
+          </a:p>
+        </p:txBody>
+      </p:sp>
+      <p:sp>
+        <p:nvSpPr>
+          <p:cNvPr id="21" name="TextBox 20">
+            <a:extLst>
+              <a:ext uri="{FF2B5EF4-FFF2-40B4-BE49-F238E27FC236}">
+                <a16:creationId xmlns:a16="http://schemas.microsoft.com/office/drawing/2014/main" id="{93D08F07-AB35-4AAB-AB7F-1CE62AA4FB16}"/>
+              </a:ext>
+            </a:extLst>
+          </p:cNvPr>
+          <p:cNvSpPr txBox="1"/>
+          <p:nvPr/>
+        </p:nvSpPr>
+        <p:spPr>
+          <a:xfrm>
+            <a:off x="4141383" y="2288419"/>
+            <a:ext cx="646331" cy="369332"/>
+          </a:xfrm>
+          <a:prstGeom prst="rect">
+            <a:avLst/>
+          </a:prstGeom>
+          <a:noFill/>
+        </p:spPr>
+        <p:txBody>
+          <a:bodyPr wrap="none" rtlCol="0">
+            <a:spAutoFit/>
+          </a:bodyPr>
+          <a:lstStyle/>
+          <a:p>
+            <a:r>
+              <a:rPr lang="ko-KR" altLang="en-US" b="1" dirty="0">
+                <a:solidFill>
+                  <a:srgbClr val="7030A0"/>
+                </a:solidFill>
+              </a:rPr>
+              <a:t>객체</a:t>
+            </a:r>
+            <a:endParaRPr lang="en-GB" b="1" dirty="0">
+              <a:solidFill>
+                <a:srgbClr val="7030A0"/>
+              </a:solidFill>
+            </a:endParaRPr>
+          </a:p>
+        </p:txBody>
+      </p:sp>
+      <p:sp>
+        <p:nvSpPr>
+          <p:cNvPr id="23" name="TextBox 22">
+            <a:extLst>
+              <a:ext uri="{FF2B5EF4-FFF2-40B4-BE49-F238E27FC236}">
+                <a16:creationId xmlns:a16="http://schemas.microsoft.com/office/drawing/2014/main" id="{AB962F8C-46BF-483B-8DD3-6685A697F2D4}"/>
+              </a:ext>
+            </a:extLst>
+          </p:cNvPr>
+          <p:cNvSpPr txBox="1"/>
+          <p:nvPr/>
+        </p:nvSpPr>
+        <p:spPr>
+          <a:xfrm>
+            <a:off x="5377902" y="3463407"/>
+            <a:ext cx="645113" cy="307777"/>
+          </a:xfrm>
+          <a:prstGeom prst="rect">
+            <a:avLst/>
+          </a:prstGeom>
+          <a:noFill/>
+        </p:spPr>
+        <p:txBody>
+          <a:bodyPr wrap="none" rtlCol="0">
+            <a:spAutoFit/>
+          </a:bodyPr>
+          <a:lstStyle/>
+          <a:p>
+            <a:r>
+              <a:rPr lang="en-GB" sz="1400" b="1" dirty="0"/>
+              <a:t>WHAT</a:t>
+            </a:r>
+          </a:p>
+        </p:txBody>
+      </p:sp>
+      <p:sp>
+        <p:nvSpPr>
+          <p:cNvPr id="24" name="TextBox 23">
+            <a:extLst>
+              <a:ext uri="{FF2B5EF4-FFF2-40B4-BE49-F238E27FC236}">
+                <a16:creationId xmlns:a16="http://schemas.microsoft.com/office/drawing/2014/main" id="{C37A8BF6-6E85-4785-86D5-E937A5CDF21D}"/>
+              </a:ext>
+            </a:extLst>
+          </p:cNvPr>
+          <p:cNvSpPr txBox="1"/>
+          <p:nvPr/>
+        </p:nvSpPr>
+        <p:spPr>
+          <a:xfrm>
+            <a:off x="6645551" y="3463407"/>
+            <a:ext cx="581634" cy="307777"/>
+          </a:xfrm>
+          <a:prstGeom prst="rect">
+            <a:avLst/>
+          </a:prstGeom>
+          <a:noFill/>
+        </p:spPr>
+        <p:txBody>
+          <a:bodyPr wrap="none" rtlCol="0">
+            <a:spAutoFit/>
+          </a:bodyPr>
+          <a:lstStyle/>
+          <a:p>
+            <a:r>
+              <a:rPr lang="en-GB" sz="1400" b="1" dirty="0">
+                <a:solidFill>
+                  <a:srgbClr val="0070C0"/>
+                </a:solidFill>
+              </a:rPr>
+              <a:t>HOW</a:t>
+            </a:r>
+          </a:p>
+        </p:txBody>
+      </p:sp>
+      <p:sp>
+        <p:nvSpPr>
+          <p:cNvPr id="27" name="TextBox 26">
+            <a:extLst>
+              <a:ext uri="{FF2B5EF4-FFF2-40B4-BE49-F238E27FC236}">
+                <a16:creationId xmlns:a16="http://schemas.microsoft.com/office/drawing/2014/main" id="{1CB72190-474D-4BCC-B712-12B4C58FE293}"/>
+              </a:ext>
+            </a:extLst>
+          </p:cNvPr>
+          <p:cNvSpPr txBox="1"/>
+          <p:nvPr/>
+        </p:nvSpPr>
+        <p:spPr>
+          <a:xfrm>
+            <a:off x="6375156" y="4261805"/>
+            <a:ext cx="1122423" cy="307777"/>
+          </a:xfrm>
+          <a:prstGeom prst="rect">
+            <a:avLst/>
+          </a:prstGeom>
+          <a:noFill/>
+        </p:spPr>
+        <p:txBody>
+          <a:bodyPr wrap="none" rtlCol="0">
+            <a:spAutoFit/>
+          </a:bodyPr>
+          <a:lstStyle/>
+          <a:p>
+            <a:r>
+              <a:rPr lang="ko-KR" altLang="en-US" sz="1400">
+                <a:solidFill>
+                  <a:srgbClr val="7030A0"/>
+                </a:solidFill>
+              </a:rPr>
+              <a:t>상태와 행위</a:t>
+            </a:r>
+            <a:endParaRPr lang="en-GB" sz="1400" dirty="0">
+              <a:solidFill>
+                <a:srgbClr val="7030A0"/>
+              </a:solidFill>
+            </a:endParaRPr>
+          </a:p>
+        </p:txBody>
+      </p:sp>
+      <p:sp>
+        <p:nvSpPr>
+          <p:cNvPr id="28" name="TextBox 27">
+            <a:extLst>
+              <a:ext uri="{FF2B5EF4-FFF2-40B4-BE49-F238E27FC236}">
+                <a16:creationId xmlns:a16="http://schemas.microsoft.com/office/drawing/2014/main" id="{D3A323E9-E05F-4507-BECA-A564DEDB5047}"/>
+              </a:ext>
+            </a:extLst>
+          </p:cNvPr>
+          <p:cNvSpPr txBox="1"/>
+          <p:nvPr/>
+        </p:nvSpPr>
+        <p:spPr>
+          <a:xfrm>
+            <a:off x="3903336" y="4261805"/>
+            <a:ext cx="1122423" cy="307777"/>
+          </a:xfrm>
+          <a:prstGeom prst="rect">
+            <a:avLst/>
+          </a:prstGeom>
+          <a:noFill/>
+        </p:spPr>
+        <p:txBody>
+          <a:bodyPr wrap="none" rtlCol="0">
+            <a:spAutoFit/>
+          </a:bodyPr>
+          <a:lstStyle/>
+          <a:p>
+            <a:r>
+              <a:rPr lang="ko-KR" altLang="en-US" sz="1400">
+                <a:solidFill>
+                  <a:srgbClr val="7030A0"/>
+                </a:solidFill>
+              </a:rPr>
+              <a:t>상태와 행위</a:t>
+            </a:r>
+            <a:endParaRPr lang="en-GB" sz="1400" dirty="0">
+              <a:solidFill>
+                <a:srgbClr val="7030A0"/>
+              </a:solidFill>
+            </a:endParaRPr>
+          </a:p>
+        </p:txBody>
+      </p:sp>
+    </p:spTree>
+    <p:extLst>
+      <p:ext uri="{BB962C8B-B14F-4D97-AF65-F5344CB8AC3E}">
+        <p14:creationId xmlns:p14="http://schemas.microsoft.com/office/powerpoint/2010/main" val="1887112022"/>
       </p:ext>
     </p:extLst>
   </p:cSld>
